--- a/RegrasNegocio/RN_Requisitos.pptx
+++ b/RegrasNegocio/RN_Requisitos.pptx
@@ -13,6 +13,7 @@
     <p:sldId id="260" r:id="rId7"/>
     <p:sldId id="262" r:id="rId8"/>
     <p:sldId id="263" r:id="rId9"/>
+    <p:sldId id="264" r:id="rId10"/>
   </p:sldIdLst>
   <p:sldSz cx="12192000" cy="6858000"/>
   <p:notesSz cx="6858000" cy="9144000"/>
@@ -266,7 +267,7 @@
           <a:p>
             <a:fld id="{0A1764AE-7598-4101-9D63-6EC8D69CE664}" type="datetimeFigureOut">
               <a:rPr lang="pt-BR" smtClean="0"/>
-              <a:t>12/12/2023</a:t>
+              <a:t>22/01/2024</a:t>
             </a:fld>
             <a:endParaRPr lang="pt-BR"/>
           </a:p>
@@ -464,7 +465,7 @@
           <a:p>
             <a:fld id="{0A1764AE-7598-4101-9D63-6EC8D69CE664}" type="datetimeFigureOut">
               <a:rPr lang="pt-BR" smtClean="0"/>
-              <a:t>12/12/2023</a:t>
+              <a:t>22/01/2024</a:t>
             </a:fld>
             <a:endParaRPr lang="pt-BR"/>
           </a:p>
@@ -672,7 +673,7 @@
           <a:p>
             <a:fld id="{0A1764AE-7598-4101-9D63-6EC8D69CE664}" type="datetimeFigureOut">
               <a:rPr lang="pt-BR" smtClean="0"/>
-              <a:t>12/12/2023</a:t>
+              <a:t>22/01/2024</a:t>
             </a:fld>
             <a:endParaRPr lang="pt-BR"/>
           </a:p>
@@ -870,7 +871,7 @@
           <a:p>
             <a:fld id="{0A1764AE-7598-4101-9D63-6EC8D69CE664}" type="datetimeFigureOut">
               <a:rPr lang="pt-BR" smtClean="0"/>
-              <a:t>12/12/2023</a:t>
+              <a:t>22/01/2024</a:t>
             </a:fld>
             <a:endParaRPr lang="pt-BR"/>
           </a:p>
@@ -1145,7 +1146,7 @@
           <a:p>
             <a:fld id="{0A1764AE-7598-4101-9D63-6EC8D69CE664}" type="datetimeFigureOut">
               <a:rPr lang="pt-BR" smtClean="0"/>
-              <a:t>12/12/2023</a:t>
+              <a:t>22/01/2024</a:t>
             </a:fld>
             <a:endParaRPr lang="pt-BR"/>
           </a:p>
@@ -1410,7 +1411,7 @@
           <a:p>
             <a:fld id="{0A1764AE-7598-4101-9D63-6EC8D69CE664}" type="datetimeFigureOut">
               <a:rPr lang="pt-BR" smtClean="0"/>
-              <a:t>12/12/2023</a:t>
+              <a:t>22/01/2024</a:t>
             </a:fld>
             <a:endParaRPr lang="pt-BR"/>
           </a:p>
@@ -1822,7 +1823,7 @@
           <a:p>
             <a:fld id="{0A1764AE-7598-4101-9D63-6EC8D69CE664}" type="datetimeFigureOut">
               <a:rPr lang="pt-BR" smtClean="0"/>
-              <a:t>12/12/2023</a:t>
+              <a:t>22/01/2024</a:t>
             </a:fld>
             <a:endParaRPr lang="pt-BR"/>
           </a:p>
@@ -1963,7 +1964,7 @@
           <a:p>
             <a:fld id="{0A1764AE-7598-4101-9D63-6EC8D69CE664}" type="datetimeFigureOut">
               <a:rPr lang="pt-BR" smtClean="0"/>
-              <a:t>12/12/2023</a:t>
+              <a:t>22/01/2024</a:t>
             </a:fld>
             <a:endParaRPr lang="pt-BR"/>
           </a:p>
@@ -2076,7 +2077,7 @@
           <a:p>
             <a:fld id="{0A1764AE-7598-4101-9D63-6EC8D69CE664}" type="datetimeFigureOut">
               <a:rPr lang="pt-BR" smtClean="0"/>
-              <a:t>12/12/2023</a:t>
+              <a:t>22/01/2024</a:t>
             </a:fld>
             <a:endParaRPr lang="pt-BR"/>
           </a:p>
@@ -2387,7 +2388,7 @@
           <a:p>
             <a:fld id="{0A1764AE-7598-4101-9D63-6EC8D69CE664}" type="datetimeFigureOut">
               <a:rPr lang="pt-BR" smtClean="0"/>
-              <a:t>12/12/2023</a:t>
+              <a:t>22/01/2024</a:t>
             </a:fld>
             <a:endParaRPr lang="pt-BR"/>
           </a:p>
@@ -2675,7 +2676,7 @@
           <a:p>
             <a:fld id="{0A1764AE-7598-4101-9D63-6EC8D69CE664}" type="datetimeFigureOut">
               <a:rPr lang="pt-BR" smtClean="0"/>
-              <a:t>12/12/2023</a:t>
+              <a:t>22/01/2024</a:t>
             </a:fld>
             <a:endParaRPr lang="pt-BR"/>
           </a:p>
@@ -2916,7 +2917,7 @@
           <a:p>
             <a:fld id="{0A1764AE-7598-4101-9D63-6EC8D69CE664}" type="datetimeFigureOut">
               <a:rPr lang="pt-BR" smtClean="0"/>
-              <a:t>12/12/2023</a:t>
+              <a:t>22/01/2024</a:t>
             </a:fld>
             <a:endParaRPr lang="pt-BR"/>
           </a:p>
@@ -6022,6 +6023,249 @@
 </p:sld>
 </file>
 
+<file path=ppt/slides/slide9.xml><?xml version="1.0" encoding="utf-8"?>
+<p:sld xmlns:a="http://schemas.openxmlformats.org/drawingml/2006/main" xmlns:r="http://schemas.openxmlformats.org/officeDocument/2006/relationships" xmlns:p="http://schemas.openxmlformats.org/presentationml/2006/main">
+  <p:cSld>
+    <p:spTree>
+      <p:nvGrpSpPr>
+        <p:cNvPr id="1" name=""/>
+        <p:cNvGrpSpPr/>
+        <p:nvPr/>
+      </p:nvGrpSpPr>
+      <p:grpSpPr>
+        <a:xfrm>
+          <a:off x="0" y="0"/>
+          <a:ext cx="0" cy="0"/>
+          <a:chOff x="0" y="0"/>
+          <a:chExt cx="0" cy="0"/>
+        </a:xfrm>
+      </p:grpSpPr>
+      <p:sp>
+        <p:nvSpPr>
+          <p:cNvPr id="2" name="Título 1"/>
+          <p:cNvSpPr>
+            <a:spLocks noGrp="1"/>
+          </p:cNvSpPr>
+          <p:nvPr>
+            <p:ph type="title"/>
+          </p:nvPr>
+        </p:nvSpPr>
+        <p:spPr>
+          <a:xfrm>
+            <a:off x="3053644" y="111939"/>
+            <a:ext cx="5463821" cy="1325563"/>
+          </a:xfrm>
+        </p:spPr>
+        <p:txBody>
+          <a:bodyPr>
+            <a:normAutofit/>
+          </a:bodyPr>
+          <a:lstStyle/>
+          <a:p>
+            <a:r>
+              <a:rPr lang="pt-BR" sz="6000" dirty="0" smtClean="0">
+                <a:latin typeface="Bahnschrift SemiBold" panose="020B0502040204020203" pitchFamily="34" charset="0"/>
+              </a:rPr>
+              <a:t>Caso de teste</a:t>
+            </a:r>
+            <a:endParaRPr lang="pt-BR" sz="6000" dirty="0">
+              <a:latin typeface="Bahnschrift SemiBold" panose="020B0502040204020203" pitchFamily="34" charset="0"/>
+            </a:endParaRPr>
+          </a:p>
+        </p:txBody>
+      </p:sp>
+      <p:sp>
+        <p:nvSpPr>
+          <p:cNvPr id="3" name="CaixaDeTexto 2"/>
+          <p:cNvSpPr txBox="1"/>
+          <p:nvPr/>
+        </p:nvSpPr>
+        <p:spPr>
+          <a:xfrm>
+            <a:off x="1332089" y="1334195"/>
+            <a:ext cx="3849511" cy="646331"/>
+          </a:xfrm>
+          <a:prstGeom prst="rect">
+            <a:avLst/>
+          </a:prstGeom>
+          <a:noFill/>
+        </p:spPr>
+        <p:txBody>
+          <a:bodyPr wrap="square" rtlCol="0">
+            <a:spAutoFit/>
+          </a:bodyPr>
+          <a:lstStyle/>
+          <a:p>
+            <a:r>
+              <a:rPr lang="pt-BR" dirty="0" smtClean="0"/>
+              <a:t>Projeto: Site Almoxarifado</a:t>
+            </a:r>
+          </a:p>
+          <a:p>
+            <a:endParaRPr lang="pt-BR" dirty="0"/>
+          </a:p>
+        </p:txBody>
+      </p:sp>
+      <p:sp>
+        <p:nvSpPr>
+          <p:cNvPr id="4" name="Retângulo 3"/>
+          <p:cNvSpPr/>
+          <p:nvPr/>
+        </p:nvSpPr>
+        <p:spPr>
+          <a:xfrm>
+            <a:off x="711202" y="1756853"/>
+            <a:ext cx="10216444" cy="4824569"/>
+          </a:xfrm>
+          <a:prstGeom prst="rect">
+            <a:avLst/>
+          </a:prstGeom>
+          <a:solidFill>
+            <a:schemeClr val="bg1"/>
+          </a:solidFill>
+        </p:spPr>
+        <p:style>
+          <a:lnRef idx="2">
+            <a:schemeClr val="accent1">
+              <a:shade val="50000"/>
+            </a:schemeClr>
+          </a:lnRef>
+          <a:fillRef idx="1">
+            <a:schemeClr val="accent1"/>
+          </a:fillRef>
+          <a:effectRef idx="0">
+            <a:schemeClr val="accent1"/>
+          </a:effectRef>
+          <a:fontRef idx="minor">
+            <a:schemeClr val="lt1"/>
+          </a:fontRef>
+        </p:style>
+        <p:txBody>
+          <a:bodyPr rtlCol="0" anchor="ctr"/>
+          <a:lstStyle/>
+          <a:p>
+            <a:pPr algn="ctr"/>
+            <a:endParaRPr lang="pt-BR"/>
+          </a:p>
+        </p:txBody>
+      </p:sp>
+      <p:sp>
+        <p:nvSpPr>
+          <p:cNvPr id="5" name="Retângulo 4"/>
+          <p:cNvSpPr/>
+          <p:nvPr/>
+        </p:nvSpPr>
+        <p:spPr>
+          <a:xfrm>
+            <a:off x="711202" y="1756853"/>
+            <a:ext cx="10216444" cy="783147"/>
+          </a:xfrm>
+          <a:prstGeom prst="rect">
+            <a:avLst/>
+          </a:prstGeom>
+          <a:solidFill>
+            <a:schemeClr val="tx1"/>
+          </a:solidFill>
+        </p:spPr>
+        <p:style>
+          <a:lnRef idx="2">
+            <a:schemeClr val="accent1">
+              <a:shade val="50000"/>
+            </a:schemeClr>
+          </a:lnRef>
+          <a:fillRef idx="1">
+            <a:schemeClr val="accent1"/>
+          </a:fillRef>
+          <a:effectRef idx="0">
+            <a:schemeClr val="accent1"/>
+          </a:effectRef>
+          <a:fontRef idx="minor">
+            <a:schemeClr val="lt1"/>
+          </a:fontRef>
+        </p:style>
+        <p:txBody>
+          <a:bodyPr rtlCol="0" anchor="ctr"/>
+          <a:lstStyle/>
+          <a:p>
+            <a:pPr algn="ctr"/>
+            <a:endParaRPr lang="pt-BR"/>
+          </a:p>
+        </p:txBody>
+      </p:sp>
+      <p:sp>
+        <p:nvSpPr>
+          <p:cNvPr id="6" name="CaixaDeTexto 5"/>
+          <p:cNvSpPr txBox="1"/>
+          <p:nvPr/>
+        </p:nvSpPr>
+        <p:spPr>
+          <a:xfrm>
+            <a:off x="993420" y="2691809"/>
+            <a:ext cx="10114847" cy="1754326"/>
+          </a:xfrm>
+          <a:prstGeom prst="rect">
+            <a:avLst/>
+          </a:prstGeom>
+          <a:noFill/>
+        </p:spPr>
+        <p:txBody>
+          <a:bodyPr wrap="square" rtlCol="0">
+            <a:spAutoFit/>
+          </a:bodyPr>
+          <a:lstStyle/>
+          <a:p>
+            <a:r>
+              <a:rPr lang="pt-BR" dirty="0" smtClean="0"/>
+              <a:t>Pré-condição: Sistema estar aberto</a:t>
+            </a:r>
+          </a:p>
+          <a:p>
+            <a:endParaRPr lang="pt-BR" dirty="0" smtClean="0"/>
+          </a:p>
+          <a:p>
+            <a:r>
+              <a:rPr lang="pt-BR" dirty="0" smtClean="0"/>
+              <a:t>Passos: </a:t>
+            </a:r>
+          </a:p>
+          <a:p>
+            <a:r>
+              <a:rPr lang="pt-BR" dirty="0" smtClean="0"/>
+              <a:t>1- Acessar o sistema</a:t>
+            </a:r>
+          </a:p>
+          <a:p>
+            <a:r>
+              <a:rPr lang="pt-BR" dirty="0" smtClean="0"/>
+              <a:t>2- Todos os campos serão obrigatórios a ser preenchidos com exceção do campo “Nome Funcionário”</a:t>
+            </a:r>
+          </a:p>
+          <a:p>
+            <a:r>
+              <a:rPr lang="pt-BR" dirty="0" smtClean="0"/>
+              <a:t>3-  </a:t>
+            </a:r>
+            <a:r>
+              <a:rPr lang="pt-BR" smtClean="0"/>
+              <a:t>Sistema verifica se</a:t>
+            </a:r>
+            <a:endParaRPr lang="pt-BR" dirty="0"/>
+          </a:p>
+        </p:txBody>
+      </p:sp>
+    </p:spTree>
+    <p:extLst>
+      <p:ext uri="{BB962C8B-B14F-4D97-AF65-F5344CB8AC3E}">
+        <p14:creationId xmlns:p14="http://schemas.microsoft.com/office/powerpoint/2010/main" val="2280469650"/>
+      </p:ext>
+    </p:extLst>
+  </p:cSld>
+  <p:clrMapOvr>
+    <a:masterClrMapping/>
+  </p:clrMapOvr>
+</p:sld>
+</file>
+
 <file path=ppt/theme/theme1.xml><?xml version="1.0" encoding="utf-8"?>
 <a:theme xmlns:a="http://schemas.openxmlformats.org/drawingml/2006/main" name="Tema do Office">
   <a:themeElements>

--- a/RegrasNegocio/RN_Requisitos.pptx
+++ b/RegrasNegocio/RN_Requisitos.pptx
@@ -14,6 +14,12 @@
     <p:sldId id="262" r:id="rId8"/>
     <p:sldId id="263" r:id="rId9"/>
     <p:sldId id="264" r:id="rId10"/>
+    <p:sldId id="265" r:id="rId11"/>
+    <p:sldId id="266" r:id="rId12"/>
+    <p:sldId id="267" r:id="rId13"/>
+    <p:sldId id="268" r:id="rId14"/>
+    <p:sldId id="269" r:id="rId15"/>
+    <p:sldId id="270" r:id="rId16"/>
   </p:sldIdLst>
   <p:sldSz cx="12192000" cy="6858000"/>
   <p:notesSz cx="6858000" cy="9144000"/>
@@ -267,7 +273,7 @@
           <a:p>
             <a:fld id="{0A1764AE-7598-4101-9D63-6EC8D69CE664}" type="datetimeFigureOut">
               <a:rPr lang="pt-BR" smtClean="0"/>
-              <a:t>22/01/2024</a:t>
+              <a:t>24/01/2024</a:t>
             </a:fld>
             <a:endParaRPr lang="pt-BR"/>
           </a:p>
@@ -465,7 +471,7 @@
           <a:p>
             <a:fld id="{0A1764AE-7598-4101-9D63-6EC8D69CE664}" type="datetimeFigureOut">
               <a:rPr lang="pt-BR" smtClean="0"/>
-              <a:t>22/01/2024</a:t>
+              <a:t>24/01/2024</a:t>
             </a:fld>
             <a:endParaRPr lang="pt-BR"/>
           </a:p>
@@ -673,7 +679,7 @@
           <a:p>
             <a:fld id="{0A1764AE-7598-4101-9D63-6EC8D69CE664}" type="datetimeFigureOut">
               <a:rPr lang="pt-BR" smtClean="0"/>
-              <a:t>22/01/2024</a:t>
+              <a:t>24/01/2024</a:t>
             </a:fld>
             <a:endParaRPr lang="pt-BR"/>
           </a:p>
@@ -871,7 +877,7 @@
           <a:p>
             <a:fld id="{0A1764AE-7598-4101-9D63-6EC8D69CE664}" type="datetimeFigureOut">
               <a:rPr lang="pt-BR" smtClean="0"/>
-              <a:t>22/01/2024</a:t>
+              <a:t>24/01/2024</a:t>
             </a:fld>
             <a:endParaRPr lang="pt-BR"/>
           </a:p>
@@ -1146,7 +1152,7 @@
           <a:p>
             <a:fld id="{0A1764AE-7598-4101-9D63-6EC8D69CE664}" type="datetimeFigureOut">
               <a:rPr lang="pt-BR" smtClean="0"/>
-              <a:t>22/01/2024</a:t>
+              <a:t>24/01/2024</a:t>
             </a:fld>
             <a:endParaRPr lang="pt-BR"/>
           </a:p>
@@ -1411,7 +1417,7 @@
           <a:p>
             <a:fld id="{0A1764AE-7598-4101-9D63-6EC8D69CE664}" type="datetimeFigureOut">
               <a:rPr lang="pt-BR" smtClean="0"/>
-              <a:t>22/01/2024</a:t>
+              <a:t>24/01/2024</a:t>
             </a:fld>
             <a:endParaRPr lang="pt-BR"/>
           </a:p>
@@ -1823,7 +1829,7 @@
           <a:p>
             <a:fld id="{0A1764AE-7598-4101-9D63-6EC8D69CE664}" type="datetimeFigureOut">
               <a:rPr lang="pt-BR" smtClean="0"/>
-              <a:t>22/01/2024</a:t>
+              <a:t>24/01/2024</a:t>
             </a:fld>
             <a:endParaRPr lang="pt-BR"/>
           </a:p>
@@ -1964,7 +1970,7 @@
           <a:p>
             <a:fld id="{0A1764AE-7598-4101-9D63-6EC8D69CE664}" type="datetimeFigureOut">
               <a:rPr lang="pt-BR" smtClean="0"/>
-              <a:t>22/01/2024</a:t>
+              <a:t>24/01/2024</a:t>
             </a:fld>
             <a:endParaRPr lang="pt-BR"/>
           </a:p>
@@ -2077,7 +2083,7 @@
           <a:p>
             <a:fld id="{0A1764AE-7598-4101-9D63-6EC8D69CE664}" type="datetimeFigureOut">
               <a:rPr lang="pt-BR" smtClean="0"/>
-              <a:t>22/01/2024</a:t>
+              <a:t>24/01/2024</a:t>
             </a:fld>
             <a:endParaRPr lang="pt-BR"/>
           </a:p>
@@ -2388,7 +2394,7 @@
           <a:p>
             <a:fld id="{0A1764AE-7598-4101-9D63-6EC8D69CE664}" type="datetimeFigureOut">
               <a:rPr lang="pt-BR" smtClean="0"/>
-              <a:t>22/01/2024</a:t>
+              <a:t>24/01/2024</a:t>
             </a:fld>
             <a:endParaRPr lang="pt-BR"/>
           </a:p>
@@ -2676,7 +2682,7 @@
           <a:p>
             <a:fld id="{0A1764AE-7598-4101-9D63-6EC8D69CE664}" type="datetimeFigureOut">
               <a:rPr lang="pt-BR" smtClean="0"/>
-              <a:t>22/01/2024</a:t>
+              <a:t>24/01/2024</a:t>
             </a:fld>
             <a:endParaRPr lang="pt-BR"/>
           </a:p>
@@ -2917,7 +2923,7 @@
           <a:p>
             <a:fld id="{0A1764AE-7598-4101-9D63-6EC8D69CE664}" type="datetimeFigureOut">
               <a:rPr lang="pt-BR" smtClean="0"/>
-              <a:t>22/01/2024</a:t>
+              <a:t>24/01/2024</a:t>
             </a:fld>
             <a:endParaRPr lang="pt-BR"/>
           </a:p>
@@ -3391,6 +3397,1754 @@
     <p:extLst>
       <p:ext uri="{BB962C8B-B14F-4D97-AF65-F5344CB8AC3E}">
         <p14:creationId xmlns:p14="http://schemas.microsoft.com/office/powerpoint/2010/main" val="1359056639"/>
+      </p:ext>
+    </p:extLst>
+  </p:cSld>
+  <p:clrMapOvr>
+    <a:masterClrMapping/>
+  </p:clrMapOvr>
+</p:sld>
+</file>
+
+<file path=ppt/slides/slide10.xml><?xml version="1.0" encoding="utf-8"?>
+<p:sld xmlns:a="http://schemas.openxmlformats.org/drawingml/2006/main" xmlns:r="http://schemas.openxmlformats.org/officeDocument/2006/relationships" xmlns:p="http://schemas.openxmlformats.org/presentationml/2006/main">
+  <p:cSld>
+    <p:spTree>
+      <p:nvGrpSpPr>
+        <p:cNvPr id="1" name=""/>
+        <p:cNvGrpSpPr/>
+        <p:nvPr/>
+      </p:nvGrpSpPr>
+      <p:grpSpPr>
+        <a:xfrm>
+          <a:off x="0" y="0"/>
+          <a:ext cx="0" cy="0"/>
+          <a:chOff x="0" y="0"/>
+          <a:chExt cx="0" cy="0"/>
+        </a:xfrm>
+      </p:grpSpPr>
+      <p:sp>
+        <p:nvSpPr>
+          <p:cNvPr id="2" name="Título 1"/>
+          <p:cNvSpPr>
+            <a:spLocks noGrp="1"/>
+          </p:cNvSpPr>
+          <p:nvPr>
+            <p:ph type="title"/>
+          </p:nvPr>
+        </p:nvSpPr>
+        <p:spPr>
+          <a:xfrm>
+            <a:off x="3053644" y="111939"/>
+            <a:ext cx="5463821" cy="1325563"/>
+          </a:xfrm>
+        </p:spPr>
+        <p:txBody>
+          <a:bodyPr>
+            <a:normAutofit/>
+          </a:bodyPr>
+          <a:lstStyle/>
+          <a:p>
+            <a:r>
+              <a:rPr lang="pt-BR" sz="6000" dirty="0" smtClean="0">
+                <a:latin typeface="Bahnschrift SemiBold" panose="020B0502040204020203" pitchFamily="34" charset="0"/>
+              </a:rPr>
+              <a:t>Caso de teste</a:t>
+            </a:r>
+            <a:endParaRPr lang="pt-BR" sz="6000" dirty="0">
+              <a:latin typeface="Bahnschrift SemiBold" panose="020B0502040204020203" pitchFamily="34" charset="0"/>
+            </a:endParaRPr>
+          </a:p>
+        </p:txBody>
+      </p:sp>
+      <p:sp>
+        <p:nvSpPr>
+          <p:cNvPr id="3" name="CaixaDeTexto 2"/>
+          <p:cNvSpPr txBox="1"/>
+          <p:nvPr/>
+        </p:nvSpPr>
+        <p:spPr>
+          <a:xfrm>
+            <a:off x="711202" y="1281878"/>
+            <a:ext cx="3849511" cy="646331"/>
+          </a:xfrm>
+          <a:prstGeom prst="rect">
+            <a:avLst/>
+          </a:prstGeom>
+          <a:noFill/>
+        </p:spPr>
+        <p:txBody>
+          <a:bodyPr wrap="square" rtlCol="0">
+            <a:spAutoFit/>
+          </a:bodyPr>
+          <a:lstStyle/>
+          <a:p>
+            <a:r>
+              <a:rPr lang="pt-BR" dirty="0" smtClean="0"/>
+              <a:t>Projeto: Site Almoxarifado</a:t>
+            </a:r>
+          </a:p>
+          <a:p>
+            <a:endParaRPr lang="pt-BR" dirty="0"/>
+          </a:p>
+        </p:txBody>
+      </p:sp>
+      <p:sp>
+        <p:nvSpPr>
+          <p:cNvPr id="4" name="Retângulo 3"/>
+          <p:cNvSpPr/>
+          <p:nvPr/>
+        </p:nvSpPr>
+        <p:spPr>
+          <a:xfrm>
+            <a:off x="711202" y="1756853"/>
+            <a:ext cx="10216444" cy="4824569"/>
+          </a:xfrm>
+          <a:prstGeom prst="rect">
+            <a:avLst/>
+          </a:prstGeom>
+          <a:solidFill>
+            <a:schemeClr val="bg1"/>
+          </a:solidFill>
+        </p:spPr>
+        <p:style>
+          <a:lnRef idx="2">
+            <a:schemeClr val="accent1">
+              <a:shade val="50000"/>
+            </a:schemeClr>
+          </a:lnRef>
+          <a:fillRef idx="1">
+            <a:schemeClr val="accent1"/>
+          </a:fillRef>
+          <a:effectRef idx="0">
+            <a:schemeClr val="accent1"/>
+          </a:effectRef>
+          <a:fontRef idx="minor">
+            <a:schemeClr val="lt1"/>
+          </a:fontRef>
+        </p:style>
+        <p:txBody>
+          <a:bodyPr rtlCol="0" anchor="ctr"/>
+          <a:lstStyle/>
+          <a:p>
+            <a:pPr algn="ctr"/>
+            <a:endParaRPr lang="pt-BR"/>
+          </a:p>
+        </p:txBody>
+      </p:sp>
+      <p:sp>
+        <p:nvSpPr>
+          <p:cNvPr id="5" name="Retângulo 4"/>
+          <p:cNvSpPr/>
+          <p:nvPr/>
+        </p:nvSpPr>
+        <p:spPr>
+          <a:xfrm>
+            <a:off x="711202" y="1756853"/>
+            <a:ext cx="10216444" cy="783147"/>
+          </a:xfrm>
+          <a:prstGeom prst="rect">
+            <a:avLst/>
+          </a:prstGeom>
+          <a:solidFill>
+            <a:schemeClr val="tx1"/>
+          </a:solidFill>
+        </p:spPr>
+        <p:style>
+          <a:lnRef idx="2">
+            <a:schemeClr val="accent1">
+              <a:shade val="50000"/>
+            </a:schemeClr>
+          </a:lnRef>
+          <a:fillRef idx="1">
+            <a:schemeClr val="accent1"/>
+          </a:fillRef>
+          <a:effectRef idx="0">
+            <a:schemeClr val="accent1"/>
+          </a:effectRef>
+          <a:fontRef idx="minor">
+            <a:schemeClr val="lt1"/>
+          </a:fontRef>
+        </p:style>
+        <p:txBody>
+          <a:bodyPr rtlCol="0" anchor="ctr"/>
+          <a:lstStyle/>
+          <a:p>
+            <a:pPr algn="ctr"/>
+            <a:endParaRPr lang="pt-BR" dirty="0"/>
+          </a:p>
+        </p:txBody>
+      </p:sp>
+      <p:sp>
+        <p:nvSpPr>
+          <p:cNvPr id="6" name="CaixaDeTexto 5"/>
+          <p:cNvSpPr txBox="1"/>
+          <p:nvPr/>
+        </p:nvSpPr>
+        <p:spPr>
+          <a:xfrm>
+            <a:off x="993421" y="2691809"/>
+            <a:ext cx="9668662" cy="2031325"/>
+          </a:xfrm>
+          <a:prstGeom prst="rect">
+            <a:avLst/>
+          </a:prstGeom>
+          <a:noFill/>
+        </p:spPr>
+        <p:txBody>
+          <a:bodyPr wrap="square" rtlCol="0">
+            <a:spAutoFit/>
+          </a:bodyPr>
+          <a:lstStyle/>
+          <a:p>
+            <a:r>
+              <a:rPr lang="pt-BR" dirty="0" smtClean="0"/>
+              <a:t>Pré-condição: Sistema estar aberto</a:t>
+            </a:r>
+          </a:p>
+          <a:p>
+            <a:endParaRPr lang="pt-BR" dirty="0" smtClean="0"/>
+          </a:p>
+          <a:p>
+            <a:r>
+              <a:rPr lang="pt-BR" dirty="0" smtClean="0"/>
+              <a:t>Passos: </a:t>
+            </a:r>
+          </a:p>
+          <a:p>
+            <a:r>
+              <a:rPr lang="pt-BR" dirty="0" smtClean="0"/>
+              <a:t>1- Acessar o </a:t>
+            </a:r>
+            <a:r>
+              <a:rPr lang="pt-BR" dirty="0" smtClean="0"/>
+              <a:t>sistema.</a:t>
+            </a:r>
+            <a:endParaRPr lang="pt-BR" dirty="0" smtClean="0"/>
+          </a:p>
+          <a:p>
+            <a:r>
+              <a:rPr lang="pt-BR" dirty="0" smtClean="0"/>
+              <a:t>2-  Mudança de cor para “verde” no fundo ao entrar em um campo.</a:t>
+            </a:r>
+          </a:p>
+          <a:p>
+            <a:endParaRPr lang="pt-BR" dirty="0"/>
+          </a:p>
+          <a:p>
+            <a:r>
+              <a:rPr lang="pt-BR" dirty="0" smtClean="0"/>
+              <a:t>Resultado esperado: Mudança da cor do fundo do campo.</a:t>
+            </a:r>
+            <a:endParaRPr lang="pt-BR" dirty="0"/>
+          </a:p>
+        </p:txBody>
+      </p:sp>
+      <p:sp>
+        <p:nvSpPr>
+          <p:cNvPr id="9" name="Retângulo 8"/>
+          <p:cNvSpPr/>
+          <p:nvPr/>
+        </p:nvSpPr>
+        <p:spPr>
+          <a:xfrm>
+            <a:off x="929382" y="1886816"/>
+            <a:ext cx="1141659" cy="523220"/>
+          </a:xfrm>
+          <a:prstGeom prst="rect">
+            <a:avLst/>
+          </a:prstGeom>
+        </p:spPr>
+        <p:txBody>
+          <a:bodyPr wrap="none">
+            <a:spAutoFit/>
+          </a:bodyPr>
+          <a:lstStyle/>
+          <a:p>
+            <a:r>
+              <a:rPr lang="pt-BR" sz="2800" dirty="0">
+                <a:solidFill>
+                  <a:schemeClr val="bg1"/>
+                </a:solidFill>
+              </a:rPr>
+              <a:t>RN </a:t>
+            </a:r>
+            <a:r>
+              <a:rPr lang="pt-BR" sz="2800" dirty="0" smtClean="0">
+                <a:solidFill>
+                  <a:schemeClr val="bg1"/>
+                </a:solidFill>
+              </a:rPr>
+              <a:t>02 </a:t>
+            </a:r>
+            <a:endParaRPr lang="pt-BR" sz="2800" dirty="0">
+              <a:solidFill>
+                <a:schemeClr val="bg1"/>
+              </a:solidFill>
+            </a:endParaRPr>
+          </a:p>
+        </p:txBody>
+      </p:sp>
+    </p:spTree>
+    <p:extLst>
+      <p:ext uri="{BB962C8B-B14F-4D97-AF65-F5344CB8AC3E}">
+        <p14:creationId xmlns:p14="http://schemas.microsoft.com/office/powerpoint/2010/main" val="49205778"/>
+      </p:ext>
+    </p:extLst>
+  </p:cSld>
+  <p:clrMapOvr>
+    <a:masterClrMapping/>
+  </p:clrMapOvr>
+</p:sld>
+</file>
+
+<file path=ppt/slides/slide11.xml><?xml version="1.0" encoding="utf-8"?>
+<p:sld xmlns:a="http://schemas.openxmlformats.org/drawingml/2006/main" xmlns:r="http://schemas.openxmlformats.org/officeDocument/2006/relationships" xmlns:p="http://schemas.openxmlformats.org/presentationml/2006/main">
+  <p:cSld>
+    <p:spTree>
+      <p:nvGrpSpPr>
+        <p:cNvPr id="1" name=""/>
+        <p:cNvGrpSpPr/>
+        <p:nvPr/>
+      </p:nvGrpSpPr>
+      <p:grpSpPr>
+        <a:xfrm>
+          <a:off x="0" y="0"/>
+          <a:ext cx="0" cy="0"/>
+          <a:chOff x="0" y="0"/>
+          <a:chExt cx="0" cy="0"/>
+        </a:xfrm>
+      </p:grpSpPr>
+      <p:sp>
+        <p:nvSpPr>
+          <p:cNvPr id="2" name="Título 1"/>
+          <p:cNvSpPr>
+            <a:spLocks noGrp="1"/>
+          </p:cNvSpPr>
+          <p:nvPr>
+            <p:ph type="title"/>
+          </p:nvPr>
+        </p:nvSpPr>
+        <p:spPr>
+          <a:xfrm>
+            <a:off x="3053644" y="111939"/>
+            <a:ext cx="5463821" cy="1325563"/>
+          </a:xfrm>
+        </p:spPr>
+        <p:txBody>
+          <a:bodyPr>
+            <a:normAutofit/>
+          </a:bodyPr>
+          <a:lstStyle/>
+          <a:p>
+            <a:r>
+              <a:rPr lang="pt-BR" sz="6000" dirty="0" smtClean="0">
+                <a:latin typeface="Bahnschrift SemiBold" panose="020B0502040204020203" pitchFamily="34" charset="0"/>
+              </a:rPr>
+              <a:t>Caso de teste</a:t>
+            </a:r>
+            <a:endParaRPr lang="pt-BR" sz="6000" dirty="0">
+              <a:latin typeface="Bahnschrift SemiBold" panose="020B0502040204020203" pitchFamily="34" charset="0"/>
+            </a:endParaRPr>
+          </a:p>
+        </p:txBody>
+      </p:sp>
+      <p:sp>
+        <p:nvSpPr>
+          <p:cNvPr id="3" name="CaixaDeTexto 2"/>
+          <p:cNvSpPr txBox="1"/>
+          <p:nvPr/>
+        </p:nvSpPr>
+        <p:spPr>
+          <a:xfrm>
+            <a:off x="711202" y="1281878"/>
+            <a:ext cx="3849511" cy="646331"/>
+          </a:xfrm>
+          <a:prstGeom prst="rect">
+            <a:avLst/>
+          </a:prstGeom>
+          <a:noFill/>
+        </p:spPr>
+        <p:txBody>
+          <a:bodyPr wrap="square" rtlCol="0">
+            <a:spAutoFit/>
+          </a:bodyPr>
+          <a:lstStyle/>
+          <a:p>
+            <a:r>
+              <a:rPr lang="pt-BR" dirty="0" smtClean="0"/>
+              <a:t>Projeto: Site Almoxarifado</a:t>
+            </a:r>
+          </a:p>
+          <a:p>
+            <a:endParaRPr lang="pt-BR" dirty="0"/>
+          </a:p>
+        </p:txBody>
+      </p:sp>
+      <p:sp>
+        <p:nvSpPr>
+          <p:cNvPr id="4" name="Retângulo 3"/>
+          <p:cNvSpPr/>
+          <p:nvPr/>
+        </p:nvSpPr>
+        <p:spPr>
+          <a:xfrm>
+            <a:off x="711202" y="1756853"/>
+            <a:ext cx="10216444" cy="4824569"/>
+          </a:xfrm>
+          <a:prstGeom prst="rect">
+            <a:avLst/>
+          </a:prstGeom>
+          <a:solidFill>
+            <a:schemeClr val="bg1"/>
+          </a:solidFill>
+        </p:spPr>
+        <p:style>
+          <a:lnRef idx="2">
+            <a:schemeClr val="accent1">
+              <a:shade val="50000"/>
+            </a:schemeClr>
+          </a:lnRef>
+          <a:fillRef idx="1">
+            <a:schemeClr val="accent1"/>
+          </a:fillRef>
+          <a:effectRef idx="0">
+            <a:schemeClr val="accent1"/>
+          </a:effectRef>
+          <a:fontRef idx="minor">
+            <a:schemeClr val="lt1"/>
+          </a:fontRef>
+        </p:style>
+        <p:txBody>
+          <a:bodyPr rtlCol="0" anchor="ctr"/>
+          <a:lstStyle/>
+          <a:p>
+            <a:pPr algn="ctr"/>
+            <a:endParaRPr lang="pt-BR"/>
+          </a:p>
+        </p:txBody>
+      </p:sp>
+      <p:sp>
+        <p:nvSpPr>
+          <p:cNvPr id="5" name="Retângulo 4"/>
+          <p:cNvSpPr/>
+          <p:nvPr/>
+        </p:nvSpPr>
+        <p:spPr>
+          <a:xfrm>
+            <a:off x="711202" y="1756853"/>
+            <a:ext cx="10216444" cy="783147"/>
+          </a:xfrm>
+          <a:prstGeom prst="rect">
+            <a:avLst/>
+          </a:prstGeom>
+          <a:solidFill>
+            <a:schemeClr val="tx1"/>
+          </a:solidFill>
+        </p:spPr>
+        <p:style>
+          <a:lnRef idx="2">
+            <a:schemeClr val="accent1">
+              <a:shade val="50000"/>
+            </a:schemeClr>
+          </a:lnRef>
+          <a:fillRef idx="1">
+            <a:schemeClr val="accent1"/>
+          </a:fillRef>
+          <a:effectRef idx="0">
+            <a:schemeClr val="accent1"/>
+          </a:effectRef>
+          <a:fontRef idx="minor">
+            <a:schemeClr val="lt1"/>
+          </a:fontRef>
+        </p:style>
+        <p:txBody>
+          <a:bodyPr rtlCol="0" anchor="ctr"/>
+          <a:lstStyle/>
+          <a:p>
+            <a:pPr algn="ctr"/>
+            <a:endParaRPr lang="pt-BR"/>
+          </a:p>
+        </p:txBody>
+      </p:sp>
+      <p:sp>
+        <p:nvSpPr>
+          <p:cNvPr id="6" name="CaixaDeTexto 5"/>
+          <p:cNvSpPr txBox="1"/>
+          <p:nvPr/>
+        </p:nvSpPr>
+        <p:spPr>
+          <a:xfrm>
+            <a:off x="993421" y="2691809"/>
+            <a:ext cx="9668662" cy="2031325"/>
+          </a:xfrm>
+          <a:prstGeom prst="rect">
+            <a:avLst/>
+          </a:prstGeom>
+          <a:noFill/>
+        </p:spPr>
+        <p:txBody>
+          <a:bodyPr wrap="square" rtlCol="0">
+            <a:spAutoFit/>
+          </a:bodyPr>
+          <a:lstStyle/>
+          <a:p>
+            <a:r>
+              <a:rPr lang="pt-BR" dirty="0" smtClean="0"/>
+              <a:t>Pré-condição: Sistema estar aberto</a:t>
+            </a:r>
+          </a:p>
+          <a:p>
+            <a:endParaRPr lang="pt-BR" dirty="0" smtClean="0"/>
+          </a:p>
+          <a:p>
+            <a:r>
+              <a:rPr lang="pt-BR" dirty="0" smtClean="0"/>
+              <a:t>Passos: </a:t>
+            </a:r>
+          </a:p>
+          <a:p>
+            <a:r>
+              <a:rPr lang="pt-BR" dirty="0" smtClean="0"/>
+              <a:t>1- Acessar o </a:t>
+            </a:r>
+            <a:r>
+              <a:rPr lang="pt-BR" dirty="0" smtClean="0"/>
+              <a:t>sistema.</a:t>
+            </a:r>
+            <a:endParaRPr lang="pt-BR" dirty="0" smtClean="0"/>
+          </a:p>
+          <a:p>
+            <a:r>
+              <a:rPr lang="pt-BR" dirty="0" smtClean="0"/>
+              <a:t>2- Todos os </a:t>
+            </a:r>
+            <a:r>
+              <a:rPr lang="pt-BR" dirty="0" smtClean="0"/>
+              <a:t>campos ID serão preenchidos por números inteiros.</a:t>
+            </a:r>
+          </a:p>
+          <a:p>
+            <a:endParaRPr lang="pt-BR" dirty="0"/>
+          </a:p>
+          <a:p>
+            <a:r>
+              <a:rPr lang="pt-BR" dirty="0" smtClean="0"/>
+              <a:t>Resultado esperado: Campos ID preenchidos corretamente.</a:t>
+            </a:r>
+          </a:p>
+        </p:txBody>
+      </p:sp>
+      <p:sp>
+        <p:nvSpPr>
+          <p:cNvPr id="8" name="CaixaDeTexto 7"/>
+          <p:cNvSpPr txBox="1"/>
+          <p:nvPr/>
+        </p:nvSpPr>
+        <p:spPr>
+          <a:xfrm>
+            <a:off x="878888" y="1879964"/>
+            <a:ext cx="1846556" cy="523220"/>
+          </a:xfrm>
+          <a:prstGeom prst="rect">
+            <a:avLst/>
+          </a:prstGeom>
+          <a:noFill/>
+        </p:spPr>
+        <p:txBody>
+          <a:bodyPr wrap="square" rtlCol="0">
+            <a:spAutoFit/>
+          </a:bodyPr>
+          <a:lstStyle/>
+          <a:p>
+            <a:r>
+              <a:rPr lang="pt-BR" sz="2800" dirty="0" smtClean="0">
+                <a:solidFill>
+                  <a:schemeClr val="bg1"/>
+                </a:solidFill>
+              </a:rPr>
+              <a:t>RN 03 </a:t>
+            </a:r>
+            <a:endParaRPr lang="pt-BR" sz="2800" dirty="0">
+              <a:solidFill>
+                <a:schemeClr val="bg1"/>
+              </a:solidFill>
+            </a:endParaRPr>
+          </a:p>
+        </p:txBody>
+      </p:sp>
+    </p:spTree>
+    <p:extLst>
+      <p:ext uri="{BB962C8B-B14F-4D97-AF65-F5344CB8AC3E}">
+        <p14:creationId xmlns:p14="http://schemas.microsoft.com/office/powerpoint/2010/main" val="3861675197"/>
+      </p:ext>
+    </p:extLst>
+  </p:cSld>
+  <p:clrMapOvr>
+    <a:masterClrMapping/>
+  </p:clrMapOvr>
+</p:sld>
+</file>
+
+<file path=ppt/slides/slide12.xml><?xml version="1.0" encoding="utf-8"?>
+<p:sld xmlns:a="http://schemas.openxmlformats.org/drawingml/2006/main" xmlns:r="http://schemas.openxmlformats.org/officeDocument/2006/relationships" xmlns:p="http://schemas.openxmlformats.org/presentationml/2006/main">
+  <p:cSld>
+    <p:spTree>
+      <p:nvGrpSpPr>
+        <p:cNvPr id="1" name=""/>
+        <p:cNvGrpSpPr/>
+        <p:nvPr/>
+      </p:nvGrpSpPr>
+      <p:grpSpPr>
+        <a:xfrm>
+          <a:off x="0" y="0"/>
+          <a:ext cx="0" cy="0"/>
+          <a:chOff x="0" y="0"/>
+          <a:chExt cx="0" cy="0"/>
+        </a:xfrm>
+      </p:grpSpPr>
+      <p:sp>
+        <p:nvSpPr>
+          <p:cNvPr id="2" name="Título 1"/>
+          <p:cNvSpPr>
+            <a:spLocks noGrp="1"/>
+          </p:cNvSpPr>
+          <p:nvPr>
+            <p:ph type="title"/>
+          </p:nvPr>
+        </p:nvSpPr>
+        <p:spPr>
+          <a:xfrm>
+            <a:off x="3053644" y="111939"/>
+            <a:ext cx="5463821" cy="1325563"/>
+          </a:xfrm>
+        </p:spPr>
+        <p:txBody>
+          <a:bodyPr>
+            <a:normAutofit/>
+          </a:bodyPr>
+          <a:lstStyle/>
+          <a:p>
+            <a:r>
+              <a:rPr lang="pt-BR" sz="6000" dirty="0" smtClean="0">
+                <a:latin typeface="Bahnschrift SemiBold" panose="020B0502040204020203" pitchFamily="34" charset="0"/>
+              </a:rPr>
+              <a:t>Caso de teste</a:t>
+            </a:r>
+            <a:endParaRPr lang="pt-BR" sz="6000" dirty="0">
+              <a:latin typeface="Bahnschrift SemiBold" panose="020B0502040204020203" pitchFamily="34" charset="0"/>
+            </a:endParaRPr>
+          </a:p>
+        </p:txBody>
+      </p:sp>
+      <p:sp>
+        <p:nvSpPr>
+          <p:cNvPr id="3" name="CaixaDeTexto 2"/>
+          <p:cNvSpPr txBox="1"/>
+          <p:nvPr/>
+        </p:nvSpPr>
+        <p:spPr>
+          <a:xfrm>
+            <a:off x="711202" y="1281878"/>
+            <a:ext cx="3849511" cy="646331"/>
+          </a:xfrm>
+          <a:prstGeom prst="rect">
+            <a:avLst/>
+          </a:prstGeom>
+          <a:noFill/>
+        </p:spPr>
+        <p:txBody>
+          <a:bodyPr wrap="square" rtlCol="0">
+            <a:spAutoFit/>
+          </a:bodyPr>
+          <a:lstStyle/>
+          <a:p>
+            <a:r>
+              <a:rPr lang="pt-BR" dirty="0" smtClean="0"/>
+              <a:t>Projeto: Site Almoxarifado</a:t>
+            </a:r>
+          </a:p>
+          <a:p>
+            <a:endParaRPr lang="pt-BR" dirty="0"/>
+          </a:p>
+        </p:txBody>
+      </p:sp>
+      <p:sp>
+        <p:nvSpPr>
+          <p:cNvPr id="4" name="Retângulo 3"/>
+          <p:cNvSpPr/>
+          <p:nvPr/>
+        </p:nvSpPr>
+        <p:spPr>
+          <a:xfrm>
+            <a:off x="711202" y="1756853"/>
+            <a:ext cx="10216444" cy="4824569"/>
+          </a:xfrm>
+          <a:prstGeom prst="rect">
+            <a:avLst/>
+          </a:prstGeom>
+          <a:solidFill>
+            <a:schemeClr val="bg1"/>
+          </a:solidFill>
+        </p:spPr>
+        <p:style>
+          <a:lnRef idx="2">
+            <a:schemeClr val="accent1">
+              <a:shade val="50000"/>
+            </a:schemeClr>
+          </a:lnRef>
+          <a:fillRef idx="1">
+            <a:schemeClr val="accent1"/>
+          </a:fillRef>
+          <a:effectRef idx="0">
+            <a:schemeClr val="accent1"/>
+          </a:effectRef>
+          <a:fontRef idx="minor">
+            <a:schemeClr val="lt1"/>
+          </a:fontRef>
+        </p:style>
+        <p:txBody>
+          <a:bodyPr rtlCol="0" anchor="ctr"/>
+          <a:lstStyle/>
+          <a:p>
+            <a:pPr algn="ctr"/>
+            <a:endParaRPr lang="pt-BR"/>
+          </a:p>
+        </p:txBody>
+      </p:sp>
+      <p:sp>
+        <p:nvSpPr>
+          <p:cNvPr id="5" name="Retângulo 4"/>
+          <p:cNvSpPr/>
+          <p:nvPr/>
+        </p:nvSpPr>
+        <p:spPr>
+          <a:xfrm>
+            <a:off x="711202" y="1756853"/>
+            <a:ext cx="10216444" cy="783147"/>
+          </a:xfrm>
+          <a:prstGeom prst="rect">
+            <a:avLst/>
+          </a:prstGeom>
+          <a:solidFill>
+            <a:schemeClr val="tx1"/>
+          </a:solidFill>
+        </p:spPr>
+        <p:style>
+          <a:lnRef idx="2">
+            <a:schemeClr val="accent1">
+              <a:shade val="50000"/>
+            </a:schemeClr>
+          </a:lnRef>
+          <a:fillRef idx="1">
+            <a:schemeClr val="accent1"/>
+          </a:fillRef>
+          <a:effectRef idx="0">
+            <a:schemeClr val="accent1"/>
+          </a:effectRef>
+          <a:fontRef idx="minor">
+            <a:schemeClr val="lt1"/>
+          </a:fontRef>
+        </p:style>
+        <p:txBody>
+          <a:bodyPr rtlCol="0" anchor="ctr"/>
+          <a:lstStyle/>
+          <a:p>
+            <a:pPr algn="ctr"/>
+            <a:endParaRPr lang="pt-BR"/>
+          </a:p>
+        </p:txBody>
+      </p:sp>
+      <p:sp>
+        <p:nvSpPr>
+          <p:cNvPr id="6" name="CaixaDeTexto 5"/>
+          <p:cNvSpPr txBox="1"/>
+          <p:nvPr/>
+        </p:nvSpPr>
+        <p:spPr>
+          <a:xfrm>
+            <a:off x="993421" y="2691809"/>
+            <a:ext cx="9668662" cy="2031325"/>
+          </a:xfrm>
+          <a:prstGeom prst="rect">
+            <a:avLst/>
+          </a:prstGeom>
+          <a:noFill/>
+        </p:spPr>
+        <p:txBody>
+          <a:bodyPr wrap="square" rtlCol="0">
+            <a:spAutoFit/>
+          </a:bodyPr>
+          <a:lstStyle/>
+          <a:p>
+            <a:r>
+              <a:rPr lang="pt-BR" dirty="0" smtClean="0"/>
+              <a:t>Pré-condição: Sistema estar aberto</a:t>
+            </a:r>
+          </a:p>
+          <a:p>
+            <a:endParaRPr lang="pt-BR" dirty="0" smtClean="0"/>
+          </a:p>
+          <a:p>
+            <a:r>
+              <a:rPr lang="pt-BR" dirty="0" smtClean="0"/>
+              <a:t>Passos: </a:t>
+            </a:r>
+          </a:p>
+          <a:p>
+            <a:r>
+              <a:rPr lang="pt-BR" dirty="0" smtClean="0"/>
+              <a:t>1- Acessar o </a:t>
+            </a:r>
+            <a:r>
+              <a:rPr lang="pt-BR" dirty="0" smtClean="0"/>
+              <a:t>sistema.</a:t>
+            </a:r>
+            <a:endParaRPr lang="pt-BR" dirty="0" smtClean="0"/>
+          </a:p>
+          <a:p>
+            <a:r>
+              <a:rPr lang="pt-BR" dirty="0" smtClean="0"/>
+              <a:t>2- A “categoria motivo” deverá ser carregada com dados da API.</a:t>
+            </a:r>
+          </a:p>
+          <a:p>
+            <a:endParaRPr lang="pt-BR" dirty="0"/>
+          </a:p>
+          <a:p>
+            <a:r>
+              <a:rPr lang="pt-BR" dirty="0" smtClean="0"/>
+              <a:t>Resultado esperado: Dados na categoria “motivo”.</a:t>
+            </a:r>
+          </a:p>
+        </p:txBody>
+      </p:sp>
+      <p:sp>
+        <p:nvSpPr>
+          <p:cNvPr id="8" name="CaixaDeTexto 7"/>
+          <p:cNvSpPr txBox="1"/>
+          <p:nvPr/>
+        </p:nvSpPr>
+        <p:spPr>
+          <a:xfrm>
+            <a:off x="878888" y="1879964"/>
+            <a:ext cx="1846556" cy="523220"/>
+          </a:xfrm>
+          <a:prstGeom prst="rect">
+            <a:avLst/>
+          </a:prstGeom>
+          <a:noFill/>
+        </p:spPr>
+        <p:txBody>
+          <a:bodyPr wrap="square" rtlCol="0">
+            <a:spAutoFit/>
+          </a:bodyPr>
+          <a:lstStyle/>
+          <a:p>
+            <a:r>
+              <a:rPr lang="pt-BR" sz="2800" dirty="0" smtClean="0">
+                <a:solidFill>
+                  <a:schemeClr val="bg1"/>
+                </a:solidFill>
+              </a:rPr>
+              <a:t>RN 04 </a:t>
+            </a:r>
+            <a:endParaRPr lang="pt-BR" sz="2800" dirty="0">
+              <a:solidFill>
+                <a:schemeClr val="bg1"/>
+              </a:solidFill>
+            </a:endParaRPr>
+          </a:p>
+        </p:txBody>
+      </p:sp>
+    </p:spTree>
+    <p:extLst>
+      <p:ext uri="{BB962C8B-B14F-4D97-AF65-F5344CB8AC3E}">
+        <p14:creationId xmlns:p14="http://schemas.microsoft.com/office/powerpoint/2010/main" val="3581062066"/>
+      </p:ext>
+    </p:extLst>
+  </p:cSld>
+  <p:clrMapOvr>
+    <a:masterClrMapping/>
+  </p:clrMapOvr>
+</p:sld>
+</file>
+
+<file path=ppt/slides/slide13.xml><?xml version="1.0" encoding="utf-8"?>
+<p:sld xmlns:a="http://schemas.openxmlformats.org/drawingml/2006/main" xmlns:r="http://schemas.openxmlformats.org/officeDocument/2006/relationships" xmlns:p="http://schemas.openxmlformats.org/presentationml/2006/main">
+  <p:cSld>
+    <p:spTree>
+      <p:nvGrpSpPr>
+        <p:cNvPr id="1" name=""/>
+        <p:cNvGrpSpPr/>
+        <p:nvPr/>
+      </p:nvGrpSpPr>
+      <p:grpSpPr>
+        <a:xfrm>
+          <a:off x="0" y="0"/>
+          <a:ext cx="0" cy="0"/>
+          <a:chOff x="0" y="0"/>
+          <a:chExt cx="0" cy="0"/>
+        </a:xfrm>
+      </p:grpSpPr>
+      <p:sp>
+        <p:nvSpPr>
+          <p:cNvPr id="2" name="Título 1"/>
+          <p:cNvSpPr>
+            <a:spLocks noGrp="1"/>
+          </p:cNvSpPr>
+          <p:nvPr>
+            <p:ph type="title"/>
+          </p:nvPr>
+        </p:nvSpPr>
+        <p:spPr>
+          <a:xfrm>
+            <a:off x="3053644" y="111939"/>
+            <a:ext cx="5463821" cy="1325563"/>
+          </a:xfrm>
+        </p:spPr>
+        <p:txBody>
+          <a:bodyPr>
+            <a:normAutofit/>
+          </a:bodyPr>
+          <a:lstStyle/>
+          <a:p>
+            <a:r>
+              <a:rPr lang="pt-BR" sz="6000" dirty="0" smtClean="0">
+                <a:latin typeface="Bahnschrift SemiBold" panose="020B0502040204020203" pitchFamily="34" charset="0"/>
+              </a:rPr>
+              <a:t>Caso de teste</a:t>
+            </a:r>
+            <a:endParaRPr lang="pt-BR" sz="6000" dirty="0">
+              <a:latin typeface="Bahnschrift SemiBold" panose="020B0502040204020203" pitchFamily="34" charset="0"/>
+            </a:endParaRPr>
+          </a:p>
+        </p:txBody>
+      </p:sp>
+      <p:sp>
+        <p:nvSpPr>
+          <p:cNvPr id="3" name="CaixaDeTexto 2"/>
+          <p:cNvSpPr txBox="1"/>
+          <p:nvPr/>
+        </p:nvSpPr>
+        <p:spPr>
+          <a:xfrm>
+            <a:off x="711202" y="1281878"/>
+            <a:ext cx="3849511" cy="646331"/>
+          </a:xfrm>
+          <a:prstGeom prst="rect">
+            <a:avLst/>
+          </a:prstGeom>
+          <a:noFill/>
+        </p:spPr>
+        <p:txBody>
+          <a:bodyPr wrap="square" rtlCol="0">
+            <a:spAutoFit/>
+          </a:bodyPr>
+          <a:lstStyle/>
+          <a:p>
+            <a:r>
+              <a:rPr lang="pt-BR" dirty="0" smtClean="0"/>
+              <a:t>Projeto: Site Almoxarifado</a:t>
+            </a:r>
+          </a:p>
+          <a:p>
+            <a:endParaRPr lang="pt-BR" dirty="0"/>
+          </a:p>
+        </p:txBody>
+      </p:sp>
+      <p:sp>
+        <p:nvSpPr>
+          <p:cNvPr id="4" name="Retângulo 3"/>
+          <p:cNvSpPr/>
+          <p:nvPr/>
+        </p:nvSpPr>
+        <p:spPr>
+          <a:xfrm>
+            <a:off x="711202" y="1756853"/>
+            <a:ext cx="10216444" cy="4824569"/>
+          </a:xfrm>
+          <a:prstGeom prst="rect">
+            <a:avLst/>
+          </a:prstGeom>
+          <a:solidFill>
+            <a:schemeClr val="bg1"/>
+          </a:solidFill>
+        </p:spPr>
+        <p:style>
+          <a:lnRef idx="2">
+            <a:schemeClr val="accent1">
+              <a:shade val="50000"/>
+            </a:schemeClr>
+          </a:lnRef>
+          <a:fillRef idx="1">
+            <a:schemeClr val="accent1"/>
+          </a:fillRef>
+          <a:effectRef idx="0">
+            <a:schemeClr val="accent1"/>
+          </a:effectRef>
+          <a:fontRef idx="minor">
+            <a:schemeClr val="lt1"/>
+          </a:fontRef>
+        </p:style>
+        <p:txBody>
+          <a:bodyPr rtlCol="0" anchor="ctr"/>
+          <a:lstStyle/>
+          <a:p>
+            <a:pPr algn="ctr"/>
+            <a:endParaRPr lang="pt-BR"/>
+          </a:p>
+        </p:txBody>
+      </p:sp>
+      <p:sp>
+        <p:nvSpPr>
+          <p:cNvPr id="5" name="Retângulo 4"/>
+          <p:cNvSpPr/>
+          <p:nvPr/>
+        </p:nvSpPr>
+        <p:spPr>
+          <a:xfrm>
+            <a:off x="711202" y="1756853"/>
+            <a:ext cx="10216444" cy="783147"/>
+          </a:xfrm>
+          <a:prstGeom prst="rect">
+            <a:avLst/>
+          </a:prstGeom>
+          <a:solidFill>
+            <a:schemeClr val="tx1"/>
+          </a:solidFill>
+        </p:spPr>
+        <p:style>
+          <a:lnRef idx="2">
+            <a:schemeClr val="accent1">
+              <a:shade val="50000"/>
+            </a:schemeClr>
+          </a:lnRef>
+          <a:fillRef idx="1">
+            <a:schemeClr val="accent1"/>
+          </a:fillRef>
+          <a:effectRef idx="0">
+            <a:schemeClr val="accent1"/>
+          </a:effectRef>
+          <a:fontRef idx="minor">
+            <a:schemeClr val="lt1"/>
+          </a:fontRef>
+        </p:style>
+        <p:txBody>
+          <a:bodyPr rtlCol="0" anchor="ctr"/>
+          <a:lstStyle/>
+          <a:p>
+            <a:pPr algn="ctr"/>
+            <a:endParaRPr lang="pt-BR"/>
+          </a:p>
+        </p:txBody>
+      </p:sp>
+      <p:sp>
+        <p:nvSpPr>
+          <p:cNvPr id="6" name="CaixaDeTexto 5"/>
+          <p:cNvSpPr txBox="1"/>
+          <p:nvPr/>
+        </p:nvSpPr>
+        <p:spPr>
+          <a:xfrm>
+            <a:off x="993420" y="2691809"/>
+            <a:ext cx="9819581" cy="2585323"/>
+          </a:xfrm>
+          <a:prstGeom prst="rect">
+            <a:avLst/>
+          </a:prstGeom>
+          <a:noFill/>
+        </p:spPr>
+        <p:txBody>
+          <a:bodyPr wrap="square" rtlCol="0">
+            <a:spAutoFit/>
+          </a:bodyPr>
+          <a:lstStyle/>
+          <a:p>
+            <a:r>
+              <a:rPr lang="pt-BR" dirty="0" smtClean="0"/>
+              <a:t>Pré-condição: Sistema estar aberto</a:t>
+            </a:r>
+          </a:p>
+          <a:p>
+            <a:endParaRPr lang="pt-BR" dirty="0" smtClean="0"/>
+          </a:p>
+          <a:p>
+            <a:r>
+              <a:rPr lang="pt-BR" dirty="0" smtClean="0"/>
+              <a:t>Passos: </a:t>
+            </a:r>
+          </a:p>
+          <a:p>
+            <a:r>
+              <a:rPr lang="pt-BR" dirty="0" smtClean="0"/>
+              <a:t>1- Acessar o </a:t>
+            </a:r>
+            <a:r>
+              <a:rPr lang="pt-BR" dirty="0" smtClean="0"/>
+              <a:t>sistema.</a:t>
+            </a:r>
+            <a:endParaRPr lang="pt-BR" dirty="0" smtClean="0"/>
+          </a:p>
+          <a:p>
+            <a:r>
+              <a:rPr lang="pt-BR" dirty="0" smtClean="0"/>
+              <a:t>2- Campo “motivo” será preenchido somente depois da seleção  da “categoria motivo”.</a:t>
+            </a:r>
+          </a:p>
+          <a:p>
+            <a:r>
+              <a:rPr lang="pt-BR" dirty="0" smtClean="0"/>
+              <a:t>3- Ao alterar a “categoria motivo” serão exibidos no campo “motivo” somente a categoria selecionada.</a:t>
+            </a:r>
+          </a:p>
+          <a:p>
+            <a:r>
+              <a:rPr lang="pt-BR" dirty="0" smtClean="0"/>
+              <a:t>4-  Desabilitar o campo “motivo” caso não haja.</a:t>
+            </a:r>
+          </a:p>
+          <a:p>
+            <a:endParaRPr lang="pt-BR" dirty="0"/>
+          </a:p>
+          <a:p>
+            <a:r>
+              <a:rPr lang="pt-BR" dirty="0" smtClean="0"/>
+              <a:t>Resultado esperado: Seleção de “categoria motivo” e campo “motivo”.</a:t>
+            </a:r>
+          </a:p>
+        </p:txBody>
+      </p:sp>
+      <p:sp>
+        <p:nvSpPr>
+          <p:cNvPr id="8" name="CaixaDeTexto 7"/>
+          <p:cNvSpPr txBox="1"/>
+          <p:nvPr/>
+        </p:nvSpPr>
+        <p:spPr>
+          <a:xfrm>
+            <a:off x="904811" y="1879964"/>
+            <a:ext cx="1846556" cy="523220"/>
+          </a:xfrm>
+          <a:prstGeom prst="rect">
+            <a:avLst/>
+          </a:prstGeom>
+          <a:noFill/>
+        </p:spPr>
+        <p:txBody>
+          <a:bodyPr wrap="square" rtlCol="0">
+            <a:spAutoFit/>
+          </a:bodyPr>
+          <a:lstStyle/>
+          <a:p>
+            <a:r>
+              <a:rPr lang="pt-BR" sz="2800" dirty="0" smtClean="0">
+                <a:solidFill>
+                  <a:schemeClr val="bg1"/>
+                </a:solidFill>
+              </a:rPr>
+              <a:t>RN 05 </a:t>
+            </a:r>
+            <a:endParaRPr lang="pt-BR" sz="2800" dirty="0">
+              <a:solidFill>
+                <a:schemeClr val="bg1"/>
+              </a:solidFill>
+            </a:endParaRPr>
+          </a:p>
+        </p:txBody>
+      </p:sp>
+    </p:spTree>
+    <p:extLst>
+      <p:ext uri="{BB962C8B-B14F-4D97-AF65-F5344CB8AC3E}">
+        <p14:creationId xmlns:p14="http://schemas.microsoft.com/office/powerpoint/2010/main" val="1915288003"/>
+      </p:ext>
+    </p:extLst>
+  </p:cSld>
+  <p:clrMapOvr>
+    <a:masterClrMapping/>
+  </p:clrMapOvr>
+</p:sld>
+</file>
+
+<file path=ppt/slides/slide14.xml><?xml version="1.0" encoding="utf-8"?>
+<p:sld xmlns:a="http://schemas.openxmlformats.org/drawingml/2006/main" xmlns:r="http://schemas.openxmlformats.org/officeDocument/2006/relationships" xmlns:p="http://schemas.openxmlformats.org/presentationml/2006/main">
+  <p:cSld>
+    <p:spTree>
+      <p:nvGrpSpPr>
+        <p:cNvPr id="1" name=""/>
+        <p:cNvGrpSpPr/>
+        <p:nvPr/>
+      </p:nvGrpSpPr>
+      <p:grpSpPr>
+        <a:xfrm>
+          <a:off x="0" y="0"/>
+          <a:ext cx="0" cy="0"/>
+          <a:chOff x="0" y="0"/>
+          <a:chExt cx="0" cy="0"/>
+        </a:xfrm>
+      </p:grpSpPr>
+      <p:sp>
+        <p:nvSpPr>
+          <p:cNvPr id="2" name="Título 1"/>
+          <p:cNvSpPr>
+            <a:spLocks noGrp="1"/>
+          </p:cNvSpPr>
+          <p:nvPr>
+            <p:ph type="title"/>
+          </p:nvPr>
+        </p:nvSpPr>
+        <p:spPr>
+          <a:xfrm>
+            <a:off x="3053644" y="111939"/>
+            <a:ext cx="5463821" cy="1325563"/>
+          </a:xfrm>
+        </p:spPr>
+        <p:txBody>
+          <a:bodyPr>
+            <a:normAutofit/>
+          </a:bodyPr>
+          <a:lstStyle/>
+          <a:p>
+            <a:r>
+              <a:rPr lang="pt-BR" sz="6000" dirty="0" smtClean="0">
+                <a:latin typeface="Bahnschrift SemiBold" panose="020B0502040204020203" pitchFamily="34" charset="0"/>
+              </a:rPr>
+              <a:t>Caso de teste</a:t>
+            </a:r>
+            <a:endParaRPr lang="pt-BR" sz="6000" dirty="0">
+              <a:latin typeface="Bahnschrift SemiBold" panose="020B0502040204020203" pitchFamily="34" charset="0"/>
+            </a:endParaRPr>
+          </a:p>
+        </p:txBody>
+      </p:sp>
+      <p:sp>
+        <p:nvSpPr>
+          <p:cNvPr id="3" name="CaixaDeTexto 2"/>
+          <p:cNvSpPr txBox="1"/>
+          <p:nvPr/>
+        </p:nvSpPr>
+        <p:spPr>
+          <a:xfrm>
+            <a:off x="711202" y="1281878"/>
+            <a:ext cx="3849511" cy="646331"/>
+          </a:xfrm>
+          <a:prstGeom prst="rect">
+            <a:avLst/>
+          </a:prstGeom>
+          <a:noFill/>
+        </p:spPr>
+        <p:txBody>
+          <a:bodyPr wrap="square" rtlCol="0">
+            <a:spAutoFit/>
+          </a:bodyPr>
+          <a:lstStyle/>
+          <a:p>
+            <a:r>
+              <a:rPr lang="pt-BR" dirty="0" smtClean="0"/>
+              <a:t>Projeto: Site Almoxarifado</a:t>
+            </a:r>
+          </a:p>
+          <a:p>
+            <a:endParaRPr lang="pt-BR" dirty="0"/>
+          </a:p>
+        </p:txBody>
+      </p:sp>
+      <p:sp>
+        <p:nvSpPr>
+          <p:cNvPr id="4" name="Retângulo 3"/>
+          <p:cNvSpPr/>
+          <p:nvPr/>
+        </p:nvSpPr>
+        <p:spPr>
+          <a:xfrm>
+            <a:off x="711202" y="1756853"/>
+            <a:ext cx="10216444" cy="4824569"/>
+          </a:xfrm>
+          <a:prstGeom prst="rect">
+            <a:avLst/>
+          </a:prstGeom>
+          <a:solidFill>
+            <a:schemeClr val="bg1"/>
+          </a:solidFill>
+        </p:spPr>
+        <p:style>
+          <a:lnRef idx="2">
+            <a:schemeClr val="accent1">
+              <a:shade val="50000"/>
+            </a:schemeClr>
+          </a:lnRef>
+          <a:fillRef idx="1">
+            <a:schemeClr val="accent1"/>
+          </a:fillRef>
+          <a:effectRef idx="0">
+            <a:schemeClr val="accent1"/>
+          </a:effectRef>
+          <a:fontRef idx="minor">
+            <a:schemeClr val="lt1"/>
+          </a:fontRef>
+        </p:style>
+        <p:txBody>
+          <a:bodyPr rtlCol="0" anchor="ctr"/>
+          <a:lstStyle/>
+          <a:p>
+            <a:pPr algn="ctr"/>
+            <a:endParaRPr lang="pt-BR"/>
+          </a:p>
+        </p:txBody>
+      </p:sp>
+      <p:sp>
+        <p:nvSpPr>
+          <p:cNvPr id="5" name="Retângulo 4"/>
+          <p:cNvSpPr/>
+          <p:nvPr/>
+        </p:nvSpPr>
+        <p:spPr>
+          <a:xfrm>
+            <a:off x="711202" y="1756853"/>
+            <a:ext cx="10216444" cy="783147"/>
+          </a:xfrm>
+          <a:prstGeom prst="rect">
+            <a:avLst/>
+          </a:prstGeom>
+          <a:solidFill>
+            <a:schemeClr val="tx1"/>
+          </a:solidFill>
+        </p:spPr>
+        <p:style>
+          <a:lnRef idx="2">
+            <a:schemeClr val="accent1">
+              <a:shade val="50000"/>
+            </a:schemeClr>
+          </a:lnRef>
+          <a:fillRef idx="1">
+            <a:schemeClr val="accent1"/>
+          </a:fillRef>
+          <a:effectRef idx="0">
+            <a:schemeClr val="accent1"/>
+          </a:effectRef>
+          <a:fontRef idx="minor">
+            <a:schemeClr val="lt1"/>
+          </a:fontRef>
+        </p:style>
+        <p:txBody>
+          <a:bodyPr rtlCol="0" anchor="ctr"/>
+          <a:lstStyle/>
+          <a:p>
+            <a:pPr algn="ctr"/>
+            <a:endParaRPr lang="pt-BR"/>
+          </a:p>
+        </p:txBody>
+      </p:sp>
+      <p:sp>
+        <p:nvSpPr>
+          <p:cNvPr id="6" name="CaixaDeTexto 5"/>
+          <p:cNvSpPr txBox="1"/>
+          <p:nvPr/>
+        </p:nvSpPr>
+        <p:spPr>
+          <a:xfrm>
+            <a:off x="993421" y="2691809"/>
+            <a:ext cx="9668662" cy="2585323"/>
+          </a:xfrm>
+          <a:prstGeom prst="rect">
+            <a:avLst/>
+          </a:prstGeom>
+          <a:noFill/>
+        </p:spPr>
+        <p:txBody>
+          <a:bodyPr wrap="square" rtlCol="0">
+            <a:spAutoFit/>
+          </a:bodyPr>
+          <a:lstStyle/>
+          <a:p>
+            <a:r>
+              <a:rPr lang="pt-BR" dirty="0" smtClean="0"/>
+              <a:t>Pré-condição: Sistema estar aberto</a:t>
+            </a:r>
+          </a:p>
+          <a:p>
+            <a:endParaRPr lang="pt-BR" dirty="0" smtClean="0"/>
+          </a:p>
+          <a:p>
+            <a:r>
+              <a:rPr lang="pt-BR" dirty="0" smtClean="0"/>
+              <a:t>Passos: </a:t>
+            </a:r>
+          </a:p>
+          <a:p>
+            <a:r>
+              <a:rPr lang="pt-BR" dirty="0" smtClean="0"/>
+              <a:t>1- Acessar o </a:t>
+            </a:r>
+            <a:r>
+              <a:rPr lang="pt-BR" dirty="0" smtClean="0"/>
+              <a:t>sistema.</a:t>
+            </a:r>
+            <a:endParaRPr lang="pt-BR" dirty="0" smtClean="0"/>
+          </a:p>
+          <a:p>
+            <a:r>
+              <a:rPr lang="pt-BR" dirty="0" smtClean="0"/>
+              <a:t>2- Ao digitar um código no campo “ID” o campo “departamento” será preenchido caso exista no banco de dados/ API.</a:t>
+            </a:r>
+          </a:p>
+          <a:p>
+            <a:r>
+              <a:rPr lang="pt-BR" dirty="0" smtClean="0"/>
+              <a:t>3- Se não existir, o campo não será preenchido.</a:t>
+            </a:r>
+          </a:p>
+          <a:p>
+            <a:endParaRPr lang="pt-BR" dirty="0"/>
+          </a:p>
+          <a:p>
+            <a:r>
+              <a:rPr lang="pt-BR" dirty="0" smtClean="0"/>
+              <a:t>Resultado esperado: Preenchimento do campo “departamento” por um ID já existente.</a:t>
+            </a:r>
+          </a:p>
+        </p:txBody>
+      </p:sp>
+      <p:sp>
+        <p:nvSpPr>
+          <p:cNvPr id="8" name="CaixaDeTexto 7"/>
+          <p:cNvSpPr txBox="1"/>
+          <p:nvPr/>
+        </p:nvSpPr>
+        <p:spPr>
+          <a:xfrm>
+            <a:off x="878888" y="1879964"/>
+            <a:ext cx="1846556" cy="523220"/>
+          </a:xfrm>
+          <a:prstGeom prst="rect">
+            <a:avLst/>
+          </a:prstGeom>
+          <a:noFill/>
+        </p:spPr>
+        <p:txBody>
+          <a:bodyPr wrap="square" rtlCol="0">
+            <a:spAutoFit/>
+          </a:bodyPr>
+          <a:lstStyle/>
+          <a:p>
+            <a:r>
+              <a:rPr lang="pt-BR" sz="2800" dirty="0" smtClean="0">
+                <a:solidFill>
+                  <a:schemeClr val="bg1"/>
+                </a:solidFill>
+              </a:rPr>
+              <a:t>RN 06 </a:t>
+            </a:r>
+            <a:endParaRPr lang="pt-BR" sz="2800" dirty="0">
+              <a:solidFill>
+                <a:schemeClr val="bg1"/>
+              </a:solidFill>
+            </a:endParaRPr>
+          </a:p>
+        </p:txBody>
+      </p:sp>
+    </p:spTree>
+    <p:extLst>
+      <p:ext uri="{BB962C8B-B14F-4D97-AF65-F5344CB8AC3E}">
+        <p14:creationId xmlns:p14="http://schemas.microsoft.com/office/powerpoint/2010/main" val="3262542223"/>
+      </p:ext>
+    </p:extLst>
+  </p:cSld>
+  <p:clrMapOvr>
+    <a:masterClrMapping/>
+  </p:clrMapOvr>
+</p:sld>
+</file>
+
+<file path=ppt/slides/slide15.xml><?xml version="1.0" encoding="utf-8"?>
+<p:sld xmlns:a="http://schemas.openxmlformats.org/drawingml/2006/main" xmlns:r="http://schemas.openxmlformats.org/officeDocument/2006/relationships" xmlns:p="http://schemas.openxmlformats.org/presentationml/2006/main">
+  <p:cSld>
+    <p:spTree>
+      <p:nvGrpSpPr>
+        <p:cNvPr id="1" name=""/>
+        <p:cNvGrpSpPr/>
+        <p:nvPr/>
+      </p:nvGrpSpPr>
+      <p:grpSpPr>
+        <a:xfrm>
+          <a:off x="0" y="0"/>
+          <a:ext cx="0" cy="0"/>
+          <a:chOff x="0" y="0"/>
+          <a:chExt cx="0" cy="0"/>
+        </a:xfrm>
+      </p:grpSpPr>
+      <p:sp>
+        <p:nvSpPr>
+          <p:cNvPr id="2" name="Título 1"/>
+          <p:cNvSpPr>
+            <a:spLocks noGrp="1"/>
+          </p:cNvSpPr>
+          <p:nvPr>
+            <p:ph type="title"/>
+          </p:nvPr>
+        </p:nvSpPr>
+        <p:spPr>
+          <a:xfrm>
+            <a:off x="3053644" y="111939"/>
+            <a:ext cx="5463821" cy="1325563"/>
+          </a:xfrm>
+        </p:spPr>
+        <p:txBody>
+          <a:bodyPr>
+            <a:normAutofit/>
+          </a:bodyPr>
+          <a:lstStyle/>
+          <a:p>
+            <a:r>
+              <a:rPr lang="pt-BR" sz="6000" dirty="0" smtClean="0">
+                <a:latin typeface="Bahnschrift SemiBold" panose="020B0502040204020203" pitchFamily="34" charset="0"/>
+              </a:rPr>
+              <a:t>Caso de teste</a:t>
+            </a:r>
+            <a:endParaRPr lang="pt-BR" sz="6000" dirty="0">
+              <a:latin typeface="Bahnschrift SemiBold" panose="020B0502040204020203" pitchFamily="34" charset="0"/>
+            </a:endParaRPr>
+          </a:p>
+        </p:txBody>
+      </p:sp>
+      <p:sp>
+        <p:nvSpPr>
+          <p:cNvPr id="3" name="CaixaDeTexto 2"/>
+          <p:cNvSpPr txBox="1"/>
+          <p:nvPr/>
+        </p:nvSpPr>
+        <p:spPr>
+          <a:xfrm>
+            <a:off x="711202" y="1281878"/>
+            <a:ext cx="3849511" cy="646331"/>
+          </a:xfrm>
+          <a:prstGeom prst="rect">
+            <a:avLst/>
+          </a:prstGeom>
+          <a:noFill/>
+        </p:spPr>
+        <p:txBody>
+          <a:bodyPr wrap="square" rtlCol="0">
+            <a:spAutoFit/>
+          </a:bodyPr>
+          <a:lstStyle/>
+          <a:p>
+            <a:r>
+              <a:rPr lang="pt-BR" dirty="0" smtClean="0"/>
+              <a:t>Projeto: Site Almoxarifado</a:t>
+            </a:r>
+          </a:p>
+          <a:p>
+            <a:endParaRPr lang="pt-BR" dirty="0"/>
+          </a:p>
+        </p:txBody>
+      </p:sp>
+      <p:sp>
+        <p:nvSpPr>
+          <p:cNvPr id="4" name="Retângulo 3"/>
+          <p:cNvSpPr/>
+          <p:nvPr/>
+        </p:nvSpPr>
+        <p:spPr>
+          <a:xfrm>
+            <a:off x="711202" y="1756853"/>
+            <a:ext cx="10216444" cy="4824569"/>
+          </a:xfrm>
+          <a:prstGeom prst="rect">
+            <a:avLst/>
+          </a:prstGeom>
+          <a:solidFill>
+            <a:schemeClr val="bg1"/>
+          </a:solidFill>
+        </p:spPr>
+        <p:style>
+          <a:lnRef idx="2">
+            <a:schemeClr val="accent1">
+              <a:shade val="50000"/>
+            </a:schemeClr>
+          </a:lnRef>
+          <a:fillRef idx="1">
+            <a:schemeClr val="accent1"/>
+          </a:fillRef>
+          <a:effectRef idx="0">
+            <a:schemeClr val="accent1"/>
+          </a:effectRef>
+          <a:fontRef idx="minor">
+            <a:schemeClr val="lt1"/>
+          </a:fontRef>
+        </p:style>
+        <p:txBody>
+          <a:bodyPr rtlCol="0" anchor="ctr"/>
+          <a:lstStyle/>
+          <a:p>
+            <a:pPr algn="ctr"/>
+            <a:endParaRPr lang="pt-BR"/>
+          </a:p>
+        </p:txBody>
+      </p:sp>
+      <p:sp>
+        <p:nvSpPr>
+          <p:cNvPr id="5" name="Retângulo 4"/>
+          <p:cNvSpPr/>
+          <p:nvPr/>
+        </p:nvSpPr>
+        <p:spPr>
+          <a:xfrm>
+            <a:off x="711202" y="1756853"/>
+            <a:ext cx="10216444" cy="783147"/>
+          </a:xfrm>
+          <a:prstGeom prst="rect">
+            <a:avLst/>
+          </a:prstGeom>
+          <a:solidFill>
+            <a:schemeClr val="tx1"/>
+          </a:solidFill>
+        </p:spPr>
+        <p:style>
+          <a:lnRef idx="2">
+            <a:schemeClr val="accent1">
+              <a:shade val="50000"/>
+            </a:schemeClr>
+          </a:lnRef>
+          <a:fillRef idx="1">
+            <a:schemeClr val="accent1"/>
+          </a:fillRef>
+          <a:effectRef idx="0">
+            <a:schemeClr val="accent1"/>
+          </a:effectRef>
+          <a:fontRef idx="minor">
+            <a:schemeClr val="lt1"/>
+          </a:fontRef>
+        </p:style>
+        <p:txBody>
+          <a:bodyPr rtlCol="0" anchor="ctr"/>
+          <a:lstStyle/>
+          <a:p>
+            <a:pPr algn="ctr"/>
+            <a:endParaRPr lang="pt-BR"/>
+          </a:p>
+        </p:txBody>
+      </p:sp>
+      <p:sp>
+        <p:nvSpPr>
+          <p:cNvPr id="6" name="CaixaDeTexto 5"/>
+          <p:cNvSpPr txBox="1"/>
+          <p:nvPr/>
+        </p:nvSpPr>
+        <p:spPr>
+          <a:xfrm>
+            <a:off x="993421" y="2691809"/>
+            <a:ext cx="9668662" cy="2585323"/>
+          </a:xfrm>
+          <a:prstGeom prst="rect">
+            <a:avLst/>
+          </a:prstGeom>
+          <a:noFill/>
+        </p:spPr>
+        <p:txBody>
+          <a:bodyPr wrap="square" rtlCol="0">
+            <a:spAutoFit/>
+          </a:bodyPr>
+          <a:lstStyle/>
+          <a:p>
+            <a:r>
+              <a:rPr lang="pt-BR" dirty="0" smtClean="0"/>
+              <a:t>Pré-condição: Sistema estar aberto</a:t>
+            </a:r>
+          </a:p>
+          <a:p>
+            <a:endParaRPr lang="pt-BR" dirty="0" smtClean="0"/>
+          </a:p>
+          <a:p>
+            <a:r>
+              <a:rPr lang="pt-BR" dirty="0" smtClean="0"/>
+              <a:t>Passos: </a:t>
+            </a:r>
+          </a:p>
+          <a:p>
+            <a:r>
+              <a:rPr lang="pt-BR" dirty="0" smtClean="0"/>
+              <a:t>1- Acessar o </a:t>
+            </a:r>
+            <a:r>
+              <a:rPr lang="pt-BR" dirty="0" smtClean="0"/>
+              <a:t>sistema.</a:t>
+            </a:r>
+            <a:endParaRPr lang="pt-BR" dirty="0" smtClean="0"/>
+          </a:p>
+          <a:p>
+            <a:r>
+              <a:rPr lang="pt-BR" dirty="0" smtClean="0"/>
+              <a:t>2- Ao digitar um código no campo “ID </a:t>
+            </a:r>
+            <a:r>
+              <a:rPr lang="pt-BR" dirty="0" err="1" smtClean="0"/>
+              <a:t>Func</a:t>
+            </a:r>
+            <a:r>
+              <a:rPr lang="pt-BR" dirty="0" smtClean="0"/>
+              <a:t>” o campo “Nome Funcionário” será preenchido caso exista no banco de dados/ API.</a:t>
+            </a:r>
+          </a:p>
+          <a:p>
+            <a:r>
+              <a:rPr lang="pt-BR" dirty="0" smtClean="0"/>
+              <a:t>3- Se não existir, o campo não será preenchido.</a:t>
+            </a:r>
+          </a:p>
+          <a:p>
+            <a:endParaRPr lang="pt-BR" dirty="0"/>
+          </a:p>
+          <a:p>
+            <a:r>
+              <a:rPr lang="pt-BR" dirty="0" smtClean="0"/>
+              <a:t>Resultado esperado: Preenchimento do campo “Nome Funcionário” por um ID já existente.</a:t>
+            </a:r>
+          </a:p>
+        </p:txBody>
+      </p:sp>
+      <p:sp>
+        <p:nvSpPr>
+          <p:cNvPr id="8" name="CaixaDeTexto 7"/>
+          <p:cNvSpPr txBox="1"/>
+          <p:nvPr/>
+        </p:nvSpPr>
+        <p:spPr>
+          <a:xfrm>
+            <a:off x="878888" y="1879964"/>
+            <a:ext cx="1846556" cy="523220"/>
+          </a:xfrm>
+          <a:prstGeom prst="rect">
+            <a:avLst/>
+          </a:prstGeom>
+          <a:noFill/>
+        </p:spPr>
+        <p:txBody>
+          <a:bodyPr wrap="square" rtlCol="0">
+            <a:spAutoFit/>
+          </a:bodyPr>
+          <a:lstStyle/>
+          <a:p>
+            <a:r>
+              <a:rPr lang="pt-BR" sz="2800" dirty="0" smtClean="0">
+                <a:solidFill>
+                  <a:schemeClr val="bg1"/>
+                </a:solidFill>
+              </a:rPr>
+              <a:t>RN 07 </a:t>
+            </a:r>
+            <a:endParaRPr lang="pt-BR" sz="2800" dirty="0">
+              <a:solidFill>
+                <a:schemeClr val="bg1"/>
+              </a:solidFill>
+            </a:endParaRPr>
+          </a:p>
+        </p:txBody>
+      </p:sp>
+    </p:spTree>
+    <p:extLst>
+      <p:ext uri="{BB962C8B-B14F-4D97-AF65-F5344CB8AC3E}">
+        <p14:creationId xmlns:p14="http://schemas.microsoft.com/office/powerpoint/2010/main" val="4043932150"/>
       </p:ext>
     </p:extLst>
   </p:cSld>
@@ -6082,7 +7836,7 @@
         </p:nvSpPr>
         <p:spPr>
           <a:xfrm>
-            <a:off x="1332089" y="1334195"/>
+            <a:off x="711202" y="1281878"/>
             <a:ext cx="3849511" cy="646331"/>
           </a:xfrm>
           <a:prstGeom prst="rect">
@@ -6200,8 +7954,8 @@
         </p:nvSpPr>
         <p:spPr>
           <a:xfrm>
-            <a:off x="993420" y="2691809"/>
-            <a:ext cx="10114847" cy="1754326"/>
+            <a:off x="993421" y="2691809"/>
+            <a:ext cx="9668662" cy="2308324"/>
           </a:xfrm>
           <a:prstGeom prst="rect">
             <a:avLst/>
@@ -6231,25 +7985,82 @@
           <a:p>
             <a:r>
               <a:rPr lang="pt-BR" dirty="0" smtClean="0"/>
-              <a:t>1- Acessar o sistema</a:t>
-            </a:r>
-          </a:p>
-          <a:p>
+              <a:t>1- Acessar o </a:t>
+            </a:r>
             <a:r>
               <a:rPr lang="pt-BR" dirty="0" smtClean="0"/>
-              <a:t>2- Todos os campos serão obrigatórios a ser preenchidos com exceção do campo “Nome Funcionário”</a:t>
-            </a:r>
+              <a:t>sistema.</a:t>
+            </a:r>
+            <a:endParaRPr lang="pt-BR" dirty="0" smtClean="0"/>
           </a:p>
           <a:p>
             <a:r>
               <a:rPr lang="pt-BR" dirty="0" smtClean="0"/>
-              <a:t>3-  </a:t>
-            </a:r>
-            <a:r>
-              <a:rPr lang="pt-BR" smtClean="0"/>
-              <a:t>Sistema verifica se</a:t>
-            </a:r>
+              <a:t>2- Todos os campos serão obrigatórios a ser preenchidos com exceção do campo “Nome </a:t>
+            </a:r>
+            <a:r>
+              <a:rPr lang="pt-BR" dirty="0" smtClean="0"/>
+              <a:t>Funcionário”.</a:t>
+            </a:r>
+            <a:endParaRPr lang="pt-BR" dirty="0" smtClean="0"/>
+          </a:p>
+          <a:p>
+            <a:r>
+              <a:rPr lang="pt-BR" dirty="0" smtClean="0"/>
+              <a:t>3-  Sistema verifica </a:t>
+            </a:r>
+            <a:r>
+              <a:rPr lang="pt-BR" dirty="0" smtClean="0"/>
+              <a:t>se há campos obrigatórios não preenchidos.</a:t>
+            </a:r>
+          </a:p>
+          <a:p>
             <a:endParaRPr lang="pt-BR" dirty="0"/>
+          </a:p>
+          <a:p>
+            <a:r>
+              <a:rPr lang="pt-BR" dirty="0" smtClean="0"/>
+              <a:t>Resultado esperado: Campos obrigatórios preenchidos corretamente.</a:t>
+            </a:r>
+            <a:endParaRPr lang="pt-BR" dirty="0"/>
+          </a:p>
+        </p:txBody>
+      </p:sp>
+      <p:sp>
+        <p:nvSpPr>
+          <p:cNvPr id="8" name="CaixaDeTexto 7"/>
+          <p:cNvSpPr txBox="1"/>
+          <p:nvPr/>
+        </p:nvSpPr>
+        <p:spPr>
+          <a:xfrm>
+            <a:off x="878888" y="1879964"/>
+            <a:ext cx="1846556" cy="523220"/>
+          </a:xfrm>
+          <a:prstGeom prst="rect">
+            <a:avLst/>
+          </a:prstGeom>
+          <a:noFill/>
+        </p:spPr>
+        <p:txBody>
+          <a:bodyPr wrap="square" rtlCol="0">
+            <a:spAutoFit/>
+          </a:bodyPr>
+          <a:lstStyle/>
+          <a:p>
+            <a:r>
+              <a:rPr lang="pt-BR" sz="2800" dirty="0" smtClean="0">
+                <a:solidFill>
+                  <a:schemeClr val="bg1"/>
+                </a:solidFill>
+              </a:rPr>
+              <a:t>RN 01 </a:t>
+            </a:r>
+            <a:endParaRPr lang="pt-BR" sz="2800" dirty="0">
+              <a:solidFill>
+                <a:schemeClr val="bg1"/>
+              </a:solidFill>
+            </a:endParaRPr>
           </a:p>
         </p:txBody>
       </p:sp>

--- a/RegrasNegocio/RN_Requisitos.pptx
+++ b/RegrasNegocio/RN_Requisitos.pptx
@@ -4,6 +4,9 @@
   <p:sldMasterIdLst>
     <p:sldMasterId id="2147483648" r:id="rId1"/>
   </p:sldMasterIdLst>
+  <p:notesMasterIdLst>
+    <p:notesMasterId r:id="rId24"/>
+  </p:notesMasterIdLst>
   <p:sldIdLst>
     <p:sldId id="256" r:id="rId2"/>
     <p:sldId id="257" r:id="rId3"/>
@@ -20,6 +23,13 @@
     <p:sldId id="268" r:id="rId14"/>
     <p:sldId id="269" r:id="rId15"/>
     <p:sldId id="270" r:id="rId16"/>
+    <p:sldId id="271" r:id="rId17"/>
+    <p:sldId id="272" r:id="rId18"/>
+    <p:sldId id="273" r:id="rId19"/>
+    <p:sldId id="274" r:id="rId20"/>
+    <p:sldId id="275" r:id="rId21"/>
+    <p:sldId id="276" r:id="rId22"/>
+    <p:sldId id="277" r:id="rId23"/>
   </p:sldIdLst>
   <p:sldSz cx="12192000" cy="6858000"/>
   <p:notesSz cx="6858000" cy="9144000"/>
@@ -120,10 +130,438 @@
   </p:defaultTextStyle>
   <p:extLst>
     <p:ext uri="{EFAFB233-063F-42B5-8137-9DF3F51BA10A}">
-      <p15:sldGuideLst xmlns:p15="http://schemas.microsoft.com/office/powerpoint/2012/main"/>
+      <p15:sldGuideLst xmlns:p15="http://schemas.microsoft.com/office/powerpoint/2012/main" xmlns=""/>
     </p:ext>
   </p:extLst>
 </p:presentation>
+</file>
+
+<file path=ppt/notesMasters/notesMaster1.xml><?xml version="1.0" encoding="utf-8"?>
+<p:notesMaster xmlns:a="http://schemas.openxmlformats.org/drawingml/2006/main" xmlns:r="http://schemas.openxmlformats.org/officeDocument/2006/relationships" xmlns:p="http://schemas.openxmlformats.org/presentationml/2006/main">
+  <p:cSld>
+    <p:bg>
+      <p:bgRef idx="1001">
+        <a:schemeClr val="bg1"/>
+      </p:bgRef>
+    </p:bg>
+    <p:spTree>
+      <p:nvGrpSpPr>
+        <p:cNvPr id="1" name=""/>
+        <p:cNvGrpSpPr/>
+        <p:nvPr/>
+      </p:nvGrpSpPr>
+      <p:grpSpPr>
+        <a:xfrm>
+          <a:off x="0" y="0"/>
+          <a:ext cx="0" cy="0"/>
+          <a:chOff x="0" y="0"/>
+          <a:chExt cx="0" cy="0"/>
+        </a:xfrm>
+      </p:grpSpPr>
+      <p:sp>
+        <p:nvSpPr>
+          <p:cNvPr id="2" name="Espaço Reservado para Cabeçalho 1"/>
+          <p:cNvSpPr>
+            <a:spLocks noGrp="1"/>
+          </p:cNvSpPr>
+          <p:nvPr>
+            <p:ph type="hdr" sz="quarter"/>
+          </p:nvPr>
+        </p:nvSpPr>
+        <p:spPr>
+          <a:xfrm>
+            <a:off x="0" y="0"/>
+            <a:ext cx="2971800" cy="457200"/>
+          </a:xfrm>
+          <a:prstGeom prst="rect">
+            <a:avLst/>
+          </a:prstGeom>
+        </p:spPr>
+        <p:txBody>
+          <a:bodyPr vert="horz" lIns="91440" tIns="45720" rIns="91440" bIns="45720" rtlCol="0"/>
+          <a:lstStyle>
+            <a:lvl1pPr algn="l">
+              <a:defRPr sz="1200"/>
+            </a:lvl1pPr>
+          </a:lstStyle>
+          <a:p>
+            <a:endParaRPr lang="pt-BR"/>
+          </a:p>
+        </p:txBody>
+      </p:sp>
+      <p:sp>
+        <p:nvSpPr>
+          <p:cNvPr id="3" name="Espaço Reservado para Data 2"/>
+          <p:cNvSpPr>
+            <a:spLocks noGrp="1"/>
+          </p:cNvSpPr>
+          <p:nvPr>
+            <p:ph type="dt" idx="1"/>
+          </p:nvPr>
+        </p:nvSpPr>
+        <p:spPr>
+          <a:xfrm>
+            <a:off x="3884613" y="0"/>
+            <a:ext cx="2971800" cy="457200"/>
+          </a:xfrm>
+          <a:prstGeom prst="rect">
+            <a:avLst/>
+          </a:prstGeom>
+        </p:spPr>
+        <p:txBody>
+          <a:bodyPr vert="horz" lIns="91440" tIns="45720" rIns="91440" bIns="45720" rtlCol="0"/>
+          <a:lstStyle>
+            <a:lvl1pPr algn="r">
+              <a:defRPr sz="1200"/>
+            </a:lvl1pPr>
+          </a:lstStyle>
+          <a:p>
+            <a:fld id="{3A8665B0-11FA-4D2C-B967-25045C6445F7}" type="datetimeFigureOut">
+              <a:rPr lang="pt-BR" smtClean="0"/>
+              <a:t>28/01/2024</a:t>
+            </a:fld>
+            <a:endParaRPr lang="pt-BR"/>
+          </a:p>
+        </p:txBody>
+      </p:sp>
+      <p:sp>
+        <p:nvSpPr>
+          <p:cNvPr id="4" name="Espaço Reservado para Imagem de Slide 3"/>
+          <p:cNvSpPr>
+            <a:spLocks noGrp="1" noRot="1" noChangeAspect="1"/>
+          </p:cNvSpPr>
+          <p:nvPr>
+            <p:ph type="sldImg" idx="2"/>
+          </p:nvPr>
+        </p:nvSpPr>
+        <p:spPr>
+          <a:xfrm>
+            <a:off x="381000" y="685800"/>
+            <a:ext cx="6096000" cy="3429000"/>
+          </a:xfrm>
+          <a:prstGeom prst="rect">
+            <a:avLst/>
+          </a:prstGeom>
+          <a:noFill/>
+          <a:ln w="12700">
+            <a:solidFill>
+              <a:prstClr val="black"/>
+            </a:solidFill>
+          </a:ln>
+        </p:spPr>
+        <p:txBody>
+          <a:bodyPr vert="horz" lIns="91440" tIns="45720" rIns="91440" bIns="45720" rtlCol="0" anchor="ctr"/>
+          <a:lstStyle/>
+          <a:p>
+            <a:endParaRPr lang="pt-BR"/>
+          </a:p>
+        </p:txBody>
+      </p:sp>
+      <p:sp>
+        <p:nvSpPr>
+          <p:cNvPr id="5" name="Espaço Reservado para Anotações 4"/>
+          <p:cNvSpPr>
+            <a:spLocks noGrp="1"/>
+          </p:cNvSpPr>
+          <p:nvPr>
+            <p:ph type="body" sz="quarter" idx="3"/>
+          </p:nvPr>
+        </p:nvSpPr>
+        <p:spPr>
+          <a:xfrm>
+            <a:off x="685800" y="4343400"/>
+            <a:ext cx="5486400" cy="4114800"/>
+          </a:xfrm>
+          <a:prstGeom prst="rect">
+            <a:avLst/>
+          </a:prstGeom>
+        </p:spPr>
+        <p:txBody>
+          <a:bodyPr vert="horz" lIns="91440" tIns="45720" rIns="91440" bIns="45720" rtlCol="0">
+            <a:normAutofit/>
+          </a:bodyPr>
+          <a:lstStyle/>
+          <a:p>
+            <a:pPr lvl="0"/>
+            <a:r>
+              <a:rPr lang="pt-BR" smtClean="0"/>
+              <a:t>Clique para editar os estilos do texto mestre</a:t>
+            </a:r>
+          </a:p>
+          <a:p>
+            <a:pPr lvl="1"/>
+            <a:r>
+              <a:rPr lang="pt-BR" smtClean="0"/>
+              <a:t>Segundo nível</a:t>
+            </a:r>
+          </a:p>
+          <a:p>
+            <a:pPr lvl="2"/>
+            <a:r>
+              <a:rPr lang="pt-BR" smtClean="0"/>
+              <a:t>Terceiro nível</a:t>
+            </a:r>
+          </a:p>
+          <a:p>
+            <a:pPr lvl="3"/>
+            <a:r>
+              <a:rPr lang="pt-BR" smtClean="0"/>
+              <a:t>Quarto nível</a:t>
+            </a:r>
+          </a:p>
+          <a:p>
+            <a:pPr lvl="4"/>
+            <a:r>
+              <a:rPr lang="pt-BR" smtClean="0"/>
+              <a:t>Quinto nível</a:t>
+            </a:r>
+            <a:endParaRPr lang="pt-BR"/>
+          </a:p>
+        </p:txBody>
+      </p:sp>
+      <p:sp>
+        <p:nvSpPr>
+          <p:cNvPr id="6" name="Espaço Reservado para Rodapé 5"/>
+          <p:cNvSpPr>
+            <a:spLocks noGrp="1"/>
+          </p:cNvSpPr>
+          <p:nvPr>
+            <p:ph type="ftr" sz="quarter" idx="4"/>
+          </p:nvPr>
+        </p:nvSpPr>
+        <p:spPr>
+          <a:xfrm>
+            <a:off x="0" y="8685213"/>
+            <a:ext cx="2971800" cy="457200"/>
+          </a:xfrm>
+          <a:prstGeom prst="rect">
+            <a:avLst/>
+          </a:prstGeom>
+        </p:spPr>
+        <p:txBody>
+          <a:bodyPr vert="horz" lIns="91440" tIns="45720" rIns="91440" bIns="45720" rtlCol="0" anchor="b"/>
+          <a:lstStyle>
+            <a:lvl1pPr algn="l">
+              <a:defRPr sz="1200"/>
+            </a:lvl1pPr>
+          </a:lstStyle>
+          <a:p>
+            <a:endParaRPr lang="pt-BR"/>
+          </a:p>
+        </p:txBody>
+      </p:sp>
+      <p:sp>
+        <p:nvSpPr>
+          <p:cNvPr id="7" name="Espaço Reservado para Número de Slide 6"/>
+          <p:cNvSpPr>
+            <a:spLocks noGrp="1"/>
+          </p:cNvSpPr>
+          <p:nvPr>
+            <p:ph type="sldNum" sz="quarter" idx="5"/>
+          </p:nvPr>
+        </p:nvSpPr>
+        <p:spPr>
+          <a:xfrm>
+            <a:off x="3884613" y="8685213"/>
+            <a:ext cx="2971800" cy="457200"/>
+          </a:xfrm>
+          <a:prstGeom prst="rect">
+            <a:avLst/>
+          </a:prstGeom>
+        </p:spPr>
+        <p:txBody>
+          <a:bodyPr vert="horz" lIns="91440" tIns="45720" rIns="91440" bIns="45720" rtlCol="0" anchor="b"/>
+          <a:lstStyle>
+            <a:lvl1pPr algn="r">
+              <a:defRPr sz="1200"/>
+            </a:lvl1pPr>
+          </a:lstStyle>
+          <a:p>
+            <a:fld id="{8CFC1BB6-4353-4B0A-BD2E-4284A466BF9B}" type="slidenum">
+              <a:rPr lang="pt-BR" smtClean="0"/>
+              <a:t>‹nº›</a:t>
+            </a:fld>
+            <a:endParaRPr lang="pt-BR"/>
+          </a:p>
+        </p:txBody>
+      </p:sp>
+    </p:spTree>
+  </p:cSld>
+  <p:clrMap bg1="lt1" tx1="dk1" bg2="lt2" tx2="dk2" accent1="accent1" accent2="accent2" accent3="accent3" accent4="accent4" accent5="accent5" accent6="accent6" hlink="hlink" folHlink="folHlink"/>
+  <p:notesStyle>
+    <a:lvl1pPr marL="0" algn="l" defTabSz="914400" rtl="0" eaLnBrk="1" latinLnBrk="0" hangingPunct="1">
+      <a:defRPr sz="1200" kern="1200">
+        <a:solidFill>
+          <a:schemeClr val="tx1"/>
+        </a:solidFill>
+        <a:latin typeface="+mn-lt"/>
+        <a:ea typeface="+mn-ea"/>
+        <a:cs typeface="+mn-cs"/>
+      </a:defRPr>
+    </a:lvl1pPr>
+    <a:lvl2pPr marL="457200" algn="l" defTabSz="914400" rtl="0" eaLnBrk="1" latinLnBrk="0" hangingPunct="1">
+      <a:defRPr sz="1200" kern="1200">
+        <a:solidFill>
+          <a:schemeClr val="tx1"/>
+        </a:solidFill>
+        <a:latin typeface="+mn-lt"/>
+        <a:ea typeface="+mn-ea"/>
+        <a:cs typeface="+mn-cs"/>
+      </a:defRPr>
+    </a:lvl2pPr>
+    <a:lvl3pPr marL="914400" algn="l" defTabSz="914400" rtl="0" eaLnBrk="1" latinLnBrk="0" hangingPunct="1">
+      <a:defRPr sz="1200" kern="1200">
+        <a:solidFill>
+          <a:schemeClr val="tx1"/>
+        </a:solidFill>
+        <a:latin typeface="+mn-lt"/>
+        <a:ea typeface="+mn-ea"/>
+        <a:cs typeface="+mn-cs"/>
+      </a:defRPr>
+    </a:lvl3pPr>
+    <a:lvl4pPr marL="1371600" algn="l" defTabSz="914400" rtl="0" eaLnBrk="1" latinLnBrk="0" hangingPunct="1">
+      <a:defRPr sz="1200" kern="1200">
+        <a:solidFill>
+          <a:schemeClr val="tx1"/>
+        </a:solidFill>
+        <a:latin typeface="+mn-lt"/>
+        <a:ea typeface="+mn-ea"/>
+        <a:cs typeface="+mn-cs"/>
+      </a:defRPr>
+    </a:lvl4pPr>
+    <a:lvl5pPr marL="1828800" algn="l" defTabSz="914400" rtl="0" eaLnBrk="1" latinLnBrk="0" hangingPunct="1">
+      <a:defRPr sz="1200" kern="1200">
+        <a:solidFill>
+          <a:schemeClr val="tx1"/>
+        </a:solidFill>
+        <a:latin typeface="+mn-lt"/>
+        <a:ea typeface="+mn-ea"/>
+        <a:cs typeface="+mn-cs"/>
+      </a:defRPr>
+    </a:lvl5pPr>
+    <a:lvl6pPr marL="2286000" algn="l" defTabSz="914400" rtl="0" eaLnBrk="1" latinLnBrk="0" hangingPunct="1">
+      <a:defRPr sz="1200" kern="1200">
+        <a:solidFill>
+          <a:schemeClr val="tx1"/>
+        </a:solidFill>
+        <a:latin typeface="+mn-lt"/>
+        <a:ea typeface="+mn-ea"/>
+        <a:cs typeface="+mn-cs"/>
+      </a:defRPr>
+    </a:lvl6pPr>
+    <a:lvl7pPr marL="2743200" algn="l" defTabSz="914400" rtl="0" eaLnBrk="1" latinLnBrk="0" hangingPunct="1">
+      <a:defRPr sz="1200" kern="1200">
+        <a:solidFill>
+          <a:schemeClr val="tx1"/>
+        </a:solidFill>
+        <a:latin typeface="+mn-lt"/>
+        <a:ea typeface="+mn-ea"/>
+        <a:cs typeface="+mn-cs"/>
+      </a:defRPr>
+    </a:lvl7pPr>
+    <a:lvl8pPr marL="3200400" algn="l" defTabSz="914400" rtl="0" eaLnBrk="1" latinLnBrk="0" hangingPunct="1">
+      <a:defRPr sz="1200" kern="1200">
+        <a:solidFill>
+          <a:schemeClr val="tx1"/>
+        </a:solidFill>
+        <a:latin typeface="+mn-lt"/>
+        <a:ea typeface="+mn-ea"/>
+        <a:cs typeface="+mn-cs"/>
+      </a:defRPr>
+    </a:lvl8pPr>
+    <a:lvl9pPr marL="3657600" algn="l" defTabSz="914400" rtl="0" eaLnBrk="1" latinLnBrk="0" hangingPunct="1">
+      <a:defRPr sz="1200" kern="1200">
+        <a:solidFill>
+          <a:schemeClr val="tx1"/>
+        </a:solidFill>
+        <a:latin typeface="+mn-lt"/>
+        <a:ea typeface="+mn-ea"/>
+        <a:cs typeface="+mn-cs"/>
+      </a:defRPr>
+    </a:lvl9pPr>
+  </p:notesStyle>
+</p:notesMaster>
+</file>
+
+<file path=ppt/notesSlides/notesSlide1.xml><?xml version="1.0" encoding="utf-8"?>
+<p:notes xmlns:a="http://schemas.openxmlformats.org/drawingml/2006/main" xmlns:r="http://schemas.openxmlformats.org/officeDocument/2006/relationships" xmlns:p="http://schemas.openxmlformats.org/presentationml/2006/main">
+  <p:cSld>
+    <p:spTree>
+      <p:nvGrpSpPr>
+        <p:cNvPr id="1" name=""/>
+        <p:cNvGrpSpPr/>
+        <p:nvPr/>
+      </p:nvGrpSpPr>
+      <p:grpSpPr>
+        <a:xfrm>
+          <a:off x="0" y="0"/>
+          <a:ext cx="0" cy="0"/>
+          <a:chOff x="0" y="0"/>
+          <a:chExt cx="0" cy="0"/>
+        </a:xfrm>
+      </p:grpSpPr>
+      <p:sp>
+        <p:nvSpPr>
+          <p:cNvPr id="2" name="Espaço Reservado para Imagem de Slide 1"/>
+          <p:cNvSpPr>
+            <a:spLocks noGrp="1" noRot="1" noChangeAspect="1"/>
+          </p:cNvSpPr>
+          <p:nvPr>
+            <p:ph type="sldImg"/>
+          </p:nvPr>
+        </p:nvSpPr>
+        <p:spPr/>
+      </p:sp>
+      <p:sp>
+        <p:nvSpPr>
+          <p:cNvPr id="3" name="Espaço Reservado para Anotações 2"/>
+          <p:cNvSpPr>
+            <a:spLocks noGrp="1"/>
+          </p:cNvSpPr>
+          <p:nvPr>
+            <p:ph type="body" idx="1"/>
+          </p:nvPr>
+        </p:nvSpPr>
+        <p:spPr/>
+        <p:txBody>
+          <a:bodyPr>
+            <a:normAutofit/>
+          </a:bodyPr>
+          <a:lstStyle/>
+          <a:p>
+            <a:endParaRPr lang="pt-BR" dirty="0"/>
+          </a:p>
+        </p:txBody>
+      </p:sp>
+      <p:sp>
+        <p:nvSpPr>
+          <p:cNvPr id="4" name="Espaço Reservado para Número de Slide 3"/>
+          <p:cNvSpPr>
+            <a:spLocks noGrp="1"/>
+          </p:cNvSpPr>
+          <p:nvPr>
+            <p:ph type="sldNum" sz="quarter" idx="10"/>
+          </p:nvPr>
+        </p:nvSpPr>
+        <p:spPr/>
+        <p:txBody>
+          <a:bodyPr/>
+          <a:lstStyle/>
+          <a:p>
+            <a:fld id="{8CFC1BB6-4353-4B0A-BD2E-4284A466BF9B}" type="slidenum">
+              <a:rPr lang="pt-BR" smtClean="0"/>
+              <a:t>19</a:t>
+            </a:fld>
+            <a:endParaRPr lang="pt-BR"/>
+          </a:p>
+        </p:txBody>
+      </p:sp>
+    </p:spTree>
+  </p:cSld>
+  <p:clrMapOvr>
+    <a:masterClrMapping/>
+  </p:clrMapOvr>
+</p:notes>
 </file>
 
 <file path=ppt/slideLayouts/slideLayout1.xml><?xml version="1.0" encoding="utf-8"?>
@@ -148,7 +586,7 @@
           <p:cNvPr id="2" name="Título 1">
             <a:extLst>
               <a:ext uri="{FF2B5EF4-FFF2-40B4-BE49-F238E27FC236}">
-                <a16:creationId xmlns:a16="http://schemas.microsoft.com/office/drawing/2014/main" id="{2EB05211-7281-6BB1-32D7-A126A3594E7D}"/>
+                <a16:creationId xmlns:a16="http://schemas.microsoft.com/office/drawing/2014/main" xmlns="" id="{2EB05211-7281-6BB1-32D7-A126A3594E7D}"/>
               </a:ext>
             </a:extLst>
           </p:cNvPr>
@@ -185,7 +623,7 @@
           <p:cNvPr id="3" name="Subtítulo 2">
             <a:extLst>
               <a:ext uri="{FF2B5EF4-FFF2-40B4-BE49-F238E27FC236}">
-                <a16:creationId xmlns:a16="http://schemas.microsoft.com/office/drawing/2014/main" id="{7669ABA4-202B-7485-5379-D80610FFCC08}"/>
+                <a16:creationId xmlns:a16="http://schemas.microsoft.com/office/drawing/2014/main" xmlns="" id="{7669ABA4-202B-7485-5379-D80610FFCC08}"/>
               </a:ext>
             </a:extLst>
           </p:cNvPr>
@@ -255,7 +693,7 @@
           <p:cNvPr id="4" name="Espaço Reservado para Data 3">
             <a:extLst>
               <a:ext uri="{FF2B5EF4-FFF2-40B4-BE49-F238E27FC236}">
-                <a16:creationId xmlns:a16="http://schemas.microsoft.com/office/drawing/2014/main" id="{4DB6109A-89B8-3296-B4B5-56908CCDC705}"/>
+                <a16:creationId xmlns:a16="http://schemas.microsoft.com/office/drawing/2014/main" xmlns="" id="{4DB6109A-89B8-3296-B4B5-56908CCDC705}"/>
               </a:ext>
             </a:extLst>
           </p:cNvPr>
@@ -273,7 +711,8 @@
           <a:p>
             <a:fld id="{0A1764AE-7598-4101-9D63-6EC8D69CE664}" type="datetimeFigureOut">
               <a:rPr lang="pt-BR" smtClean="0"/>
-              <a:t>24/01/2024</a:t>
+              <a:pPr/>
+              <a:t>28/01/2024</a:t>
             </a:fld>
             <a:endParaRPr lang="pt-BR"/>
           </a:p>
@@ -284,7 +723,7 @@
           <p:cNvPr id="5" name="Espaço Reservado para Rodapé 4">
             <a:extLst>
               <a:ext uri="{FF2B5EF4-FFF2-40B4-BE49-F238E27FC236}">
-                <a16:creationId xmlns:a16="http://schemas.microsoft.com/office/drawing/2014/main" id="{5EEC16C0-EC91-1A6A-CAA4-557093375509}"/>
+                <a16:creationId xmlns:a16="http://schemas.microsoft.com/office/drawing/2014/main" xmlns="" id="{5EEC16C0-EC91-1A6A-CAA4-557093375509}"/>
               </a:ext>
             </a:extLst>
           </p:cNvPr>
@@ -309,7 +748,7 @@
           <p:cNvPr id="6" name="Espaço Reservado para Número de Slide 5">
             <a:extLst>
               <a:ext uri="{FF2B5EF4-FFF2-40B4-BE49-F238E27FC236}">
-                <a16:creationId xmlns:a16="http://schemas.microsoft.com/office/drawing/2014/main" id="{597BE89B-A1D8-22B0-6CA2-BAEFADB7CCB1}"/>
+                <a16:creationId xmlns:a16="http://schemas.microsoft.com/office/drawing/2014/main" xmlns="" id="{597BE89B-A1D8-22B0-6CA2-BAEFADB7CCB1}"/>
               </a:ext>
             </a:extLst>
           </p:cNvPr>
@@ -327,6 +766,7 @@
           <a:p>
             <a:fld id="{84EAA556-297A-4E44-9FC9-9ADE912AD739}" type="slidenum">
               <a:rPr lang="pt-BR" smtClean="0"/>
+              <a:pPr/>
               <a:t>‹nº›</a:t>
             </a:fld>
             <a:endParaRPr lang="pt-BR"/>
@@ -336,7 +776,7 @@
     </p:spTree>
     <p:extLst>
       <p:ext uri="{BB962C8B-B14F-4D97-AF65-F5344CB8AC3E}">
-        <p14:creationId xmlns:p14="http://schemas.microsoft.com/office/powerpoint/2010/main" val="3912965537"/>
+        <p14:creationId xmlns:p14="http://schemas.microsoft.com/office/powerpoint/2010/main" xmlns="" val="3912965537"/>
       </p:ext>
     </p:extLst>
   </p:cSld>
@@ -368,7 +808,7 @@
           <p:cNvPr id="2" name="Título 1">
             <a:extLst>
               <a:ext uri="{FF2B5EF4-FFF2-40B4-BE49-F238E27FC236}">
-                <a16:creationId xmlns:a16="http://schemas.microsoft.com/office/drawing/2014/main" id="{4A371462-67CF-064B-BC5B-97EFBDB2948F}"/>
+                <a16:creationId xmlns:a16="http://schemas.microsoft.com/office/drawing/2014/main" xmlns="" id="{4A371462-67CF-064B-BC5B-97EFBDB2948F}"/>
               </a:ext>
             </a:extLst>
           </p:cNvPr>
@@ -396,7 +836,7 @@
           <p:cNvPr id="3" name="Espaço Reservado para Texto Vertical 2">
             <a:extLst>
               <a:ext uri="{FF2B5EF4-FFF2-40B4-BE49-F238E27FC236}">
-                <a16:creationId xmlns:a16="http://schemas.microsoft.com/office/drawing/2014/main" id="{F5D918D6-2514-7E06-797F-46811F09C358}"/>
+                <a16:creationId xmlns:a16="http://schemas.microsoft.com/office/drawing/2014/main" xmlns="" id="{F5D918D6-2514-7E06-797F-46811F09C358}"/>
               </a:ext>
             </a:extLst>
           </p:cNvPr>
@@ -453,7 +893,7 @@
           <p:cNvPr id="4" name="Espaço Reservado para Data 3">
             <a:extLst>
               <a:ext uri="{FF2B5EF4-FFF2-40B4-BE49-F238E27FC236}">
-                <a16:creationId xmlns:a16="http://schemas.microsoft.com/office/drawing/2014/main" id="{41E15502-6387-25F6-3504-F0B0F3E1E62A}"/>
+                <a16:creationId xmlns:a16="http://schemas.microsoft.com/office/drawing/2014/main" xmlns="" id="{41E15502-6387-25F6-3504-F0B0F3E1E62A}"/>
               </a:ext>
             </a:extLst>
           </p:cNvPr>
@@ -471,7 +911,8 @@
           <a:p>
             <a:fld id="{0A1764AE-7598-4101-9D63-6EC8D69CE664}" type="datetimeFigureOut">
               <a:rPr lang="pt-BR" smtClean="0"/>
-              <a:t>24/01/2024</a:t>
+              <a:pPr/>
+              <a:t>28/01/2024</a:t>
             </a:fld>
             <a:endParaRPr lang="pt-BR"/>
           </a:p>
@@ -482,7 +923,7 @@
           <p:cNvPr id="5" name="Espaço Reservado para Rodapé 4">
             <a:extLst>
               <a:ext uri="{FF2B5EF4-FFF2-40B4-BE49-F238E27FC236}">
-                <a16:creationId xmlns:a16="http://schemas.microsoft.com/office/drawing/2014/main" id="{BB252788-D239-6DBB-CBDC-07783CE516F8}"/>
+                <a16:creationId xmlns:a16="http://schemas.microsoft.com/office/drawing/2014/main" xmlns="" id="{BB252788-D239-6DBB-CBDC-07783CE516F8}"/>
               </a:ext>
             </a:extLst>
           </p:cNvPr>
@@ -507,7 +948,7 @@
           <p:cNvPr id="6" name="Espaço Reservado para Número de Slide 5">
             <a:extLst>
               <a:ext uri="{FF2B5EF4-FFF2-40B4-BE49-F238E27FC236}">
-                <a16:creationId xmlns:a16="http://schemas.microsoft.com/office/drawing/2014/main" id="{128EA3EE-2775-1736-C774-CC48015CF944}"/>
+                <a16:creationId xmlns:a16="http://schemas.microsoft.com/office/drawing/2014/main" xmlns="" id="{128EA3EE-2775-1736-C774-CC48015CF944}"/>
               </a:ext>
             </a:extLst>
           </p:cNvPr>
@@ -525,6 +966,7 @@
           <a:p>
             <a:fld id="{84EAA556-297A-4E44-9FC9-9ADE912AD739}" type="slidenum">
               <a:rPr lang="pt-BR" smtClean="0"/>
+              <a:pPr/>
               <a:t>‹nº›</a:t>
             </a:fld>
             <a:endParaRPr lang="pt-BR"/>
@@ -534,7 +976,7 @@
     </p:spTree>
     <p:extLst>
       <p:ext uri="{BB962C8B-B14F-4D97-AF65-F5344CB8AC3E}">
-        <p14:creationId xmlns:p14="http://schemas.microsoft.com/office/powerpoint/2010/main" val="2321430907"/>
+        <p14:creationId xmlns:p14="http://schemas.microsoft.com/office/powerpoint/2010/main" xmlns="" val="2321430907"/>
       </p:ext>
     </p:extLst>
   </p:cSld>
@@ -566,7 +1008,7 @@
           <p:cNvPr id="2" name="Título Vertical 1">
             <a:extLst>
               <a:ext uri="{FF2B5EF4-FFF2-40B4-BE49-F238E27FC236}">
-                <a16:creationId xmlns:a16="http://schemas.microsoft.com/office/drawing/2014/main" id="{8F72A7EB-C76E-CEDD-959B-F7939EFEE716}"/>
+                <a16:creationId xmlns:a16="http://schemas.microsoft.com/office/drawing/2014/main" xmlns="" id="{8F72A7EB-C76E-CEDD-959B-F7939EFEE716}"/>
               </a:ext>
             </a:extLst>
           </p:cNvPr>
@@ -599,7 +1041,7 @@
           <p:cNvPr id="3" name="Espaço Reservado para Texto Vertical 2">
             <a:extLst>
               <a:ext uri="{FF2B5EF4-FFF2-40B4-BE49-F238E27FC236}">
-                <a16:creationId xmlns:a16="http://schemas.microsoft.com/office/drawing/2014/main" id="{8036D0CA-E516-C2BD-C175-0880B455D6C8}"/>
+                <a16:creationId xmlns:a16="http://schemas.microsoft.com/office/drawing/2014/main" xmlns="" id="{8036D0CA-E516-C2BD-C175-0880B455D6C8}"/>
               </a:ext>
             </a:extLst>
           </p:cNvPr>
@@ -661,7 +1103,7 @@
           <p:cNvPr id="4" name="Espaço Reservado para Data 3">
             <a:extLst>
               <a:ext uri="{FF2B5EF4-FFF2-40B4-BE49-F238E27FC236}">
-                <a16:creationId xmlns:a16="http://schemas.microsoft.com/office/drawing/2014/main" id="{226D4CA0-43FB-AC60-6624-92DC32B02255}"/>
+                <a16:creationId xmlns:a16="http://schemas.microsoft.com/office/drawing/2014/main" xmlns="" id="{226D4CA0-43FB-AC60-6624-92DC32B02255}"/>
               </a:ext>
             </a:extLst>
           </p:cNvPr>
@@ -679,7 +1121,8 @@
           <a:p>
             <a:fld id="{0A1764AE-7598-4101-9D63-6EC8D69CE664}" type="datetimeFigureOut">
               <a:rPr lang="pt-BR" smtClean="0"/>
-              <a:t>24/01/2024</a:t>
+              <a:pPr/>
+              <a:t>28/01/2024</a:t>
             </a:fld>
             <a:endParaRPr lang="pt-BR"/>
           </a:p>
@@ -690,7 +1133,7 @@
           <p:cNvPr id="5" name="Espaço Reservado para Rodapé 4">
             <a:extLst>
               <a:ext uri="{FF2B5EF4-FFF2-40B4-BE49-F238E27FC236}">
-                <a16:creationId xmlns:a16="http://schemas.microsoft.com/office/drawing/2014/main" id="{25C72ABC-C00B-4902-597D-D2BF84CFFB18}"/>
+                <a16:creationId xmlns:a16="http://schemas.microsoft.com/office/drawing/2014/main" xmlns="" id="{25C72ABC-C00B-4902-597D-D2BF84CFFB18}"/>
               </a:ext>
             </a:extLst>
           </p:cNvPr>
@@ -715,7 +1158,7 @@
           <p:cNvPr id="6" name="Espaço Reservado para Número de Slide 5">
             <a:extLst>
               <a:ext uri="{FF2B5EF4-FFF2-40B4-BE49-F238E27FC236}">
-                <a16:creationId xmlns:a16="http://schemas.microsoft.com/office/drawing/2014/main" id="{79E04C83-D3B7-1364-E69E-5814BBD760AF}"/>
+                <a16:creationId xmlns:a16="http://schemas.microsoft.com/office/drawing/2014/main" xmlns="" id="{79E04C83-D3B7-1364-E69E-5814BBD760AF}"/>
               </a:ext>
             </a:extLst>
           </p:cNvPr>
@@ -733,6 +1176,7 @@
           <a:p>
             <a:fld id="{84EAA556-297A-4E44-9FC9-9ADE912AD739}" type="slidenum">
               <a:rPr lang="pt-BR" smtClean="0"/>
+              <a:pPr/>
               <a:t>‹nº›</a:t>
             </a:fld>
             <a:endParaRPr lang="pt-BR"/>
@@ -742,7 +1186,7 @@
     </p:spTree>
     <p:extLst>
       <p:ext uri="{BB962C8B-B14F-4D97-AF65-F5344CB8AC3E}">
-        <p14:creationId xmlns:p14="http://schemas.microsoft.com/office/powerpoint/2010/main" val="3435603660"/>
+        <p14:creationId xmlns:p14="http://schemas.microsoft.com/office/powerpoint/2010/main" xmlns="" val="3435603660"/>
       </p:ext>
     </p:extLst>
   </p:cSld>
@@ -774,7 +1218,7 @@
           <p:cNvPr id="2" name="Título 1">
             <a:extLst>
               <a:ext uri="{FF2B5EF4-FFF2-40B4-BE49-F238E27FC236}">
-                <a16:creationId xmlns:a16="http://schemas.microsoft.com/office/drawing/2014/main" id="{5AC592A0-DE2D-E77A-021E-C14CBA977A42}"/>
+                <a16:creationId xmlns:a16="http://schemas.microsoft.com/office/drawing/2014/main" xmlns="" id="{5AC592A0-DE2D-E77A-021E-C14CBA977A42}"/>
               </a:ext>
             </a:extLst>
           </p:cNvPr>
@@ -802,7 +1246,7 @@
           <p:cNvPr id="3" name="Espaço Reservado para Conteúdo 2">
             <a:extLst>
               <a:ext uri="{FF2B5EF4-FFF2-40B4-BE49-F238E27FC236}">
-                <a16:creationId xmlns:a16="http://schemas.microsoft.com/office/drawing/2014/main" id="{6961576B-1F2E-150D-02BD-FF2833B3B823}"/>
+                <a16:creationId xmlns:a16="http://schemas.microsoft.com/office/drawing/2014/main" xmlns="" id="{6961576B-1F2E-150D-02BD-FF2833B3B823}"/>
               </a:ext>
             </a:extLst>
           </p:cNvPr>
@@ -859,7 +1303,7 @@
           <p:cNvPr id="4" name="Espaço Reservado para Data 3">
             <a:extLst>
               <a:ext uri="{FF2B5EF4-FFF2-40B4-BE49-F238E27FC236}">
-                <a16:creationId xmlns:a16="http://schemas.microsoft.com/office/drawing/2014/main" id="{14C49BED-C366-83AA-B037-627D0D6B855A}"/>
+                <a16:creationId xmlns:a16="http://schemas.microsoft.com/office/drawing/2014/main" xmlns="" id="{14C49BED-C366-83AA-B037-627D0D6B855A}"/>
               </a:ext>
             </a:extLst>
           </p:cNvPr>
@@ -877,7 +1321,8 @@
           <a:p>
             <a:fld id="{0A1764AE-7598-4101-9D63-6EC8D69CE664}" type="datetimeFigureOut">
               <a:rPr lang="pt-BR" smtClean="0"/>
-              <a:t>24/01/2024</a:t>
+              <a:pPr/>
+              <a:t>28/01/2024</a:t>
             </a:fld>
             <a:endParaRPr lang="pt-BR"/>
           </a:p>
@@ -888,7 +1333,7 @@
           <p:cNvPr id="5" name="Espaço Reservado para Rodapé 4">
             <a:extLst>
               <a:ext uri="{FF2B5EF4-FFF2-40B4-BE49-F238E27FC236}">
-                <a16:creationId xmlns:a16="http://schemas.microsoft.com/office/drawing/2014/main" id="{42B4AE0A-0236-4B53-F2EC-FCD56F252999}"/>
+                <a16:creationId xmlns:a16="http://schemas.microsoft.com/office/drawing/2014/main" xmlns="" id="{42B4AE0A-0236-4B53-F2EC-FCD56F252999}"/>
               </a:ext>
             </a:extLst>
           </p:cNvPr>
@@ -913,7 +1358,7 @@
           <p:cNvPr id="6" name="Espaço Reservado para Número de Slide 5">
             <a:extLst>
               <a:ext uri="{FF2B5EF4-FFF2-40B4-BE49-F238E27FC236}">
-                <a16:creationId xmlns:a16="http://schemas.microsoft.com/office/drawing/2014/main" id="{C822B783-4376-5A2D-4074-315652F9DDB6}"/>
+                <a16:creationId xmlns:a16="http://schemas.microsoft.com/office/drawing/2014/main" xmlns="" id="{C822B783-4376-5A2D-4074-315652F9DDB6}"/>
               </a:ext>
             </a:extLst>
           </p:cNvPr>
@@ -931,6 +1376,7 @@
           <a:p>
             <a:fld id="{84EAA556-297A-4E44-9FC9-9ADE912AD739}" type="slidenum">
               <a:rPr lang="pt-BR" smtClean="0"/>
+              <a:pPr/>
               <a:t>‹nº›</a:t>
             </a:fld>
             <a:endParaRPr lang="pt-BR"/>
@@ -940,7 +1386,7 @@
     </p:spTree>
     <p:extLst>
       <p:ext uri="{BB962C8B-B14F-4D97-AF65-F5344CB8AC3E}">
-        <p14:creationId xmlns:p14="http://schemas.microsoft.com/office/powerpoint/2010/main" val="3035741462"/>
+        <p14:creationId xmlns:p14="http://schemas.microsoft.com/office/powerpoint/2010/main" xmlns="" val="3035741462"/>
       </p:ext>
     </p:extLst>
   </p:cSld>
@@ -972,7 +1418,7 @@
           <p:cNvPr id="2" name="Título 1">
             <a:extLst>
               <a:ext uri="{FF2B5EF4-FFF2-40B4-BE49-F238E27FC236}">
-                <a16:creationId xmlns:a16="http://schemas.microsoft.com/office/drawing/2014/main" id="{F1FB76B7-E6FD-09E9-1790-8747A3D07122}"/>
+                <a16:creationId xmlns:a16="http://schemas.microsoft.com/office/drawing/2014/main" xmlns="" id="{F1FB76B7-E6FD-09E9-1790-8747A3D07122}"/>
               </a:ext>
             </a:extLst>
           </p:cNvPr>
@@ -1009,7 +1455,7 @@
           <p:cNvPr id="3" name="Espaço Reservado para Texto 2">
             <a:extLst>
               <a:ext uri="{FF2B5EF4-FFF2-40B4-BE49-F238E27FC236}">
-                <a16:creationId xmlns:a16="http://schemas.microsoft.com/office/drawing/2014/main" id="{E9E4CEDD-233A-EA0A-74C1-09D383290A95}"/>
+                <a16:creationId xmlns:a16="http://schemas.microsoft.com/office/drawing/2014/main" xmlns="" id="{E9E4CEDD-233A-EA0A-74C1-09D383290A95}"/>
               </a:ext>
             </a:extLst>
           </p:cNvPr>
@@ -1134,7 +1580,7 @@
           <p:cNvPr id="4" name="Espaço Reservado para Data 3">
             <a:extLst>
               <a:ext uri="{FF2B5EF4-FFF2-40B4-BE49-F238E27FC236}">
-                <a16:creationId xmlns:a16="http://schemas.microsoft.com/office/drawing/2014/main" id="{BEC03113-5A79-4485-B29D-B217A0F2574F}"/>
+                <a16:creationId xmlns:a16="http://schemas.microsoft.com/office/drawing/2014/main" xmlns="" id="{BEC03113-5A79-4485-B29D-B217A0F2574F}"/>
               </a:ext>
             </a:extLst>
           </p:cNvPr>
@@ -1152,7 +1598,8 @@
           <a:p>
             <a:fld id="{0A1764AE-7598-4101-9D63-6EC8D69CE664}" type="datetimeFigureOut">
               <a:rPr lang="pt-BR" smtClean="0"/>
-              <a:t>24/01/2024</a:t>
+              <a:pPr/>
+              <a:t>28/01/2024</a:t>
             </a:fld>
             <a:endParaRPr lang="pt-BR"/>
           </a:p>
@@ -1163,7 +1610,7 @@
           <p:cNvPr id="5" name="Espaço Reservado para Rodapé 4">
             <a:extLst>
               <a:ext uri="{FF2B5EF4-FFF2-40B4-BE49-F238E27FC236}">
-                <a16:creationId xmlns:a16="http://schemas.microsoft.com/office/drawing/2014/main" id="{B9A68206-DA39-29CA-3E43-5B6C80D0ACAC}"/>
+                <a16:creationId xmlns:a16="http://schemas.microsoft.com/office/drawing/2014/main" xmlns="" id="{B9A68206-DA39-29CA-3E43-5B6C80D0ACAC}"/>
               </a:ext>
             </a:extLst>
           </p:cNvPr>
@@ -1188,7 +1635,7 @@
           <p:cNvPr id="6" name="Espaço Reservado para Número de Slide 5">
             <a:extLst>
               <a:ext uri="{FF2B5EF4-FFF2-40B4-BE49-F238E27FC236}">
-                <a16:creationId xmlns:a16="http://schemas.microsoft.com/office/drawing/2014/main" id="{84C4A3F7-BD6A-5BAA-09BB-D4827C72A423}"/>
+                <a16:creationId xmlns:a16="http://schemas.microsoft.com/office/drawing/2014/main" xmlns="" id="{84C4A3F7-BD6A-5BAA-09BB-D4827C72A423}"/>
               </a:ext>
             </a:extLst>
           </p:cNvPr>
@@ -1206,6 +1653,7 @@
           <a:p>
             <a:fld id="{84EAA556-297A-4E44-9FC9-9ADE912AD739}" type="slidenum">
               <a:rPr lang="pt-BR" smtClean="0"/>
+              <a:pPr/>
               <a:t>‹nº›</a:t>
             </a:fld>
             <a:endParaRPr lang="pt-BR"/>
@@ -1215,7 +1663,7 @@
     </p:spTree>
     <p:extLst>
       <p:ext uri="{BB962C8B-B14F-4D97-AF65-F5344CB8AC3E}">
-        <p14:creationId xmlns:p14="http://schemas.microsoft.com/office/powerpoint/2010/main" val="261034518"/>
+        <p14:creationId xmlns:p14="http://schemas.microsoft.com/office/powerpoint/2010/main" xmlns="" val="261034518"/>
       </p:ext>
     </p:extLst>
   </p:cSld>
@@ -1247,7 +1695,7 @@
           <p:cNvPr id="2" name="Título 1">
             <a:extLst>
               <a:ext uri="{FF2B5EF4-FFF2-40B4-BE49-F238E27FC236}">
-                <a16:creationId xmlns:a16="http://schemas.microsoft.com/office/drawing/2014/main" id="{10502386-D165-6AFB-97EE-0D73E5E10CE4}"/>
+                <a16:creationId xmlns:a16="http://schemas.microsoft.com/office/drawing/2014/main" xmlns="" id="{10502386-D165-6AFB-97EE-0D73E5E10CE4}"/>
               </a:ext>
             </a:extLst>
           </p:cNvPr>
@@ -1275,7 +1723,7 @@
           <p:cNvPr id="3" name="Espaço Reservado para Conteúdo 2">
             <a:extLst>
               <a:ext uri="{FF2B5EF4-FFF2-40B4-BE49-F238E27FC236}">
-                <a16:creationId xmlns:a16="http://schemas.microsoft.com/office/drawing/2014/main" id="{DB43AC91-78AC-4637-FCA9-169600D7B7B8}"/>
+                <a16:creationId xmlns:a16="http://schemas.microsoft.com/office/drawing/2014/main" xmlns="" id="{DB43AC91-78AC-4637-FCA9-169600D7B7B8}"/>
               </a:ext>
             </a:extLst>
           </p:cNvPr>
@@ -1337,7 +1785,7 @@
           <p:cNvPr id="4" name="Espaço Reservado para Conteúdo 3">
             <a:extLst>
               <a:ext uri="{FF2B5EF4-FFF2-40B4-BE49-F238E27FC236}">
-                <a16:creationId xmlns:a16="http://schemas.microsoft.com/office/drawing/2014/main" id="{A5148302-F134-9971-4FD3-1B50D4C9233E}"/>
+                <a16:creationId xmlns:a16="http://schemas.microsoft.com/office/drawing/2014/main" xmlns="" id="{A5148302-F134-9971-4FD3-1B50D4C9233E}"/>
               </a:ext>
             </a:extLst>
           </p:cNvPr>
@@ -1399,7 +1847,7 @@
           <p:cNvPr id="5" name="Espaço Reservado para Data 4">
             <a:extLst>
               <a:ext uri="{FF2B5EF4-FFF2-40B4-BE49-F238E27FC236}">
-                <a16:creationId xmlns:a16="http://schemas.microsoft.com/office/drawing/2014/main" id="{73C09710-9781-FCF7-BC2A-4C11C64A42F6}"/>
+                <a16:creationId xmlns:a16="http://schemas.microsoft.com/office/drawing/2014/main" xmlns="" id="{73C09710-9781-FCF7-BC2A-4C11C64A42F6}"/>
               </a:ext>
             </a:extLst>
           </p:cNvPr>
@@ -1417,7 +1865,8 @@
           <a:p>
             <a:fld id="{0A1764AE-7598-4101-9D63-6EC8D69CE664}" type="datetimeFigureOut">
               <a:rPr lang="pt-BR" smtClean="0"/>
-              <a:t>24/01/2024</a:t>
+              <a:pPr/>
+              <a:t>28/01/2024</a:t>
             </a:fld>
             <a:endParaRPr lang="pt-BR"/>
           </a:p>
@@ -1428,7 +1877,7 @@
           <p:cNvPr id="6" name="Espaço Reservado para Rodapé 5">
             <a:extLst>
               <a:ext uri="{FF2B5EF4-FFF2-40B4-BE49-F238E27FC236}">
-                <a16:creationId xmlns:a16="http://schemas.microsoft.com/office/drawing/2014/main" id="{CE3CA3C3-D017-FD92-2490-D75299F3A355}"/>
+                <a16:creationId xmlns:a16="http://schemas.microsoft.com/office/drawing/2014/main" xmlns="" id="{CE3CA3C3-D017-FD92-2490-D75299F3A355}"/>
               </a:ext>
             </a:extLst>
           </p:cNvPr>
@@ -1453,7 +1902,7 @@
           <p:cNvPr id="7" name="Espaço Reservado para Número de Slide 6">
             <a:extLst>
               <a:ext uri="{FF2B5EF4-FFF2-40B4-BE49-F238E27FC236}">
-                <a16:creationId xmlns:a16="http://schemas.microsoft.com/office/drawing/2014/main" id="{78455C23-1DDF-5934-AAED-636C1FBCEF90}"/>
+                <a16:creationId xmlns:a16="http://schemas.microsoft.com/office/drawing/2014/main" xmlns="" id="{78455C23-1DDF-5934-AAED-636C1FBCEF90}"/>
               </a:ext>
             </a:extLst>
           </p:cNvPr>
@@ -1471,6 +1920,7 @@
           <a:p>
             <a:fld id="{84EAA556-297A-4E44-9FC9-9ADE912AD739}" type="slidenum">
               <a:rPr lang="pt-BR" smtClean="0"/>
+              <a:pPr/>
               <a:t>‹nº›</a:t>
             </a:fld>
             <a:endParaRPr lang="pt-BR"/>
@@ -1480,7 +1930,7 @@
     </p:spTree>
     <p:extLst>
       <p:ext uri="{BB962C8B-B14F-4D97-AF65-F5344CB8AC3E}">
-        <p14:creationId xmlns:p14="http://schemas.microsoft.com/office/powerpoint/2010/main" val="75410785"/>
+        <p14:creationId xmlns:p14="http://schemas.microsoft.com/office/powerpoint/2010/main" xmlns="" val="75410785"/>
       </p:ext>
     </p:extLst>
   </p:cSld>
@@ -1512,7 +1962,7 @@
           <p:cNvPr id="2" name="Título 1">
             <a:extLst>
               <a:ext uri="{FF2B5EF4-FFF2-40B4-BE49-F238E27FC236}">
-                <a16:creationId xmlns:a16="http://schemas.microsoft.com/office/drawing/2014/main" id="{9817F0D7-C06C-E2EF-FE9E-D792DE0C741F}"/>
+                <a16:creationId xmlns:a16="http://schemas.microsoft.com/office/drawing/2014/main" xmlns="" id="{9817F0D7-C06C-E2EF-FE9E-D792DE0C741F}"/>
               </a:ext>
             </a:extLst>
           </p:cNvPr>
@@ -1545,7 +1995,7 @@
           <p:cNvPr id="3" name="Espaço Reservado para Texto 2">
             <a:extLst>
               <a:ext uri="{FF2B5EF4-FFF2-40B4-BE49-F238E27FC236}">
-                <a16:creationId xmlns:a16="http://schemas.microsoft.com/office/drawing/2014/main" id="{D0394356-95F6-00FC-DB98-D96F00BE6AE5}"/>
+                <a16:creationId xmlns:a16="http://schemas.microsoft.com/office/drawing/2014/main" xmlns="" id="{D0394356-95F6-00FC-DB98-D96F00BE6AE5}"/>
               </a:ext>
             </a:extLst>
           </p:cNvPr>
@@ -1616,7 +2066,7 @@
           <p:cNvPr id="4" name="Espaço Reservado para Conteúdo 3">
             <a:extLst>
               <a:ext uri="{FF2B5EF4-FFF2-40B4-BE49-F238E27FC236}">
-                <a16:creationId xmlns:a16="http://schemas.microsoft.com/office/drawing/2014/main" id="{42D4766A-00F5-2090-A621-6FB6F26549CF}"/>
+                <a16:creationId xmlns:a16="http://schemas.microsoft.com/office/drawing/2014/main" xmlns="" id="{42D4766A-00F5-2090-A621-6FB6F26549CF}"/>
               </a:ext>
             </a:extLst>
           </p:cNvPr>
@@ -1678,7 +2128,7 @@
           <p:cNvPr id="5" name="Espaço Reservado para Texto 4">
             <a:extLst>
               <a:ext uri="{FF2B5EF4-FFF2-40B4-BE49-F238E27FC236}">
-                <a16:creationId xmlns:a16="http://schemas.microsoft.com/office/drawing/2014/main" id="{DD07265A-892C-08C6-CB78-0A3B03E728C6}"/>
+                <a16:creationId xmlns:a16="http://schemas.microsoft.com/office/drawing/2014/main" xmlns="" id="{DD07265A-892C-08C6-CB78-0A3B03E728C6}"/>
               </a:ext>
             </a:extLst>
           </p:cNvPr>
@@ -1749,7 +2199,7 @@
           <p:cNvPr id="6" name="Espaço Reservado para Conteúdo 5">
             <a:extLst>
               <a:ext uri="{FF2B5EF4-FFF2-40B4-BE49-F238E27FC236}">
-                <a16:creationId xmlns:a16="http://schemas.microsoft.com/office/drawing/2014/main" id="{6BE97ADF-D67D-12DD-97C0-E47DF6855472}"/>
+                <a16:creationId xmlns:a16="http://schemas.microsoft.com/office/drawing/2014/main" xmlns="" id="{6BE97ADF-D67D-12DD-97C0-E47DF6855472}"/>
               </a:ext>
             </a:extLst>
           </p:cNvPr>
@@ -1811,7 +2261,7 @@
           <p:cNvPr id="7" name="Espaço Reservado para Data 6">
             <a:extLst>
               <a:ext uri="{FF2B5EF4-FFF2-40B4-BE49-F238E27FC236}">
-                <a16:creationId xmlns:a16="http://schemas.microsoft.com/office/drawing/2014/main" id="{A8DF3DBB-5B0F-A8A2-30B1-BB66C8DBA49D}"/>
+                <a16:creationId xmlns:a16="http://schemas.microsoft.com/office/drawing/2014/main" xmlns="" id="{A8DF3DBB-5B0F-A8A2-30B1-BB66C8DBA49D}"/>
               </a:ext>
             </a:extLst>
           </p:cNvPr>
@@ -1829,7 +2279,8 @@
           <a:p>
             <a:fld id="{0A1764AE-7598-4101-9D63-6EC8D69CE664}" type="datetimeFigureOut">
               <a:rPr lang="pt-BR" smtClean="0"/>
-              <a:t>24/01/2024</a:t>
+              <a:pPr/>
+              <a:t>28/01/2024</a:t>
             </a:fld>
             <a:endParaRPr lang="pt-BR"/>
           </a:p>
@@ -1840,7 +2291,7 @@
           <p:cNvPr id="8" name="Espaço Reservado para Rodapé 7">
             <a:extLst>
               <a:ext uri="{FF2B5EF4-FFF2-40B4-BE49-F238E27FC236}">
-                <a16:creationId xmlns:a16="http://schemas.microsoft.com/office/drawing/2014/main" id="{47E1220E-B816-87D3-1AE8-4AD60942B491}"/>
+                <a16:creationId xmlns:a16="http://schemas.microsoft.com/office/drawing/2014/main" xmlns="" id="{47E1220E-B816-87D3-1AE8-4AD60942B491}"/>
               </a:ext>
             </a:extLst>
           </p:cNvPr>
@@ -1865,7 +2316,7 @@
           <p:cNvPr id="9" name="Espaço Reservado para Número de Slide 8">
             <a:extLst>
               <a:ext uri="{FF2B5EF4-FFF2-40B4-BE49-F238E27FC236}">
-                <a16:creationId xmlns:a16="http://schemas.microsoft.com/office/drawing/2014/main" id="{BF1EC8BA-D2C5-D8E7-6CB1-F30DCA758FAC}"/>
+                <a16:creationId xmlns:a16="http://schemas.microsoft.com/office/drawing/2014/main" xmlns="" id="{BF1EC8BA-D2C5-D8E7-6CB1-F30DCA758FAC}"/>
               </a:ext>
             </a:extLst>
           </p:cNvPr>
@@ -1883,6 +2334,7 @@
           <a:p>
             <a:fld id="{84EAA556-297A-4E44-9FC9-9ADE912AD739}" type="slidenum">
               <a:rPr lang="pt-BR" smtClean="0"/>
+              <a:pPr/>
               <a:t>‹nº›</a:t>
             </a:fld>
             <a:endParaRPr lang="pt-BR"/>
@@ -1892,7 +2344,7 @@
     </p:spTree>
     <p:extLst>
       <p:ext uri="{BB962C8B-B14F-4D97-AF65-F5344CB8AC3E}">
-        <p14:creationId xmlns:p14="http://schemas.microsoft.com/office/powerpoint/2010/main" val="3155032841"/>
+        <p14:creationId xmlns:p14="http://schemas.microsoft.com/office/powerpoint/2010/main" xmlns="" val="3155032841"/>
       </p:ext>
     </p:extLst>
   </p:cSld>
@@ -1924,7 +2376,7 @@
           <p:cNvPr id="2" name="Título 1">
             <a:extLst>
               <a:ext uri="{FF2B5EF4-FFF2-40B4-BE49-F238E27FC236}">
-                <a16:creationId xmlns:a16="http://schemas.microsoft.com/office/drawing/2014/main" id="{F2FF7027-5AC3-0D33-DEFE-A16A32FEC25B}"/>
+                <a16:creationId xmlns:a16="http://schemas.microsoft.com/office/drawing/2014/main" xmlns="" id="{F2FF7027-5AC3-0D33-DEFE-A16A32FEC25B}"/>
               </a:ext>
             </a:extLst>
           </p:cNvPr>
@@ -1952,7 +2404,7 @@
           <p:cNvPr id="3" name="Espaço Reservado para Data 2">
             <a:extLst>
               <a:ext uri="{FF2B5EF4-FFF2-40B4-BE49-F238E27FC236}">
-                <a16:creationId xmlns:a16="http://schemas.microsoft.com/office/drawing/2014/main" id="{88581B13-ED44-4466-ABC1-C3B74A257FB4}"/>
+                <a16:creationId xmlns:a16="http://schemas.microsoft.com/office/drawing/2014/main" xmlns="" id="{88581B13-ED44-4466-ABC1-C3B74A257FB4}"/>
               </a:ext>
             </a:extLst>
           </p:cNvPr>
@@ -1970,7 +2422,8 @@
           <a:p>
             <a:fld id="{0A1764AE-7598-4101-9D63-6EC8D69CE664}" type="datetimeFigureOut">
               <a:rPr lang="pt-BR" smtClean="0"/>
-              <a:t>24/01/2024</a:t>
+              <a:pPr/>
+              <a:t>28/01/2024</a:t>
             </a:fld>
             <a:endParaRPr lang="pt-BR"/>
           </a:p>
@@ -1981,7 +2434,7 @@
           <p:cNvPr id="4" name="Espaço Reservado para Rodapé 3">
             <a:extLst>
               <a:ext uri="{FF2B5EF4-FFF2-40B4-BE49-F238E27FC236}">
-                <a16:creationId xmlns:a16="http://schemas.microsoft.com/office/drawing/2014/main" id="{FD9905B5-E3B5-C9DC-D5FF-A14DEDD66A34}"/>
+                <a16:creationId xmlns:a16="http://schemas.microsoft.com/office/drawing/2014/main" xmlns="" id="{FD9905B5-E3B5-C9DC-D5FF-A14DEDD66A34}"/>
               </a:ext>
             </a:extLst>
           </p:cNvPr>
@@ -2006,7 +2459,7 @@
           <p:cNvPr id="5" name="Espaço Reservado para Número de Slide 4">
             <a:extLst>
               <a:ext uri="{FF2B5EF4-FFF2-40B4-BE49-F238E27FC236}">
-                <a16:creationId xmlns:a16="http://schemas.microsoft.com/office/drawing/2014/main" id="{C2CA1CDC-7D10-64A1-3F01-DCABD3852EAC}"/>
+                <a16:creationId xmlns:a16="http://schemas.microsoft.com/office/drawing/2014/main" xmlns="" id="{C2CA1CDC-7D10-64A1-3F01-DCABD3852EAC}"/>
               </a:ext>
             </a:extLst>
           </p:cNvPr>
@@ -2024,6 +2477,7 @@
           <a:p>
             <a:fld id="{84EAA556-297A-4E44-9FC9-9ADE912AD739}" type="slidenum">
               <a:rPr lang="pt-BR" smtClean="0"/>
+              <a:pPr/>
               <a:t>‹nº›</a:t>
             </a:fld>
             <a:endParaRPr lang="pt-BR"/>
@@ -2033,7 +2487,7 @@
     </p:spTree>
     <p:extLst>
       <p:ext uri="{BB962C8B-B14F-4D97-AF65-F5344CB8AC3E}">
-        <p14:creationId xmlns:p14="http://schemas.microsoft.com/office/powerpoint/2010/main" val="1335541169"/>
+        <p14:creationId xmlns:p14="http://schemas.microsoft.com/office/powerpoint/2010/main" xmlns="" val="1335541169"/>
       </p:ext>
     </p:extLst>
   </p:cSld>
@@ -2065,7 +2519,7 @@
           <p:cNvPr id="2" name="Espaço Reservado para Data 1">
             <a:extLst>
               <a:ext uri="{FF2B5EF4-FFF2-40B4-BE49-F238E27FC236}">
-                <a16:creationId xmlns:a16="http://schemas.microsoft.com/office/drawing/2014/main" id="{0FDFBB21-AA8B-1347-4822-84B111C48854}"/>
+                <a16:creationId xmlns:a16="http://schemas.microsoft.com/office/drawing/2014/main" xmlns="" id="{0FDFBB21-AA8B-1347-4822-84B111C48854}"/>
               </a:ext>
             </a:extLst>
           </p:cNvPr>
@@ -2083,7 +2537,8 @@
           <a:p>
             <a:fld id="{0A1764AE-7598-4101-9D63-6EC8D69CE664}" type="datetimeFigureOut">
               <a:rPr lang="pt-BR" smtClean="0"/>
-              <a:t>24/01/2024</a:t>
+              <a:pPr/>
+              <a:t>28/01/2024</a:t>
             </a:fld>
             <a:endParaRPr lang="pt-BR"/>
           </a:p>
@@ -2094,7 +2549,7 @@
           <p:cNvPr id="3" name="Espaço Reservado para Rodapé 2">
             <a:extLst>
               <a:ext uri="{FF2B5EF4-FFF2-40B4-BE49-F238E27FC236}">
-                <a16:creationId xmlns:a16="http://schemas.microsoft.com/office/drawing/2014/main" id="{07869940-132C-1297-7F48-04F6C4E9F534}"/>
+                <a16:creationId xmlns:a16="http://schemas.microsoft.com/office/drawing/2014/main" xmlns="" id="{07869940-132C-1297-7F48-04F6C4E9F534}"/>
               </a:ext>
             </a:extLst>
           </p:cNvPr>
@@ -2119,7 +2574,7 @@
           <p:cNvPr id="4" name="Espaço Reservado para Número de Slide 3">
             <a:extLst>
               <a:ext uri="{FF2B5EF4-FFF2-40B4-BE49-F238E27FC236}">
-                <a16:creationId xmlns:a16="http://schemas.microsoft.com/office/drawing/2014/main" id="{2B2A80AF-223B-9180-2B8B-510B5994C013}"/>
+                <a16:creationId xmlns:a16="http://schemas.microsoft.com/office/drawing/2014/main" xmlns="" id="{2B2A80AF-223B-9180-2B8B-510B5994C013}"/>
               </a:ext>
             </a:extLst>
           </p:cNvPr>
@@ -2137,6 +2592,7 @@
           <a:p>
             <a:fld id="{84EAA556-297A-4E44-9FC9-9ADE912AD739}" type="slidenum">
               <a:rPr lang="pt-BR" smtClean="0"/>
+              <a:pPr/>
               <a:t>‹nº›</a:t>
             </a:fld>
             <a:endParaRPr lang="pt-BR"/>
@@ -2146,7 +2602,7 @@
     </p:spTree>
     <p:extLst>
       <p:ext uri="{BB962C8B-B14F-4D97-AF65-F5344CB8AC3E}">
-        <p14:creationId xmlns:p14="http://schemas.microsoft.com/office/powerpoint/2010/main" val="2815870051"/>
+        <p14:creationId xmlns:p14="http://schemas.microsoft.com/office/powerpoint/2010/main" xmlns="" val="2815870051"/>
       </p:ext>
     </p:extLst>
   </p:cSld>
@@ -2178,7 +2634,7 @@
           <p:cNvPr id="2" name="Título 1">
             <a:extLst>
               <a:ext uri="{FF2B5EF4-FFF2-40B4-BE49-F238E27FC236}">
-                <a16:creationId xmlns:a16="http://schemas.microsoft.com/office/drawing/2014/main" id="{16E4D81C-D970-2C20-5213-8F958B99E7E8}"/>
+                <a16:creationId xmlns:a16="http://schemas.microsoft.com/office/drawing/2014/main" xmlns="" id="{16E4D81C-D970-2C20-5213-8F958B99E7E8}"/>
               </a:ext>
             </a:extLst>
           </p:cNvPr>
@@ -2215,7 +2671,7 @@
           <p:cNvPr id="3" name="Espaço Reservado para Conteúdo 2">
             <a:extLst>
               <a:ext uri="{FF2B5EF4-FFF2-40B4-BE49-F238E27FC236}">
-                <a16:creationId xmlns:a16="http://schemas.microsoft.com/office/drawing/2014/main" id="{184D3C3C-BFA2-273A-F13C-FA36E25528FE}"/>
+                <a16:creationId xmlns:a16="http://schemas.microsoft.com/office/drawing/2014/main" xmlns="" id="{184D3C3C-BFA2-273A-F13C-FA36E25528FE}"/>
               </a:ext>
             </a:extLst>
           </p:cNvPr>
@@ -2305,7 +2761,7 @@
           <p:cNvPr id="4" name="Espaço Reservado para Texto 3">
             <a:extLst>
               <a:ext uri="{FF2B5EF4-FFF2-40B4-BE49-F238E27FC236}">
-                <a16:creationId xmlns:a16="http://schemas.microsoft.com/office/drawing/2014/main" id="{56E4EAA5-304C-1E98-B7D5-0A48793C9F5E}"/>
+                <a16:creationId xmlns:a16="http://schemas.microsoft.com/office/drawing/2014/main" xmlns="" id="{56E4EAA5-304C-1E98-B7D5-0A48793C9F5E}"/>
               </a:ext>
             </a:extLst>
           </p:cNvPr>
@@ -2376,7 +2832,7 @@
           <p:cNvPr id="5" name="Espaço Reservado para Data 4">
             <a:extLst>
               <a:ext uri="{FF2B5EF4-FFF2-40B4-BE49-F238E27FC236}">
-                <a16:creationId xmlns:a16="http://schemas.microsoft.com/office/drawing/2014/main" id="{36A81DE2-F187-B55C-1EA8-700746B78101}"/>
+                <a16:creationId xmlns:a16="http://schemas.microsoft.com/office/drawing/2014/main" xmlns="" id="{36A81DE2-F187-B55C-1EA8-700746B78101}"/>
               </a:ext>
             </a:extLst>
           </p:cNvPr>
@@ -2394,7 +2850,8 @@
           <a:p>
             <a:fld id="{0A1764AE-7598-4101-9D63-6EC8D69CE664}" type="datetimeFigureOut">
               <a:rPr lang="pt-BR" smtClean="0"/>
-              <a:t>24/01/2024</a:t>
+              <a:pPr/>
+              <a:t>28/01/2024</a:t>
             </a:fld>
             <a:endParaRPr lang="pt-BR"/>
           </a:p>
@@ -2405,7 +2862,7 @@
           <p:cNvPr id="6" name="Espaço Reservado para Rodapé 5">
             <a:extLst>
               <a:ext uri="{FF2B5EF4-FFF2-40B4-BE49-F238E27FC236}">
-                <a16:creationId xmlns:a16="http://schemas.microsoft.com/office/drawing/2014/main" id="{C1AFA529-AA65-1A52-6F57-A825A250FDA5}"/>
+                <a16:creationId xmlns:a16="http://schemas.microsoft.com/office/drawing/2014/main" xmlns="" id="{C1AFA529-AA65-1A52-6F57-A825A250FDA5}"/>
               </a:ext>
             </a:extLst>
           </p:cNvPr>
@@ -2430,7 +2887,7 @@
           <p:cNvPr id="7" name="Espaço Reservado para Número de Slide 6">
             <a:extLst>
               <a:ext uri="{FF2B5EF4-FFF2-40B4-BE49-F238E27FC236}">
-                <a16:creationId xmlns:a16="http://schemas.microsoft.com/office/drawing/2014/main" id="{2E0B6899-7466-12B8-15ED-F74997CFA538}"/>
+                <a16:creationId xmlns:a16="http://schemas.microsoft.com/office/drawing/2014/main" xmlns="" id="{2E0B6899-7466-12B8-15ED-F74997CFA538}"/>
               </a:ext>
             </a:extLst>
           </p:cNvPr>
@@ -2448,6 +2905,7 @@
           <a:p>
             <a:fld id="{84EAA556-297A-4E44-9FC9-9ADE912AD739}" type="slidenum">
               <a:rPr lang="pt-BR" smtClean="0"/>
+              <a:pPr/>
               <a:t>‹nº›</a:t>
             </a:fld>
             <a:endParaRPr lang="pt-BR"/>
@@ -2457,7 +2915,7 @@
     </p:spTree>
     <p:extLst>
       <p:ext uri="{BB962C8B-B14F-4D97-AF65-F5344CB8AC3E}">
-        <p14:creationId xmlns:p14="http://schemas.microsoft.com/office/powerpoint/2010/main" val="2877735598"/>
+        <p14:creationId xmlns:p14="http://schemas.microsoft.com/office/powerpoint/2010/main" xmlns="" val="2877735598"/>
       </p:ext>
     </p:extLst>
   </p:cSld>
@@ -2489,7 +2947,7 @@
           <p:cNvPr id="2" name="Título 1">
             <a:extLst>
               <a:ext uri="{FF2B5EF4-FFF2-40B4-BE49-F238E27FC236}">
-                <a16:creationId xmlns:a16="http://schemas.microsoft.com/office/drawing/2014/main" id="{51888E68-36BD-37A5-BBD3-BDD2149CB8A7}"/>
+                <a16:creationId xmlns:a16="http://schemas.microsoft.com/office/drawing/2014/main" xmlns="" id="{51888E68-36BD-37A5-BBD3-BDD2149CB8A7}"/>
               </a:ext>
             </a:extLst>
           </p:cNvPr>
@@ -2526,7 +2984,7 @@
           <p:cNvPr id="3" name="Espaço Reservado para Imagem 2">
             <a:extLst>
               <a:ext uri="{FF2B5EF4-FFF2-40B4-BE49-F238E27FC236}">
-                <a16:creationId xmlns:a16="http://schemas.microsoft.com/office/drawing/2014/main" id="{73D2E735-6695-28BF-3668-9AC94C5A5692}"/>
+                <a16:creationId xmlns:a16="http://schemas.microsoft.com/office/drawing/2014/main" xmlns="" id="{73D2E735-6695-28BF-3668-9AC94C5A5692}"/>
               </a:ext>
             </a:extLst>
           </p:cNvPr>
@@ -2593,7 +3051,7 @@
           <p:cNvPr id="4" name="Espaço Reservado para Texto 3">
             <a:extLst>
               <a:ext uri="{FF2B5EF4-FFF2-40B4-BE49-F238E27FC236}">
-                <a16:creationId xmlns:a16="http://schemas.microsoft.com/office/drawing/2014/main" id="{66AF9BE7-4E81-C55B-D975-70AD46F475F9}"/>
+                <a16:creationId xmlns:a16="http://schemas.microsoft.com/office/drawing/2014/main" xmlns="" id="{66AF9BE7-4E81-C55B-D975-70AD46F475F9}"/>
               </a:ext>
             </a:extLst>
           </p:cNvPr>
@@ -2664,7 +3122,7 @@
           <p:cNvPr id="5" name="Espaço Reservado para Data 4">
             <a:extLst>
               <a:ext uri="{FF2B5EF4-FFF2-40B4-BE49-F238E27FC236}">
-                <a16:creationId xmlns:a16="http://schemas.microsoft.com/office/drawing/2014/main" id="{CCB61098-2E02-A6FB-B524-6D33B4C216BC}"/>
+                <a16:creationId xmlns:a16="http://schemas.microsoft.com/office/drawing/2014/main" xmlns="" id="{CCB61098-2E02-A6FB-B524-6D33B4C216BC}"/>
               </a:ext>
             </a:extLst>
           </p:cNvPr>
@@ -2682,7 +3140,8 @@
           <a:p>
             <a:fld id="{0A1764AE-7598-4101-9D63-6EC8D69CE664}" type="datetimeFigureOut">
               <a:rPr lang="pt-BR" smtClean="0"/>
-              <a:t>24/01/2024</a:t>
+              <a:pPr/>
+              <a:t>28/01/2024</a:t>
             </a:fld>
             <a:endParaRPr lang="pt-BR"/>
           </a:p>
@@ -2693,7 +3152,7 @@
           <p:cNvPr id="6" name="Espaço Reservado para Rodapé 5">
             <a:extLst>
               <a:ext uri="{FF2B5EF4-FFF2-40B4-BE49-F238E27FC236}">
-                <a16:creationId xmlns:a16="http://schemas.microsoft.com/office/drawing/2014/main" id="{3F8F8A4E-DE4D-371B-CADE-3038BCD6A33D}"/>
+                <a16:creationId xmlns:a16="http://schemas.microsoft.com/office/drawing/2014/main" xmlns="" id="{3F8F8A4E-DE4D-371B-CADE-3038BCD6A33D}"/>
               </a:ext>
             </a:extLst>
           </p:cNvPr>
@@ -2718,7 +3177,7 @@
           <p:cNvPr id="7" name="Espaço Reservado para Número de Slide 6">
             <a:extLst>
               <a:ext uri="{FF2B5EF4-FFF2-40B4-BE49-F238E27FC236}">
-                <a16:creationId xmlns:a16="http://schemas.microsoft.com/office/drawing/2014/main" id="{750B15D7-FEAC-0CD3-E7AB-A0BFACC8693C}"/>
+                <a16:creationId xmlns:a16="http://schemas.microsoft.com/office/drawing/2014/main" xmlns="" id="{750B15D7-FEAC-0CD3-E7AB-A0BFACC8693C}"/>
               </a:ext>
             </a:extLst>
           </p:cNvPr>
@@ -2736,6 +3195,7 @@
           <a:p>
             <a:fld id="{84EAA556-297A-4E44-9FC9-9ADE912AD739}" type="slidenum">
               <a:rPr lang="pt-BR" smtClean="0"/>
+              <a:pPr/>
               <a:t>‹nº›</a:t>
             </a:fld>
             <a:endParaRPr lang="pt-BR"/>
@@ -2745,7 +3205,7 @@
     </p:spTree>
     <p:extLst>
       <p:ext uri="{BB962C8B-B14F-4D97-AF65-F5344CB8AC3E}">
-        <p14:creationId xmlns:p14="http://schemas.microsoft.com/office/powerpoint/2010/main" val="2623101394"/>
+        <p14:creationId xmlns:p14="http://schemas.microsoft.com/office/powerpoint/2010/main" xmlns="" val="2623101394"/>
       </p:ext>
     </p:extLst>
   </p:cSld>
@@ -2782,7 +3242,7 @@
           <p:cNvPr id="2" name="Espaço Reservado para Título 1">
             <a:extLst>
               <a:ext uri="{FF2B5EF4-FFF2-40B4-BE49-F238E27FC236}">
-                <a16:creationId xmlns:a16="http://schemas.microsoft.com/office/drawing/2014/main" id="{1F826B7B-E30E-597C-AB50-D23724B6E99B}"/>
+                <a16:creationId xmlns:a16="http://schemas.microsoft.com/office/drawing/2014/main" xmlns="" id="{1F826B7B-E30E-597C-AB50-D23724B6E99B}"/>
               </a:ext>
             </a:extLst>
           </p:cNvPr>
@@ -2820,7 +3280,7 @@
           <p:cNvPr id="3" name="Espaço Reservado para Texto 2">
             <a:extLst>
               <a:ext uri="{FF2B5EF4-FFF2-40B4-BE49-F238E27FC236}">
-                <a16:creationId xmlns:a16="http://schemas.microsoft.com/office/drawing/2014/main" id="{802C3EBF-8F01-F029-0870-E1685535A47C}"/>
+                <a16:creationId xmlns:a16="http://schemas.microsoft.com/office/drawing/2014/main" xmlns="" id="{802C3EBF-8F01-F029-0870-E1685535A47C}"/>
               </a:ext>
             </a:extLst>
           </p:cNvPr>
@@ -2887,7 +3347,7 @@
           <p:cNvPr id="4" name="Espaço Reservado para Data 3">
             <a:extLst>
               <a:ext uri="{FF2B5EF4-FFF2-40B4-BE49-F238E27FC236}">
-                <a16:creationId xmlns:a16="http://schemas.microsoft.com/office/drawing/2014/main" id="{75AF944E-22A7-7B26-D84B-C76859E3ECBB}"/>
+                <a16:creationId xmlns:a16="http://schemas.microsoft.com/office/drawing/2014/main" xmlns="" id="{75AF944E-22A7-7B26-D84B-C76859E3ECBB}"/>
               </a:ext>
             </a:extLst>
           </p:cNvPr>
@@ -2923,7 +3383,8 @@
           <a:p>
             <a:fld id="{0A1764AE-7598-4101-9D63-6EC8D69CE664}" type="datetimeFigureOut">
               <a:rPr lang="pt-BR" smtClean="0"/>
-              <a:t>24/01/2024</a:t>
+              <a:pPr/>
+              <a:t>28/01/2024</a:t>
             </a:fld>
             <a:endParaRPr lang="pt-BR"/>
           </a:p>
@@ -2934,7 +3395,7 @@
           <p:cNvPr id="5" name="Espaço Reservado para Rodapé 4">
             <a:extLst>
               <a:ext uri="{FF2B5EF4-FFF2-40B4-BE49-F238E27FC236}">
-                <a16:creationId xmlns:a16="http://schemas.microsoft.com/office/drawing/2014/main" id="{086796B1-43E4-0AAC-7BD2-6A8DB509B4E7}"/>
+                <a16:creationId xmlns:a16="http://schemas.microsoft.com/office/drawing/2014/main" xmlns="" id="{086796B1-43E4-0AAC-7BD2-6A8DB509B4E7}"/>
               </a:ext>
             </a:extLst>
           </p:cNvPr>
@@ -2977,7 +3438,7 @@
           <p:cNvPr id="6" name="Espaço Reservado para Número de Slide 5">
             <a:extLst>
               <a:ext uri="{FF2B5EF4-FFF2-40B4-BE49-F238E27FC236}">
-                <a16:creationId xmlns:a16="http://schemas.microsoft.com/office/drawing/2014/main" id="{A5D514A5-1270-FA9A-B8F8-1AA12AD506E6}"/>
+                <a16:creationId xmlns:a16="http://schemas.microsoft.com/office/drawing/2014/main" xmlns="" id="{A5D514A5-1270-FA9A-B8F8-1AA12AD506E6}"/>
               </a:ext>
             </a:extLst>
           </p:cNvPr>
@@ -3013,6 +3474,7 @@
           <a:p>
             <a:fld id="{84EAA556-297A-4E44-9FC9-9ADE912AD739}" type="slidenum">
               <a:rPr lang="pt-BR" smtClean="0"/>
+              <a:pPr/>
               <a:t>‹nº›</a:t>
             </a:fld>
             <a:endParaRPr lang="pt-BR"/>
@@ -3022,7 +3484,7 @@
     </p:spTree>
     <p:extLst>
       <p:ext uri="{BB962C8B-B14F-4D97-AF65-F5344CB8AC3E}">
-        <p14:creationId xmlns:p14="http://schemas.microsoft.com/office/powerpoint/2010/main" val="3548735611"/>
+        <p14:creationId xmlns:p14="http://schemas.microsoft.com/office/powerpoint/2010/main" xmlns="" val="3548735611"/>
       </p:ext>
     </p:extLst>
   </p:cSld>
@@ -3345,7 +3807,7 @@
           <p:cNvPr id="2" name="Título 1">
             <a:extLst>
               <a:ext uri="{FF2B5EF4-FFF2-40B4-BE49-F238E27FC236}">
-                <a16:creationId xmlns:a16="http://schemas.microsoft.com/office/drawing/2014/main" id="{6EDD1BBC-D3E3-76D6-1A97-E4693D9F58BF}"/>
+                <a16:creationId xmlns:a16="http://schemas.microsoft.com/office/drawing/2014/main" xmlns="" id="{6EDD1BBC-D3E3-76D6-1A97-E4693D9F58BF}"/>
               </a:ext>
             </a:extLst>
           </p:cNvPr>
@@ -3373,7 +3835,7 @@
           <p:cNvPr id="3" name="Subtítulo 2">
             <a:extLst>
               <a:ext uri="{FF2B5EF4-FFF2-40B4-BE49-F238E27FC236}">
-                <a16:creationId xmlns:a16="http://schemas.microsoft.com/office/drawing/2014/main" id="{656E3EDA-BF19-A418-9EED-5F2B789117C2}"/>
+                <a16:creationId xmlns:a16="http://schemas.microsoft.com/office/drawing/2014/main" xmlns="" id="{656E3EDA-BF19-A418-9EED-5F2B789117C2}"/>
               </a:ext>
             </a:extLst>
           </p:cNvPr>
@@ -3396,7 +3858,7 @@
     </p:spTree>
     <p:extLst>
       <p:ext uri="{BB962C8B-B14F-4D97-AF65-F5344CB8AC3E}">
-        <p14:creationId xmlns:p14="http://schemas.microsoft.com/office/powerpoint/2010/main" val="1359056639"/>
+        <p14:creationId xmlns:p14="http://schemas.microsoft.com/office/powerpoint/2010/main" xmlns="" val="1359056639"/>
       </p:ext>
     </p:extLst>
   </p:cSld>
@@ -3599,33 +4061,49 @@
           <a:p>
             <a:r>
               <a:rPr lang="pt-BR" dirty="0" smtClean="0"/>
-              <a:t>Pré-condição: Sistema estar aberto</a:t>
-            </a:r>
-          </a:p>
-          <a:p>
+              <a:t>Pré-condição: </a:t>
+            </a:r>
+            <a:r>
+              <a:rPr lang="pt-BR" dirty="0" smtClean="0"/>
+              <a:t>Tela almoxarifado estar aberta</a:t>
+            </a:r>
             <a:endParaRPr lang="pt-BR" dirty="0" smtClean="0"/>
           </a:p>
           <a:p>
-            <a:r>
-              <a:rPr lang="pt-BR" dirty="0" smtClean="0"/>
-              <a:t>Passos: </a:t>
-            </a:r>
-          </a:p>
-          <a:p>
-            <a:r>
-              <a:rPr lang="pt-BR" dirty="0" smtClean="0"/>
-              <a:t>1- Acessar o </a:t>
-            </a:r>
-            <a:r>
-              <a:rPr lang="pt-BR" dirty="0" smtClean="0"/>
-              <a:t>sistema.</a:t>
-            </a:r>
             <a:endParaRPr lang="pt-BR" dirty="0" smtClean="0"/>
           </a:p>
           <a:p>
             <a:r>
               <a:rPr lang="pt-BR" dirty="0" smtClean="0"/>
-              <a:t>2-  Mudança de cor para “verde” no fundo ao entrar em um campo.</a:t>
+              <a:t>Ações: </a:t>
+            </a:r>
+          </a:p>
+          <a:p>
+            <a:r>
+              <a:rPr lang="pt-BR" dirty="0" smtClean="0"/>
+              <a:t>1- </a:t>
+            </a:r>
+            <a:r>
+              <a:rPr lang="pt-BR" dirty="0" smtClean="0"/>
+              <a:t>Acessar o sistema.</a:t>
+            </a:r>
+          </a:p>
+          <a:p>
+            <a:r>
+              <a:rPr lang="pt-BR" dirty="0" smtClean="0"/>
+              <a:t>2-  </a:t>
+            </a:r>
+            <a:r>
+              <a:rPr lang="pt-BR" dirty="0" smtClean="0"/>
+              <a:t>En</a:t>
+            </a:r>
+            <a:r>
+              <a:rPr lang="pt-BR" dirty="0" smtClean="0"/>
+              <a:t>trar </a:t>
+            </a:r>
+            <a:r>
+              <a:rPr lang="pt-BR" dirty="0" smtClean="0"/>
+              <a:t>em um campo.</a:t>
             </a:r>
           </a:p>
           <a:p>
@@ -3634,7 +4112,11 @@
           <a:p>
             <a:r>
               <a:rPr lang="pt-BR" dirty="0" smtClean="0"/>
-              <a:t>Resultado esperado: Mudança da cor do fundo do campo.</a:t>
+              <a:t>Resultado esperado: Mudança da cor do fundo do </a:t>
+            </a:r>
+            <a:r>
+              <a:rPr lang="pt-BR" dirty="0" smtClean="0"/>
+              <a:t>campo para  “verde”.</a:t>
             </a:r>
             <a:endParaRPr lang="pt-BR" dirty="0"/>
           </a:p>
@@ -3649,7 +4131,7 @@
         <p:spPr>
           <a:xfrm>
             <a:off x="929382" y="1886816"/>
-            <a:ext cx="1141659" cy="523220"/>
+            <a:ext cx="6135654" cy="954107"/>
           </a:xfrm>
           <a:prstGeom prst="rect">
             <a:avLst/>
@@ -3661,22 +4143,24 @@
           </a:bodyPr>
           <a:lstStyle/>
           <a:p>
-            <a:r>
-              <a:rPr lang="pt-BR" sz="2800" dirty="0">
-                <a:solidFill>
-                  <a:schemeClr val="bg1"/>
-                </a:solidFill>
-              </a:rPr>
-              <a:t>RN </a:t>
-            </a:r>
             <a:r>
               <a:rPr lang="pt-BR" sz="2800" dirty="0" smtClean="0">
                 <a:solidFill>
                   <a:schemeClr val="bg1"/>
                 </a:solidFill>
               </a:rPr>
-              <a:t>02 </a:t>
-            </a:r>
+              <a:t>CT 02 - RN 02 : </a:t>
+            </a:r>
+            <a:r>
+              <a:rPr lang="pt-BR" sz="2800" dirty="0" smtClean="0">
+                <a:solidFill>
+                  <a:schemeClr val="bg1"/>
+                </a:solidFill>
+              </a:rPr>
+              <a:t>Tela Requisição &gt; Campos</a:t>
+            </a:r>
+          </a:p>
+          <a:p>
             <a:endParaRPr lang="pt-BR" sz="2800" dirty="0">
               <a:solidFill>
                 <a:schemeClr val="bg1"/>
@@ -3688,7 +4172,7 @@
     </p:spTree>
     <p:extLst>
       <p:ext uri="{BB962C8B-B14F-4D97-AF65-F5344CB8AC3E}">
-        <p14:creationId xmlns:p14="http://schemas.microsoft.com/office/powerpoint/2010/main" val="49205778"/>
+        <p14:creationId xmlns:p14="http://schemas.microsoft.com/office/powerpoint/2010/main" xmlns="" val="49205778"/>
       </p:ext>
     </p:extLst>
   </p:cSld>
@@ -3891,37 +4375,49 @@
           <a:p>
             <a:r>
               <a:rPr lang="pt-BR" dirty="0" smtClean="0"/>
-              <a:t>Pré-condição: Sistema estar aberto</a:t>
-            </a:r>
-          </a:p>
-          <a:p>
+              <a:t>Pré-condição: </a:t>
+            </a:r>
+            <a:r>
+              <a:rPr lang="pt-BR" dirty="0" smtClean="0"/>
+              <a:t>Tela almoxarifado estar aberta</a:t>
+            </a:r>
             <a:endParaRPr lang="pt-BR" dirty="0" smtClean="0"/>
           </a:p>
           <a:p>
-            <a:r>
-              <a:rPr lang="pt-BR" dirty="0" smtClean="0"/>
-              <a:t>Passos: </a:t>
-            </a:r>
-          </a:p>
-          <a:p>
-            <a:r>
-              <a:rPr lang="pt-BR" dirty="0" smtClean="0"/>
-              <a:t>1- Acessar o </a:t>
-            </a:r>
-            <a:r>
-              <a:rPr lang="pt-BR" dirty="0" smtClean="0"/>
-              <a:t>sistema.</a:t>
-            </a:r>
             <a:endParaRPr lang="pt-BR" dirty="0" smtClean="0"/>
           </a:p>
           <a:p>
             <a:r>
               <a:rPr lang="pt-BR" dirty="0" smtClean="0"/>
-              <a:t>2- Todos os </a:t>
-            </a:r>
-            <a:r>
-              <a:rPr lang="pt-BR" dirty="0" smtClean="0"/>
-              <a:t>campos ID serão preenchidos por números inteiros.</a:t>
+              <a:t>Ações: </a:t>
+            </a:r>
+          </a:p>
+          <a:p>
+            <a:r>
+              <a:rPr lang="pt-BR" dirty="0" smtClean="0"/>
+              <a:t>1- </a:t>
+            </a:r>
+            <a:r>
+              <a:rPr lang="pt-BR" dirty="0" smtClean="0"/>
+              <a:t>Acessar o sistema.</a:t>
+            </a:r>
+          </a:p>
+          <a:p>
+            <a:r>
+              <a:rPr lang="pt-BR" dirty="0" smtClean="0"/>
+              <a:t>2- </a:t>
+            </a:r>
+            <a:r>
+              <a:rPr lang="pt-BR" dirty="0" smtClean="0"/>
+              <a:t>Preencher todos os campos ID </a:t>
+            </a:r>
+            <a:r>
+              <a:rPr lang="pt-BR" dirty="0" smtClean="0"/>
+              <a:t>por </a:t>
+            </a:r>
+            <a:r>
+              <a:rPr lang="pt-BR" dirty="0" smtClean="0"/>
+              <a:t>números inteiros.</a:t>
             </a:r>
           </a:p>
           <a:p>
@@ -3930,8 +4426,13 @@
           <a:p>
             <a:r>
               <a:rPr lang="pt-BR" dirty="0" smtClean="0"/>
-              <a:t>Resultado esperado: Campos ID preenchidos corretamente.</a:t>
-            </a:r>
+              <a:t>Resultado esperado: Campos ID preenchidos </a:t>
+            </a:r>
+            <a:r>
+              <a:rPr lang="pt-BR" dirty="0" smtClean="0"/>
+              <a:t>corretamente por números inteiros.</a:t>
+            </a:r>
+            <a:endParaRPr lang="pt-BR" dirty="0" smtClean="0"/>
           </a:p>
         </p:txBody>
       </p:sp>
@@ -3943,8 +4444,8 @@
         </p:nvSpPr>
         <p:spPr>
           <a:xfrm>
-            <a:off x="878888" y="1879964"/>
-            <a:ext cx="1846556" cy="523220"/>
+            <a:off x="878887" y="1879964"/>
+            <a:ext cx="10113368" cy="954107"/>
           </a:xfrm>
           <a:prstGeom prst="rect">
             <a:avLst/>
@@ -3963,7 +4464,25 @@
                   <a:schemeClr val="bg1"/>
                 </a:solidFill>
               </a:rPr>
-              <a:t>RN 03 </a:t>
+              <a:t>CT 03 - RN 03: </a:t>
+            </a:r>
+            <a:r>
+              <a:rPr lang="pt-BR" sz="2800" dirty="0" smtClean="0">
+                <a:solidFill>
+                  <a:schemeClr val="bg1"/>
+                </a:solidFill>
+              </a:rPr>
+              <a:t>Tela Requisição &gt; Campos</a:t>
+            </a:r>
+          </a:p>
+          <a:p>
+            <a:r>
+              <a:rPr lang="pt-BR" sz="2800" dirty="0" smtClean="0">
+                <a:solidFill>
+                  <a:schemeClr val="bg1"/>
+                </a:solidFill>
+              </a:rPr>
+              <a:t> </a:t>
             </a:r>
             <a:endParaRPr lang="pt-BR" sz="2800" dirty="0">
               <a:solidFill>
@@ -3976,7 +4495,7 @@
     </p:spTree>
     <p:extLst>
       <p:ext uri="{BB962C8B-B14F-4D97-AF65-F5344CB8AC3E}">
-        <p14:creationId xmlns:p14="http://schemas.microsoft.com/office/powerpoint/2010/main" val="3861675197"/>
+        <p14:creationId xmlns:p14="http://schemas.microsoft.com/office/powerpoint/2010/main" xmlns="" val="3861675197"/>
       </p:ext>
     </p:extLst>
   </p:cSld>
@@ -4179,32 +4698,36 @@
           <a:p>
             <a:r>
               <a:rPr lang="pt-BR" dirty="0" smtClean="0"/>
-              <a:t>Pré-condição: Sistema estar aberto</a:t>
-            </a:r>
-          </a:p>
-          <a:p>
+              <a:t>Pré-condição: </a:t>
+            </a:r>
+            <a:r>
+              <a:rPr lang="pt-BR" dirty="0" smtClean="0"/>
+              <a:t>Tela almoxarifado estar aberta</a:t>
+            </a:r>
             <a:endParaRPr lang="pt-BR" dirty="0" smtClean="0"/>
           </a:p>
           <a:p>
-            <a:r>
-              <a:rPr lang="pt-BR" dirty="0" smtClean="0"/>
-              <a:t>Passos: </a:t>
-            </a:r>
-          </a:p>
-          <a:p>
-            <a:r>
-              <a:rPr lang="pt-BR" dirty="0" smtClean="0"/>
-              <a:t>1- Acessar o </a:t>
-            </a:r>
-            <a:r>
-              <a:rPr lang="pt-BR" dirty="0" smtClean="0"/>
-              <a:t>sistema.</a:t>
-            </a:r>
             <a:endParaRPr lang="pt-BR" dirty="0" smtClean="0"/>
           </a:p>
           <a:p>
             <a:r>
               <a:rPr lang="pt-BR" dirty="0" smtClean="0"/>
+              <a:t>Ações: </a:t>
+            </a:r>
+          </a:p>
+          <a:p>
+            <a:r>
+              <a:rPr lang="pt-BR" dirty="0" smtClean="0"/>
+              <a:t>1- </a:t>
+            </a:r>
+            <a:r>
+              <a:rPr lang="pt-BR" dirty="0" smtClean="0"/>
+              <a:t>Acessar o sistema.</a:t>
+            </a:r>
+          </a:p>
+          <a:p>
+            <a:r>
+              <a:rPr lang="pt-BR" dirty="0" smtClean="0"/>
               <a:t>2- A “categoria motivo” deverá ser carregada com dados da API.</a:t>
             </a:r>
           </a:p>
@@ -4214,7 +4737,15 @@
           <a:p>
             <a:r>
               <a:rPr lang="pt-BR" dirty="0" smtClean="0"/>
-              <a:t>Resultado esperado: Dados na categoria “motivo”.</a:t>
+              <a:t>Resultado esperado: Dados na </a:t>
+            </a:r>
+            <a:r>
+              <a:rPr lang="pt-BR" dirty="0" smtClean="0"/>
+              <a:t> categoria </a:t>
+            </a:r>
+            <a:r>
+              <a:rPr lang="pt-BR" dirty="0" smtClean="0"/>
+              <a:t>“motivo”.</a:t>
             </a:r>
           </a:p>
         </p:txBody>
@@ -4227,8 +4758,8 @@
         </p:nvSpPr>
         <p:spPr>
           <a:xfrm>
-            <a:off x="878888" y="1879964"/>
-            <a:ext cx="1846556" cy="523220"/>
+            <a:off x="878887" y="1879964"/>
+            <a:ext cx="8323479" cy="954107"/>
           </a:xfrm>
           <a:prstGeom prst="rect">
             <a:avLst/>
@@ -4247,7 +4778,25 @@
                   <a:schemeClr val="bg1"/>
                 </a:solidFill>
               </a:rPr>
-              <a:t>RN 04 </a:t>
+              <a:t>CT 04 - RN 04: </a:t>
+            </a:r>
+            <a:r>
+              <a:rPr lang="pt-BR" sz="2800" dirty="0" smtClean="0">
+                <a:solidFill>
+                  <a:schemeClr val="bg1"/>
+                </a:solidFill>
+              </a:rPr>
+              <a:t>Tela Requisição &gt; Categoria Motivo</a:t>
+            </a:r>
+          </a:p>
+          <a:p>
+            <a:r>
+              <a:rPr lang="pt-BR" sz="2800" dirty="0" smtClean="0">
+                <a:solidFill>
+                  <a:schemeClr val="bg1"/>
+                </a:solidFill>
+              </a:rPr>
+              <a:t> </a:t>
             </a:r>
             <a:endParaRPr lang="pt-BR" sz="2800" dirty="0">
               <a:solidFill>
@@ -4260,7 +4809,7 @@
     </p:spTree>
     <p:extLst>
       <p:ext uri="{BB962C8B-B14F-4D97-AF65-F5344CB8AC3E}">
-        <p14:creationId xmlns:p14="http://schemas.microsoft.com/office/powerpoint/2010/main" val="3581062066"/>
+        <p14:creationId xmlns:p14="http://schemas.microsoft.com/office/powerpoint/2010/main" xmlns="" val="3581062066"/>
       </p:ext>
     </p:extLst>
   </p:cSld>
@@ -4472,46 +5021,86 @@
           <a:p>
             <a:r>
               <a:rPr lang="pt-BR" dirty="0" smtClean="0"/>
-              <a:t>Passos: </a:t>
-            </a:r>
-          </a:p>
-          <a:p>
-            <a:r>
-              <a:rPr lang="pt-BR" dirty="0" smtClean="0"/>
-              <a:t>1- Acessar o </a:t>
-            </a:r>
-            <a:r>
-              <a:rPr lang="pt-BR" dirty="0" smtClean="0"/>
-              <a:t>sistema.</a:t>
+              <a:t>Ações: </a:t>
+            </a:r>
+          </a:p>
+          <a:p>
+            <a:r>
+              <a:rPr lang="pt-BR" dirty="0" smtClean="0"/>
+              <a:t>1- </a:t>
+            </a:r>
+            <a:r>
+              <a:rPr lang="pt-BR" dirty="0" smtClean="0"/>
+              <a:t>Acessar o sistema.</a:t>
+            </a:r>
+          </a:p>
+          <a:p>
+            <a:r>
+              <a:rPr lang="pt-BR" dirty="0" smtClean="0"/>
+              <a:t>2- </a:t>
+            </a:r>
+            <a:r>
+              <a:rPr lang="pt-BR" dirty="0" smtClean="0"/>
+              <a:t>Preencher ca</a:t>
+            </a:r>
+            <a:r>
+              <a:rPr lang="pt-BR" dirty="0" smtClean="0"/>
+              <a:t>mpo </a:t>
+            </a:r>
+            <a:r>
+              <a:rPr lang="pt-BR" dirty="0" smtClean="0"/>
+              <a:t>“motivo” </a:t>
+            </a:r>
+            <a:r>
+              <a:rPr lang="pt-BR" dirty="0" smtClean="0"/>
+              <a:t>somente </a:t>
+            </a:r>
+            <a:r>
+              <a:rPr lang="pt-BR" dirty="0" smtClean="0"/>
+              <a:t>depois da seleção  da “categoria motivo”.</a:t>
+            </a:r>
+          </a:p>
+          <a:p>
+            <a:r>
+              <a:rPr lang="pt-BR" dirty="0" smtClean="0"/>
+              <a:t>3- Ao alterar a “categoria motivo” serão exibidos no campo “motivo” somente a categoria selecionada.</a:t>
+            </a:r>
+          </a:p>
+          <a:p>
+            <a:r>
+              <a:rPr lang="pt-BR" dirty="0" smtClean="0"/>
+              <a:t>4-  Desabilitar o campo “motivo” caso não haja.</a:t>
+            </a:r>
+          </a:p>
+          <a:p>
+            <a:endParaRPr lang="pt-BR" dirty="0"/>
+          </a:p>
+          <a:p>
+            <a:r>
+              <a:rPr lang="pt-BR" dirty="0" smtClean="0"/>
+              <a:t>Resultado esperado: </a:t>
+            </a:r>
+            <a:r>
+              <a:rPr lang="pt-BR" dirty="0" smtClean="0"/>
+              <a:t>Ca</a:t>
+            </a:r>
+            <a:r>
+              <a:rPr lang="pt-BR" dirty="0" smtClean="0"/>
+              <a:t>mpo </a:t>
+            </a:r>
+            <a:r>
+              <a:rPr lang="pt-BR" dirty="0" smtClean="0"/>
+              <a:t>“motivo</a:t>
+            </a:r>
+            <a:r>
+              <a:rPr lang="pt-BR" dirty="0" smtClean="0"/>
+              <a:t>” com opç</a:t>
+            </a:r>
+            <a:r>
+              <a:rPr lang="pt-BR" dirty="0" smtClean="0"/>
+              <a:t>ões somente da categoria selecionada.</a:t>
             </a:r>
             <a:endParaRPr lang="pt-BR" dirty="0" smtClean="0"/>
-          </a:p>
-          <a:p>
-            <a:r>
-              <a:rPr lang="pt-BR" dirty="0" smtClean="0"/>
-              <a:t>2- Campo “motivo” será preenchido somente depois da seleção  da “categoria motivo”.</a:t>
-            </a:r>
-          </a:p>
-          <a:p>
-            <a:r>
-              <a:rPr lang="pt-BR" dirty="0" smtClean="0"/>
-              <a:t>3- Ao alterar a “categoria motivo” serão exibidos no campo “motivo” somente a categoria selecionada.</a:t>
-            </a:r>
-          </a:p>
-          <a:p>
-            <a:r>
-              <a:rPr lang="pt-BR" dirty="0" smtClean="0"/>
-              <a:t>4-  Desabilitar o campo “motivo” caso não haja.</a:t>
-            </a:r>
-          </a:p>
-          <a:p>
-            <a:endParaRPr lang="pt-BR" dirty="0"/>
-          </a:p>
-          <a:p>
-            <a:r>
-              <a:rPr lang="pt-BR" dirty="0" smtClean="0"/>
-              <a:t>Resultado esperado: Seleção de “categoria motivo” e campo “motivo”.</a:t>
-            </a:r>
           </a:p>
         </p:txBody>
       </p:sp>
@@ -4523,8 +5112,8 @@
         </p:nvSpPr>
         <p:spPr>
           <a:xfrm>
-            <a:off x="904811" y="1879964"/>
-            <a:ext cx="1846556" cy="523220"/>
+            <a:off x="904810" y="1879964"/>
+            <a:ext cx="7733352" cy="954107"/>
           </a:xfrm>
           <a:prstGeom prst="rect">
             <a:avLst/>
@@ -4543,7 +5132,25 @@
                   <a:schemeClr val="bg1"/>
                 </a:solidFill>
               </a:rPr>
-              <a:t>RN 05 </a:t>
+              <a:t>CT05 - RN 05: </a:t>
+            </a:r>
+            <a:r>
+              <a:rPr lang="pt-BR" sz="2800" dirty="0" smtClean="0">
+                <a:solidFill>
+                  <a:schemeClr val="bg1"/>
+                </a:solidFill>
+              </a:rPr>
+              <a:t>Tela Requisição &gt; Motivo</a:t>
+            </a:r>
+          </a:p>
+          <a:p>
+            <a:r>
+              <a:rPr lang="pt-BR" sz="2800" dirty="0" smtClean="0">
+                <a:solidFill>
+                  <a:schemeClr val="bg1"/>
+                </a:solidFill>
+              </a:rPr>
+              <a:t> </a:t>
             </a:r>
             <a:endParaRPr lang="pt-BR" sz="2800" dirty="0">
               <a:solidFill>
@@ -4556,7 +5163,7 @@
     </p:spTree>
     <p:extLst>
       <p:ext uri="{BB962C8B-B14F-4D97-AF65-F5344CB8AC3E}">
-        <p14:creationId xmlns:p14="http://schemas.microsoft.com/office/powerpoint/2010/main" val="1915288003"/>
+        <p14:creationId xmlns:p14="http://schemas.microsoft.com/office/powerpoint/2010/main" xmlns="" val="1915288003"/>
       </p:ext>
     </p:extLst>
   </p:cSld>
@@ -4744,7 +5351,7 @@
         <p:spPr>
           <a:xfrm>
             <a:off x="993421" y="2691809"/>
-            <a:ext cx="9668662" cy="2585323"/>
+            <a:ext cx="9668662" cy="2308324"/>
           </a:xfrm>
           <a:prstGeom prst="rect">
             <a:avLst/>
@@ -4759,33 +5366,66 @@
           <a:p>
             <a:r>
               <a:rPr lang="pt-BR" dirty="0" smtClean="0"/>
-              <a:t>Pré-condição: Sistema estar aberto</a:t>
-            </a:r>
-          </a:p>
-          <a:p>
+              <a:t>Pré-condição: </a:t>
+            </a:r>
+            <a:r>
+              <a:rPr lang="pt-BR" dirty="0" smtClean="0"/>
+              <a:t>Tela almoxarifado estar aberta</a:t>
+            </a:r>
             <a:endParaRPr lang="pt-BR" dirty="0" smtClean="0"/>
           </a:p>
           <a:p>
             <a:r>
               <a:rPr lang="pt-BR" dirty="0" smtClean="0"/>
-              <a:t>Passos: </a:t>
-            </a:r>
-          </a:p>
-          <a:p>
-            <a:r>
-              <a:rPr lang="pt-BR" dirty="0" smtClean="0"/>
-              <a:t>1- Acessar o </a:t>
-            </a:r>
-            <a:r>
-              <a:rPr lang="pt-BR" dirty="0" smtClean="0"/>
-              <a:t>sistema.</a:t>
-            </a:r>
-            <a:endParaRPr lang="pt-BR" dirty="0" smtClean="0"/>
-          </a:p>
-          <a:p>
-            <a:r>
-              <a:rPr lang="pt-BR" dirty="0" smtClean="0"/>
-              <a:t>2- Ao digitar um código no campo “ID” o campo “departamento” será preenchido caso exista no banco de dados/ API.</a:t>
+              <a:t>Ações: </a:t>
+            </a:r>
+          </a:p>
+          <a:p>
+            <a:r>
+              <a:rPr lang="pt-BR" dirty="0" smtClean="0"/>
+              <a:t>1- </a:t>
+            </a:r>
+            <a:r>
+              <a:rPr lang="pt-BR" dirty="0" smtClean="0"/>
+              <a:t>Acessar o sistema.</a:t>
+            </a:r>
+          </a:p>
+          <a:p>
+            <a:r>
+              <a:rPr lang="pt-BR" dirty="0" smtClean="0"/>
+              <a:t>2- </a:t>
+            </a:r>
+            <a:r>
+              <a:rPr lang="pt-BR" dirty="0" smtClean="0"/>
+              <a:t> </a:t>
+            </a:r>
+            <a:r>
+              <a:rPr lang="pt-BR" dirty="0" smtClean="0"/>
+              <a:t>D</a:t>
+            </a:r>
+            <a:r>
+              <a:rPr lang="pt-BR" dirty="0" smtClean="0"/>
+              <a:t>igitar </a:t>
+            </a:r>
+            <a:r>
+              <a:rPr lang="pt-BR" dirty="0" smtClean="0"/>
+              <a:t>um código no campo “ID</a:t>
+            </a:r>
+            <a:r>
+              <a:rPr lang="pt-BR" dirty="0" smtClean="0"/>
+              <a:t>” e </a:t>
+            </a:r>
+            <a:r>
+              <a:rPr lang="pt-BR" dirty="0" smtClean="0"/>
+              <a:t>o campo “departamento” </a:t>
+            </a:r>
+            <a:r>
+              <a:rPr lang="pt-BR" dirty="0" smtClean="0"/>
+              <a:t>ser preenchido </a:t>
+            </a:r>
+            <a:r>
+              <a:rPr lang="pt-BR" dirty="0" smtClean="0"/>
+              <a:t>caso exista no banco de dados/ API.</a:t>
             </a:r>
           </a:p>
           <a:p>
@@ -4813,8 +5453,8 @@
         </p:nvSpPr>
         <p:spPr>
           <a:xfrm>
-            <a:off x="878888" y="1879964"/>
-            <a:ext cx="1846556" cy="523220"/>
+            <a:off x="878887" y="1879964"/>
+            <a:ext cx="8002465" cy="954107"/>
           </a:xfrm>
           <a:prstGeom prst="rect">
             <a:avLst/>
@@ -4833,7 +5473,25 @@
                   <a:schemeClr val="bg1"/>
                 </a:solidFill>
               </a:rPr>
-              <a:t>RN 06 </a:t>
+              <a:t>CT06 - RN 06: </a:t>
+            </a:r>
+            <a:r>
+              <a:rPr lang="pt-BR" sz="2800" dirty="0" smtClean="0">
+                <a:solidFill>
+                  <a:schemeClr val="bg1"/>
+                </a:solidFill>
+              </a:rPr>
+              <a:t>Tela Requisição &gt; [ ID] [Departamento]</a:t>
+            </a:r>
+          </a:p>
+          <a:p>
+            <a:r>
+              <a:rPr lang="pt-BR" sz="2800" dirty="0" smtClean="0">
+                <a:solidFill>
+                  <a:schemeClr val="bg1"/>
+                </a:solidFill>
+              </a:rPr>
+              <a:t> </a:t>
             </a:r>
             <a:endParaRPr lang="pt-BR" sz="2800" dirty="0">
               <a:solidFill>
@@ -4846,7 +5504,7 @@
     </p:spTree>
     <p:extLst>
       <p:ext uri="{BB962C8B-B14F-4D97-AF65-F5344CB8AC3E}">
-        <p14:creationId xmlns:p14="http://schemas.microsoft.com/office/powerpoint/2010/main" val="3262542223"/>
+        <p14:creationId xmlns:p14="http://schemas.microsoft.com/office/powerpoint/2010/main" xmlns="" val="3262542223"/>
       </p:ext>
     </p:extLst>
   </p:cSld>
@@ -5049,28 +5707,32 @@
           <a:p>
             <a:r>
               <a:rPr lang="pt-BR" dirty="0" smtClean="0"/>
-              <a:t>Pré-condição: Sistema estar aberto</a:t>
-            </a:r>
-          </a:p>
-          <a:p>
+              <a:t>Pré-condição: </a:t>
+            </a:r>
+            <a:r>
+              <a:rPr lang="pt-BR" dirty="0" smtClean="0"/>
+              <a:t>Tela almoxarifado estar aberta</a:t>
+            </a:r>
             <a:endParaRPr lang="pt-BR" dirty="0" smtClean="0"/>
           </a:p>
           <a:p>
-            <a:r>
-              <a:rPr lang="pt-BR" dirty="0" smtClean="0"/>
-              <a:t>Passos: </a:t>
-            </a:r>
-          </a:p>
-          <a:p>
-            <a:r>
-              <a:rPr lang="pt-BR" dirty="0" smtClean="0"/>
-              <a:t>1- Acessar o </a:t>
-            </a:r>
-            <a:r>
-              <a:rPr lang="pt-BR" dirty="0" smtClean="0"/>
-              <a:t>sistema.</a:t>
-            </a:r>
             <a:endParaRPr lang="pt-BR" dirty="0" smtClean="0"/>
+          </a:p>
+          <a:p>
+            <a:r>
+              <a:rPr lang="pt-BR" dirty="0" smtClean="0"/>
+              <a:t>Ações: </a:t>
+            </a:r>
+          </a:p>
+          <a:p>
+            <a:r>
+              <a:rPr lang="pt-BR" dirty="0" smtClean="0"/>
+              <a:t>1- </a:t>
+            </a:r>
+            <a:r>
+              <a:rPr lang="pt-BR" dirty="0" smtClean="0"/>
+              <a:t>Acessar o sistema.</a:t>
+            </a:r>
           </a:p>
           <a:p>
             <a:r>
@@ -5112,7 +5774,7 @@
         <p:spPr>
           <a:xfrm>
             <a:off x="878888" y="1879964"/>
-            <a:ext cx="1846556" cy="523220"/>
+            <a:ext cx="10774848" cy="954107"/>
           </a:xfrm>
           <a:prstGeom prst="rect">
             <a:avLst/>
@@ -5125,13 +5787,64 @@
           </a:bodyPr>
           <a:lstStyle/>
           <a:p>
+            <a:pPr lvl="0"/>
             <a:r>
               <a:rPr lang="pt-BR" sz="2800" dirty="0" smtClean="0">
                 <a:solidFill>
                   <a:schemeClr val="bg1"/>
                 </a:solidFill>
               </a:rPr>
-              <a:t>RN 07 </a:t>
+              <a:t>CT 07 - RN 07: </a:t>
+            </a:r>
+            <a:r>
+              <a:rPr lang="pt-BR" sz="2800" dirty="0" smtClean="0">
+                <a:solidFill>
+                  <a:schemeClr val="bg1"/>
+                </a:solidFill>
+              </a:rPr>
+              <a:t>Tela Requisição &gt; [ ID </a:t>
+            </a:r>
+            <a:r>
+              <a:rPr lang="pt-BR" sz="2800" dirty="0" err="1" smtClean="0">
+                <a:solidFill>
+                  <a:schemeClr val="bg1"/>
+                </a:solidFill>
+              </a:rPr>
+              <a:t>Fun</a:t>
+            </a:r>
+            <a:r>
+              <a:rPr lang="pt-BR" sz="2800" dirty="0" smtClean="0">
+                <a:solidFill>
+                  <a:schemeClr val="bg1"/>
+                </a:solidFill>
+              </a:rPr>
+              <a:t>] [Nome </a:t>
+            </a:r>
+            <a:r>
+              <a:rPr lang="pt-BR" sz="2800" dirty="0" err="1" smtClean="0">
+                <a:solidFill>
+                  <a:schemeClr val="bg1"/>
+                </a:solidFill>
+              </a:rPr>
+              <a:t>Funcionario</a:t>
+            </a:r>
+            <a:r>
+              <a:rPr lang="pt-BR" sz="2800" dirty="0" smtClean="0">
+                <a:solidFill>
+                  <a:schemeClr val="bg1"/>
+                </a:solidFill>
+              </a:rPr>
+              <a:t>]</a:t>
+            </a:r>
+          </a:p>
+          <a:p>
+            <a:r>
+              <a:rPr lang="pt-BR" sz="2800" dirty="0" smtClean="0">
+                <a:solidFill>
+                  <a:schemeClr val="bg1"/>
+                </a:solidFill>
+              </a:rPr>
+              <a:t> </a:t>
             </a:r>
             <a:endParaRPr lang="pt-BR" sz="2800" dirty="0">
               <a:solidFill>
@@ -5144,7 +5857,1345 @@
     </p:spTree>
     <p:extLst>
       <p:ext uri="{BB962C8B-B14F-4D97-AF65-F5344CB8AC3E}">
-        <p14:creationId xmlns:p14="http://schemas.microsoft.com/office/powerpoint/2010/main" val="4043932150"/>
+        <p14:creationId xmlns:p14="http://schemas.microsoft.com/office/powerpoint/2010/main" xmlns="" val="4043932150"/>
+      </p:ext>
+    </p:extLst>
+  </p:cSld>
+  <p:clrMapOvr>
+    <a:masterClrMapping/>
+  </p:clrMapOvr>
+</p:sld>
+</file>
+
+<file path=ppt/slides/slide16.xml><?xml version="1.0" encoding="utf-8"?>
+<p:sld xmlns:a="http://schemas.openxmlformats.org/drawingml/2006/main" xmlns:r="http://schemas.openxmlformats.org/officeDocument/2006/relationships" xmlns:p="http://schemas.openxmlformats.org/presentationml/2006/main">
+  <p:cSld>
+    <p:spTree>
+      <p:nvGrpSpPr>
+        <p:cNvPr id="1" name=""/>
+        <p:cNvGrpSpPr/>
+        <p:nvPr/>
+      </p:nvGrpSpPr>
+      <p:grpSpPr>
+        <a:xfrm>
+          <a:off x="0" y="0"/>
+          <a:ext cx="0" cy="0"/>
+          <a:chOff x="0" y="0"/>
+          <a:chExt cx="0" cy="0"/>
+        </a:xfrm>
+      </p:grpSpPr>
+      <p:sp>
+        <p:nvSpPr>
+          <p:cNvPr id="2" name="Título 1"/>
+          <p:cNvSpPr>
+            <a:spLocks noGrp="1"/>
+          </p:cNvSpPr>
+          <p:nvPr>
+            <p:ph type="title"/>
+          </p:nvPr>
+        </p:nvSpPr>
+        <p:spPr>
+          <a:xfrm>
+            <a:off x="3053644" y="111939"/>
+            <a:ext cx="5463821" cy="1325563"/>
+          </a:xfrm>
+        </p:spPr>
+        <p:txBody>
+          <a:bodyPr>
+            <a:normAutofit/>
+          </a:bodyPr>
+          <a:lstStyle/>
+          <a:p>
+            <a:r>
+              <a:rPr lang="pt-BR" sz="6000" dirty="0" smtClean="0">
+                <a:latin typeface="Bahnschrift SemiBold" panose="020B0502040204020203" pitchFamily="34" charset="0"/>
+              </a:rPr>
+              <a:t>Caso de teste</a:t>
+            </a:r>
+            <a:endParaRPr lang="pt-BR" sz="6000" dirty="0">
+              <a:latin typeface="Bahnschrift SemiBold" panose="020B0502040204020203" pitchFamily="34" charset="0"/>
+            </a:endParaRPr>
+          </a:p>
+        </p:txBody>
+      </p:sp>
+      <p:sp>
+        <p:nvSpPr>
+          <p:cNvPr id="3" name="CaixaDeTexto 2"/>
+          <p:cNvSpPr txBox="1"/>
+          <p:nvPr/>
+        </p:nvSpPr>
+        <p:spPr>
+          <a:xfrm>
+            <a:off x="711202" y="1281878"/>
+            <a:ext cx="3849511" cy="646331"/>
+          </a:xfrm>
+          <a:prstGeom prst="rect">
+            <a:avLst/>
+          </a:prstGeom>
+          <a:noFill/>
+        </p:spPr>
+        <p:txBody>
+          <a:bodyPr wrap="square" rtlCol="0">
+            <a:spAutoFit/>
+          </a:bodyPr>
+          <a:lstStyle/>
+          <a:p>
+            <a:r>
+              <a:rPr lang="pt-BR" dirty="0" smtClean="0"/>
+              <a:t>Projeto: Site Almoxarifado</a:t>
+            </a:r>
+          </a:p>
+          <a:p>
+            <a:endParaRPr lang="pt-BR" dirty="0"/>
+          </a:p>
+        </p:txBody>
+      </p:sp>
+      <p:sp>
+        <p:nvSpPr>
+          <p:cNvPr id="4" name="Retângulo 3"/>
+          <p:cNvSpPr/>
+          <p:nvPr/>
+        </p:nvSpPr>
+        <p:spPr>
+          <a:xfrm>
+            <a:off x="711202" y="1756853"/>
+            <a:ext cx="10216444" cy="4824569"/>
+          </a:xfrm>
+          <a:prstGeom prst="rect">
+            <a:avLst/>
+          </a:prstGeom>
+          <a:solidFill>
+            <a:schemeClr val="bg1"/>
+          </a:solidFill>
+        </p:spPr>
+        <p:style>
+          <a:lnRef idx="2">
+            <a:schemeClr val="accent1">
+              <a:shade val="50000"/>
+            </a:schemeClr>
+          </a:lnRef>
+          <a:fillRef idx="1">
+            <a:schemeClr val="accent1"/>
+          </a:fillRef>
+          <a:effectRef idx="0">
+            <a:schemeClr val="accent1"/>
+          </a:effectRef>
+          <a:fontRef idx="minor">
+            <a:schemeClr val="lt1"/>
+          </a:fontRef>
+        </p:style>
+        <p:txBody>
+          <a:bodyPr rtlCol="0" anchor="ctr"/>
+          <a:lstStyle/>
+          <a:p>
+            <a:pPr algn="ctr"/>
+            <a:endParaRPr lang="pt-BR"/>
+          </a:p>
+        </p:txBody>
+      </p:sp>
+      <p:sp>
+        <p:nvSpPr>
+          <p:cNvPr id="5" name="Retângulo 4"/>
+          <p:cNvSpPr/>
+          <p:nvPr/>
+        </p:nvSpPr>
+        <p:spPr>
+          <a:xfrm>
+            <a:off x="711202" y="1756853"/>
+            <a:ext cx="10216444" cy="783147"/>
+          </a:xfrm>
+          <a:prstGeom prst="rect">
+            <a:avLst/>
+          </a:prstGeom>
+          <a:solidFill>
+            <a:schemeClr val="tx1"/>
+          </a:solidFill>
+        </p:spPr>
+        <p:style>
+          <a:lnRef idx="2">
+            <a:schemeClr val="accent1">
+              <a:shade val="50000"/>
+            </a:schemeClr>
+          </a:lnRef>
+          <a:fillRef idx="1">
+            <a:schemeClr val="accent1"/>
+          </a:fillRef>
+          <a:effectRef idx="0">
+            <a:schemeClr val="accent1"/>
+          </a:effectRef>
+          <a:fontRef idx="minor">
+            <a:schemeClr val="lt1"/>
+          </a:fontRef>
+        </p:style>
+        <p:txBody>
+          <a:bodyPr rtlCol="0" anchor="ctr"/>
+          <a:lstStyle/>
+          <a:p>
+            <a:pPr algn="ctr"/>
+            <a:endParaRPr lang="pt-BR"/>
+          </a:p>
+        </p:txBody>
+      </p:sp>
+      <p:sp>
+        <p:nvSpPr>
+          <p:cNvPr id="6" name="CaixaDeTexto 5"/>
+          <p:cNvSpPr txBox="1"/>
+          <p:nvPr/>
+        </p:nvSpPr>
+        <p:spPr>
+          <a:xfrm>
+            <a:off x="993421" y="2691809"/>
+            <a:ext cx="9668662" cy="2308324"/>
+          </a:xfrm>
+          <a:prstGeom prst="rect">
+            <a:avLst/>
+          </a:prstGeom>
+          <a:noFill/>
+        </p:spPr>
+        <p:txBody>
+          <a:bodyPr wrap="square" rtlCol="0">
+            <a:spAutoFit/>
+          </a:bodyPr>
+          <a:lstStyle/>
+          <a:p>
+            <a:r>
+              <a:rPr lang="pt-BR" dirty="0" smtClean="0"/>
+              <a:t>Pré-condição: </a:t>
+            </a:r>
+            <a:r>
+              <a:rPr lang="pt-BR" dirty="0" smtClean="0"/>
+              <a:t>Tela almoxarifado estar aberta</a:t>
+            </a:r>
+            <a:endParaRPr lang="pt-BR" dirty="0" smtClean="0"/>
+          </a:p>
+          <a:p>
+            <a:endParaRPr lang="pt-BR" dirty="0" smtClean="0"/>
+          </a:p>
+          <a:p>
+            <a:r>
+              <a:rPr lang="pt-BR" dirty="0" smtClean="0"/>
+              <a:t>Ações: </a:t>
+            </a:r>
+          </a:p>
+          <a:p>
+            <a:r>
+              <a:rPr lang="pt-BR" dirty="0" smtClean="0"/>
+              <a:t>1- </a:t>
+            </a:r>
+            <a:r>
+              <a:rPr lang="pt-BR" dirty="0" smtClean="0"/>
+              <a:t>Acessar o sistema.</a:t>
+            </a:r>
+          </a:p>
+          <a:p>
+            <a:r>
+              <a:rPr lang="pt-BR" dirty="0" smtClean="0"/>
+              <a:t>2- </a:t>
+            </a:r>
+            <a:r>
+              <a:rPr lang="pt-BR" dirty="0" smtClean="0"/>
+              <a:t> </a:t>
+            </a:r>
+            <a:r>
+              <a:rPr lang="pt-BR" dirty="0" smtClean="0"/>
+              <a:t>Digitar </a:t>
+            </a:r>
+            <a:r>
+              <a:rPr lang="pt-BR" dirty="0" smtClean="0"/>
+              <a:t>um </a:t>
+            </a:r>
+            <a:r>
+              <a:rPr lang="pt-BR" dirty="0" smtClean="0"/>
+              <a:t>código no campo </a:t>
+            </a:r>
+            <a:r>
+              <a:rPr lang="pt-BR" dirty="0" smtClean="0"/>
+              <a:t>“</a:t>
+            </a:r>
+            <a:r>
+              <a:rPr lang="pt-BR" dirty="0" err="1" smtClean="0"/>
+              <a:t>Cod</a:t>
+            </a:r>
+            <a:r>
+              <a:rPr lang="pt-BR" dirty="0" smtClean="0"/>
+              <a:t>.Produto</a:t>
+            </a:r>
+            <a:r>
+              <a:rPr lang="pt-BR" dirty="0" smtClean="0"/>
+              <a:t>”</a:t>
+            </a:r>
+            <a:endParaRPr lang="pt-BR" dirty="0" smtClean="0"/>
+          </a:p>
+          <a:p>
+            <a:endParaRPr lang="pt-BR" dirty="0"/>
+          </a:p>
+          <a:p>
+            <a:r>
+              <a:rPr lang="pt-BR" dirty="0" smtClean="0"/>
+              <a:t>Resultado esperado: </a:t>
+            </a:r>
+            <a:r>
+              <a:rPr lang="pt-BR" dirty="0" smtClean="0"/>
+              <a:t>Exibição </a:t>
+            </a:r>
+            <a:r>
+              <a:rPr lang="pt-BR" dirty="0" smtClean="0"/>
+              <a:t>do  nome do produto e a quantidade de itens no campo “estoque” caso houver o código no banco de dados/API.</a:t>
+            </a:r>
+          </a:p>
+        </p:txBody>
+      </p:sp>
+      <p:sp>
+        <p:nvSpPr>
+          <p:cNvPr id="8" name="CaixaDeTexto 7"/>
+          <p:cNvSpPr txBox="1"/>
+          <p:nvPr/>
+        </p:nvSpPr>
+        <p:spPr>
+          <a:xfrm>
+            <a:off x="878886" y="1879964"/>
+            <a:ext cx="10376015" cy="954107"/>
+          </a:xfrm>
+          <a:prstGeom prst="rect">
+            <a:avLst/>
+          </a:prstGeom>
+          <a:noFill/>
+        </p:spPr>
+        <p:txBody>
+          <a:bodyPr wrap="square" rtlCol="0">
+            <a:spAutoFit/>
+          </a:bodyPr>
+          <a:lstStyle/>
+          <a:p>
+            <a:pPr lvl="0"/>
+            <a:r>
+              <a:rPr lang="pt-BR" sz="2800" dirty="0" smtClean="0">
+                <a:solidFill>
+                  <a:schemeClr val="bg1"/>
+                </a:solidFill>
+              </a:rPr>
+              <a:t>CT 08 - RN 08: </a:t>
+            </a:r>
+            <a:r>
+              <a:rPr lang="pt-BR" sz="2800" dirty="0" smtClean="0">
+                <a:solidFill>
+                  <a:schemeClr val="bg1"/>
+                </a:solidFill>
+              </a:rPr>
+              <a:t>Tela Requisição &gt; [ ID] [</a:t>
+            </a:r>
+            <a:r>
+              <a:rPr lang="pt-BR" sz="2800" dirty="0" err="1" smtClean="0">
+                <a:solidFill>
+                  <a:schemeClr val="bg1"/>
+                </a:solidFill>
+              </a:rPr>
+              <a:t>Descricao</a:t>
+            </a:r>
+            <a:r>
+              <a:rPr lang="pt-BR" sz="2800" dirty="0" smtClean="0">
+                <a:solidFill>
+                  <a:schemeClr val="bg1"/>
+                </a:solidFill>
+              </a:rPr>
+              <a:t> Produto] [Estoque]</a:t>
+            </a:r>
+          </a:p>
+          <a:p>
+            <a:r>
+              <a:rPr lang="pt-BR" sz="2800" dirty="0" smtClean="0">
+                <a:solidFill>
+                  <a:schemeClr val="bg1"/>
+                </a:solidFill>
+              </a:rPr>
+              <a:t> </a:t>
+            </a:r>
+            <a:endParaRPr lang="pt-BR" sz="2800" dirty="0">
+              <a:solidFill>
+                <a:schemeClr val="bg1"/>
+              </a:solidFill>
+            </a:endParaRPr>
+          </a:p>
+        </p:txBody>
+      </p:sp>
+    </p:spTree>
+    <p:extLst>
+      <p:ext uri="{BB962C8B-B14F-4D97-AF65-F5344CB8AC3E}">
+        <p14:creationId xmlns:p14="http://schemas.microsoft.com/office/powerpoint/2010/main" xmlns="" val="4043932150"/>
+      </p:ext>
+    </p:extLst>
+  </p:cSld>
+  <p:clrMapOvr>
+    <a:masterClrMapping/>
+  </p:clrMapOvr>
+</p:sld>
+</file>
+
+<file path=ppt/slides/slide17.xml><?xml version="1.0" encoding="utf-8"?>
+<p:sld xmlns:a="http://schemas.openxmlformats.org/drawingml/2006/main" xmlns:r="http://schemas.openxmlformats.org/officeDocument/2006/relationships" xmlns:p="http://schemas.openxmlformats.org/presentationml/2006/main">
+  <p:cSld>
+    <p:spTree>
+      <p:nvGrpSpPr>
+        <p:cNvPr id="1" name=""/>
+        <p:cNvGrpSpPr/>
+        <p:nvPr/>
+      </p:nvGrpSpPr>
+      <p:grpSpPr>
+        <a:xfrm>
+          <a:off x="0" y="0"/>
+          <a:ext cx="0" cy="0"/>
+          <a:chOff x="0" y="0"/>
+          <a:chExt cx="0" cy="0"/>
+        </a:xfrm>
+      </p:grpSpPr>
+      <p:sp>
+        <p:nvSpPr>
+          <p:cNvPr id="2" name="Título 1"/>
+          <p:cNvSpPr>
+            <a:spLocks noGrp="1"/>
+          </p:cNvSpPr>
+          <p:nvPr>
+            <p:ph type="title"/>
+          </p:nvPr>
+        </p:nvSpPr>
+        <p:spPr>
+          <a:xfrm>
+            <a:off x="3053644" y="111939"/>
+            <a:ext cx="5463821" cy="1325563"/>
+          </a:xfrm>
+        </p:spPr>
+        <p:txBody>
+          <a:bodyPr>
+            <a:normAutofit/>
+          </a:bodyPr>
+          <a:lstStyle/>
+          <a:p>
+            <a:r>
+              <a:rPr lang="pt-BR" sz="6000" dirty="0" smtClean="0">
+                <a:latin typeface="Bahnschrift SemiBold" panose="020B0502040204020203" pitchFamily="34" charset="0"/>
+              </a:rPr>
+              <a:t>Caso de teste</a:t>
+            </a:r>
+            <a:endParaRPr lang="pt-BR" sz="6000" dirty="0">
+              <a:latin typeface="Bahnschrift SemiBold" panose="020B0502040204020203" pitchFamily="34" charset="0"/>
+            </a:endParaRPr>
+          </a:p>
+        </p:txBody>
+      </p:sp>
+      <p:sp>
+        <p:nvSpPr>
+          <p:cNvPr id="3" name="CaixaDeTexto 2"/>
+          <p:cNvSpPr txBox="1"/>
+          <p:nvPr/>
+        </p:nvSpPr>
+        <p:spPr>
+          <a:xfrm>
+            <a:off x="711202" y="1281878"/>
+            <a:ext cx="3849511" cy="646331"/>
+          </a:xfrm>
+          <a:prstGeom prst="rect">
+            <a:avLst/>
+          </a:prstGeom>
+          <a:noFill/>
+        </p:spPr>
+        <p:txBody>
+          <a:bodyPr wrap="square" rtlCol="0">
+            <a:spAutoFit/>
+          </a:bodyPr>
+          <a:lstStyle/>
+          <a:p>
+            <a:r>
+              <a:rPr lang="pt-BR" dirty="0" smtClean="0"/>
+              <a:t>Projeto: Site Almoxarifado</a:t>
+            </a:r>
+          </a:p>
+          <a:p>
+            <a:endParaRPr lang="pt-BR" dirty="0"/>
+          </a:p>
+        </p:txBody>
+      </p:sp>
+      <p:sp>
+        <p:nvSpPr>
+          <p:cNvPr id="4" name="Retângulo 3"/>
+          <p:cNvSpPr/>
+          <p:nvPr/>
+        </p:nvSpPr>
+        <p:spPr>
+          <a:xfrm>
+            <a:off x="711202" y="1756853"/>
+            <a:ext cx="10216444" cy="4824569"/>
+          </a:xfrm>
+          <a:prstGeom prst="rect">
+            <a:avLst/>
+          </a:prstGeom>
+          <a:solidFill>
+            <a:schemeClr val="bg1"/>
+          </a:solidFill>
+        </p:spPr>
+        <p:style>
+          <a:lnRef idx="2">
+            <a:schemeClr val="accent1">
+              <a:shade val="50000"/>
+            </a:schemeClr>
+          </a:lnRef>
+          <a:fillRef idx="1">
+            <a:schemeClr val="accent1"/>
+          </a:fillRef>
+          <a:effectRef idx="0">
+            <a:schemeClr val="accent1"/>
+          </a:effectRef>
+          <a:fontRef idx="minor">
+            <a:schemeClr val="lt1"/>
+          </a:fontRef>
+        </p:style>
+        <p:txBody>
+          <a:bodyPr rtlCol="0" anchor="ctr"/>
+          <a:lstStyle/>
+          <a:p>
+            <a:pPr algn="ctr"/>
+            <a:endParaRPr lang="pt-BR"/>
+          </a:p>
+        </p:txBody>
+      </p:sp>
+      <p:sp>
+        <p:nvSpPr>
+          <p:cNvPr id="5" name="Retângulo 4"/>
+          <p:cNvSpPr/>
+          <p:nvPr/>
+        </p:nvSpPr>
+        <p:spPr>
+          <a:xfrm>
+            <a:off x="711202" y="1756853"/>
+            <a:ext cx="10216444" cy="783147"/>
+          </a:xfrm>
+          <a:prstGeom prst="rect">
+            <a:avLst/>
+          </a:prstGeom>
+          <a:solidFill>
+            <a:schemeClr val="tx1"/>
+          </a:solidFill>
+        </p:spPr>
+        <p:style>
+          <a:lnRef idx="2">
+            <a:schemeClr val="accent1">
+              <a:shade val="50000"/>
+            </a:schemeClr>
+          </a:lnRef>
+          <a:fillRef idx="1">
+            <a:schemeClr val="accent1"/>
+          </a:fillRef>
+          <a:effectRef idx="0">
+            <a:schemeClr val="accent1"/>
+          </a:effectRef>
+          <a:fontRef idx="minor">
+            <a:schemeClr val="lt1"/>
+          </a:fontRef>
+        </p:style>
+        <p:txBody>
+          <a:bodyPr rtlCol="0" anchor="ctr"/>
+          <a:lstStyle/>
+          <a:p>
+            <a:pPr algn="ctr"/>
+            <a:endParaRPr lang="pt-BR"/>
+          </a:p>
+        </p:txBody>
+      </p:sp>
+      <p:sp>
+        <p:nvSpPr>
+          <p:cNvPr id="6" name="CaixaDeTexto 5"/>
+          <p:cNvSpPr txBox="1"/>
+          <p:nvPr/>
+        </p:nvSpPr>
+        <p:spPr>
+          <a:xfrm>
+            <a:off x="993421" y="2691809"/>
+            <a:ext cx="9668662" cy="2031325"/>
+          </a:xfrm>
+          <a:prstGeom prst="rect">
+            <a:avLst/>
+          </a:prstGeom>
+          <a:noFill/>
+        </p:spPr>
+        <p:txBody>
+          <a:bodyPr wrap="square" rtlCol="0">
+            <a:spAutoFit/>
+          </a:bodyPr>
+          <a:lstStyle/>
+          <a:p>
+            <a:r>
+              <a:rPr lang="pt-BR" dirty="0" smtClean="0"/>
+              <a:t>Pré-condição: </a:t>
+            </a:r>
+            <a:r>
+              <a:rPr lang="pt-BR" dirty="0" smtClean="0"/>
+              <a:t>Tela almoxarifado estar </a:t>
+            </a:r>
+            <a:r>
+              <a:rPr lang="pt-BR" dirty="0" smtClean="0"/>
+              <a:t>aberta</a:t>
+            </a:r>
+          </a:p>
+          <a:p>
+            <a:endParaRPr lang="pt-BR" dirty="0" smtClean="0"/>
+          </a:p>
+          <a:p>
+            <a:r>
+              <a:rPr lang="pt-BR" dirty="0" smtClean="0"/>
+              <a:t>Ações: </a:t>
+            </a:r>
+          </a:p>
+          <a:p>
+            <a:r>
+              <a:rPr lang="pt-BR" dirty="0" smtClean="0"/>
+              <a:t>1- </a:t>
+            </a:r>
+            <a:r>
+              <a:rPr lang="pt-BR" dirty="0" smtClean="0"/>
+              <a:t>Acessar o sistema.</a:t>
+            </a:r>
+          </a:p>
+          <a:p>
+            <a:r>
+              <a:rPr lang="pt-BR" dirty="0" smtClean="0"/>
+              <a:t>2- Localizar o produto com a quantidade maior qu</a:t>
+            </a:r>
+            <a:r>
+              <a:rPr lang="pt-BR" dirty="0" smtClean="0"/>
+              <a:t>e zero </a:t>
+            </a:r>
+            <a:r>
+              <a:rPr lang="pt-BR" dirty="0" smtClean="0"/>
+              <a:t>para habilitar o campo “quantidade”.</a:t>
+            </a:r>
+            <a:endParaRPr lang="pt-BR" dirty="0" smtClean="0"/>
+          </a:p>
+          <a:p>
+            <a:endParaRPr lang="pt-BR" dirty="0"/>
+          </a:p>
+          <a:p>
+            <a:r>
+              <a:rPr lang="pt-BR" dirty="0" smtClean="0"/>
+              <a:t>Resultado esperado: </a:t>
+            </a:r>
+            <a:r>
+              <a:rPr lang="pt-BR" dirty="0" smtClean="0"/>
+              <a:t>Exibição da quantidade de cada produto específico.</a:t>
+            </a:r>
+            <a:endParaRPr lang="pt-BR" dirty="0" smtClean="0"/>
+          </a:p>
+        </p:txBody>
+      </p:sp>
+      <p:sp>
+        <p:nvSpPr>
+          <p:cNvPr id="8" name="CaixaDeTexto 7"/>
+          <p:cNvSpPr txBox="1"/>
+          <p:nvPr/>
+        </p:nvSpPr>
+        <p:spPr>
+          <a:xfrm>
+            <a:off x="878887" y="1879964"/>
+            <a:ext cx="10298194" cy="954107"/>
+          </a:xfrm>
+          <a:prstGeom prst="rect">
+            <a:avLst/>
+          </a:prstGeom>
+          <a:noFill/>
+        </p:spPr>
+        <p:txBody>
+          <a:bodyPr wrap="square" rtlCol="0">
+            <a:spAutoFit/>
+          </a:bodyPr>
+          <a:lstStyle/>
+          <a:p>
+            <a:pPr lvl="0"/>
+            <a:r>
+              <a:rPr lang="pt-BR" sz="2800" dirty="0" smtClean="0">
+                <a:solidFill>
+                  <a:schemeClr val="bg1"/>
+                </a:solidFill>
+              </a:rPr>
+              <a:t>CT 09 - RN 09: </a:t>
+            </a:r>
+            <a:r>
+              <a:rPr lang="pt-BR" sz="2800" dirty="0" smtClean="0">
+                <a:solidFill>
+                  <a:schemeClr val="bg1"/>
+                </a:solidFill>
+              </a:rPr>
+              <a:t>Tela Requisição &gt; Campo [Quantidade]</a:t>
+            </a:r>
+          </a:p>
+          <a:p>
+            <a:r>
+              <a:rPr lang="pt-BR" sz="2800" dirty="0" smtClean="0">
+                <a:solidFill>
+                  <a:schemeClr val="bg1"/>
+                </a:solidFill>
+              </a:rPr>
+              <a:t> </a:t>
+            </a:r>
+            <a:endParaRPr lang="pt-BR" sz="2800" dirty="0">
+              <a:solidFill>
+                <a:schemeClr val="bg1"/>
+              </a:solidFill>
+            </a:endParaRPr>
+          </a:p>
+        </p:txBody>
+      </p:sp>
+    </p:spTree>
+    <p:extLst>
+      <p:ext uri="{BB962C8B-B14F-4D97-AF65-F5344CB8AC3E}">
+        <p14:creationId xmlns:p14="http://schemas.microsoft.com/office/powerpoint/2010/main" xmlns="" val="4043932150"/>
+      </p:ext>
+    </p:extLst>
+  </p:cSld>
+  <p:clrMapOvr>
+    <a:masterClrMapping/>
+  </p:clrMapOvr>
+</p:sld>
+</file>
+
+<file path=ppt/slides/slide18.xml><?xml version="1.0" encoding="utf-8"?>
+<p:sld xmlns:a="http://schemas.openxmlformats.org/drawingml/2006/main" xmlns:r="http://schemas.openxmlformats.org/officeDocument/2006/relationships" xmlns:p="http://schemas.openxmlformats.org/presentationml/2006/main">
+  <p:cSld>
+    <p:spTree>
+      <p:nvGrpSpPr>
+        <p:cNvPr id="1" name=""/>
+        <p:cNvGrpSpPr/>
+        <p:nvPr/>
+      </p:nvGrpSpPr>
+      <p:grpSpPr>
+        <a:xfrm>
+          <a:off x="0" y="0"/>
+          <a:ext cx="0" cy="0"/>
+          <a:chOff x="0" y="0"/>
+          <a:chExt cx="0" cy="0"/>
+        </a:xfrm>
+      </p:grpSpPr>
+      <p:sp>
+        <p:nvSpPr>
+          <p:cNvPr id="2" name="Título 1"/>
+          <p:cNvSpPr>
+            <a:spLocks noGrp="1"/>
+          </p:cNvSpPr>
+          <p:nvPr>
+            <p:ph type="title"/>
+          </p:nvPr>
+        </p:nvSpPr>
+        <p:spPr>
+          <a:xfrm>
+            <a:off x="3053644" y="111939"/>
+            <a:ext cx="5463821" cy="1325563"/>
+          </a:xfrm>
+        </p:spPr>
+        <p:txBody>
+          <a:bodyPr>
+            <a:normAutofit/>
+          </a:bodyPr>
+          <a:lstStyle/>
+          <a:p>
+            <a:r>
+              <a:rPr lang="pt-BR" sz="6000" dirty="0" smtClean="0">
+                <a:latin typeface="Bahnschrift SemiBold" panose="020B0502040204020203" pitchFamily="34" charset="0"/>
+              </a:rPr>
+              <a:t>Caso de teste</a:t>
+            </a:r>
+            <a:endParaRPr lang="pt-BR" sz="6000" dirty="0">
+              <a:latin typeface="Bahnschrift SemiBold" panose="020B0502040204020203" pitchFamily="34" charset="0"/>
+            </a:endParaRPr>
+          </a:p>
+        </p:txBody>
+      </p:sp>
+      <p:sp>
+        <p:nvSpPr>
+          <p:cNvPr id="3" name="CaixaDeTexto 2"/>
+          <p:cNvSpPr txBox="1"/>
+          <p:nvPr/>
+        </p:nvSpPr>
+        <p:spPr>
+          <a:xfrm>
+            <a:off x="711202" y="1281878"/>
+            <a:ext cx="3849511" cy="646331"/>
+          </a:xfrm>
+          <a:prstGeom prst="rect">
+            <a:avLst/>
+          </a:prstGeom>
+          <a:noFill/>
+        </p:spPr>
+        <p:txBody>
+          <a:bodyPr wrap="square" rtlCol="0">
+            <a:spAutoFit/>
+          </a:bodyPr>
+          <a:lstStyle/>
+          <a:p>
+            <a:r>
+              <a:rPr lang="pt-BR" dirty="0" smtClean="0"/>
+              <a:t>Projeto: Site Almoxarifado</a:t>
+            </a:r>
+          </a:p>
+          <a:p>
+            <a:endParaRPr lang="pt-BR" dirty="0"/>
+          </a:p>
+        </p:txBody>
+      </p:sp>
+      <p:sp>
+        <p:nvSpPr>
+          <p:cNvPr id="4" name="Retângulo 3"/>
+          <p:cNvSpPr/>
+          <p:nvPr/>
+        </p:nvSpPr>
+        <p:spPr>
+          <a:xfrm>
+            <a:off x="711202" y="1756853"/>
+            <a:ext cx="10216444" cy="4824569"/>
+          </a:xfrm>
+          <a:prstGeom prst="rect">
+            <a:avLst/>
+          </a:prstGeom>
+          <a:solidFill>
+            <a:schemeClr val="bg1"/>
+          </a:solidFill>
+        </p:spPr>
+        <p:style>
+          <a:lnRef idx="2">
+            <a:schemeClr val="accent1">
+              <a:shade val="50000"/>
+            </a:schemeClr>
+          </a:lnRef>
+          <a:fillRef idx="1">
+            <a:schemeClr val="accent1"/>
+          </a:fillRef>
+          <a:effectRef idx="0">
+            <a:schemeClr val="accent1"/>
+          </a:effectRef>
+          <a:fontRef idx="minor">
+            <a:schemeClr val="lt1"/>
+          </a:fontRef>
+        </p:style>
+        <p:txBody>
+          <a:bodyPr rtlCol="0" anchor="ctr"/>
+          <a:lstStyle/>
+          <a:p>
+            <a:pPr algn="ctr"/>
+            <a:endParaRPr lang="pt-BR"/>
+          </a:p>
+        </p:txBody>
+      </p:sp>
+      <p:sp>
+        <p:nvSpPr>
+          <p:cNvPr id="5" name="Retângulo 4"/>
+          <p:cNvSpPr/>
+          <p:nvPr/>
+        </p:nvSpPr>
+        <p:spPr>
+          <a:xfrm>
+            <a:off x="711202" y="1756853"/>
+            <a:ext cx="10216444" cy="783147"/>
+          </a:xfrm>
+          <a:prstGeom prst="rect">
+            <a:avLst/>
+          </a:prstGeom>
+          <a:solidFill>
+            <a:schemeClr val="tx1"/>
+          </a:solidFill>
+        </p:spPr>
+        <p:style>
+          <a:lnRef idx="2">
+            <a:schemeClr val="accent1">
+              <a:shade val="50000"/>
+            </a:schemeClr>
+          </a:lnRef>
+          <a:fillRef idx="1">
+            <a:schemeClr val="accent1"/>
+          </a:fillRef>
+          <a:effectRef idx="0">
+            <a:schemeClr val="accent1"/>
+          </a:effectRef>
+          <a:fontRef idx="minor">
+            <a:schemeClr val="lt1"/>
+          </a:fontRef>
+        </p:style>
+        <p:txBody>
+          <a:bodyPr rtlCol="0" anchor="ctr"/>
+          <a:lstStyle/>
+          <a:p>
+            <a:pPr algn="ctr"/>
+            <a:endParaRPr lang="pt-BR"/>
+          </a:p>
+        </p:txBody>
+      </p:sp>
+      <p:sp>
+        <p:nvSpPr>
+          <p:cNvPr id="6" name="CaixaDeTexto 5"/>
+          <p:cNvSpPr txBox="1"/>
+          <p:nvPr/>
+        </p:nvSpPr>
+        <p:spPr>
+          <a:xfrm>
+            <a:off x="993421" y="2691809"/>
+            <a:ext cx="9668662" cy="2031325"/>
+          </a:xfrm>
+          <a:prstGeom prst="rect">
+            <a:avLst/>
+          </a:prstGeom>
+          <a:noFill/>
+        </p:spPr>
+        <p:txBody>
+          <a:bodyPr wrap="square" rtlCol="0">
+            <a:spAutoFit/>
+          </a:bodyPr>
+          <a:lstStyle/>
+          <a:p>
+            <a:r>
+              <a:rPr lang="pt-BR" dirty="0" smtClean="0"/>
+              <a:t>Pré-condição: </a:t>
+            </a:r>
+            <a:r>
+              <a:rPr lang="pt-BR" dirty="0" smtClean="0"/>
+              <a:t>Tela almoxarifado estar aberta</a:t>
+            </a:r>
+            <a:endParaRPr lang="pt-BR" dirty="0" smtClean="0"/>
+          </a:p>
+          <a:p>
+            <a:endParaRPr lang="pt-BR" dirty="0" smtClean="0"/>
+          </a:p>
+          <a:p>
+            <a:r>
+              <a:rPr lang="pt-BR" dirty="0" smtClean="0"/>
+              <a:t>Ações: </a:t>
+            </a:r>
+          </a:p>
+          <a:p>
+            <a:r>
+              <a:rPr lang="pt-BR" dirty="0" smtClean="0"/>
+              <a:t>1- </a:t>
+            </a:r>
+            <a:r>
+              <a:rPr lang="pt-BR" dirty="0" smtClean="0"/>
+              <a:t>Acessar o sistema.</a:t>
+            </a:r>
+          </a:p>
+          <a:p>
+            <a:r>
+              <a:rPr lang="pt-BR" dirty="0" smtClean="0"/>
+              <a:t>2- Inserir o valor no campo “quantidade”.</a:t>
+            </a:r>
+            <a:endParaRPr lang="pt-BR" dirty="0" smtClean="0"/>
+          </a:p>
+          <a:p>
+            <a:endParaRPr lang="pt-BR" dirty="0"/>
+          </a:p>
+          <a:p>
+            <a:r>
+              <a:rPr lang="pt-BR" dirty="0" smtClean="0"/>
+              <a:t>Resultado esperado</a:t>
+            </a:r>
+            <a:r>
+              <a:rPr lang="pt-BR" dirty="0" smtClean="0"/>
+              <a:t>: Aceitação de valores inteiros e maiores que zero no campo.</a:t>
+            </a:r>
+            <a:endParaRPr lang="pt-BR" dirty="0" smtClean="0"/>
+          </a:p>
+        </p:txBody>
+      </p:sp>
+      <p:sp>
+        <p:nvSpPr>
+          <p:cNvPr id="8" name="CaixaDeTexto 7"/>
+          <p:cNvSpPr txBox="1"/>
+          <p:nvPr/>
+        </p:nvSpPr>
+        <p:spPr>
+          <a:xfrm>
+            <a:off x="878887" y="1879964"/>
+            <a:ext cx="9947997" cy="954107"/>
+          </a:xfrm>
+          <a:prstGeom prst="rect">
+            <a:avLst/>
+          </a:prstGeom>
+          <a:noFill/>
+        </p:spPr>
+        <p:txBody>
+          <a:bodyPr wrap="square" rtlCol="0">
+            <a:spAutoFit/>
+          </a:bodyPr>
+          <a:lstStyle/>
+          <a:p>
+            <a:r>
+              <a:rPr lang="pt-BR" sz="2800" dirty="0" smtClean="0">
+                <a:solidFill>
+                  <a:schemeClr val="bg1"/>
+                </a:solidFill>
+              </a:rPr>
+              <a:t>CT 10 - RN </a:t>
+            </a:r>
+            <a:r>
+              <a:rPr lang="pt-BR" sz="2800" dirty="0" smtClean="0">
+                <a:solidFill>
+                  <a:schemeClr val="bg1"/>
+                </a:solidFill>
+              </a:rPr>
+              <a:t>10: </a:t>
+            </a:r>
+            <a:r>
+              <a:rPr lang="pt-BR" sz="2800" dirty="0" smtClean="0">
+                <a:solidFill>
+                  <a:schemeClr val="bg1"/>
+                </a:solidFill>
+              </a:rPr>
+              <a:t>Tela Requisição &gt; Campo [Quantidade]</a:t>
+            </a:r>
+          </a:p>
+          <a:p>
+            <a:r>
+              <a:rPr lang="pt-BR" sz="2800" dirty="0" smtClean="0">
+                <a:solidFill>
+                  <a:schemeClr val="bg1"/>
+                </a:solidFill>
+              </a:rPr>
+              <a:t> </a:t>
+            </a:r>
+            <a:endParaRPr lang="pt-BR" sz="2800" dirty="0">
+              <a:solidFill>
+                <a:schemeClr val="bg1"/>
+              </a:solidFill>
+            </a:endParaRPr>
+          </a:p>
+        </p:txBody>
+      </p:sp>
+    </p:spTree>
+    <p:extLst>
+      <p:ext uri="{BB962C8B-B14F-4D97-AF65-F5344CB8AC3E}">
+        <p14:creationId xmlns:p14="http://schemas.microsoft.com/office/powerpoint/2010/main" xmlns="" val="4043932150"/>
+      </p:ext>
+    </p:extLst>
+  </p:cSld>
+  <p:clrMapOvr>
+    <a:masterClrMapping/>
+  </p:clrMapOvr>
+</p:sld>
+</file>
+
+<file path=ppt/slides/slide19.xml><?xml version="1.0" encoding="utf-8"?>
+<p:sld xmlns:a="http://schemas.openxmlformats.org/drawingml/2006/main" xmlns:r="http://schemas.openxmlformats.org/officeDocument/2006/relationships" xmlns:p="http://schemas.openxmlformats.org/presentationml/2006/main">
+  <p:cSld>
+    <p:spTree>
+      <p:nvGrpSpPr>
+        <p:cNvPr id="1" name=""/>
+        <p:cNvGrpSpPr/>
+        <p:nvPr/>
+      </p:nvGrpSpPr>
+      <p:grpSpPr>
+        <a:xfrm>
+          <a:off x="0" y="0"/>
+          <a:ext cx="0" cy="0"/>
+          <a:chOff x="0" y="0"/>
+          <a:chExt cx="0" cy="0"/>
+        </a:xfrm>
+      </p:grpSpPr>
+      <p:sp>
+        <p:nvSpPr>
+          <p:cNvPr id="2" name="Título 1"/>
+          <p:cNvSpPr>
+            <a:spLocks noGrp="1"/>
+          </p:cNvSpPr>
+          <p:nvPr>
+            <p:ph type="title"/>
+          </p:nvPr>
+        </p:nvSpPr>
+        <p:spPr>
+          <a:xfrm>
+            <a:off x="3053644" y="111939"/>
+            <a:ext cx="5463821" cy="1325563"/>
+          </a:xfrm>
+        </p:spPr>
+        <p:txBody>
+          <a:bodyPr>
+            <a:normAutofit/>
+          </a:bodyPr>
+          <a:lstStyle/>
+          <a:p>
+            <a:r>
+              <a:rPr lang="pt-BR" sz="6000" dirty="0" smtClean="0">
+                <a:latin typeface="Bahnschrift SemiBold" panose="020B0502040204020203" pitchFamily="34" charset="0"/>
+              </a:rPr>
+              <a:t>Caso de teste</a:t>
+            </a:r>
+            <a:endParaRPr lang="pt-BR" sz="6000" dirty="0">
+              <a:latin typeface="Bahnschrift SemiBold" panose="020B0502040204020203" pitchFamily="34" charset="0"/>
+            </a:endParaRPr>
+          </a:p>
+        </p:txBody>
+      </p:sp>
+      <p:sp>
+        <p:nvSpPr>
+          <p:cNvPr id="3" name="CaixaDeTexto 2"/>
+          <p:cNvSpPr txBox="1"/>
+          <p:nvPr/>
+        </p:nvSpPr>
+        <p:spPr>
+          <a:xfrm>
+            <a:off x="711202" y="1281878"/>
+            <a:ext cx="3849511" cy="646331"/>
+          </a:xfrm>
+          <a:prstGeom prst="rect">
+            <a:avLst/>
+          </a:prstGeom>
+          <a:noFill/>
+        </p:spPr>
+        <p:txBody>
+          <a:bodyPr wrap="square" rtlCol="0">
+            <a:spAutoFit/>
+          </a:bodyPr>
+          <a:lstStyle/>
+          <a:p>
+            <a:r>
+              <a:rPr lang="pt-BR" dirty="0" smtClean="0"/>
+              <a:t>Projeto: Site Almoxarifado</a:t>
+            </a:r>
+          </a:p>
+          <a:p>
+            <a:endParaRPr lang="pt-BR" dirty="0"/>
+          </a:p>
+        </p:txBody>
+      </p:sp>
+      <p:sp>
+        <p:nvSpPr>
+          <p:cNvPr id="4" name="Retângulo 3"/>
+          <p:cNvSpPr/>
+          <p:nvPr/>
+        </p:nvSpPr>
+        <p:spPr>
+          <a:xfrm>
+            <a:off x="711202" y="1756853"/>
+            <a:ext cx="10216444" cy="4824569"/>
+          </a:xfrm>
+          <a:prstGeom prst="rect">
+            <a:avLst/>
+          </a:prstGeom>
+          <a:solidFill>
+            <a:schemeClr val="bg1"/>
+          </a:solidFill>
+        </p:spPr>
+        <p:style>
+          <a:lnRef idx="2">
+            <a:schemeClr val="accent1">
+              <a:shade val="50000"/>
+            </a:schemeClr>
+          </a:lnRef>
+          <a:fillRef idx="1">
+            <a:schemeClr val="accent1"/>
+          </a:fillRef>
+          <a:effectRef idx="0">
+            <a:schemeClr val="accent1"/>
+          </a:effectRef>
+          <a:fontRef idx="minor">
+            <a:schemeClr val="lt1"/>
+          </a:fontRef>
+        </p:style>
+        <p:txBody>
+          <a:bodyPr rtlCol="0" anchor="ctr"/>
+          <a:lstStyle/>
+          <a:p>
+            <a:pPr algn="ctr"/>
+            <a:endParaRPr lang="pt-BR"/>
+          </a:p>
+        </p:txBody>
+      </p:sp>
+      <p:sp>
+        <p:nvSpPr>
+          <p:cNvPr id="5" name="Retângulo 4"/>
+          <p:cNvSpPr/>
+          <p:nvPr/>
+        </p:nvSpPr>
+        <p:spPr>
+          <a:xfrm>
+            <a:off x="711202" y="1756853"/>
+            <a:ext cx="10216444" cy="783147"/>
+          </a:xfrm>
+          <a:prstGeom prst="rect">
+            <a:avLst/>
+          </a:prstGeom>
+          <a:solidFill>
+            <a:schemeClr val="tx1"/>
+          </a:solidFill>
+        </p:spPr>
+        <p:style>
+          <a:lnRef idx="2">
+            <a:schemeClr val="accent1">
+              <a:shade val="50000"/>
+            </a:schemeClr>
+          </a:lnRef>
+          <a:fillRef idx="1">
+            <a:schemeClr val="accent1"/>
+          </a:fillRef>
+          <a:effectRef idx="0">
+            <a:schemeClr val="accent1"/>
+          </a:effectRef>
+          <a:fontRef idx="minor">
+            <a:schemeClr val="lt1"/>
+          </a:fontRef>
+        </p:style>
+        <p:txBody>
+          <a:bodyPr rtlCol="0" anchor="ctr"/>
+          <a:lstStyle/>
+          <a:p>
+            <a:pPr algn="ctr"/>
+            <a:endParaRPr lang="pt-BR"/>
+          </a:p>
+        </p:txBody>
+      </p:sp>
+      <p:sp>
+        <p:nvSpPr>
+          <p:cNvPr id="6" name="CaixaDeTexto 5"/>
+          <p:cNvSpPr txBox="1"/>
+          <p:nvPr/>
+        </p:nvSpPr>
+        <p:spPr>
+          <a:xfrm>
+            <a:off x="993421" y="2691809"/>
+            <a:ext cx="9668662" cy="2585323"/>
+          </a:xfrm>
+          <a:prstGeom prst="rect">
+            <a:avLst/>
+          </a:prstGeom>
+          <a:noFill/>
+        </p:spPr>
+        <p:txBody>
+          <a:bodyPr wrap="square" rtlCol="0">
+            <a:spAutoFit/>
+          </a:bodyPr>
+          <a:lstStyle/>
+          <a:p>
+            <a:r>
+              <a:rPr lang="pt-BR" dirty="0" smtClean="0"/>
+              <a:t>Pré-condição: </a:t>
+            </a:r>
+            <a:r>
+              <a:rPr lang="pt-BR" dirty="0" smtClean="0"/>
+              <a:t>Tela almoxarifado estar aberta</a:t>
+            </a:r>
+            <a:endParaRPr lang="pt-BR" dirty="0" smtClean="0"/>
+          </a:p>
+          <a:p>
+            <a:endParaRPr lang="pt-BR" dirty="0" smtClean="0"/>
+          </a:p>
+          <a:p>
+            <a:r>
+              <a:rPr lang="pt-BR" dirty="0" smtClean="0"/>
+              <a:t>Ações: </a:t>
+            </a:r>
+          </a:p>
+          <a:p>
+            <a:r>
+              <a:rPr lang="pt-BR" dirty="0" smtClean="0"/>
+              <a:t>1- </a:t>
+            </a:r>
+            <a:r>
+              <a:rPr lang="pt-BR" dirty="0" smtClean="0"/>
+              <a:t>Acessar o sistema.</a:t>
+            </a:r>
+          </a:p>
+          <a:p>
+            <a:r>
+              <a:rPr lang="pt-BR" dirty="0" smtClean="0"/>
+              <a:t>2- Exibir estoque.</a:t>
+            </a:r>
+            <a:endParaRPr lang="pt-BR" dirty="0" smtClean="0"/>
+          </a:p>
+          <a:p>
+            <a:r>
+              <a:rPr lang="pt-BR" dirty="0" smtClean="0"/>
+              <a:t>3- Inserir quantidade</a:t>
+            </a:r>
+            <a:r>
+              <a:rPr lang="pt-BR" dirty="0" smtClean="0"/>
+              <a:t>.</a:t>
+            </a:r>
+          </a:p>
+          <a:p>
+            <a:endParaRPr lang="pt-BR" dirty="0"/>
+          </a:p>
+          <a:p>
+            <a:r>
+              <a:rPr lang="pt-BR" dirty="0" smtClean="0"/>
+              <a:t>Resultado esperado</a:t>
+            </a:r>
+            <a:r>
+              <a:rPr lang="pt-BR" dirty="0" smtClean="0"/>
+              <a:t>: Botão “gravar” estar disponível  somente se a quantidade for maior que zero e se a quantidade informada for maior ou igual ao estoque disponível. </a:t>
+            </a:r>
+            <a:endParaRPr lang="pt-BR" dirty="0" smtClean="0"/>
+          </a:p>
+        </p:txBody>
+      </p:sp>
+      <p:sp>
+        <p:nvSpPr>
+          <p:cNvPr id="8" name="CaixaDeTexto 7"/>
+          <p:cNvSpPr txBox="1"/>
+          <p:nvPr/>
+        </p:nvSpPr>
+        <p:spPr>
+          <a:xfrm>
+            <a:off x="878887" y="1879964"/>
+            <a:ext cx="9685351" cy="954107"/>
+          </a:xfrm>
+          <a:prstGeom prst="rect">
+            <a:avLst/>
+          </a:prstGeom>
+          <a:noFill/>
+        </p:spPr>
+        <p:txBody>
+          <a:bodyPr wrap="square" rtlCol="0">
+            <a:spAutoFit/>
+          </a:bodyPr>
+          <a:lstStyle/>
+          <a:p>
+            <a:r>
+              <a:rPr lang="pt-BR" sz="2800" dirty="0" smtClean="0">
+                <a:solidFill>
+                  <a:schemeClr val="bg1"/>
+                </a:solidFill>
+              </a:rPr>
+              <a:t>CT 11 - RN </a:t>
+            </a:r>
+            <a:r>
+              <a:rPr lang="pt-BR" sz="2800" dirty="0" smtClean="0">
+                <a:solidFill>
+                  <a:schemeClr val="bg1"/>
+                </a:solidFill>
+              </a:rPr>
+              <a:t>11: </a:t>
+            </a:r>
+            <a:r>
+              <a:rPr lang="pt-BR" sz="2800" dirty="0" smtClean="0">
+                <a:solidFill>
+                  <a:schemeClr val="bg1"/>
+                </a:solidFill>
+              </a:rPr>
+              <a:t>Tela Requisição &gt; Botão Gravar</a:t>
+            </a:r>
+          </a:p>
+          <a:p>
+            <a:r>
+              <a:rPr lang="pt-BR" sz="2800" dirty="0" smtClean="0">
+                <a:solidFill>
+                  <a:schemeClr val="bg1"/>
+                </a:solidFill>
+              </a:rPr>
+              <a:t> </a:t>
+            </a:r>
+            <a:endParaRPr lang="pt-BR" sz="2800" dirty="0">
+              <a:solidFill>
+                <a:schemeClr val="bg1"/>
+              </a:solidFill>
+            </a:endParaRPr>
+          </a:p>
+        </p:txBody>
+      </p:sp>
+    </p:spTree>
+    <p:extLst>
+      <p:ext uri="{BB962C8B-B14F-4D97-AF65-F5344CB8AC3E}">
+        <p14:creationId xmlns:p14="http://schemas.microsoft.com/office/powerpoint/2010/main" xmlns="" val="4043932150"/>
       </p:ext>
     </p:extLst>
   </p:cSld>
@@ -5176,7 +7227,7 @@
           <p:cNvPr id="2" name="Título 1">
             <a:extLst>
               <a:ext uri="{FF2B5EF4-FFF2-40B4-BE49-F238E27FC236}">
-                <a16:creationId xmlns:a16="http://schemas.microsoft.com/office/drawing/2014/main" id="{64900655-8A5A-26AD-DB1A-7875212CDD7B}"/>
+                <a16:creationId xmlns:a16="http://schemas.microsoft.com/office/drawing/2014/main" xmlns="" id="{64900655-8A5A-26AD-DB1A-7875212CDD7B}"/>
               </a:ext>
             </a:extLst>
           </p:cNvPr>
@@ -5204,7 +7255,7 @@
           <p:cNvPr id="3" name="Espaço Reservado para Texto 2">
             <a:extLst>
               <a:ext uri="{FF2B5EF4-FFF2-40B4-BE49-F238E27FC236}">
-                <a16:creationId xmlns:a16="http://schemas.microsoft.com/office/drawing/2014/main" id="{308EA377-7DDE-636E-679A-6B9F4C2A5CAD}"/>
+                <a16:creationId xmlns:a16="http://schemas.microsoft.com/office/drawing/2014/main" xmlns="" id="{308EA377-7DDE-636E-679A-6B9F4C2A5CAD}"/>
               </a:ext>
             </a:extLst>
           </p:cNvPr>
@@ -5227,7 +7278,1048 @@
     </p:spTree>
     <p:extLst>
       <p:ext uri="{BB962C8B-B14F-4D97-AF65-F5344CB8AC3E}">
-        <p14:creationId xmlns:p14="http://schemas.microsoft.com/office/powerpoint/2010/main" val="1222528831"/>
+        <p14:creationId xmlns:p14="http://schemas.microsoft.com/office/powerpoint/2010/main" xmlns="" val="1222528831"/>
+      </p:ext>
+    </p:extLst>
+  </p:cSld>
+  <p:clrMapOvr>
+    <a:masterClrMapping/>
+  </p:clrMapOvr>
+</p:sld>
+</file>
+
+<file path=ppt/slides/slide20.xml><?xml version="1.0" encoding="utf-8"?>
+<p:sld xmlns:a="http://schemas.openxmlformats.org/drawingml/2006/main" xmlns:r="http://schemas.openxmlformats.org/officeDocument/2006/relationships" xmlns:p="http://schemas.openxmlformats.org/presentationml/2006/main">
+  <p:cSld>
+    <p:spTree>
+      <p:nvGrpSpPr>
+        <p:cNvPr id="1" name=""/>
+        <p:cNvGrpSpPr/>
+        <p:nvPr/>
+      </p:nvGrpSpPr>
+      <p:grpSpPr>
+        <a:xfrm>
+          <a:off x="0" y="0"/>
+          <a:ext cx="0" cy="0"/>
+          <a:chOff x="0" y="0"/>
+          <a:chExt cx="0" cy="0"/>
+        </a:xfrm>
+      </p:grpSpPr>
+      <p:sp>
+        <p:nvSpPr>
+          <p:cNvPr id="2" name="Título 1"/>
+          <p:cNvSpPr>
+            <a:spLocks noGrp="1"/>
+          </p:cNvSpPr>
+          <p:nvPr>
+            <p:ph type="title"/>
+          </p:nvPr>
+        </p:nvSpPr>
+        <p:spPr>
+          <a:xfrm>
+            <a:off x="3053644" y="111939"/>
+            <a:ext cx="5463821" cy="1325563"/>
+          </a:xfrm>
+        </p:spPr>
+        <p:txBody>
+          <a:bodyPr>
+            <a:normAutofit/>
+          </a:bodyPr>
+          <a:lstStyle/>
+          <a:p>
+            <a:r>
+              <a:rPr lang="pt-BR" sz="6000" dirty="0" smtClean="0">
+                <a:latin typeface="Bahnschrift SemiBold" panose="020B0502040204020203" pitchFamily="34" charset="0"/>
+              </a:rPr>
+              <a:t>Caso de teste</a:t>
+            </a:r>
+            <a:endParaRPr lang="pt-BR" sz="6000" dirty="0">
+              <a:latin typeface="Bahnschrift SemiBold" panose="020B0502040204020203" pitchFamily="34" charset="0"/>
+            </a:endParaRPr>
+          </a:p>
+        </p:txBody>
+      </p:sp>
+      <p:sp>
+        <p:nvSpPr>
+          <p:cNvPr id="3" name="CaixaDeTexto 2"/>
+          <p:cNvSpPr txBox="1"/>
+          <p:nvPr/>
+        </p:nvSpPr>
+        <p:spPr>
+          <a:xfrm>
+            <a:off x="711202" y="1281878"/>
+            <a:ext cx="3849511" cy="646331"/>
+          </a:xfrm>
+          <a:prstGeom prst="rect">
+            <a:avLst/>
+          </a:prstGeom>
+          <a:noFill/>
+        </p:spPr>
+        <p:txBody>
+          <a:bodyPr wrap="square" rtlCol="0">
+            <a:spAutoFit/>
+          </a:bodyPr>
+          <a:lstStyle/>
+          <a:p>
+            <a:r>
+              <a:rPr lang="pt-BR" dirty="0" smtClean="0"/>
+              <a:t>Projeto: Site Almoxarifado</a:t>
+            </a:r>
+          </a:p>
+          <a:p>
+            <a:endParaRPr lang="pt-BR" dirty="0"/>
+          </a:p>
+        </p:txBody>
+      </p:sp>
+      <p:sp>
+        <p:nvSpPr>
+          <p:cNvPr id="4" name="Retângulo 3"/>
+          <p:cNvSpPr/>
+          <p:nvPr/>
+        </p:nvSpPr>
+        <p:spPr>
+          <a:xfrm>
+            <a:off x="711202" y="1756853"/>
+            <a:ext cx="10216444" cy="4824569"/>
+          </a:xfrm>
+          <a:prstGeom prst="rect">
+            <a:avLst/>
+          </a:prstGeom>
+          <a:solidFill>
+            <a:schemeClr val="bg1"/>
+          </a:solidFill>
+        </p:spPr>
+        <p:style>
+          <a:lnRef idx="2">
+            <a:schemeClr val="accent1">
+              <a:shade val="50000"/>
+            </a:schemeClr>
+          </a:lnRef>
+          <a:fillRef idx="1">
+            <a:schemeClr val="accent1"/>
+          </a:fillRef>
+          <a:effectRef idx="0">
+            <a:schemeClr val="accent1"/>
+          </a:effectRef>
+          <a:fontRef idx="minor">
+            <a:schemeClr val="lt1"/>
+          </a:fontRef>
+        </p:style>
+        <p:txBody>
+          <a:bodyPr rtlCol="0" anchor="ctr"/>
+          <a:lstStyle/>
+          <a:p>
+            <a:pPr algn="ctr"/>
+            <a:endParaRPr lang="pt-BR"/>
+          </a:p>
+        </p:txBody>
+      </p:sp>
+      <p:sp>
+        <p:nvSpPr>
+          <p:cNvPr id="5" name="Retângulo 4"/>
+          <p:cNvSpPr/>
+          <p:nvPr/>
+        </p:nvSpPr>
+        <p:spPr>
+          <a:xfrm>
+            <a:off x="711202" y="1756853"/>
+            <a:ext cx="10216444" cy="783147"/>
+          </a:xfrm>
+          <a:prstGeom prst="rect">
+            <a:avLst/>
+          </a:prstGeom>
+          <a:solidFill>
+            <a:schemeClr val="tx1"/>
+          </a:solidFill>
+        </p:spPr>
+        <p:style>
+          <a:lnRef idx="2">
+            <a:schemeClr val="accent1">
+              <a:shade val="50000"/>
+            </a:schemeClr>
+          </a:lnRef>
+          <a:fillRef idx="1">
+            <a:schemeClr val="accent1"/>
+          </a:fillRef>
+          <a:effectRef idx="0">
+            <a:schemeClr val="accent1"/>
+          </a:effectRef>
+          <a:fontRef idx="minor">
+            <a:schemeClr val="lt1"/>
+          </a:fontRef>
+        </p:style>
+        <p:txBody>
+          <a:bodyPr rtlCol="0" anchor="ctr"/>
+          <a:lstStyle/>
+          <a:p>
+            <a:pPr algn="ctr"/>
+            <a:endParaRPr lang="pt-BR" dirty="0"/>
+          </a:p>
+        </p:txBody>
+      </p:sp>
+      <p:sp>
+        <p:nvSpPr>
+          <p:cNvPr id="6" name="CaixaDeTexto 5"/>
+          <p:cNvSpPr txBox="1"/>
+          <p:nvPr/>
+        </p:nvSpPr>
+        <p:spPr>
+          <a:xfrm>
+            <a:off x="993421" y="2691809"/>
+            <a:ext cx="9668662" cy="2308324"/>
+          </a:xfrm>
+          <a:prstGeom prst="rect">
+            <a:avLst/>
+          </a:prstGeom>
+          <a:noFill/>
+        </p:spPr>
+        <p:txBody>
+          <a:bodyPr wrap="square" rtlCol="0">
+            <a:spAutoFit/>
+          </a:bodyPr>
+          <a:lstStyle/>
+          <a:p>
+            <a:r>
+              <a:rPr lang="pt-BR" dirty="0" smtClean="0"/>
+              <a:t>Pré-condição: </a:t>
+            </a:r>
+            <a:r>
+              <a:rPr lang="pt-BR" dirty="0" smtClean="0"/>
+              <a:t>Tela almoxarifado estar aberta</a:t>
+            </a:r>
+            <a:endParaRPr lang="pt-BR" dirty="0" smtClean="0"/>
+          </a:p>
+          <a:p>
+            <a:endParaRPr lang="pt-BR" dirty="0" smtClean="0"/>
+          </a:p>
+          <a:p>
+            <a:r>
+              <a:rPr lang="pt-BR" dirty="0" smtClean="0"/>
+              <a:t>Ações: </a:t>
+            </a:r>
+          </a:p>
+          <a:p>
+            <a:r>
+              <a:rPr lang="pt-BR" dirty="0" smtClean="0"/>
+              <a:t>1- </a:t>
+            </a:r>
+            <a:r>
+              <a:rPr lang="pt-BR" dirty="0" smtClean="0"/>
+              <a:t>Acessar o sistema.</a:t>
+            </a:r>
+          </a:p>
+          <a:p>
+            <a:r>
+              <a:rPr lang="pt-BR" dirty="0" smtClean="0"/>
+              <a:t>2- Marcar nível de prioridade.</a:t>
+            </a:r>
+            <a:endParaRPr lang="pt-BR" dirty="0" smtClean="0"/>
+          </a:p>
+          <a:p>
+            <a:endParaRPr lang="pt-BR" dirty="0"/>
+          </a:p>
+          <a:p>
+            <a:r>
+              <a:rPr lang="pt-BR" dirty="0" smtClean="0"/>
+              <a:t>Resultado esperado</a:t>
+            </a:r>
+            <a:r>
+              <a:rPr lang="pt-BR" dirty="0" smtClean="0"/>
+              <a:t>: Mudança de cor do círculo de acordo com o nível de prioridade marcado. Vermelho para urgente, amarelo para médio, verde para baixo.</a:t>
+            </a:r>
+            <a:endParaRPr lang="pt-BR" dirty="0" smtClean="0"/>
+          </a:p>
+        </p:txBody>
+      </p:sp>
+      <p:sp>
+        <p:nvSpPr>
+          <p:cNvPr id="8" name="CaixaDeTexto 7"/>
+          <p:cNvSpPr txBox="1"/>
+          <p:nvPr/>
+        </p:nvSpPr>
+        <p:spPr>
+          <a:xfrm>
+            <a:off x="878888" y="1879964"/>
+            <a:ext cx="8547214" cy="954107"/>
+          </a:xfrm>
+          <a:prstGeom prst="rect">
+            <a:avLst/>
+          </a:prstGeom>
+          <a:noFill/>
+        </p:spPr>
+        <p:txBody>
+          <a:bodyPr wrap="square" rtlCol="0">
+            <a:spAutoFit/>
+          </a:bodyPr>
+          <a:lstStyle/>
+          <a:p>
+            <a:r>
+              <a:rPr lang="pt-BR" sz="2800" dirty="0" smtClean="0">
+                <a:solidFill>
+                  <a:schemeClr val="bg1"/>
+                </a:solidFill>
+              </a:rPr>
+              <a:t>CT 12 - RN </a:t>
+            </a:r>
+            <a:r>
+              <a:rPr lang="pt-BR" sz="2800" dirty="0" smtClean="0">
+                <a:solidFill>
+                  <a:schemeClr val="bg1"/>
+                </a:solidFill>
+              </a:rPr>
+              <a:t>12: </a:t>
+            </a:r>
+            <a:r>
+              <a:rPr lang="pt-BR" sz="2800" dirty="0" smtClean="0">
+                <a:solidFill>
+                  <a:schemeClr val="bg1"/>
+                </a:solidFill>
+              </a:rPr>
+              <a:t>Tela Requisição &gt; </a:t>
+            </a:r>
+            <a:r>
+              <a:rPr lang="pt-BR" sz="2800" dirty="0" err="1" smtClean="0">
+                <a:solidFill>
+                  <a:schemeClr val="bg1"/>
+                </a:solidFill>
+              </a:rPr>
+              <a:t>Nivel</a:t>
+            </a:r>
+            <a:r>
+              <a:rPr lang="pt-BR" sz="2800" dirty="0" smtClean="0">
+                <a:solidFill>
+                  <a:schemeClr val="bg1"/>
+                </a:solidFill>
+              </a:rPr>
+              <a:t> Prioridade</a:t>
+            </a:r>
+          </a:p>
+          <a:p>
+            <a:r>
+              <a:rPr lang="pt-BR" sz="2800" dirty="0" smtClean="0">
+                <a:solidFill>
+                  <a:schemeClr val="bg1"/>
+                </a:solidFill>
+              </a:rPr>
+              <a:t> </a:t>
+            </a:r>
+            <a:endParaRPr lang="pt-BR" sz="2800" dirty="0">
+              <a:solidFill>
+                <a:schemeClr val="bg1"/>
+              </a:solidFill>
+            </a:endParaRPr>
+          </a:p>
+        </p:txBody>
+      </p:sp>
+    </p:spTree>
+    <p:extLst>
+      <p:ext uri="{BB962C8B-B14F-4D97-AF65-F5344CB8AC3E}">
+        <p14:creationId xmlns:p14="http://schemas.microsoft.com/office/powerpoint/2010/main" xmlns="" val="4043932150"/>
+      </p:ext>
+    </p:extLst>
+  </p:cSld>
+  <p:clrMapOvr>
+    <a:masterClrMapping/>
+  </p:clrMapOvr>
+</p:sld>
+</file>
+
+<file path=ppt/slides/slide21.xml><?xml version="1.0" encoding="utf-8"?>
+<p:sld xmlns:a="http://schemas.openxmlformats.org/drawingml/2006/main" xmlns:r="http://schemas.openxmlformats.org/officeDocument/2006/relationships" xmlns:p="http://schemas.openxmlformats.org/presentationml/2006/main">
+  <p:cSld>
+    <p:spTree>
+      <p:nvGrpSpPr>
+        <p:cNvPr id="1" name=""/>
+        <p:cNvGrpSpPr/>
+        <p:nvPr/>
+      </p:nvGrpSpPr>
+      <p:grpSpPr>
+        <a:xfrm>
+          <a:off x="0" y="0"/>
+          <a:ext cx="0" cy="0"/>
+          <a:chOff x="0" y="0"/>
+          <a:chExt cx="0" cy="0"/>
+        </a:xfrm>
+      </p:grpSpPr>
+      <p:sp>
+        <p:nvSpPr>
+          <p:cNvPr id="2" name="Título 1"/>
+          <p:cNvSpPr>
+            <a:spLocks noGrp="1"/>
+          </p:cNvSpPr>
+          <p:nvPr>
+            <p:ph type="title"/>
+          </p:nvPr>
+        </p:nvSpPr>
+        <p:spPr>
+          <a:xfrm>
+            <a:off x="3053644" y="111939"/>
+            <a:ext cx="5463821" cy="1325563"/>
+          </a:xfrm>
+        </p:spPr>
+        <p:txBody>
+          <a:bodyPr>
+            <a:normAutofit/>
+          </a:bodyPr>
+          <a:lstStyle/>
+          <a:p>
+            <a:r>
+              <a:rPr lang="pt-BR" sz="6000" dirty="0" smtClean="0">
+                <a:latin typeface="Bahnschrift SemiBold" panose="020B0502040204020203" pitchFamily="34" charset="0"/>
+              </a:rPr>
+              <a:t>Caso de teste</a:t>
+            </a:r>
+            <a:endParaRPr lang="pt-BR" sz="6000" dirty="0">
+              <a:latin typeface="Bahnschrift SemiBold" panose="020B0502040204020203" pitchFamily="34" charset="0"/>
+            </a:endParaRPr>
+          </a:p>
+        </p:txBody>
+      </p:sp>
+      <p:sp>
+        <p:nvSpPr>
+          <p:cNvPr id="3" name="CaixaDeTexto 2"/>
+          <p:cNvSpPr txBox="1"/>
+          <p:nvPr/>
+        </p:nvSpPr>
+        <p:spPr>
+          <a:xfrm>
+            <a:off x="711202" y="1281878"/>
+            <a:ext cx="3849511" cy="646331"/>
+          </a:xfrm>
+          <a:prstGeom prst="rect">
+            <a:avLst/>
+          </a:prstGeom>
+          <a:noFill/>
+        </p:spPr>
+        <p:txBody>
+          <a:bodyPr wrap="square" rtlCol="0">
+            <a:spAutoFit/>
+          </a:bodyPr>
+          <a:lstStyle/>
+          <a:p>
+            <a:r>
+              <a:rPr lang="pt-BR" dirty="0" smtClean="0"/>
+              <a:t>Projeto: Site Almoxarifado</a:t>
+            </a:r>
+          </a:p>
+          <a:p>
+            <a:endParaRPr lang="pt-BR" dirty="0"/>
+          </a:p>
+        </p:txBody>
+      </p:sp>
+      <p:sp>
+        <p:nvSpPr>
+          <p:cNvPr id="4" name="Retângulo 3"/>
+          <p:cNvSpPr/>
+          <p:nvPr/>
+        </p:nvSpPr>
+        <p:spPr>
+          <a:xfrm>
+            <a:off x="711202" y="1756853"/>
+            <a:ext cx="10216444" cy="4824569"/>
+          </a:xfrm>
+          <a:prstGeom prst="rect">
+            <a:avLst/>
+          </a:prstGeom>
+          <a:solidFill>
+            <a:schemeClr val="bg1"/>
+          </a:solidFill>
+        </p:spPr>
+        <p:style>
+          <a:lnRef idx="2">
+            <a:schemeClr val="accent1">
+              <a:shade val="50000"/>
+            </a:schemeClr>
+          </a:lnRef>
+          <a:fillRef idx="1">
+            <a:schemeClr val="accent1"/>
+          </a:fillRef>
+          <a:effectRef idx="0">
+            <a:schemeClr val="accent1"/>
+          </a:effectRef>
+          <a:fontRef idx="minor">
+            <a:schemeClr val="lt1"/>
+          </a:fontRef>
+        </p:style>
+        <p:txBody>
+          <a:bodyPr rtlCol="0" anchor="ctr"/>
+          <a:lstStyle/>
+          <a:p>
+            <a:pPr algn="ctr"/>
+            <a:endParaRPr lang="pt-BR"/>
+          </a:p>
+        </p:txBody>
+      </p:sp>
+      <p:sp>
+        <p:nvSpPr>
+          <p:cNvPr id="5" name="Retângulo 4"/>
+          <p:cNvSpPr/>
+          <p:nvPr/>
+        </p:nvSpPr>
+        <p:spPr>
+          <a:xfrm>
+            <a:off x="711202" y="1756853"/>
+            <a:ext cx="10216444" cy="783147"/>
+          </a:xfrm>
+          <a:prstGeom prst="rect">
+            <a:avLst/>
+          </a:prstGeom>
+          <a:solidFill>
+            <a:schemeClr val="tx1"/>
+          </a:solidFill>
+        </p:spPr>
+        <p:style>
+          <a:lnRef idx="2">
+            <a:schemeClr val="accent1">
+              <a:shade val="50000"/>
+            </a:schemeClr>
+          </a:lnRef>
+          <a:fillRef idx="1">
+            <a:schemeClr val="accent1"/>
+          </a:fillRef>
+          <a:effectRef idx="0">
+            <a:schemeClr val="accent1"/>
+          </a:effectRef>
+          <a:fontRef idx="minor">
+            <a:schemeClr val="lt1"/>
+          </a:fontRef>
+        </p:style>
+        <p:txBody>
+          <a:bodyPr rtlCol="0" anchor="ctr"/>
+          <a:lstStyle/>
+          <a:p>
+            <a:pPr algn="ctr"/>
+            <a:endParaRPr lang="pt-BR"/>
+          </a:p>
+        </p:txBody>
+      </p:sp>
+      <p:sp>
+        <p:nvSpPr>
+          <p:cNvPr id="6" name="CaixaDeTexto 5"/>
+          <p:cNvSpPr txBox="1"/>
+          <p:nvPr/>
+        </p:nvSpPr>
+        <p:spPr>
+          <a:xfrm>
+            <a:off x="993421" y="2691809"/>
+            <a:ext cx="9668662" cy="2585323"/>
+          </a:xfrm>
+          <a:prstGeom prst="rect">
+            <a:avLst/>
+          </a:prstGeom>
+          <a:noFill/>
+        </p:spPr>
+        <p:txBody>
+          <a:bodyPr wrap="square" rtlCol="0">
+            <a:spAutoFit/>
+          </a:bodyPr>
+          <a:lstStyle/>
+          <a:p>
+            <a:r>
+              <a:rPr lang="pt-BR" dirty="0" smtClean="0"/>
+              <a:t>Pré-condição: </a:t>
+            </a:r>
+            <a:r>
+              <a:rPr lang="pt-BR" dirty="0" smtClean="0"/>
+              <a:t>Tela almoxarifado estar aberta</a:t>
+            </a:r>
+            <a:endParaRPr lang="pt-BR" dirty="0" smtClean="0"/>
+          </a:p>
+          <a:p>
+            <a:endParaRPr lang="pt-BR" dirty="0" smtClean="0"/>
+          </a:p>
+          <a:p>
+            <a:r>
+              <a:rPr lang="pt-BR" dirty="0" smtClean="0"/>
+              <a:t>Ações: </a:t>
+            </a:r>
+          </a:p>
+          <a:p>
+            <a:r>
+              <a:rPr lang="pt-BR" dirty="0" smtClean="0"/>
+              <a:t>1- </a:t>
+            </a:r>
+            <a:r>
+              <a:rPr lang="pt-BR" dirty="0" smtClean="0"/>
+              <a:t>Acessar o sistema.</a:t>
+            </a:r>
+          </a:p>
+          <a:p>
+            <a:r>
+              <a:rPr lang="pt-BR" dirty="0" smtClean="0"/>
+              <a:t>2-  Exibir a cor do retângulo ao lado do campo “quantidade” de acordo com o estoque.</a:t>
+            </a:r>
+            <a:endParaRPr lang="pt-BR" dirty="0" smtClean="0"/>
+          </a:p>
+          <a:p>
+            <a:endParaRPr lang="pt-BR" dirty="0"/>
+          </a:p>
+          <a:p>
+            <a:r>
+              <a:rPr lang="pt-BR" dirty="0" smtClean="0"/>
+              <a:t>Resultado esperado</a:t>
+            </a:r>
+            <a:r>
+              <a:rPr lang="pt-BR" dirty="0" smtClean="0"/>
+              <a:t>: Mudança de cor baseado no estoque do produto. </a:t>
+            </a:r>
+            <a:r>
+              <a:rPr lang="pt-BR" dirty="0" smtClean="0"/>
+              <a:t>Verde para “estoque </a:t>
+            </a:r>
+            <a:r>
+              <a:rPr lang="pt-BR" dirty="0" smtClean="0"/>
+              <a:t>acima de 10% do estoque mínimo </a:t>
+            </a:r>
+            <a:r>
+              <a:rPr lang="pt-BR" dirty="0" smtClean="0"/>
+              <a:t>“, amarelo para “estoque </a:t>
+            </a:r>
+            <a:r>
+              <a:rPr lang="pt-BR" dirty="0" smtClean="0"/>
+              <a:t>abaixo de 10% do estoque mínimo </a:t>
+            </a:r>
+            <a:r>
+              <a:rPr lang="pt-BR" dirty="0" smtClean="0"/>
+              <a:t>“, e vermelho para “</a:t>
+            </a:r>
+            <a:r>
+              <a:rPr lang="pt-BR" dirty="0" smtClean="0"/>
+              <a:t>estoque abaixo de 10% do estoque </a:t>
+            </a:r>
+            <a:r>
+              <a:rPr lang="pt-BR" dirty="0" smtClean="0"/>
+              <a:t>mínimo“.</a:t>
+            </a:r>
+          </a:p>
+        </p:txBody>
+      </p:sp>
+      <p:sp>
+        <p:nvSpPr>
+          <p:cNvPr id="8" name="CaixaDeTexto 7"/>
+          <p:cNvSpPr txBox="1"/>
+          <p:nvPr/>
+        </p:nvSpPr>
+        <p:spPr>
+          <a:xfrm>
+            <a:off x="878887" y="1879964"/>
+            <a:ext cx="9840994" cy="954107"/>
+          </a:xfrm>
+          <a:prstGeom prst="rect">
+            <a:avLst/>
+          </a:prstGeom>
+          <a:noFill/>
+        </p:spPr>
+        <p:txBody>
+          <a:bodyPr wrap="square" rtlCol="0">
+            <a:spAutoFit/>
+          </a:bodyPr>
+          <a:lstStyle/>
+          <a:p>
+            <a:pPr lvl="0"/>
+            <a:r>
+              <a:rPr lang="pt-BR" sz="2800" dirty="0" smtClean="0">
+                <a:solidFill>
+                  <a:schemeClr val="bg1"/>
+                </a:solidFill>
+              </a:rPr>
+              <a:t>CT 13 - RN </a:t>
+            </a:r>
+            <a:r>
+              <a:rPr lang="pt-BR" sz="2800" dirty="0" smtClean="0">
+                <a:solidFill>
+                  <a:schemeClr val="bg1"/>
+                </a:solidFill>
+              </a:rPr>
+              <a:t>13: </a:t>
+            </a:r>
+            <a:r>
+              <a:rPr lang="pt-BR" sz="2800" dirty="0" smtClean="0">
+                <a:solidFill>
+                  <a:schemeClr val="bg1"/>
+                </a:solidFill>
+              </a:rPr>
+              <a:t>Tela Requisição &gt; Elemento Status Estoque</a:t>
+            </a:r>
+          </a:p>
+          <a:p>
+            <a:r>
+              <a:rPr lang="pt-BR" sz="2800" dirty="0" smtClean="0">
+                <a:solidFill>
+                  <a:schemeClr val="bg1"/>
+                </a:solidFill>
+              </a:rPr>
+              <a:t> </a:t>
+            </a:r>
+            <a:endParaRPr lang="pt-BR" sz="2800" dirty="0">
+              <a:solidFill>
+                <a:schemeClr val="bg1"/>
+              </a:solidFill>
+            </a:endParaRPr>
+          </a:p>
+        </p:txBody>
+      </p:sp>
+    </p:spTree>
+    <p:extLst>
+      <p:ext uri="{BB962C8B-B14F-4D97-AF65-F5344CB8AC3E}">
+        <p14:creationId xmlns:p14="http://schemas.microsoft.com/office/powerpoint/2010/main" xmlns="" val="4043932150"/>
+      </p:ext>
+    </p:extLst>
+  </p:cSld>
+  <p:clrMapOvr>
+    <a:masterClrMapping/>
+  </p:clrMapOvr>
+</p:sld>
+</file>
+
+<file path=ppt/slides/slide22.xml><?xml version="1.0" encoding="utf-8"?>
+<p:sld xmlns:a="http://schemas.openxmlformats.org/drawingml/2006/main" xmlns:r="http://schemas.openxmlformats.org/officeDocument/2006/relationships" xmlns:p="http://schemas.openxmlformats.org/presentationml/2006/main">
+  <p:cSld>
+    <p:spTree>
+      <p:nvGrpSpPr>
+        <p:cNvPr id="1" name=""/>
+        <p:cNvGrpSpPr/>
+        <p:nvPr/>
+      </p:nvGrpSpPr>
+      <p:grpSpPr>
+        <a:xfrm>
+          <a:off x="0" y="0"/>
+          <a:ext cx="0" cy="0"/>
+          <a:chOff x="0" y="0"/>
+          <a:chExt cx="0" cy="0"/>
+        </a:xfrm>
+      </p:grpSpPr>
+      <p:sp>
+        <p:nvSpPr>
+          <p:cNvPr id="2" name="Título 1"/>
+          <p:cNvSpPr>
+            <a:spLocks noGrp="1"/>
+          </p:cNvSpPr>
+          <p:nvPr>
+            <p:ph type="title"/>
+          </p:nvPr>
+        </p:nvSpPr>
+        <p:spPr>
+          <a:xfrm>
+            <a:off x="3053644" y="111939"/>
+            <a:ext cx="5463821" cy="1325563"/>
+          </a:xfrm>
+        </p:spPr>
+        <p:txBody>
+          <a:bodyPr>
+            <a:normAutofit/>
+          </a:bodyPr>
+          <a:lstStyle/>
+          <a:p>
+            <a:r>
+              <a:rPr lang="pt-BR" sz="6000" dirty="0" smtClean="0">
+                <a:latin typeface="Bahnschrift SemiBold" panose="020B0502040204020203" pitchFamily="34" charset="0"/>
+              </a:rPr>
+              <a:t>Caso de teste</a:t>
+            </a:r>
+            <a:endParaRPr lang="pt-BR" sz="6000" dirty="0">
+              <a:latin typeface="Bahnschrift SemiBold" panose="020B0502040204020203" pitchFamily="34" charset="0"/>
+            </a:endParaRPr>
+          </a:p>
+        </p:txBody>
+      </p:sp>
+      <p:sp>
+        <p:nvSpPr>
+          <p:cNvPr id="3" name="CaixaDeTexto 2"/>
+          <p:cNvSpPr txBox="1"/>
+          <p:nvPr/>
+        </p:nvSpPr>
+        <p:spPr>
+          <a:xfrm>
+            <a:off x="711202" y="1281878"/>
+            <a:ext cx="3849511" cy="646331"/>
+          </a:xfrm>
+          <a:prstGeom prst="rect">
+            <a:avLst/>
+          </a:prstGeom>
+          <a:noFill/>
+        </p:spPr>
+        <p:txBody>
+          <a:bodyPr wrap="square" rtlCol="0">
+            <a:spAutoFit/>
+          </a:bodyPr>
+          <a:lstStyle/>
+          <a:p>
+            <a:r>
+              <a:rPr lang="pt-BR" dirty="0" smtClean="0"/>
+              <a:t>Projeto: Site Almoxarifado</a:t>
+            </a:r>
+          </a:p>
+          <a:p>
+            <a:endParaRPr lang="pt-BR" dirty="0"/>
+          </a:p>
+        </p:txBody>
+      </p:sp>
+      <p:sp>
+        <p:nvSpPr>
+          <p:cNvPr id="4" name="Retângulo 3"/>
+          <p:cNvSpPr/>
+          <p:nvPr/>
+        </p:nvSpPr>
+        <p:spPr>
+          <a:xfrm>
+            <a:off x="711202" y="1756853"/>
+            <a:ext cx="10216444" cy="4824569"/>
+          </a:xfrm>
+          <a:prstGeom prst="rect">
+            <a:avLst/>
+          </a:prstGeom>
+          <a:solidFill>
+            <a:schemeClr val="bg1"/>
+          </a:solidFill>
+        </p:spPr>
+        <p:style>
+          <a:lnRef idx="2">
+            <a:schemeClr val="accent1">
+              <a:shade val="50000"/>
+            </a:schemeClr>
+          </a:lnRef>
+          <a:fillRef idx="1">
+            <a:schemeClr val="accent1"/>
+          </a:fillRef>
+          <a:effectRef idx="0">
+            <a:schemeClr val="accent1"/>
+          </a:effectRef>
+          <a:fontRef idx="minor">
+            <a:schemeClr val="lt1"/>
+          </a:fontRef>
+        </p:style>
+        <p:txBody>
+          <a:bodyPr rtlCol="0" anchor="ctr"/>
+          <a:lstStyle/>
+          <a:p>
+            <a:pPr algn="ctr"/>
+            <a:endParaRPr lang="pt-BR"/>
+          </a:p>
+        </p:txBody>
+      </p:sp>
+      <p:sp>
+        <p:nvSpPr>
+          <p:cNvPr id="5" name="Retângulo 4"/>
+          <p:cNvSpPr/>
+          <p:nvPr/>
+        </p:nvSpPr>
+        <p:spPr>
+          <a:xfrm>
+            <a:off x="711202" y="1756853"/>
+            <a:ext cx="10216444" cy="783147"/>
+          </a:xfrm>
+          <a:prstGeom prst="rect">
+            <a:avLst/>
+          </a:prstGeom>
+          <a:solidFill>
+            <a:schemeClr val="tx1"/>
+          </a:solidFill>
+        </p:spPr>
+        <p:style>
+          <a:lnRef idx="2">
+            <a:schemeClr val="accent1">
+              <a:shade val="50000"/>
+            </a:schemeClr>
+          </a:lnRef>
+          <a:fillRef idx="1">
+            <a:schemeClr val="accent1"/>
+          </a:fillRef>
+          <a:effectRef idx="0">
+            <a:schemeClr val="accent1"/>
+          </a:effectRef>
+          <a:fontRef idx="minor">
+            <a:schemeClr val="lt1"/>
+          </a:fontRef>
+        </p:style>
+        <p:txBody>
+          <a:bodyPr rtlCol="0" anchor="ctr"/>
+          <a:lstStyle/>
+          <a:p>
+            <a:pPr algn="ctr"/>
+            <a:endParaRPr lang="pt-BR"/>
+          </a:p>
+        </p:txBody>
+      </p:sp>
+      <p:sp>
+        <p:nvSpPr>
+          <p:cNvPr id="6" name="CaixaDeTexto 5"/>
+          <p:cNvSpPr txBox="1"/>
+          <p:nvPr/>
+        </p:nvSpPr>
+        <p:spPr>
+          <a:xfrm>
+            <a:off x="993421" y="2691809"/>
+            <a:ext cx="9668662" cy="2031325"/>
+          </a:xfrm>
+          <a:prstGeom prst="rect">
+            <a:avLst/>
+          </a:prstGeom>
+          <a:noFill/>
+        </p:spPr>
+        <p:txBody>
+          <a:bodyPr wrap="square" rtlCol="0">
+            <a:spAutoFit/>
+          </a:bodyPr>
+          <a:lstStyle/>
+          <a:p>
+            <a:r>
+              <a:rPr lang="pt-BR" dirty="0" smtClean="0"/>
+              <a:t>Pré-condição: </a:t>
+            </a:r>
+            <a:r>
+              <a:rPr lang="pt-BR" dirty="0" smtClean="0"/>
+              <a:t>Tela almoxarifado estar aberta</a:t>
+            </a:r>
+            <a:endParaRPr lang="pt-BR" dirty="0" smtClean="0"/>
+          </a:p>
+          <a:p>
+            <a:endParaRPr lang="pt-BR" dirty="0" smtClean="0"/>
+          </a:p>
+          <a:p>
+            <a:r>
+              <a:rPr lang="pt-BR" dirty="0" smtClean="0"/>
+              <a:t>Ações: </a:t>
+            </a:r>
+          </a:p>
+          <a:p>
+            <a:r>
+              <a:rPr lang="pt-BR" dirty="0" smtClean="0"/>
+              <a:t>1- </a:t>
+            </a:r>
+            <a:r>
+              <a:rPr lang="pt-BR" dirty="0" smtClean="0"/>
+              <a:t>Acessar o sistema.</a:t>
+            </a:r>
+          </a:p>
+          <a:p>
+            <a:r>
+              <a:rPr lang="pt-BR" dirty="0" smtClean="0"/>
+              <a:t>2- </a:t>
+            </a:r>
+            <a:r>
+              <a:rPr lang="pt-BR" dirty="0" smtClean="0"/>
+              <a:t>Colocar </a:t>
+            </a:r>
+            <a:r>
+              <a:rPr lang="pt-BR" dirty="0" smtClean="0"/>
+              <a:t>o mouse sobre o elemento Status Estoque (retângulo) </a:t>
+            </a:r>
+            <a:endParaRPr lang="pt-BR" dirty="0" smtClean="0"/>
+          </a:p>
+          <a:p>
+            <a:endParaRPr lang="pt-BR" dirty="0"/>
+          </a:p>
+          <a:p>
+            <a:r>
+              <a:rPr lang="pt-BR" dirty="0" smtClean="0"/>
+              <a:t>Resultado esperado</a:t>
+            </a:r>
+            <a:r>
+              <a:rPr lang="pt-BR" dirty="0" smtClean="0"/>
+              <a:t>: Exibiç</a:t>
+            </a:r>
+            <a:r>
+              <a:rPr lang="pt-BR" dirty="0" smtClean="0"/>
+              <a:t>ão da legenda com as informações do estoque</a:t>
+            </a:r>
+            <a:r>
+              <a:rPr lang="pt-BR" dirty="0" smtClean="0"/>
+              <a:t>.</a:t>
+            </a:r>
+            <a:endParaRPr lang="pt-BR" dirty="0" smtClean="0"/>
+          </a:p>
+        </p:txBody>
+      </p:sp>
+      <p:sp>
+        <p:nvSpPr>
+          <p:cNvPr id="8" name="CaixaDeTexto 7"/>
+          <p:cNvSpPr txBox="1"/>
+          <p:nvPr/>
+        </p:nvSpPr>
+        <p:spPr>
+          <a:xfrm>
+            <a:off x="878888" y="1879964"/>
+            <a:ext cx="9403248" cy="954107"/>
+          </a:xfrm>
+          <a:prstGeom prst="rect">
+            <a:avLst/>
+          </a:prstGeom>
+          <a:noFill/>
+        </p:spPr>
+        <p:txBody>
+          <a:bodyPr wrap="square" rtlCol="0">
+            <a:spAutoFit/>
+          </a:bodyPr>
+          <a:lstStyle/>
+          <a:p>
+            <a:r>
+              <a:rPr lang="pt-BR" sz="2800" dirty="0" smtClean="0">
+                <a:solidFill>
+                  <a:schemeClr val="bg1"/>
+                </a:solidFill>
+              </a:rPr>
+              <a:t>CT 14 - RN </a:t>
+            </a:r>
+            <a:r>
+              <a:rPr lang="pt-BR" sz="2800" dirty="0" smtClean="0">
+                <a:solidFill>
+                  <a:schemeClr val="bg1"/>
+                </a:solidFill>
+              </a:rPr>
+              <a:t>14: </a:t>
+            </a:r>
+            <a:r>
+              <a:rPr lang="pt-BR" sz="2800" dirty="0" smtClean="0">
+                <a:solidFill>
+                  <a:schemeClr val="bg1"/>
+                </a:solidFill>
+              </a:rPr>
+              <a:t>Tela Requisição &gt; Status Estoque &gt; </a:t>
+            </a:r>
+            <a:r>
+              <a:rPr lang="pt-BR" sz="2800" dirty="0" err="1" smtClean="0">
+                <a:solidFill>
+                  <a:schemeClr val="bg1"/>
+                </a:solidFill>
+              </a:rPr>
+              <a:t>ToolTip</a:t>
+            </a:r>
+            <a:endParaRPr lang="pt-BR" sz="2800" dirty="0" smtClean="0">
+              <a:solidFill>
+                <a:schemeClr val="bg1"/>
+              </a:solidFill>
+            </a:endParaRPr>
+          </a:p>
+          <a:p>
+            <a:r>
+              <a:rPr lang="pt-BR" sz="2800" dirty="0" smtClean="0">
+                <a:solidFill>
+                  <a:schemeClr val="bg1"/>
+                </a:solidFill>
+              </a:rPr>
+              <a:t> </a:t>
+            </a:r>
+            <a:r>
+              <a:rPr lang="pt-BR" sz="2800" dirty="0" smtClean="0">
+                <a:solidFill>
+                  <a:schemeClr val="bg1"/>
+                </a:solidFill>
+              </a:rPr>
+              <a:t> </a:t>
+            </a:r>
+            <a:endParaRPr lang="pt-BR" sz="2800" dirty="0">
+              <a:solidFill>
+                <a:schemeClr val="bg1"/>
+              </a:solidFill>
+            </a:endParaRPr>
+          </a:p>
+        </p:txBody>
+      </p:sp>
+    </p:spTree>
+    <p:extLst>
+      <p:ext uri="{BB962C8B-B14F-4D97-AF65-F5344CB8AC3E}">
+        <p14:creationId xmlns:p14="http://schemas.microsoft.com/office/powerpoint/2010/main" xmlns="" val="4043932150"/>
       </p:ext>
     </p:extLst>
   </p:cSld>
@@ -5259,7 +8351,7 @@
           <p:cNvPr id="12" name="Imagem 11">
             <a:extLst>
               <a:ext uri="{FF2B5EF4-FFF2-40B4-BE49-F238E27FC236}">
-                <a16:creationId xmlns:a16="http://schemas.microsoft.com/office/drawing/2014/main" id="{B1387010-3D59-D652-A29C-C353113D94D7}"/>
+                <a16:creationId xmlns:a16="http://schemas.microsoft.com/office/drawing/2014/main" xmlns="" id="{B1387010-3D59-D652-A29C-C353113D94D7}"/>
               </a:ext>
             </a:extLst>
           </p:cNvPr>
@@ -5269,7 +8361,7 @@
           <p:nvPr/>
         </p:nvPicPr>
         <p:blipFill>
-          <a:blip r:embed="rId2"/>
+          <a:blip r:embed="rId2" cstate="print"/>
           <a:stretch>
             <a:fillRect/>
           </a:stretch>
@@ -5289,7 +8381,7 @@
           <p:cNvPr id="4" name="Título 3">
             <a:extLst>
               <a:ext uri="{FF2B5EF4-FFF2-40B4-BE49-F238E27FC236}">
-                <a16:creationId xmlns:a16="http://schemas.microsoft.com/office/drawing/2014/main" id="{D9304602-DA18-FF79-71A4-C5F27D2DC39F}"/>
+                <a16:creationId xmlns:a16="http://schemas.microsoft.com/office/drawing/2014/main" xmlns="" id="{D9304602-DA18-FF79-71A4-C5F27D2DC39F}"/>
               </a:ext>
             </a:extLst>
           </p:cNvPr>
@@ -5325,7 +8417,7 @@
           <p:cNvPr id="8" name="Espaço Reservado para Conteúdo 6">
             <a:extLst>
               <a:ext uri="{FF2B5EF4-FFF2-40B4-BE49-F238E27FC236}">
-                <a16:creationId xmlns:a16="http://schemas.microsoft.com/office/drawing/2014/main" id="{A31EC4B7-2FFB-80BA-6050-9957256F5EF7}"/>
+                <a16:creationId xmlns:a16="http://schemas.microsoft.com/office/drawing/2014/main" xmlns="" id="{A31EC4B7-2FFB-80BA-6050-9957256F5EF7}"/>
               </a:ext>
             </a:extLst>
           </p:cNvPr>
@@ -5335,10 +8427,10 @@
           <p:nvPr/>
         </p:nvPicPr>
         <p:blipFill rotWithShape="1">
-          <a:blip r:embed="rId3">
+          <a:blip r:embed="rId3" cstate="print">
             <a:extLst>
               <a:ext uri="{28A0092B-C50C-407E-A947-70E740481C1C}">
-                <a14:useLocalDpi xmlns:a14="http://schemas.microsoft.com/office/drawing/2010/main" val="0"/>
+                <a14:useLocalDpi xmlns:a14="http://schemas.microsoft.com/office/drawing/2010/main" xmlns="" val="0"/>
               </a:ext>
             </a:extLst>
           </a:blip>
@@ -5360,7 +8452,7 @@
           <p:cNvPr id="10" name="Conector de Seta Reta 9">
             <a:extLst>
               <a:ext uri="{FF2B5EF4-FFF2-40B4-BE49-F238E27FC236}">
-                <a16:creationId xmlns:a16="http://schemas.microsoft.com/office/drawing/2014/main" id="{E8289D1B-4F39-A8D7-FA12-A95431B6D264}"/>
+                <a16:creationId xmlns:a16="http://schemas.microsoft.com/office/drawing/2014/main" xmlns="" id="{E8289D1B-4F39-A8D7-FA12-A95431B6D264}"/>
               </a:ext>
             </a:extLst>
           </p:cNvPr>
@@ -5405,7 +8497,7 @@
           <p:cNvPr id="11" name="CaixaDeTexto 10">
             <a:extLst>
               <a:ext uri="{FF2B5EF4-FFF2-40B4-BE49-F238E27FC236}">
-                <a16:creationId xmlns:a16="http://schemas.microsoft.com/office/drawing/2014/main" id="{56D0B30D-F598-F0E5-E20E-DF70EEDBD72E}"/>
+                <a16:creationId xmlns:a16="http://schemas.microsoft.com/office/drawing/2014/main" xmlns="" id="{56D0B30D-F598-F0E5-E20E-DF70EEDBD72E}"/>
               </a:ext>
             </a:extLst>
           </p:cNvPr>
@@ -5443,7 +8535,7 @@
     </p:spTree>
     <p:extLst>
       <p:ext uri="{BB962C8B-B14F-4D97-AF65-F5344CB8AC3E}">
-        <p14:creationId xmlns:p14="http://schemas.microsoft.com/office/powerpoint/2010/main" val="1700289012"/>
+        <p14:creationId xmlns:p14="http://schemas.microsoft.com/office/powerpoint/2010/main" xmlns="" val="1700289012"/>
       </p:ext>
     </p:extLst>
   </p:cSld>
@@ -5475,7 +8567,7 @@
           <p:cNvPr id="4" name="Título 3">
             <a:extLst>
               <a:ext uri="{FF2B5EF4-FFF2-40B4-BE49-F238E27FC236}">
-                <a16:creationId xmlns:a16="http://schemas.microsoft.com/office/drawing/2014/main" id="{D9304602-DA18-FF79-71A4-C5F27D2DC39F}"/>
+                <a16:creationId xmlns:a16="http://schemas.microsoft.com/office/drawing/2014/main" xmlns="" id="{D9304602-DA18-FF79-71A4-C5F27D2DC39F}"/>
               </a:ext>
             </a:extLst>
           </p:cNvPr>
@@ -5510,7 +8602,7 @@
           <p:cNvPr id="5" name="Espaço Reservado para Conteúdo 4">
             <a:extLst>
               <a:ext uri="{FF2B5EF4-FFF2-40B4-BE49-F238E27FC236}">
-                <a16:creationId xmlns:a16="http://schemas.microsoft.com/office/drawing/2014/main" id="{C9B707B6-AC27-6EC3-C992-67D9615B6401}"/>
+                <a16:creationId xmlns:a16="http://schemas.microsoft.com/office/drawing/2014/main" xmlns="" id="{C9B707B6-AC27-6EC3-C992-67D9615B6401}"/>
               </a:ext>
             </a:extLst>
           </p:cNvPr>
@@ -5521,7 +8613,7 @@
             <p:ph idx="1"/>
             <p:extLst>
               <p:ext uri="{D42A27DB-BD31-4B8C-83A1-F6EECF244321}">
-                <p14:modId xmlns:p14="http://schemas.microsoft.com/office/powerpoint/2010/main" val="863283126"/>
+                <p14:modId xmlns:p14="http://schemas.microsoft.com/office/powerpoint/2010/main" xmlns="" val="863283126"/>
               </p:ext>
             </p:extLst>
           </p:nvPr>
@@ -5540,21 +8632,21 @@
                 <a:gridCol w="1100281">
                   <a:extLst>
                     <a:ext uri="{9D8B030D-6E8A-4147-A177-3AD203B41FA5}">
-                      <a16:colId xmlns:a16="http://schemas.microsoft.com/office/drawing/2014/main" val="1575778594"/>
+                      <a16:colId xmlns:a16="http://schemas.microsoft.com/office/drawing/2014/main" xmlns="" val="1575778594"/>
                     </a:ext>
                   </a:extLst>
                 </a:gridCol>
                 <a:gridCol w="2379189">
                   <a:extLst>
                     <a:ext uri="{9D8B030D-6E8A-4147-A177-3AD203B41FA5}">
-                      <a16:colId xmlns:a16="http://schemas.microsoft.com/office/drawing/2014/main" val="3092702117"/>
+                      <a16:colId xmlns:a16="http://schemas.microsoft.com/office/drawing/2014/main" xmlns="" val="3092702117"/>
                     </a:ext>
                   </a:extLst>
                 </a:gridCol>
                 <a:gridCol w="7849590">
                   <a:extLst>
                     <a:ext uri="{9D8B030D-6E8A-4147-A177-3AD203B41FA5}">
-                      <a16:colId xmlns:a16="http://schemas.microsoft.com/office/drawing/2014/main" val="1994429329"/>
+                      <a16:colId xmlns:a16="http://schemas.microsoft.com/office/drawing/2014/main" xmlns="" val="1994429329"/>
                     </a:ext>
                   </a:extLst>
                 </a:gridCol>
@@ -5601,7 +8693,7 @@
                 </a:tc>
                 <a:extLst>
                   <a:ext uri="{0D108BD9-81ED-4DB2-BD59-A6C34878D82A}">
-                    <a16:rowId xmlns:a16="http://schemas.microsoft.com/office/drawing/2014/main" val="3451926938"/>
+                    <a16:rowId xmlns:a16="http://schemas.microsoft.com/office/drawing/2014/main" xmlns="" val="3451926938"/>
                   </a:ext>
                 </a:extLst>
               </a:tr>
@@ -5801,7 +8893,7 @@
                 </a:tc>
                 <a:extLst>
                   <a:ext uri="{0D108BD9-81ED-4DB2-BD59-A6C34878D82A}">
-                    <a16:rowId xmlns:a16="http://schemas.microsoft.com/office/drawing/2014/main" val="3319175315"/>
+                    <a16:rowId xmlns:a16="http://schemas.microsoft.com/office/drawing/2014/main" xmlns="" val="3319175315"/>
                   </a:ext>
                 </a:extLst>
               </a:tr>
@@ -5864,7 +8956,7 @@
                 </a:tc>
                 <a:extLst>
                   <a:ext uri="{0D108BD9-81ED-4DB2-BD59-A6C34878D82A}">
-                    <a16:rowId xmlns:a16="http://schemas.microsoft.com/office/drawing/2014/main" val="2944139621"/>
+                    <a16:rowId xmlns:a16="http://schemas.microsoft.com/office/drawing/2014/main" xmlns="" val="2944139621"/>
                   </a:ext>
                 </a:extLst>
               </a:tr>
@@ -5927,7 +9019,7 @@
                 </a:tc>
                 <a:extLst>
                   <a:ext uri="{0D108BD9-81ED-4DB2-BD59-A6C34878D82A}">
-                    <a16:rowId xmlns:a16="http://schemas.microsoft.com/office/drawing/2014/main" val="2842031093"/>
+                    <a16:rowId xmlns:a16="http://schemas.microsoft.com/office/drawing/2014/main" xmlns="" val="2842031093"/>
                   </a:ext>
                 </a:extLst>
               </a:tr>
@@ -6056,7 +9148,7 @@
                 </a:tc>
                 <a:extLst>
                   <a:ext uri="{0D108BD9-81ED-4DB2-BD59-A6C34878D82A}">
-                    <a16:rowId xmlns:a16="http://schemas.microsoft.com/office/drawing/2014/main" val="1830120596"/>
+                    <a16:rowId xmlns:a16="http://schemas.microsoft.com/office/drawing/2014/main" xmlns="" val="1830120596"/>
                   </a:ext>
                 </a:extLst>
               </a:tr>
@@ -6067,7 +9159,7 @@
     </p:spTree>
     <p:extLst>
       <p:ext uri="{BB962C8B-B14F-4D97-AF65-F5344CB8AC3E}">
-        <p14:creationId xmlns:p14="http://schemas.microsoft.com/office/powerpoint/2010/main" val="1886775491"/>
+        <p14:creationId xmlns:p14="http://schemas.microsoft.com/office/powerpoint/2010/main" xmlns="" val="1886775491"/>
       </p:ext>
     </p:extLst>
   </p:cSld>
@@ -6099,7 +9191,7 @@
           <p:cNvPr id="4" name="Título 3">
             <a:extLst>
               <a:ext uri="{FF2B5EF4-FFF2-40B4-BE49-F238E27FC236}">
-                <a16:creationId xmlns:a16="http://schemas.microsoft.com/office/drawing/2014/main" id="{D9304602-DA18-FF79-71A4-C5F27D2DC39F}"/>
+                <a16:creationId xmlns:a16="http://schemas.microsoft.com/office/drawing/2014/main" xmlns="" id="{D9304602-DA18-FF79-71A4-C5F27D2DC39F}"/>
               </a:ext>
             </a:extLst>
           </p:cNvPr>
@@ -6134,7 +9226,7 @@
           <p:cNvPr id="5" name="Espaço Reservado para Conteúdo 4">
             <a:extLst>
               <a:ext uri="{FF2B5EF4-FFF2-40B4-BE49-F238E27FC236}">
-                <a16:creationId xmlns:a16="http://schemas.microsoft.com/office/drawing/2014/main" id="{C9B707B6-AC27-6EC3-C992-67D9615B6401}"/>
+                <a16:creationId xmlns:a16="http://schemas.microsoft.com/office/drawing/2014/main" xmlns="" id="{C9B707B6-AC27-6EC3-C992-67D9615B6401}"/>
               </a:ext>
             </a:extLst>
           </p:cNvPr>
@@ -6145,7 +9237,7 @@
             <p:ph idx="1"/>
             <p:extLst>
               <p:ext uri="{D42A27DB-BD31-4B8C-83A1-F6EECF244321}">
-                <p14:modId xmlns:p14="http://schemas.microsoft.com/office/powerpoint/2010/main" val="2601638033"/>
+                <p14:modId xmlns:p14="http://schemas.microsoft.com/office/powerpoint/2010/main" xmlns="" val="2601638033"/>
               </p:ext>
             </p:extLst>
           </p:nvPr>
@@ -6164,21 +9256,21 @@
                 <a:gridCol w="1100281">
                   <a:extLst>
                     <a:ext uri="{9D8B030D-6E8A-4147-A177-3AD203B41FA5}">
-                      <a16:colId xmlns:a16="http://schemas.microsoft.com/office/drawing/2014/main" val="1575778594"/>
+                      <a16:colId xmlns:a16="http://schemas.microsoft.com/office/drawing/2014/main" xmlns="" val="1575778594"/>
                     </a:ext>
                   </a:extLst>
                 </a:gridCol>
                 <a:gridCol w="2379189">
                   <a:extLst>
                     <a:ext uri="{9D8B030D-6E8A-4147-A177-3AD203B41FA5}">
-                      <a16:colId xmlns:a16="http://schemas.microsoft.com/office/drawing/2014/main" val="3092702117"/>
+                      <a16:colId xmlns:a16="http://schemas.microsoft.com/office/drawing/2014/main" xmlns="" val="3092702117"/>
                     </a:ext>
                   </a:extLst>
                 </a:gridCol>
                 <a:gridCol w="7849590">
                   <a:extLst>
                     <a:ext uri="{9D8B030D-6E8A-4147-A177-3AD203B41FA5}">
-                      <a16:colId xmlns:a16="http://schemas.microsoft.com/office/drawing/2014/main" val="1994429329"/>
+                      <a16:colId xmlns:a16="http://schemas.microsoft.com/office/drawing/2014/main" xmlns="" val="1994429329"/>
                     </a:ext>
                   </a:extLst>
                 </a:gridCol>
@@ -6225,7 +9317,7 @@
                 </a:tc>
                 <a:extLst>
                   <a:ext uri="{0D108BD9-81ED-4DB2-BD59-A6C34878D82A}">
-                    <a16:rowId xmlns:a16="http://schemas.microsoft.com/office/drawing/2014/main" val="3451926938"/>
+                    <a16:rowId xmlns:a16="http://schemas.microsoft.com/office/drawing/2014/main" xmlns="" val="3451926938"/>
                   </a:ext>
                 </a:extLst>
               </a:tr>
@@ -6331,7 +9423,7 @@
                 </a:tc>
                 <a:extLst>
                   <a:ext uri="{0D108BD9-81ED-4DB2-BD59-A6C34878D82A}">
-                    <a16:rowId xmlns:a16="http://schemas.microsoft.com/office/drawing/2014/main" val="2944139621"/>
+                    <a16:rowId xmlns:a16="http://schemas.microsoft.com/office/drawing/2014/main" xmlns="" val="2944139621"/>
                   </a:ext>
                 </a:extLst>
               </a:tr>
@@ -6394,7 +9486,7 @@
                 </a:tc>
                 <a:extLst>
                   <a:ext uri="{0D108BD9-81ED-4DB2-BD59-A6C34878D82A}">
-                    <a16:rowId xmlns:a16="http://schemas.microsoft.com/office/drawing/2014/main" val="2842031093"/>
+                    <a16:rowId xmlns:a16="http://schemas.microsoft.com/office/drawing/2014/main" xmlns="" val="2842031093"/>
                   </a:ext>
                 </a:extLst>
               </a:tr>
@@ -6514,7 +9606,7 @@
                 </a:tc>
                 <a:extLst>
                   <a:ext uri="{0D108BD9-81ED-4DB2-BD59-A6C34878D82A}">
-                    <a16:rowId xmlns:a16="http://schemas.microsoft.com/office/drawing/2014/main" val="1386237375"/>
+                    <a16:rowId xmlns:a16="http://schemas.microsoft.com/office/drawing/2014/main" xmlns="" val="1386237375"/>
                   </a:ext>
                 </a:extLst>
               </a:tr>
@@ -6525,7 +9617,7 @@
     </p:spTree>
     <p:extLst>
       <p:ext uri="{BB962C8B-B14F-4D97-AF65-F5344CB8AC3E}">
-        <p14:creationId xmlns:p14="http://schemas.microsoft.com/office/powerpoint/2010/main" val="1008835257"/>
+        <p14:creationId xmlns:p14="http://schemas.microsoft.com/office/powerpoint/2010/main" xmlns="" val="1008835257"/>
       </p:ext>
     </p:extLst>
   </p:cSld>
@@ -6557,7 +9649,7 @@
           <p:cNvPr id="4" name="Título 3">
             <a:extLst>
               <a:ext uri="{FF2B5EF4-FFF2-40B4-BE49-F238E27FC236}">
-                <a16:creationId xmlns:a16="http://schemas.microsoft.com/office/drawing/2014/main" id="{D9304602-DA18-FF79-71A4-C5F27D2DC39F}"/>
+                <a16:creationId xmlns:a16="http://schemas.microsoft.com/office/drawing/2014/main" xmlns="" id="{D9304602-DA18-FF79-71A4-C5F27D2DC39F}"/>
               </a:ext>
             </a:extLst>
           </p:cNvPr>
@@ -6592,7 +9684,7 @@
           <p:cNvPr id="5" name="Espaço Reservado para Conteúdo 4">
             <a:extLst>
               <a:ext uri="{FF2B5EF4-FFF2-40B4-BE49-F238E27FC236}">
-                <a16:creationId xmlns:a16="http://schemas.microsoft.com/office/drawing/2014/main" id="{C9B707B6-AC27-6EC3-C992-67D9615B6401}"/>
+                <a16:creationId xmlns:a16="http://schemas.microsoft.com/office/drawing/2014/main" xmlns="" id="{C9B707B6-AC27-6EC3-C992-67D9615B6401}"/>
               </a:ext>
             </a:extLst>
           </p:cNvPr>
@@ -6603,7 +9695,7 @@
             <p:ph idx="1"/>
             <p:extLst>
               <p:ext uri="{D42A27DB-BD31-4B8C-83A1-F6EECF244321}">
-                <p14:modId xmlns:p14="http://schemas.microsoft.com/office/powerpoint/2010/main" val="946322543"/>
+                <p14:modId xmlns:p14="http://schemas.microsoft.com/office/powerpoint/2010/main" xmlns="" val="946322543"/>
               </p:ext>
             </p:extLst>
           </p:nvPr>
@@ -6622,21 +9714,21 @@
                 <a:gridCol w="1100281">
                   <a:extLst>
                     <a:ext uri="{9D8B030D-6E8A-4147-A177-3AD203B41FA5}">
-                      <a16:colId xmlns:a16="http://schemas.microsoft.com/office/drawing/2014/main" val="1575778594"/>
+                      <a16:colId xmlns:a16="http://schemas.microsoft.com/office/drawing/2014/main" xmlns="" val="1575778594"/>
                     </a:ext>
                   </a:extLst>
                 </a:gridCol>
                 <a:gridCol w="2379189">
                   <a:extLst>
                     <a:ext uri="{9D8B030D-6E8A-4147-A177-3AD203B41FA5}">
-                      <a16:colId xmlns:a16="http://schemas.microsoft.com/office/drawing/2014/main" val="3092702117"/>
+                      <a16:colId xmlns:a16="http://schemas.microsoft.com/office/drawing/2014/main" xmlns="" val="3092702117"/>
                     </a:ext>
                   </a:extLst>
                 </a:gridCol>
                 <a:gridCol w="7849590">
                   <a:extLst>
                     <a:ext uri="{9D8B030D-6E8A-4147-A177-3AD203B41FA5}">
-                      <a16:colId xmlns:a16="http://schemas.microsoft.com/office/drawing/2014/main" val="1994429329"/>
+                      <a16:colId xmlns:a16="http://schemas.microsoft.com/office/drawing/2014/main" xmlns="" val="1994429329"/>
                     </a:ext>
                   </a:extLst>
                 </a:gridCol>
@@ -6683,7 +9775,7 @@
                 </a:tc>
                 <a:extLst>
                   <a:ext uri="{0D108BD9-81ED-4DB2-BD59-A6C34878D82A}">
-                    <a16:rowId xmlns:a16="http://schemas.microsoft.com/office/drawing/2014/main" val="3451926938"/>
+                    <a16:rowId xmlns:a16="http://schemas.microsoft.com/office/drawing/2014/main" xmlns="" val="3451926938"/>
                   </a:ext>
                 </a:extLst>
               </a:tr>
@@ -6779,7 +9871,7 @@
                 </a:tc>
                 <a:extLst>
                   <a:ext uri="{0D108BD9-81ED-4DB2-BD59-A6C34878D82A}">
-                    <a16:rowId xmlns:a16="http://schemas.microsoft.com/office/drawing/2014/main" val="3319175315"/>
+                    <a16:rowId xmlns:a16="http://schemas.microsoft.com/office/drawing/2014/main" xmlns="" val="3319175315"/>
                   </a:ext>
                 </a:extLst>
               </a:tr>
@@ -6862,7 +9954,7 @@
                 </a:tc>
                 <a:extLst>
                   <a:ext uri="{0D108BD9-81ED-4DB2-BD59-A6C34878D82A}">
-                    <a16:rowId xmlns:a16="http://schemas.microsoft.com/office/drawing/2014/main" val="2842031093"/>
+                    <a16:rowId xmlns:a16="http://schemas.microsoft.com/office/drawing/2014/main" xmlns="" val="2842031093"/>
                   </a:ext>
                 </a:extLst>
               </a:tr>
@@ -6925,7 +10017,7 @@
                 </a:tc>
                 <a:extLst>
                   <a:ext uri="{0D108BD9-81ED-4DB2-BD59-A6C34878D82A}">
-                    <a16:rowId xmlns:a16="http://schemas.microsoft.com/office/drawing/2014/main" val="4144478064"/>
+                    <a16:rowId xmlns:a16="http://schemas.microsoft.com/office/drawing/2014/main" xmlns="" val="4144478064"/>
                   </a:ext>
                 </a:extLst>
               </a:tr>
@@ -6988,7 +10080,7 @@
                 </a:tc>
                 <a:extLst>
                   <a:ext uri="{0D108BD9-81ED-4DB2-BD59-A6C34878D82A}">
-                    <a16:rowId xmlns:a16="http://schemas.microsoft.com/office/drawing/2014/main" val="2539329988"/>
+                    <a16:rowId xmlns:a16="http://schemas.microsoft.com/office/drawing/2014/main" xmlns="" val="2539329988"/>
                   </a:ext>
                 </a:extLst>
               </a:tr>
@@ -6999,7 +10091,7 @@
     </p:spTree>
     <p:extLst>
       <p:ext uri="{BB962C8B-B14F-4D97-AF65-F5344CB8AC3E}">
-        <p14:creationId xmlns:p14="http://schemas.microsoft.com/office/powerpoint/2010/main" val="3550946030"/>
+        <p14:creationId xmlns:p14="http://schemas.microsoft.com/office/powerpoint/2010/main" xmlns="" val="3550946030"/>
       </p:ext>
     </p:extLst>
   </p:cSld>
@@ -7031,7 +10123,7 @@
           <p:cNvPr id="4" name="Título 3">
             <a:extLst>
               <a:ext uri="{FF2B5EF4-FFF2-40B4-BE49-F238E27FC236}">
-                <a16:creationId xmlns:a16="http://schemas.microsoft.com/office/drawing/2014/main" id="{D9304602-DA18-FF79-71A4-C5F27D2DC39F}"/>
+                <a16:creationId xmlns:a16="http://schemas.microsoft.com/office/drawing/2014/main" xmlns="" id="{D9304602-DA18-FF79-71A4-C5F27D2DC39F}"/>
               </a:ext>
             </a:extLst>
           </p:cNvPr>
@@ -7066,7 +10158,7 @@
           <p:cNvPr id="5" name="Espaço Reservado para Conteúdo 4">
             <a:extLst>
               <a:ext uri="{FF2B5EF4-FFF2-40B4-BE49-F238E27FC236}">
-                <a16:creationId xmlns:a16="http://schemas.microsoft.com/office/drawing/2014/main" id="{C9B707B6-AC27-6EC3-C992-67D9615B6401}"/>
+                <a16:creationId xmlns:a16="http://schemas.microsoft.com/office/drawing/2014/main" xmlns="" id="{C9B707B6-AC27-6EC3-C992-67D9615B6401}"/>
               </a:ext>
             </a:extLst>
           </p:cNvPr>
@@ -7077,7 +10169,7 @@
             <p:ph idx="1"/>
             <p:extLst>
               <p:ext uri="{D42A27DB-BD31-4B8C-83A1-F6EECF244321}">
-                <p14:modId xmlns:p14="http://schemas.microsoft.com/office/powerpoint/2010/main" val="1569274692"/>
+                <p14:modId xmlns:p14="http://schemas.microsoft.com/office/powerpoint/2010/main" xmlns="" val="1569274692"/>
               </p:ext>
             </p:extLst>
           </p:nvPr>
@@ -7096,21 +10188,21 @@
                 <a:gridCol w="1100281">
                   <a:extLst>
                     <a:ext uri="{9D8B030D-6E8A-4147-A177-3AD203B41FA5}">
-                      <a16:colId xmlns:a16="http://schemas.microsoft.com/office/drawing/2014/main" val="1575778594"/>
+                      <a16:colId xmlns:a16="http://schemas.microsoft.com/office/drawing/2014/main" xmlns="" val="1575778594"/>
                     </a:ext>
                   </a:extLst>
                 </a:gridCol>
                 <a:gridCol w="2379189">
                   <a:extLst>
                     <a:ext uri="{9D8B030D-6E8A-4147-A177-3AD203B41FA5}">
-                      <a16:colId xmlns:a16="http://schemas.microsoft.com/office/drawing/2014/main" val="3092702117"/>
+                      <a16:colId xmlns:a16="http://schemas.microsoft.com/office/drawing/2014/main" xmlns="" val="3092702117"/>
                     </a:ext>
                   </a:extLst>
                 </a:gridCol>
                 <a:gridCol w="7849590">
                   <a:extLst>
                     <a:ext uri="{9D8B030D-6E8A-4147-A177-3AD203B41FA5}">
-                      <a16:colId xmlns:a16="http://schemas.microsoft.com/office/drawing/2014/main" val="1994429329"/>
+                      <a16:colId xmlns:a16="http://schemas.microsoft.com/office/drawing/2014/main" xmlns="" val="1994429329"/>
                     </a:ext>
                   </a:extLst>
                 </a:gridCol>
@@ -7157,7 +10249,7 @@
                 </a:tc>
                 <a:extLst>
                   <a:ext uri="{0D108BD9-81ED-4DB2-BD59-A6C34878D82A}">
-                    <a16:rowId xmlns:a16="http://schemas.microsoft.com/office/drawing/2014/main" val="3451926938"/>
+                    <a16:rowId xmlns:a16="http://schemas.microsoft.com/office/drawing/2014/main" xmlns="" val="3451926938"/>
                   </a:ext>
                 </a:extLst>
               </a:tr>
@@ -7248,7 +10340,7 @@
                 </a:tc>
                 <a:extLst>
                   <a:ext uri="{0D108BD9-81ED-4DB2-BD59-A6C34878D82A}">
-                    <a16:rowId xmlns:a16="http://schemas.microsoft.com/office/drawing/2014/main" val="3319175315"/>
+                    <a16:rowId xmlns:a16="http://schemas.microsoft.com/office/drawing/2014/main" xmlns="" val="3319175315"/>
                   </a:ext>
                 </a:extLst>
               </a:tr>
@@ -7351,7 +10443,7 @@
                 </a:tc>
                 <a:extLst>
                   <a:ext uri="{0D108BD9-81ED-4DB2-BD59-A6C34878D82A}">
-                    <a16:rowId xmlns:a16="http://schemas.microsoft.com/office/drawing/2014/main" val="2944139621"/>
+                    <a16:rowId xmlns:a16="http://schemas.microsoft.com/office/drawing/2014/main" xmlns="" val="2944139621"/>
                   </a:ext>
                 </a:extLst>
               </a:tr>
@@ -7364,7 +10456,7 @@
           <p:cNvPr id="2" name="Imagem 1">
             <a:extLst>
               <a:ext uri="{FF2B5EF4-FFF2-40B4-BE49-F238E27FC236}">
-                <a16:creationId xmlns:a16="http://schemas.microsoft.com/office/drawing/2014/main" id="{2AD4EBDE-583B-B559-5C11-31B8D41CE245}"/>
+                <a16:creationId xmlns:a16="http://schemas.microsoft.com/office/drawing/2014/main" xmlns="" id="{2AD4EBDE-583B-B559-5C11-31B8D41CE245}"/>
               </a:ext>
             </a:extLst>
           </p:cNvPr>
@@ -7374,7 +10466,7 @@
           <p:nvPr/>
         </p:nvPicPr>
         <p:blipFill>
-          <a:blip r:embed="rId2"/>
+          <a:blip r:embed="rId2" cstate="print"/>
           <a:stretch>
             <a:fillRect/>
           </a:stretch>
@@ -7394,7 +10486,7 @@
           <p:cNvPr id="3" name="Imagem 2">
             <a:extLst>
               <a:ext uri="{FF2B5EF4-FFF2-40B4-BE49-F238E27FC236}">
-                <a16:creationId xmlns:a16="http://schemas.microsoft.com/office/drawing/2014/main" id="{4D864E99-8FFE-3197-2C17-8954048B7DE8}"/>
+                <a16:creationId xmlns:a16="http://schemas.microsoft.com/office/drawing/2014/main" xmlns="" id="{4D864E99-8FFE-3197-2C17-8954048B7DE8}"/>
               </a:ext>
             </a:extLst>
           </p:cNvPr>
@@ -7404,7 +10496,7 @@
           <p:nvPr/>
         </p:nvPicPr>
         <p:blipFill>
-          <a:blip r:embed="rId3"/>
+          <a:blip r:embed="rId3" cstate="print"/>
           <a:stretch>
             <a:fillRect/>
           </a:stretch>
@@ -7424,7 +10516,7 @@
           <p:cNvPr id="6" name="Imagem 5">
             <a:extLst>
               <a:ext uri="{FF2B5EF4-FFF2-40B4-BE49-F238E27FC236}">
-                <a16:creationId xmlns:a16="http://schemas.microsoft.com/office/drawing/2014/main" id="{14CC290B-128E-E93B-055B-5B4178B43E95}"/>
+                <a16:creationId xmlns:a16="http://schemas.microsoft.com/office/drawing/2014/main" xmlns="" id="{14CC290B-128E-E93B-055B-5B4178B43E95}"/>
               </a:ext>
             </a:extLst>
           </p:cNvPr>
@@ -7434,7 +10526,7 @@
           <p:nvPr/>
         </p:nvPicPr>
         <p:blipFill>
-          <a:blip r:embed="rId4"/>
+          <a:blip r:embed="rId4" cstate="print"/>
           <a:stretch>
             <a:fillRect/>
           </a:stretch>
@@ -7454,7 +10546,7 @@
           <p:cNvPr id="10" name="Imagem 9">
             <a:extLst>
               <a:ext uri="{FF2B5EF4-FFF2-40B4-BE49-F238E27FC236}">
-                <a16:creationId xmlns:a16="http://schemas.microsoft.com/office/drawing/2014/main" id="{7FB24CB0-D72A-3F5A-1F1D-7E04FA297C82}"/>
+                <a16:creationId xmlns:a16="http://schemas.microsoft.com/office/drawing/2014/main" xmlns="" id="{7FB24CB0-D72A-3F5A-1F1D-7E04FA297C82}"/>
               </a:ext>
             </a:extLst>
           </p:cNvPr>
@@ -7464,7 +10556,7 @@
           <p:nvPr/>
         </p:nvPicPr>
         <p:blipFill rotWithShape="1">
-          <a:blip r:embed="rId5"/>
+          <a:blip r:embed="rId5" cstate="print"/>
           <a:srcRect l="53144" t="40108" r="18309" b="43754"/>
           <a:stretch/>
         </p:blipFill>
@@ -7481,7 +10573,7 @@
     </p:spTree>
     <p:extLst>
       <p:ext uri="{BB962C8B-B14F-4D97-AF65-F5344CB8AC3E}">
-        <p14:creationId xmlns:p14="http://schemas.microsoft.com/office/powerpoint/2010/main" val="3914244365"/>
+        <p14:creationId xmlns:p14="http://schemas.microsoft.com/office/powerpoint/2010/main" xmlns="" val="3914244365"/>
       </p:ext>
     </p:extLst>
   </p:cSld>
@@ -7513,7 +10605,7 @@
           <p:cNvPr id="4" name="Título 3">
             <a:extLst>
               <a:ext uri="{FF2B5EF4-FFF2-40B4-BE49-F238E27FC236}">
-                <a16:creationId xmlns:a16="http://schemas.microsoft.com/office/drawing/2014/main" id="{D9304602-DA18-FF79-71A4-C5F27D2DC39F}"/>
+                <a16:creationId xmlns:a16="http://schemas.microsoft.com/office/drawing/2014/main" xmlns="" id="{D9304602-DA18-FF79-71A4-C5F27D2DC39F}"/>
               </a:ext>
             </a:extLst>
           </p:cNvPr>
@@ -7548,7 +10640,7 @@
           <p:cNvPr id="5" name="Espaço Reservado para Conteúdo 4">
             <a:extLst>
               <a:ext uri="{FF2B5EF4-FFF2-40B4-BE49-F238E27FC236}">
-                <a16:creationId xmlns:a16="http://schemas.microsoft.com/office/drawing/2014/main" id="{C9B707B6-AC27-6EC3-C992-67D9615B6401}"/>
+                <a16:creationId xmlns:a16="http://schemas.microsoft.com/office/drawing/2014/main" xmlns="" id="{C9B707B6-AC27-6EC3-C992-67D9615B6401}"/>
               </a:ext>
             </a:extLst>
           </p:cNvPr>
@@ -7559,7 +10651,7 @@
             <p:ph idx="1"/>
             <p:extLst>
               <p:ext uri="{D42A27DB-BD31-4B8C-83A1-F6EECF244321}">
-                <p14:modId xmlns:p14="http://schemas.microsoft.com/office/powerpoint/2010/main" val="3318696576"/>
+                <p14:modId xmlns:p14="http://schemas.microsoft.com/office/powerpoint/2010/main" xmlns="" val="3318696576"/>
               </p:ext>
             </p:extLst>
           </p:nvPr>
@@ -7578,21 +10670,21 @@
                 <a:gridCol w="1100281">
                   <a:extLst>
                     <a:ext uri="{9D8B030D-6E8A-4147-A177-3AD203B41FA5}">
-                      <a16:colId xmlns:a16="http://schemas.microsoft.com/office/drawing/2014/main" val="1575778594"/>
+                      <a16:colId xmlns:a16="http://schemas.microsoft.com/office/drawing/2014/main" xmlns="" val="1575778594"/>
                     </a:ext>
                   </a:extLst>
                 </a:gridCol>
                 <a:gridCol w="2379189">
                   <a:extLst>
                     <a:ext uri="{9D8B030D-6E8A-4147-A177-3AD203B41FA5}">
-                      <a16:colId xmlns:a16="http://schemas.microsoft.com/office/drawing/2014/main" val="3092702117"/>
+                      <a16:colId xmlns:a16="http://schemas.microsoft.com/office/drawing/2014/main" xmlns="" val="3092702117"/>
                     </a:ext>
                   </a:extLst>
                 </a:gridCol>
                 <a:gridCol w="7849590">
                   <a:extLst>
                     <a:ext uri="{9D8B030D-6E8A-4147-A177-3AD203B41FA5}">
-                      <a16:colId xmlns:a16="http://schemas.microsoft.com/office/drawing/2014/main" val="1994429329"/>
+                      <a16:colId xmlns:a16="http://schemas.microsoft.com/office/drawing/2014/main" xmlns="" val="1994429329"/>
                     </a:ext>
                   </a:extLst>
                 </a:gridCol>
@@ -7639,7 +10731,7 @@
                 </a:tc>
                 <a:extLst>
                   <a:ext uri="{0D108BD9-81ED-4DB2-BD59-A6C34878D82A}">
-                    <a16:rowId xmlns:a16="http://schemas.microsoft.com/office/drawing/2014/main" val="3451926938"/>
+                    <a16:rowId xmlns:a16="http://schemas.microsoft.com/office/drawing/2014/main" xmlns="" val="3451926938"/>
                   </a:ext>
                 </a:extLst>
               </a:tr>
@@ -7727,7 +10819,7 @@
                 </a:tc>
                 <a:extLst>
                   <a:ext uri="{0D108BD9-81ED-4DB2-BD59-A6C34878D82A}">
-                    <a16:rowId xmlns:a16="http://schemas.microsoft.com/office/drawing/2014/main" val="3319175315"/>
+                    <a16:rowId xmlns:a16="http://schemas.microsoft.com/office/drawing/2014/main" xmlns="" val="3319175315"/>
                   </a:ext>
                 </a:extLst>
               </a:tr>
@@ -7740,7 +10832,7 @@
           <p:cNvPr id="8" name="Imagem 7">
             <a:extLst>
               <a:ext uri="{FF2B5EF4-FFF2-40B4-BE49-F238E27FC236}">
-                <a16:creationId xmlns:a16="http://schemas.microsoft.com/office/drawing/2014/main" id="{FC5439BC-59D0-5F6D-BE51-A82DE0AC90B5}"/>
+                <a16:creationId xmlns:a16="http://schemas.microsoft.com/office/drawing/2014/main" xmlns="" id="{FC5439BC-59D0-5F6D-BE51-A82DE0AC90B5}"/>
               </a:ext>
             </a:extLst>
           </p:cNvPr>
@@ -7750,7 +10842,7 @@
           <p:nvPr/>
         </p:nvPicPr>
         <p:blipFill rotWithShape="1">
-          <a:blip r:embed="rId2"/>
+          <a:blip r:embed="rId2" cstate="print"/>
           <a:srcRect l="5776" t="36998" r="5251" b="33926"/>
           <a:stretch/>
         </p:blipFill>
@@ -7767,7 +10859,7 @@
     </p:spTree>
     <p:extLst>
       <p:ext uri="{BB962C8B-B14F-4D97-AF65-F5344CB8AC3E}">
-        <p14:creationId xmlns:p14="http://schemas.microsoft.com/office/powerpoint/2010/main" val="1904971298"/>
+        <p14:creationId xmlns:p14="http://schemas.microsoft.com/office/powerpoint/2010/main" xmlns="" val="1904971298"/>
       </p:ext>
     </p:extLst>
   </p:cSld>
@@ -7852,8 +10944,13 @@
           <a:p>
             <a:r>
               <a:rPr lang="pt-BR" dirty="0" smtClean="0"/>
-              <a:t>Projeto: Site Almoxarifado</a:t>
-            </a:r>
+              <a:t>Projeto: </a:t>
+            </a:r>
+            <a:r>
+              <a:rPr lang="pt-BR" dirty="0" smtClean="0"/>
+              <a:t>Almoxarifado</a:t>
+            </a:r>
+            <a:endParaRPr lang="pt-BR" dirty="0" smtClean="0"/>
           </a:p>
           <a:p>
             <a:endParaRPr lang="pt-BR" dirty="0"/>
@@ -7942,7 +11039,7 @@
           <a:lstStyle/>
           <a:p>
             <a:pPr algn="ctr"/>
-            <a:endParaRPr lang="pt-BR"/>
+            <a:endParaRPr lang="pt-BR" dirty="0"/>
           </a:p>
         </p:txBody>
       </p:sp>
@@ -7970,49 +11067,66 @@
           <a:p>
             <a:r>
               <a:rPr lang="pt-BR" dirty="0" smtClean="0"/>
-              <a:t>Pré-condição: Sistema estar aberto</a:t>
-            </a:r>
-          </a:p>
-          <a:p>
+              <a:t>Pré-condição: </a:t>
+            </a:r>
+            <a:r>
+              <a:rPr lang="pt-BR" dirty="0" smtClean="0"/>
+              <a:t> </a:t>
+            </a:r>
+            <a:r>
+              <a:rPr lang="pt-BR" dirty="0" smtClean="0"/>
+              <a:t>Tela almoxarifado </a:t>
+            </a:r>
+            <a:r>
+              <a:rPr lang="pt-BR" dirty="0" smtClean="0"/>
+              <a:t>estar aberta</a:t>
+            </a:r>
             <a:endParaRPr lang="pt-BR" dirty="0" smtClean="0"/>
           </a:p>
           <a:p>
-            <a:r>
-              <a:rPr lang="pt-BR" dirty="0" smtClean="0"/>
-              <a:t>Passos: </a:t>
-            </a:r>
-          </a:p>
-          <a:p>
-            <a:r>
-              <a:rPr lang="pt-BR" dirty="0" smtClean="0"/>
-              <a:t>1- Acessar o </a:t>
-            </a:r>
-            <a:r>
-              <a:rPr lang="pt-BR" dirty="0" smtClean="0"/>
-              <a:t>sistema.</a:t>
-            </a:r>
             <a:endParaRPr lang="pt-BR" dirty="0" smtClean="0"/>
           </a:p>
           <a:p>
             <a:r>
               <a:rPr lang="pt-BR" dirty="0" smtClean="0"/>
-              <a:t>2- Todos os campos serão obrigatórios a ser preenchidos com exceção do campo “Nome </a:t>
-            </a:r>
-            <a:r>
-              <a:rPr lang="pt-BR" dirty="0" smtClean="0"/>
-              <a:t>Funcionário”.</a:t>
+              <a:t>Ações</a:t>
+            </a:r>
+            <a:r>
+              <a:rPr lang="pt-BR" dirty="0" smtClean="0"/>
+              <a:t>: </a:t>
             </a:r>
             <a:endParaRPr lang="pt-BR" dirty="0" smtClean="0"/>
           </a:p>
           <a:p>
             <a:r>
               <a:rPr lang="pt-BR" dirty="0" smtClean="0"/>
-              <a:t>3-  Sistema verifica </a:t>
-            </a:r>
-            <a:r>
-              <a:rPr lang="pt-BR" dirty="0" smtClean="0"/>
-              <a:t>se há campos obrigatórios não preenchidos.</a:t>
-            </a:r>
+              <a:t>1- Acessar o sistema.</a:t>
+            </a:r>
+          </a:p>
+          <a:p>
+            <a:r>
+              <a:rPr lang="pt-BR" dirty="0" smtClean="0"/>
+              <a:t>2- </a:t>
+            </a:r>
+            <a:r>
+              <a:rPr lang="pt-BR" dirty="0" smtClean="0"/>
+              <a:t>Preencher todos os campos obrigatoriamente, </a:t>
+            </a:r>
+            <a:r>
+              <a:rPr lang="pt-BR" dirty="0" smtClean="0"/>
+              <a:t>com </a:t>
+            </a:r>
+            <a:r>
+              <a:rPr lang="pt-BR" dirty="0" smtClean="0"/>
+              <a:t>exceção do campo “Nome Funcionário”.</a:t>
+            </a:r>
+          </a:p>
+          <a:p>
+            <a:r>
+              <a:rPr lang="pt-BR" dirty="0" smtClean="0"/>
+              <a:t>3- Clicar no botão gravar  para verificar.</a:t>
+            </a:r>
+            <a:endParaRPr lang="pt-BR" dirty="0" smtClean="0"/>
           </a:p>
           <a:p>
             <a:endParaRPr lang="pt-BR" dirty="0"/>
@@ -8020,7 +11134,15 @@
           <a:p>
             <a:r>
               <a:rPr lang="pt-BR" dirty="0" smtClean="0"/>
-              <a:t>Resultado esperado: Campos obrigatórios preenchidos corretamente.</a:t>
+              <a:t>Resultado esperado: </a:t>
+            </a:r>
+            <a:r>
+              <a:rPr lang="pt-BR" dirty="0" smtClean="0"/>
+              <a:t> </a:t>
+            </a:r>
+            <a:r>
+              <a:rPr lang="pt-BR" dirty="0" smtClean="0"/>
+              <a:t>Site verifica se os campos obrigatórios estão preenchidos.</a:t>
             </a:r>
             <a:endParaRPr lang="pt-BR" dirty="0"/>
           </a:p>
@@ -8034,8 +11156,8 @@
         </p:nvSpPr>
         <p:spPr>
           <a:xfrm>
-            <a:off x="878888" y="1879964"/>
-            <a:ext cx="1846556" cy="523220"/>
+            <a:off x="878887" y="1879964"/>
+            <a:ext cx="6086117" cy="954107"/>
           </a:xfrm>
           <a:prstGeom prst="rect">
             <a:avLst/>
@@ -8054,7 +11176,25 @@
                   <a:schemeClr val="bg1"/>
                 </a:solidFill>
               </a:rPr>
-              <a:t>RN 01 </a:t>
+              <a:t>CT 01- RN 01: </a:t>
+            </a:r>
+            <a:r>
+              <a:rPr lang="pt-BR" sz="2800" dirty="0" smtClean="0">
+                <a:solidFill>
+                  <a:schemeClr val="bg1"/>
+                </a:solidFill>
+              </a:rPr>
+              <a:t>Tela Requisição &gt; Campos</a:t>
+            </a:r>
+          </a:p>
+          <a:p>
+            <a:r>
+              <a:rPr lang="pt-BR" sz="2800" dirty="0" smtClean="0">
+                <a:solidFill>
+                  <a:schemeClr val="bg1"/>
+                </a:solidFill>
+              </a:rPr>
+              <a:t>  </a:t>
             </a:r>
             <a:endParaRPr lang="pt-BR" sz="2800" dirty="0">
               <a:solidFill>
@@ -8067,7 +11207,7 @@
     </p:spTree>
     <p:extLst>
       <p:ext uri="{BB962C8B-B14F-4D97-AF65-F5344CB8AC3E}">
-        <p14:creationId xmlns:p14="http://schemas.microsoft.com/office/powerpoint/2010/main" val="2280469650"/>
+        <p14:creationId xmlns:p14="http://schemas.microsoft.com/office/powerpoint/2010/main" xmlns="" val="2280469650"/>
       </p:ext>
     </p:extLst>
   </p:cSld>
@@ -8120,7 +11260,7 @@
     </a:clrScheme>
     <a:fontScheme name="Office">
       <a:majorFont>
-        <a:latin typeface="Calibri Light" panose="020F0302020204030204"/>
+        <a:latin typeface="Calibri Light"/>
         <a:ea typeface=""/>
         <a:cs typeface=""/>
         <a:font script="Jpan" typeface="游ゴシック Light"/>
@@ -8172,7 +11312,7 @@
         <a:font script="Tfng" typeface="Ebrima"/>
       </a:majorFont>
       <a:minorFont>
-        <a:latin typeface="Calibri" panose="020F0502020204030204"/>
+        <a:latin typeface="Calibri"/>
         <a:ea typeface=""/>
         <a:cs typeface=""/>
         <a:font script="Jpan" typeface="游ゴシック"/>
@@ -8366,8 +11506,291 @@
   <a:extraClrSchemeLst/>
   <a:extLst>
     <a:ext uri="{05A4C25C-085E-4340-85A3-A5531E510DB2}">
-      <thm15:themeFamily xmlns:thm15="http://schemas.microsoft.com/office/thememl/2012/main" name="Office Theme" id="{62F939B6-93AF-4DB8-9C6B-D6C7DFDC589F}" vid="{4A3C46E8-61CC-4603-A589-7422A47A8E4A}"/>
+      <thm15:themeFamily xmlns:thm15="http://schemas.microsoft.com/office/thememl/2012/main" xmlns="" name="Office Theme" id="{62F939B6-93AF-4DB8-9C6B-D6C7DFDC589F}" vid="{4A3C46E8-61CC-4603-A589-7422A47A8E4A}"/>
     </a:ext>
   </a:extLst>
 </a:theme>
+</file>
+
+<file path=ppt/theme/theme2.xml><?xml version="1.0" encoding="utf-8"?>
+<a:theme xmlns:a="http://schemas.openxmlformats.org/drawingml/2006/main" name="Tema do Office">
+  <a:themeElements>
+    <a:clrScheme name="Escritório">
+      <a:dk1>
+        <a:sysClr val="windowText" lastClr="000000"/>
+      </a:dk1>
+      <a:lt1>
+        <a:sysClr val="window" lastClr="FFFFFF"/>
+      </a:lt1>
+      <a:dk2>
+        <a:srgbClr val="1F497D"/>
+      </a:dk2>
+      <a:lt2>
+        <a:srgbClr val="EEECE1"/>
+      </a:lt2>
+      <a:accent1>
+        <a:srgbClr val="4F81BD"/>
+      </a:accent1>
+      <a:accent2>
+        <a:srgbClr val="C0504D"/>
+      </a:accent2>
+      <a:accent3>
+        <a:srgbClr val="9BBB59"/>
+      </a:accent3>
+      <a:accent4>
+        <a:srgbClr val="8064A2"/>
+      </a:accent4>
+      <a:accent5>
+        <a:srgbClr val="4BACC6"/>
+      </a:accent5>
+      <a:accent6>
+        <a:srgbClr val="F79646"/>
+      </a:accent6>
+      <a:hlink>
+        <a:srgbClr val="0000FF"/>
+      </a:hlink>
+      <a:folHlink>
+        <a:srgbClr val="800080"/>
+      </a:folHlink>
+    </a:clrScheme>
+    <a:fontScheme name="Escritório">
+      <a:majorFont>
+        <a:latin typeface="Calibri"/>
+        <a:ea typeface=""/>
+        <a:cs typeface=""/>
+        <a:font script="Jpan" typeface="ＭＳ Ｐゴシック"/>
+        <a:font script="Hang" typeface="맑은 고딕"/>
+        <a:font script="Hans" typeface="宋体"/>
+        <a:font script="Hant" typeface="新細明體"/>
+        <a:font script="Arab" typeface="Times New Roman"/>
+        <a:font script="Hebr" typeface="Times New Roman"/>
+        <a:font script="Thai" typeface="Angsana New"/>
+        <a:font script="Ethi" typeface="Nyala"/>
+        <a:font script="Beng" typeface="Vrinda"/>
+        <a:font script="Gujr" typeface="Shruti"/>
+        <a:font script="Khmr" typeface="MoolBoran"/>
+        <a:font script="Knda" typeface="Tunga"/>
+        <a:font script="Guru" typeface="Raavi"/>
+        <a:font script="Cans" typeface="Euphemia"/>
+        <a:font script="Cher" typeface="Plantagenet Cherokee"/>
+        <a:font script="Yiii" typeface="Microsoft Yi Baiti"/>
+        <a:font script="Tibt" typeface="Microsoft Himalaya"/>
+        <a:font script="Thaa" typeface="MV Boli"/>
+        <a:font script="Deva" typeface="Mangal"/>
+        <a:font script="Telu" typeface="Gautami"/>
+        <a:font script="Taml" typeface="Latha"/>
+        <a:font script="Syrc" typeface="Estrangelo Edessa"/>
+        <a:font script="Orya" typeface="Kalinga"/>
+        <a:font script="Mlym" typeface="Kartika"/>
+        <a:font script="Laoo" typeface="DokChampa"/>
+        <a:font script="Sinh" typeface="Iskoola Pota"/>
+        <a:font script="Mong" typeface="Mongolian Baiti"/>
+        <a:font script="Viet" typeface="Times New Roman"/>
+        <a:font script="Uigh" typeface="Microsoft Uighur"/>
+      </a:majorFont>
+      <a:minorFont>
+        <a:latin typeface="Calibri"/>
+        <a:ea typeface=""/>
+        <a:cs typeface=""/>
+        <a:font script="Jpan" typeface="ＭＳ Ｐゴシック"/>
+        <a:font script="Hang" typeface="맑은 고딕"/>
+        <a:font script="Hans" typeface="宋体"/>
+        <a:font script="Hant" typeface="新細明體"/>
+        <a:font script="Arab" typeface="Arial"/>
+        <a:font script="Hebr" typeface="Arial"/>
+        <a:font script="Thai" typeface="Cordia New"/>
+        <a:font script="Ethi" typeface="Nyala"/>
+        <a:font script="Beng" typeface="Vrinda"/>
+        <a:font script="Gujr" typeface="Shruti"/>
+        <a:font script="Khmr" typeface="DaunPenh"/>
+        <a:font script="Knda" typeface="Tunga"/>
+        <a:font script="Guru" typeface="Raavi"/>
+        <a:font script="Cans" typeface="Euphemia"/>
+        <a:font script="Cher" typeface="Plantagenet Cherokee"/>
+        <a:font script="Yiii" typeface="Microsoft Yi Baiti"/>
+        <a:font script="Tibt" typeface="Microsoft Himalaya"/>
+        <a:font script="Thaa" typeface="MV Boli"/>
+        <a:font script="Deva" typeface="Mangal"/>
+        <a:font script="Telu" typeface="Gautami"/>
+        <a:font script="Taml" typeface="Latha"/>
+        <a:font script="Syrc" typeface="Estrangelo Edessa"/>
+        <a:font script="Orya" typeface="Kalinga"/>
+        <a:font script="Mlym" typeface="Kartika"/>
+        <a:font script="Laoo" typeface="DokChampa"/>
+        <a:font script="Sinh" typeface="Iskoola Pota"/>
+        <a:font script="Mong" typeface="Mongolian Baiti"/>
+        <a:font script="Viet" typeface="Arial"/>
+        <a:font script="Uigh" typeface="Microsoft Uighur"/>
+      </a:minorFont>
+    </a:fontScheme>
+    <a:fmtScheme name="Escritório">
+      <a:fillStyleLst>
+        <a:solidFill>
+          <a:schemeClr val="phClr"/>
+        </a:solidFill>
+        <a:gradFill rotWithShape="1">
+          <a:gsLst>
+            <a:gs pos="0">
+              <a:schemeClr val="phClr">
+                <a:tint val="50000"/>
+                <a:satMod val="300000"/>
+              </a:schemeClr>
+            </a:gs>
+            <a:gs pos="35000">
+              <a:schemeClr val="phClr">
+                <a:tint val="37000"/>
+                <a:satMod val="300000"/>
+              </a:schemeClr>
+            </a:gs>
+            <a:gs pos="100000">
+              <a:schemeClr val="phClr">
+                <a:tint val="15000"/>
+                <a:satMod val="350000"/>
+              </a:schemeClr>
+            </a:gs>
+          </a:gsLst>
+          <a:lin ang="16200000" scaled="1"/>
+        </a:gradFill>
+        <a:gradFill rotWithShape="1">
+          <a:gsLst>
+            <a:gs pos="0">
+              <a:schemeClr val="phClr">
+                <a:shade val="51000"/>
+                <a:satMod val="130000"/>
+              </a:schemeClr>
+            </a:gs>
+            <a:gs pos="80000">
+              <a:schemeClr val="phClr">
+                <a:shade val="93000"/>
+                <a:satMod val="130000"/>
+              </a:schemeClr>
+            </a:gs>
+            <a:gs pos="100000">
+              <a:schemeClr val="phClr">
+                <a:shade val="94000"/>
+                <a:satMod val="135000"/>
+              </a:schemeClr>
+            </a:gs>
+          </a:gsLst>
+          <a:lin ang="16200000" scaled="0"/>
+        </a:gradFill>
+      </a:fillStyleLst>
+      <a:lnStyleLst>
+        <a:ln w="9525" cap="flat" cmpd="sng" algn="ctr">
+          <a:solidFill>
+            <a:schemeClr val="phClr">
+              <a:shade val="95000"/>
+              <a:satMod val="105000"/>
+            </a:schemeClr>
+          </a:solidFill>
+          <a:prstDash val="solid"/>
+        </a:ln>
+        <a:ln w="25400" cap="flat" cmpd="sng" algn="ctr">
+          <a:solidFill>
+            <a:schemeClr val="phClr"/>
+          </a:solidFill>
+          <a:prstDash val="solid"/>
+        </a:ln>
+        <a:ln w="38100" cap="flat" cmpd="sng" algn="ctr">
+          <a:solidFill>
+            <a:schemeClr val="phClr"/>
+          </a:solidFill>
+          <a:prstDash val="solid"/>
+        </a:ln>
+      </a:lnStyleLst>
+      <a:effectStyleLst>
+        <a:effectStyle>
+          <a:effectLst>
+            <a:outerShdw blurRad="40000" dist="20000" dir="5400000" rotWithShape="0">
+              <a:srgbClr val="000000">
+                <a:alpha val="38000"/>
+              </a:srgbClr>
+            </a:outerShdw>
+          </a:effectLst>
+        </a:effectStyle>
+        <a:effectStyle>
+          <a:effectLst>
+            <a:outerShdw blurRad="40000" dist="23000" dir="5400000" rotWithShape="0">
+              <a:srgbClr val="000000">
+                <a:alpha val="35000"/>
+              </a:srgbClr>
+            </a:outerShdw>
+          </a:effectLst>
+        </a:effectStyle>
+        <a:effectStyle>
+          <a:effectLst>
+            <a:outerShdw blurRad="40000" dist="23000" dir="5400000" rotWithShape="0">
+              <a:srgbClr val="000000">
+                <a:alpha val="35000"/>
+              </a:srgbClr>
+            </a:outerShdw>
+          </a:effectLst>
+          <a:scene3d>
+            <a:camera prst="orthographicFront">
+              <a:rot lat="0" lon="0" rev="0"/>
+            </a:camera>
+            <a:lightRig rig="threePt" dir="t">
+              <a:rot lat="0" lon="0" rev="1200000"/>
+            </a:lightRig>
+          </a:scene3d>
+          <a:sp3d>
+            <a:bevelT w="63500" h="25400"/>
+          </a:sp3d>
+        </a:effectStyle>
+      </a:effectStyleLst>
+      <a:bgFillStyleLst>
+        <a:solidFill>
+          <a:schemeClr val="phClr"/>
+        </a:solidFill>
+        <a:gradFill rotWithShape="1">
+          <a:gsLst>
+            <a:gs pos="0">
+              <a:schemeClr val="phClr">
+                <a:tint val="40000"/>
+                <a:satMod val="350000"/>
+              </a:schemeClr>
+            </a:gs>
+            <a:gs pos="40000">
+              <a:schemeClr val="phClr">
+                <a:tint val="45000"/>
+                <a:shade val="99000"/>
+                <a:satMod val="350000"/>
+              </a:schemeClr>
+            </a:gs>
+            <a:gs pos="100000">
+              <a:schemeClr val="phClr">
+                <a:shade val="20000"/>
+                <a:satMod val="255000"/>
+              </a:schemeClr>
+            </a:gs>
+          </a:gsLst>
+          <a:path path="circle">
+            <a:fillToRect l="50000" t="-80000" r="50000" b="180000"/>
+          </a:path>
+        </a:gradFill>
+        <a:gradFill rotWithShape="1">
+          <a:gsLst>
+            <a:gs pos="0">
+              <a:schemeClr val="phClr">
+                <a:tint val="80000"/>
+                <a:satMod val="300000"/>
+              </a:schemeClr>
+            </a:gs>
+            <a:gs pos="100000">
+              <a:schemeClr val="phClr">
+                <a:shade val="30000"/>
+                <a:satMod val="200000"/>
+              </a:schemeClr>
+            </a:gs>
+          </a:gsLst>
+          <a:path path="circle">
+            <a:fillToRect l="50000" t="50000" r="50000" b="50000"/>
+          </a:path>
+        </a:gradFill>
+      </a:bgFillStyleLst>
+    </a:fmtScheme>
+  </a:themeElements>
+  <a:objectDefaults/>
+  <a:extraClrSchemeLst/>
+</a:theme>
 </file>
--- a/RegrasNegocio/RN_Requisitos.pptx
+++ b/RegrasNegocio/RN_Requisitos.pptx
@@ -130,7 +130,18 @@
   </p:defaultTextStyle>
   <p:extLst>
     <p:ext uri="{EFAFB233-063F-42B5-8137-9DF3F51BA10A}">
-      <p15:sldGuideLst xmlns:p15="http://schemas.microsoft.com/office/powerpoint/2012/main" xmlns=""/>
+      <p15:sldGuideLst xmlns:p15="http://schemas.microsoft.com/office/powerpoint/2012/main">
+        <p15:guide id="1" orient="horz" pos="2160">
+          <p15:clr>
+            <a:srgbClr val="A4A3A4"/>
+          </p15:clr>
+        </p15:guide>
+        <p15:guide id="2" pos="3840">
+          <p15:clr>
+            <a:srgbClr val="A4A3A4"/>
+          </p15:clr>
+        </p15:guide>
+      </p15:sldGuideLst>
     </p:ext>
   </p:extLst>
 </p:presentation>
@@ -218,7 +229,7 @@
           <a:p>
             <a:fld id="{3A8665B0-11FA-4D2C-B967-25045C6445F7}" type="datetimeFigureOut">
               <a:rPr lang="pt-BR" smtClean="0"/>
-              <a:t>28/01/2024</a:t>
+              <a:t>29/01/2024</a:t>
             </a:fld>
             <a:endParaRPr lang="pt-BR"/>
           </a:p>
@@ -586,7 +597,7 @@
           <p:cNvPr id="2" name="Título 1">
             <a:extLst>
               <a:ext uri="{FF2B5EF4-FFF2-40B4-BE49-F238E27FC236}">
-                <a16:creationId xmlns:a16="http://schemas.microsoft.com/office/drawing/2014/main" xmlns="" id="{2EB05211-7281-6BB1-32D7-A126A3594E7D}"/>
+                <a16:creationId xmlns:a16="http://schemas.microsoft.com/office/drawing/2014/main" id="{2EB05211-7281-6BB1-32D7-A126A3594E7D}"/>
               </a:ext>
             </a:extLst>
           </p:cNvPr>
@@ -623,7 +634,7 @@
           <p:cNvPr id="3" name="Subtítulo 2">
             <a:extLst>
               <a:ext uri="{FF2B5EF4-FFF2-40B4-BE49-F238E27FC236}">
-                <a16:creationId xmlns:a16="http://schemas.microsoft.com/office/drawing/2014/main" xmlns="" id="{7669ABA4-202B-7485-5379-D80610FFCC08}"/>
+                <a16:creationId xmlns:a16="http://schemas.microsoft.com/office/drawing/2014/main" id="{7669ABA4-202B-7485-5379-D80610FFCC08}"/>
               </a:ext>
             </a:extLst>
           </p:cNvPr>
@@ -693,7 +704,7 @@
           <p:cNvPr id="4" name="Espaço Reservado para Data 3">
             <a:extLst>
               <a:ext uri="{FF2B5EF4-FFF2-40B4-BE49-F238E27FC236}">
-                <a16:creationId xmlns:a16="http://schemas.microsoft.com/office/drawing/2014/main" xmlns="" id="{4DB6109A-89B8-3296-B4B5-56908CCDC705}"/>
+                <a16:creationId xmlns:a16="http://schemas.microsoft.com/office/drawing/2014/main" id="{4DB6109A-89B8-3296-B4B5-56908CCDC705}"/>
               </a:ext>
             </a:extLst>
           </p:cNvPr>
@@ -712,7 +723,7 @@
             <a:fld id="{0A1764AE-7598-4101-9D63-6EC8D69CE664}" type="datetimeFigureOut">
               <a:rPr lang="pt-BR" smtClean="0"/>
               <a:pPr/>
-              <a:t>28/01/2024</a:t>
+              <a:t>29/01/2024</a:t>
             </a:fld>
             <a:endParaRPr lang="pt-BR"/>
           </a:p>
@@ -723,7 +734,7 @@
           <p:cNvPr id="5" name="Espaço Reservado para Rodapé 4">
             <a:extLst>
               <a:ext uri="{FF2B5EF4-FFF2-40B4-BE49-F238E27FC236}">
-                <a16:creationId xmlns:a16="http://schemas.microsoft.com/office/drawing/2014/main" xmlns="" id="{5EEC16C0-EC91-1A6A-CAA4-557093375509}"/>
+                <a16:creationId xmlns:a16="http://schemas.microsoft.com/office/drawing/2014/main" id="{5EEC16C0-EC91-1A6A-CAA4-557093375509}"/>
               </a:ext>
             </a:extLst>
           </p:cNvPr>
@@ -748,7 +759,7 @@
           <p:cNvPr id="6" name="Espaço Reservado para Número de Slide 5">
             <a:extLst>
               <a:ext uri="{FF2B5EF4-FFF2-40B4-BE49-F238E27FC236}">
-                <a16:creationId xmlns:a16="http://schemas.microsoft.com/office/drawing/2014/main" xmlns="" id="{597BE89B-A1D8-22B0-6CA2-BAEFADB7CCB1}"/>
+                <a16:creationId xmlns:a16="http://schemas.microsoft.com/office/drawing/2014/main" id="{597BE89B-A1D8-22B0-6CA2-BAEFADB7CCB1}"/>
               </a:ext>
             </a:extLst>
           </p:cNvPr>
@@ -776,7 +787,7 @@
     </p:spTree>
     <p:extLst>
       <p:ext uri="{BB962C8B-B14F-4D97-AF65-F5344CB8AC3E}">
-        <p14:creationId xmlns:p14="http://schemas.microsoft.com/office/powerpoint/2010/main" xmlns="" val="3912965537"/>
+        <p14:creationId xmlns:p14="http://schemas.microsoft.com/office/powerpoint/2010/main" val="3912965537"/>
       </p:ext>
     </p:extLst>
   </p:cSld>
@@ -808,7 +819,7 @@
           <p:cNvPr id="2" name="Título 1">
             <a:extLst>
               <a:ext uri="{FF2B5EF4-FFF2-40B4-BE49-F238E27FC236}">
-                <a16:creationId xmlns:a16="http://schemas.microsoft.com/office/drawing/2014/main" xmlns="" id="{4A371462-67CF-064B-BC5B-97EFBDB2948F}"/>
+                <a16:creationId xmlns:a16="http://schemas.microsoft.com/office/drawing/2014/main" id="{4A371462-67CF-064B-BC5B-97EFBDB2948F}"/>
               </a:ext>
             </a:extLst>
           </p:cNvPr>
@@ -836,7 +847,7 @@
           <p:cNvPr id="3" name="Espaço Reservado para Texto Vertical 2">
             <a:extLst>
               <a:ext uri="{FF2B5EF4-FFF2-40B4-BE49-F238E27FC236}">
-                <a16:creationId xmlns:a16="http://schemas.microsoft.com/office/drawing/2014/main" xmlns="" id="{F5D918D6-2514-7E06-797F-46811F09C358}"/>
+                <a16:creationId xmlns:a16="http://schemas.microsoft.com/office/drawing/2014/main" id="{F5D918D6-2514-7E06-797F-46811F09C358}"/>
               </a:ext>
             </a:extLst>
           </p:cNvPr>
@@ -893,7 +904,7 @@
           <p:cNvPr id="4" name="Espaço Reservado para Data 3">
             <a:extLst>
               <a:ext uri="{FF2B5EF4-FFF2-40B4-BE49-F238E27FC236}">
-                <a16:creationId xmlns:a16="http://schemas.microsoft.com/office/drawing/2014/main" xmlns="" id="{41E15502-6387-25F6-3504-F0B0F3E1E62A}"/>
+                <a16:creationId xmlns:a16="http://schemas.microsoft.com/office/drawing/2014/main" id="{41E15502-6387-25F6-3504-F0B0F3E1E62A}"/>
               </a:ext>
             </a:extLst>
           </p:cNvPr>
@@ -912,7 +923,7 @@
             <a:fld id="{0A1764AE-7598-4101-9D63-6EC8D69CE664}" type="datetimeFigureOut">
               <a:rPr lang="pt-BR" smtClean="0"/>
               <a:pPr/>
-              <a:t>28/01/2024</a:t>
+              <a:t>29/01/2024</a:t>
             </a:fld>
             <a:endParaRPr lang="pt-BR"/>
           </a:p>
@@ -923,7 +934,7 @@
           <p:cNvPr id="5" name="Espaço Reservado para Rodapé 4">
             <a:extLst>
               <a:ext uri="{FF2B5EF4-FFF2-40B4-BE49-F238E27FC236}">
-                <a16:creationId xmlns:a16="http://schemas.microsoft.com/office/drawing/2014/main" xmlns="" id="{BB252788-D239-6DBB-CBDC-07783CE516F8}"/>
+                <a16:creationId xmlns:a16="http://schemas.microsoft.com/office/drawing/2014/main" id="{BB252788-D239-6DBB-CBDC-07783CE516F8}"/>
               </a:ext>
             </a:extLst>
           </p:cNvPr>
@@ -948,7 +959,7 @@
           <p:cNvPr id="6" name="Espaço Reservado para Número de Slide 5">
             <a:extLst>
               <a:ext uri="{FF2B5EF4-FFF2-40B4-BE49-F238E27FC236}">
-                <a16:creationId xmlns:a16="http://schemas.microsoft.com/office/drawing/2014/main" xmlns="" id="{128EA3EE-2775-1736-C774-CC48015CF944}"/>
+                <a16:creationId xmlns:a16="http://schemas.microsoft.com/office/drawing/2014/main" id="{128EA3EE-2775-1736-C774-CC48015CF944}"/>
               </a:ext>
             </a:extLst>
           </p:cNvPr>
@@ -976,7 +987,7 @@
     </p:spTree>
     <p:extLst>
       <p:ext uri="{BB962C8B-B14F-4D97-AF65-F5344CB8AC3E}">
-        <p14:creationId xmlns:p14="http://schemas.microsoft.com/office/powerpoint/2010/main" xmlns="" val="2321430907"/>
+        <p14:creationId xmlns:p14="http://schemas.microsoft.com/office/powerpoint/2010/main" val="2321430907"/>
       </p:ext>
     </p:extLst>
   </p:cSld>
@@ -1008,7 +1019,7 @@
           <p:cNvPr id="2" name="Título Vertical 1">
             <a:extLst>
               <a:ext uri="{FF2B5EF4-FFF2-40B4-BE49-F238E27FC236}">
-                <a16:creationId xmlns:a16="http://schemas.microsoft.com/office/drawing/2014/main" xmlns="" id="{8F72A7EB-C76E-CEDD-959B-F7939EFEE716}"/>
+                <a16:creationId xmlns:a16="http://schemas.microsoft.com/office/drawing/2014/main" id="{8F72A7EB-C76E-CEDD-959B-F7939EFEE716}"/>
               </a:ext>
             </a:extLst>
           </p:cNvPr>
@@ -1041,7 +1052,7 @@
           <p:cNvPr id="3" name="Espaço Reservado para Texto Vertical 2">
             <a:extLst>
               <a:ext uri="{FF2B5EF4-FFF2-40B4-BE49-F238E27FC236}">
-                <a16:creationId xmlns:a16="http://schemas.microsoft.com/office/drawing/2014/main" xmlns="" id="{8036D0CA-E516-C2BD-C175-0880B455D6C8}"/>
+                <a16:creationId xmlns:a16="http://schemas.microsoft.com/office/drawing/2014/main" id="{8036D0CA-E516-C2BD-C175-0880B455D6C8}"/>
               </a:ext>
             </a:extLst>
           </p:cNvPr>
@@ -1103,7 +1114,7 @@
           <p:cNvPr id="4" name="Espaço Reservado para Data 3">
             <a:extLst>
               <a:ext uri="{FF2B5EF4-FFF2-40B4-BE49-F238E27FC236}">
-                <a16:creationId xmlns:a16="http://schemas.microsoft.com/office/drawing/2014/main" xmlns="" id="{226D4CA0-43FB-AC60-6624-92DC32B02255}"/>
+                <a16:creationId xmlns:a16="http://schemas.microsoft.com/office/drawing/2014/main" id="{226D4CA0-43FB-AC60-6624-92DC32B02255}"/>
               </a:ext>
             </a:extLst>
           </p:cNvPr>
@@ -1122,7 +1133,7 @@
             <a:fld id="{0A1764AE-7598-4101-9D63-6EC8D69CE664}" type="datetimeFigureOut">
               <a:rPr lang="pt-BR" smtClean="0"/>
               <a:pPr/>
-              <a:t>28/01/2024</a:t>
+              <a:t>29/01/2024</a:t>
             </a:fld>
             <a:endParaRPr lang="pt-BR"/>
           </a:p>
@@ -1133,7 +1144,7 @@
           <p:cNvPr id="5" name="Espaço Reservado para Rodapé 4">
             <a:extLst>
               <a:ext uri="{FF2B5EF4-FFF2-40B4-BE49-F238E27FC236}">
-                <a16:creationId xmlns:a16="http://schemas.microsoft.com/office/drawing/2014/main" xmlns="" id="{25C72ABC-C00B-4902-597D-D2BF84CFFB18}"/>
+                <a16:creationId xmlns:a16="http://schemas.microsoft.com/office/drawing/2014/main" id="{25C72ABC-C00B-4902-597D-D2BF84CFFB18}"/>
               </a:ext>
             </a:extLst>
           </p:cNvPr>
@@ -1158,7 +1169,7 @@
           <p:cNvPr id="6" name="Espaço Reservado para Número de Slide 5">
             <a:extLst>
               <a:ext uri="{FF2B5EF4-FFF2-40B4-BE49-F238E27FC236}">
-                <a16:creationId xmlns:a16="http://schemas.microsoft.com/office/drawing/2014/main" xmlns="" id="{79E04C83-D3B7-1364-E69E-5814BBD760AF}"/>
+                <a16:creationId xmlns:a16="http://schemas.microsoft.com/office/drawing/2014/main" id="{79E04C83-D3B7-1364-E69E-5814BBD760AF}"/>
               </a:ext>
             </a:extLst>
           </p:cNvPr>
@@ -1186,7 +1197,7 @@
     </p:spTree>
     <p:extLst>
       <p:ext uri="{BB962C8B-B14F-4D97-AF65-F5344CB8AC3E}">
-        <p14:creationId xmlns:p14="http://schemas.microsoft.com/office/powerpoint/2010/main" xmlns="" val="3435603660"/>
+        <p14:creationId xmlns:p14="http://schemas.microsoft.com/office/powerpoint/2010/main" val="3435603660"/>
       </p:ext>
     </p:extLst>
   </p:cSld>
@@ -1218,7 +1229,7 @@
           <p:cNvPr id="2" name="Título 1">
             <a:extLst>
               <a:ext uri="{FF2B5EF4-FFF2-40B4-BE49-F238E27FC236}">
-                <a16:creationId xmlns:a16="http://schemas.microsoft.com/office/drawing/2014/main" xmlns="" id="{5AC592A0-DE2D-E77A-021E-C14CBA977A42}"/>
+                <a16:creationId xmlns:a16="http://schemas.microsoft.com/office/drawing/2014/main" id="{5AC592A0-DE2D-E77A-021E-C14CBA977A42}"/>
               </a:ext>
             </a:extLst>
           </p:cNvPr>
@@ -1246,7 +1257,7 @@
           <p:cNvPr id="3" name="Espaço Reservado para Conteúdo 2">
             <a:extLst>
               <a:ext uri="{FF2B5EF4-FFF2-40B4-BE49-F238E27FC236}">
-                <a16:creationId xmlns:a16="http://schemas.microsoft.com/office/drawing/2014/main" xmlns="" id="{6961576B-1F2E-150D-02BD-FF2833B3B823}"/>
+                <a16:creationId xmlns:a16="http://schemas.microsoft.com/office/drawing/2014/main" id="{6961576B-1F2E-150D-02BD-FF2833B3B823}"/>
               </a:ext>
             </a:extLst>
           </p:cNvPr>
@@ -1303,7 +1314,7 @@
           <p:cNvPr id="4" name="Espaço Reservado para Data 3">
             <a:extLst>
               <a:ext uri="{FF2B5EF4-FFF2-40B4-BE49-F238E27FC236}">
-                <a16:creationId xmlns:a16="http://schemas.microsoft.com/office/drawing/2014/main" xmlns="" id="{14C49BED-C366-83AA-B037-627D0D6B855A}"/>
+                <a16:creationId xmlns:a16="http://schemas.microsoft.com/office/drawing/2014/main" id="{14C49BED-C366-83AA-B037-627D0D6B855A}"/>
               </a:ext>
             </a:extLst>
           </p:cNvPr>
@@ -1322,7 +1333,7 @@
             <a:fld id="{0A1764AE-7598-4101-9D63-6EC8D69CE664}" type="datetimeFigureOut">
               <a:rPr lang="pt-BR" smtClean="0"/>
               <a:pPr/>
-              <a:t>28/01/2024</a:t>
+              <a:t>29/01/2024</a:t>
             </a:fld>
             <a:endParaRPr lang="pt-BR"/>
           </a:p>
@@ -1333,7 +1344,7 @@
           <p:cNvPr id="5" name="Espaço Reservado para Rodapé 4">
             <a:extLst>
               <a:ext uri="{FF2B5EF4-FFF2-40B4-BE49-F238E27FC236}">
-                <a16:creationId xmlns:a16="http://schemas.microsoft.com/office/drawing/2014/main" xmlns="" id="{42B4AE0A-0236-4B53-F2EC-FCD56F252999}"/>
+                <a16:creationId xmlns:a16="http://schemas.microsoft.com/office/drawing/2014/main" id="{42B4AE0A-0236-4B53-F2EC-FCD56F252999}"/>
               </a:ext>
             </a:extLst>
           </p:cNvPr>
@@ -1358,7 +1369,7 @@
           <p:cNvPr id="6" name="Espaço Reservado para Número de Slide 5">
             <a:extLst>
               <a:ext uri="{FF2B5EF4-FFF2-40B4-BE49-F238E27FC236}">
-                <a16:creationId xmlns:a16="http://schemas.microsoft.com/office/drawing/2014/main" xmlns="" id="{C822B783-4376-5A2D-4074-315652F9DDB6}"/>
+                <a16:creationId xmlns:a16="http://schemas.microsoft.com/office/drawing/2014/main" id="{C822B783-4376-5A2D-4074-315652F9DDB6}"/>
               </a:ext>
             </a:extLst>
           </p:cNvPr>
@@ -1386,7 +1397,7 @@
     </p:spTree>
     <p:extLst>
       <p:ext uri="{BB962C8B-B14F-4D97-AF65-F5344CB8AC3E}">
-        <p14:creationId xmlns:p14="http://schemas.microsoft.com/office/powerpoint/2010/main" xmlns="" val="3035741462"/>
+        <p14:creationId xmlns:p14="http://schemas.microsoft.com/office/powerpoint/2010/main" val="3035741462"/>
       </p:ext>
     </p:extLst>
   </p:cSld>
@@ -1418,7 +1429,7 @@
           <p:cNvPr id="2" name="Título 1">
             <a:extLst>
               <a:ext uri="{FF2B5EF4-FFF2-40B4-BE49-F238E27FC236}">
-                <a16:creationId xmlns:a16="http://schemas.microsoft.com/office/drawing/2014/main" xmlns="" id="{F1FB76B7-E6FD-09E9-1790-8747A3D07122}"/>
+                <a16:creationId xmlns:a16="http://schemas.microsoft.com/office/drawing/2014/main" id="{F1FB76B7-E6FD-09E9-1790-8747A3D07122}"/>
               </a:ext>
             </a:extLst>
           </p:cNvPr>
@@ -1455,7 +1466,7 @@
           <p:cNvPr id="3" name="Espaço Reservado para Texto 2">
             <a:extLst>
               <a:ext uri="{FF2B5EF4-FFF2-40B4-BE49-F238E27FC236}">
-                <a16:creationId xmlns:a16="http://schemas.microsoft.com/office/drawing/2014/main" xmlns="" id="{E9E4CEDD-233A-EA0A-74C1-09D383290A95}"/>
+                <a16:creationId xmlns:a16="http://schemas.microsoft.com/office/drawing/2014/main" id="{E9E4CEDD-233A-EA0A-74C1-09D383290A95}"/>
               </a:ext>
             </a:extLst>
           </p:cNvPr>
@@ -1580,7 +1591,7 @@
           <p:cNvPr id="4" name="Espaço Reservado para Data 3">
             <a:extLst>
               <a:ext uri="{FF2B5EF4-FFF2-40B4-BE49-F238E27FC236}">
-                <a16:creationId xmlns:a16="http://schemas.microsoft.com/office/drawing/2014/main" xmlns="" id="{BEC03113-5A79-4485-B29D-B217A0F2574F}"/>
+                <a16:creationId xmlns:a16="http://schemas.microsoft.com/office/drawing/2014/main" id="{BEC03113-5A79-4485-B29D-B217A0F2574F}"/>
               </a:ext>
             </a:extLst>
           </p:cNvPr>
@@ -1599,7 +1610,7 @@
             <a:fld id="{0A1764AE-7598-4101-9D63-6EC8D69CE664}" type="datetimeFigureOut">
               <a:rPr lang="pt-BR" smtClean="0"/>
               <a:pPr/>
-              <a:t>28/01/2024</a:t>
+              <a:t>29/01/2024</a:t>
             </a:fld>
             <a:endParaRPr lang="pt-BR"/>
           </a:p>
@@ -1610,7 +1621,7 @@
           <p:cNvPr id="5" name="Espaço Reservado para Rodapé 4">
             <a:extLst>
               <a:ext uri="{FF2B5EF4-FFF2-40B4-BE49-F238E27FC236}">
-                <a16:creationId xmlns:a16="http://schemas.microsoft.com/office/drawing/2014/main" xmlns="" id="{B9A68206-DA39-29CA-3E43-5B6C80D0ACAC}"/>
+                <a16:creationId xmlns:a16="http://schemas.microsoft.com/office/drawing/2014/main" id="{B9A68206-DA39-29CA-3E43-5B6C80D0ACAC}"/>
               </a:ext>
             </a:extLst>
           </p:cNvPr>
@@ -1635,7 +1646,7 @@
           <p:cNvPr id="6" name="Espaço Reservado para Número de Slide 5">
             <a:extLst>
               <a:ext uri="{FF2B5EF4-FFF2-40B4-BE49-F238E27FC236}">
-                <a16:creationId xmlns:a16="http://schemas.microsoft.com/office/drawing/2014/main" xmlns="" id="{84C4A3F7-BD6A-5BAA-09BB-D4827C72A423}"/>
+                <a16:creationId xmlns:a16="http://schemas.microsoft.com/office/drawing/2014/main" id="{84C4A3F7-BD6A-5BAA-09BB-D4827C72A423}"/>
               </a:ext>
             </a:extLst>
           </p:cNvPr>
@@ -1663,7 +1674,7 @@
     </p:spTree>
     <p:extLst>
       <p:ext uri="{BB962C8B-B14F-4D97-AF65-F5344CB8AC3E}">
-        <p14:creationId xmlns:p14="http://schemas.microsoft.com/office/powerpoint/2010/main" xmlns="" val="261034518"/>
+        <p14:creationId xmlns:p14="http://schemas.microsoft.com/office/powerpoint/2010/main" val="261034518"/>
       </p:ext>
     </p:extLst>
   </p:cSld>
@@ -1695,7 +1706,7 @@
           <p:cNvPr id="2" name="Título 1">
             <a:extLst>
               <a:ext uri="{FF2B5EF4-FFF2-40B4-BE49-F238E27FC236}">
-                <a16:creationId xmlns:a16="http://schemas.microsoft.com/office/drawing/2014/main" xmlns="" id="{10502386-D165-6AFB-97EE-0D73E5E10CE4}"/>
+                <a16:creationId xmlns:a16="http://schemas.microsoft.com/office/drawing/2014/main" id="{10502386-D165-6AFB-97EE-0D73E5E10CE4}"/>
               </a:ext>
             </a:extLst>
           </p:cNvPr>
@@ -1723,7 +1734,7 @@
           <p:cNvPr id="3" name="Espaço Reservado para Conteúdo 2">
             <a:extLst>
               <a:ext uri="{FF2B5EF4-FFF2-40B4-BE49-F238E27FC236}">
-                <a16:creationId xmlns:a16="http://schemas.microsoft.com/office/drawing/2014/main" xmlns="" id="{DB43AC91-78AC-4637-FCA9-169600D7B7B8}"/>
+                <a16:creationId xmlns:a16="http://schemas.microsoft.com/office/drawing/2014/main" id="{DB43AC91-78AC-4637-FCA9-169600D7B7B8}"/>
               </a:ext>
             </a:extLst>
           </p:cNvPr>
@@ -1785,7 +1796,7 @@
           <p:cNvPr id="4" name="Espaço Reservado para Conteúdo 3">
             <a:extLst>
               <a:ext uri="{FF2B5EF4-FFF2-40B4-BE49-F238E27FC236}">
-                <a16:creationId xmlns:a16="http://schemas.microsoft.com/office/drawing/2014/main" xmlns="" id="{A5148302-F134-9971-4FD3-1B50D4C9233E}"/>
+                <a16:creationId xmlns:a16="http://schemas.microsoft.com/office/drawing/2014/main" id="{A5148302-F134-9971-4FD3-1B50D4C9233E}"/>
               </a:ext>
             </a:extLst>
           </p:cNvPr>
@@ -1847,7 +1858,7 @@
           <p:cNvPr id="5" name="Espaço Reservado para Data 4">
             <a:extLst>
               <a:ext uri="{FF2B5EF4-FFF2-40B4-BE49-F238E27FC236}">
-                <a16:creationId xmlns:a16="http://schemas.microsoft.com/office/drawing/2014/main" xmlns="" id="{73C09710-9781-FCF7-BC2A-4C11C64A42F6}"/>
+                <a16:creationId xmlns:a16="http://schemas.microsoft.com/office/drawing/2014/main" id="{73C09710-9781-FCF7-BC2A-4C11C64A42F6}"/>
               </a:ext>
             </a:extLst>
           </p:cNvPr>
@@ -1866,7 +1877,7 @@
             <a:fld id="{0A1764AE-7598-4101-9D63-6EC8D69CE664}" type="datetimeFigureOut">
               <a:rPr lang="pt-BR" smtClean="0"/>
               <a:pPr/>
-              <a:t>28/01/2024</a:t>
+              <a:t>29/01/2024</a:t>
             </a:fld>
             <a:endParaRPr lang="pt-BR"/>
           </a:p>
@@ -1877,7 +1888,7 @@
           <p:cNvPr id="6" name="Espaço Reservado para Rodapé 5">
             <a:extLst>
               <a:ext uri="{FF2B5EF4-FFF2-40B4-BE49-F238E27FC236}">
-                <a16:creationId xmlns:a16="http://schemas.microsoft.com/office/drawing/2014/main" xmlns="" id="{CE3CA3C3-D017-FD92-2490-D75299F3A355}"/>
+                <a16:creationId xmlns:a16="http://schemas.microsoft.com/office/drawing/2014/main" id="{CE3CA3C3-D017-FD92-2490-D75299F3A355}"/>
               </a:ext>
             </a:extLst>
           </p:cNvPr>
@@ -1902,7 +1913,7 @@
           <p:cNvPr id="7" name="Espaço Reservado para Número de Slide 6">
             <a:extLst>
               <a:ext uri="{FF2B5EF4-FFF2-40B4-BE49-F238E27FC236}">
-                <a16:creationId xmlns:a16="http://schemas.microsoft.com/office/drawing/2014/main" xmlns="" id="{78455C23-1DDF-5934-AAED-636C1FBCEF90}"/>
+                <a16:creationId xmlns:a16="http://schemas.microsoft.com/office/drawing/2014/main" id="{78455C23-1DDF-5934-AAED-636C1FBCEF90}"/>
               </a:ext>
             </a:extLst>
           </p:cNvPr>
@@ -1930,7 +1941,7 @@
     </p:spTree>
     <p:extLst>
       <p:ext uri="{BB962C8B-B14F-4D97-AF65-F5344CB8AC3E}">
-        <p14:creationId xmlns:p14="http://schemas.microsoft.com/office/powerpoint/2010/main" xmlns="" val="75410785"/>
+        <p14:creationId xmlns:p14="http://schemas.microsoft.com/office/powerpoint/2010/main" val="75410785"/>
       </p:ext>
     </p:extLst>
   </p:cSld>
@@ -1962,7 +1973,7 @@
           <p:cNvPr id="2" name="Título 1">
             <a:extLst>
               <a:ext uri="{FF2B5EF4-FFF2-40B4-BE49-F238E27FC236}">
-                <a16:creationId xmlns:a16="http://schemas.microsoft.com/office/drawing/2014/main" xmlns="" id="{9817F0D7-C06C-E2EF-FE9E-D792DE0C741F}"/>
+                <a16:creationId xmlns:a16="http://schemas.microsoft.com/office/drawing/2014/main" id="{9817F0D7-C06C-E2EF-FE9E-D792DE0C741F}"/>
               </a:ext>
             </a:extLst>
           </p:cNvPr>
@@ -1995,7 +2006,7 @@
           <p:cNvPr id="3" name="Espaço Reservado para Texto 2">
             <a:extLst>
               <a:ext uri="{FF2B5EF4-FFF2-40B4-BE49-F238E27FC236}">
-                <a16:creationId xmlns:a16="http://schemas.microsoft.com/office/drawing/2014/main" xmlns="" id="{D0394356-95F6-00FC-DB98-D96F00BE6AE5}"/>
+                <a16:creationId xmlns:a16="http://schemas.microsoft.com/office/drawing/2014/main" id="{D0394356-95F6-00FC-DB98-D96F00BE6AE5}"/>
               </a:ext>
             </a:extLst>
           </p:cNvPr>
@@ -2066,7 +2077,7 @@
           <p:cNvPr id="4" name="Espaço Reservado para Conteúdo 3">
             <a:extLst>
               <a:ext uri="{FF2B5EF4-FFF2-40B4-BE49-F238E27FC236}">
-                <a16:creationId xmlns:a16="http://schemas.microsoft.com/office/drawing/2014/main" xmlns="" id="{42D4766A-00F5-2090-A621-6FB6F26549CF}"/>
+                <a16:creationId xmlns:a16="http://schemas.microsoft.com/office/drawing/2014/main" id="{42D4766A-00F5-2090-A621-6FB6F26549CF}"/>
               </a:ext>
             </a:extLst>
           </p:cNvPr>
@@ -2128,7 +2139,7 @@
           <p:cNvPr id="5" name="Espaço Reservado para Texto 4">
             <a:extLst>
               <a:ext uri="{FF2B5EF4-FFF2-40B4-BE49-F238E27FC236}">
-                <a16:creationId xmlns:a16="http://schemas.microsoft.com/office/drawing/2014/main" xmlns="" id="{DD07265A-892C-08C6-CB78-0A3B03E728C6}"/>
+                <a16:creationId xmlns:a16="http://schemas.microsoft.com/office/drawing/2014/main" id="{DD07265A-892C-08C6-CB78-0A3B03E728C6}"/>
               </a:ext>
             </a:extLst>
           </p:cNvPr>
@@ -2199,7 +2210,7 @@
           <p:cNvPr id="6" name="Espaço Reservado para Conteúdo 5">
             <a:extLst>
               <a:ext uri="{FF2B5EF4-FFF2-40B4-BE49-F238E27FC236}">
-                <a16:creationId xmlns:a16="http://schemas.microsoft.com/office/drawing/2014/main" xmlns="" id="{6BE97ADF-D67D-12DD-97C0-E47DF6855472}"/>
+                <a16:creationId xmlns:a16="http://schemas.microsoft.com/office/drawing/2014/main" id="{6BE97ADF-D67D-12DD-97C0-E47DF6855472}"/>
               </a:ext>
             </a:extLst>
           </p:cNvPr>
@@ -2261,7 +2272,7 @@
           <p:cNvPr id="7" name="Espaço Reservado para Data 6">
             <a:extLst>
               <a:ext uri="{FF2B5EF4-FFF2-40B4-BE49-F238E27FC236}">
-                <a16:creationId xmlns:a16="http://schemas.microsoft.com/office/drawing/2014/main" xmlns="" id="{A8DF3DBB-5B0F-A8A2-30B1-BB66C8DBA49D}"/>
+                <a16:creationId xmlns:a16="http://schemas.microsoft.com/office/drawing/2014/main" id="{A8DF3DBB-5B0F-A8A2-30B1-BB66C8DBA49D}"/>
               </a:ext>
             </a:extLst>
           </p:cNvPr>
@@ -2280,7 +2291,7 @@
             <a:fld id="{0A1764AE-7598-4101-9D63-6EC8D69CE664}" type="datetimeFigureOut">
               <a:rPr lang="pt-BR" smtClean="0"/>
               <a:pPr/>
-              <a:t>28/01/2024</a:t>
+              <a:t>29/01/2024</a:t>
             </a:fld>
             <a:endParaRPr lang="pt-BR"/>
           </a:p>
@@ -2291,7 +2302,7 @@
           <p:cNvPr id="8" name="Espaço Reservado para Rodapé 7">
             <a:extLst>
               <a:ext uri="{FF2B5EF4-FFF2-40B4-BE49-F238E27FC236}">
-                <a16:creationId xmlns:a16="http://schemas.microsoft.com/office/drawing/2014/main" xmlns="" id="{47E1220E-B816-87D3-1AE8-4AD60942B491}"/>
+                <a16:creationId xmlns:a16="http://schemas.microsoft.com/office/drawing/2014/main" id="{47E1220E-B816-87D3-1AE8-4AD60942B491}"/>
               </a:ext>
             </a:extLst>
           </p:cNvPr>
@@ -2316,7 +2327,7 @@
           <p:cNvPr id="9" name="Espaço Reservado para Número de Slide 8">
             <a:extLst>
               <a:ext uri="{FF2B5EF4-FFF2-40B4-BE49-F238E27FC236}">
-                <a16:creationId xmlns:a16="http://schemas.microsoft.com/office/drawing/2014/main" xmlns="" id="{BF1EC8BA-D2C5-D8E7-6CB1-F30DCA758FAC}"/>
+                <a16:creationId xmlns:a16="http://schemas.microsoft.com/office/drawing/2014/main" id="{BF1EC8BA-D2C5-D8E7-6CB1-F30DCA758FAC}"/>
               </a:ext>
             </a:extLst>
           </p:cNvPr>
@@ -2344,7 +2355,7 @@
     </p:spTree>
     <p:extLst>
       <p:ext uri="{BB962C8B-B14F-4D97-AF65-F5344CB8AC3E}">
-        <p14:creationId xmlns:p14="http://schemas.microsoft.com/office/powerpoint/2010/main" xmlns="" val="3155032841"/>
+        <p14:creationId xmlns:p14="http://schemas.microsoft.com/office/powerpoint/2010/main" val="3155032841"/>
       </p:ext>
     </p:extLst>
   </p:cSld>
@@ -2376,7 +2387,7 @@
           <p:cNvPr id="2" name="Título 1">
             <a:extLst>
               <a:ext uri="{FF2B5EF4-FFF2-40B4-BE49-F238E27FC236}">
-                <a16:creationId xmlns:a16="http://schemas.microsoft.com/office/drawing/2014/main" xmlns="" id="{F2FF7027-5AC3-0D33-DEFE-A16A32FEC25B}"/>
+                <a16:creationId xmlns:a16="http://schemas.microsoft.com/office/drawing/2014/main" id="{F2FF7027-5AC3-0D33-DEFE-A16A32FEC25B}"/>
               </a:ext>
             </a:extLst>
           </p:cNvPr>
@@ -2404,7 +2415,7 @@
           <p:cNvPr id="3" name="Espaço Reservado para Data 2">
             <a:extLst>
               <a:ext uri="{FF2B5EF4-FFF2-40B4-BE49-F238E27FC236}">
-                <a16:creationId xmlns:a16="http://schemas.microsoft.com/office/drawing/2014/main" xmlns="" id="{88581B13-ED44-4466-ABC1-C3B74A257FB4}"/>
+                <a16:creationId xmlns:a16="http://schemas.microsoft.com/office/drawing/2014/main" id="{88581B13-ED44-4466-ABC1-C3B74A257FB4}"/>
               </a:ext>
             </a:extLst>
           </p:cNvPr>
@@ -2423,7 +2434,7 @@
             <a:fld id="{0A1764AE-7598-4101-9D63-6EC8D69CE664}" type="datetimeFigureOut">
               <a:rPr lang="pt-BR" smtClean="0"/>
               <a:pPr/>
-              <a:t>28/01/2024</a:t>
+              <a:t>29/01/2024</a:t>
             </a:fld>
             <a:endParaRPr lang="pt-BR"/>
           </a:p>
@@ -2434,7 +2445,7 @@
           <p:cNvPr id="4" name="Espaço Reservado para Rodapé 3">
             <a:extLst>
               <a:ext uri="{FF2B5EF4-FFF2-40B4-BE49-F238E27FC236}">
-                <a16:creationId xmlns:a16="http://schemas.microsoft.com/office/drawing/2014/main" xmlns="" id="{FD9905B5-E3B5-C9DC-D5FF-A14DEDD66A34}"/>
+                <a16:creationId xmlns:a16="http://schemas.microsoft.com/office/drawing/2014/main" id="{FD9905B5-E3B5-C9DC-D5FF-A14DEDD66A34}"/>
               </a:ext>
             </a:extLst>
           </p:cNvPr>
@@ -2459,7 +2470,7 @@
           <p:cNvPr id="5" name="Espaço Reservado para Número de Slide 4">
             <a:extLst>
               <a:ext uri="{FF2B5EF4-FFF2-40B4-BE49-F238E27FC236}">
-                <a16:creationId xmlns:a16="http://schemas.microsoft.com/office/drawing/2014/main" xmlns="" id="{C2CA1CDC-7D10-64A1-3F01-DCABD3852EAC}"/>
+                <a16:creationId xmlns:a16="http://schemas.microsoft.com/office/drawing/2014/main" id="{C2CA1CDC-7D10-64A1-3F01-DCABD3852EAC}"/>
               </a:ext>
             </a:extLst>
           </p:cNvPr>
@@ -2487,7 +2498,7 @@
     </p:spTree>
     <p:extLst>
       <p:ext uri="{BB962C8B-B14F-4D97-AF65-F5344CB8AC3E}">
-        <p14:creationId xmlns:p14="http://schemas.microsoft.com/office/powerpoint/2010/main" xmlns="" val="1335541169"/>
+        <p14:creationId xmlns:p14="http://schemas.microsoft.com/office/powerpoint/2010/main" val="1335541169"/>
       </p:ext>
     </p:extLst>
   </p:cSld>
@@ -2519,7 +2530,7 @@
           <p:cNvPr id="2" name="Espaço Reservado para Data 1">
             <a:extLst>
               <a:ext uri="{FF2B5EF4-FFF2-40B4-BE49-F238E27FC236}">
-                <a16:creationId xmlns:a16="http://schemas.microsoft.com/office/drawing/2014/main" xmlns="" id="{0FDFBB21-AA8B-1347-4822-84B111C48854}"/>
+                <a16:creationId xmlns:a16="http://schemas.microsoft.com/office/drawing/2014/main" id="{0FDFBB21-AA8B-1347-4822-84B111C48854}"/>
               </a:ext>
             </a:extLst>
           </p:cNvPr>
@@ -2538,7 +2549,7 @@
             <a:fld id="{0A1764AE-7598-4101-9D63-6EC8D69CE664}" type="datetimeFigureOut">
               <a:rPr lang="pt-BR" smtClean="0"/>
               <a:pPr/>
-              <a:t>28/01/2024</a:t>
+              <a:t>29/01/2024</a:t>
             </a:fld>
             <a:endParaRPr lang="pt-BR"/>
           </a:p>
@@ -2549,7 +2560,7 @@
           <p:cNvPr id="3" name="Espaço Reservado para Rodapé 2">
             <a:extLst>
               <a:ext uri="{FF2B5EF4-FFF2-40B4-BE49-F238E27FC236}">
-                <a16:creationId xmlns:a16="http://schemas.microsoft.com/office/drawing/2014/main" xmlns="" id="{07869940-132C-1297-7F48-04F6C4E9F534}"/>
+                <a16:creationId xmlns:a16="http://schemas.microsoft.com/office/drawing/2014/main" id="{07869940-132C-1297-7F48-04F6C4E9F534}"/>
               </a:ext>
             </a:extLst>
           </p:cNvPr>
@@ -2574,7 +2585,7 @@
           <p:cNvPr id="4" name="Espaço Reservado para Número de Slide 3">
             <a:extLst>
               <a:ext uri="{FF2B5EF4-FFF2-40B4-BE49-F238E27FC236}">
-                <a16:creationId xmlns:a16="http://schemas.microsoft.com/office/drawing/2014/main" xmlns="" id="{2B2A80AF-223B-9180-2B8B-510B5994C013}"/>
+                <a16:creationId xmlns:a16="http://schemas.microsoft.com/office/drawing/2014/main" id="{2B2A80AF-223B-9180-2B8B-510B5994C013}"/>
               </a:ext>
             </a:extLst>
           </p:cNvPr>
@@ -2602,7 +2613,7 @@
     </p:spTree>
     <p:extLst>
       <p:ext uri="{BB962C8B-B14F-4D97-AF65-F5344CB8AC3E}">
-        <p14:creationId xmlns:p14="http://schemas.microsoft.com/office/powerpoint/2010/main" xmlns="" val="2815870051"/>
+        <p14:creationId xmlns:p14="http://schemas.microsoft.com/office/powerpoint/2010/main" val="2815870051"/>
       </p:ext>
     </p:extLst>
   </p:cSld>
@@ -2634,7 +2645,7 @@
           <p:cNvPr id="2" name="Título 1">
             <a:extLst>
               <a:ext uri="{FF2B5EF4-FFF2-40B4-BE49-F238E27FC236}">
-                <a16:creationId xmlns:a16="http://schemas.microsoft.com/office/drawing/2014/main" xmlns="" id="{16E4D81C-D970-2C20-5213-8F958B99E7E8}"/>
+                <a16:creationId xmlns:a16="http://schemas.microsoft.com/office/drawing/2014/main" id="{16E4D81C-D970-2C20-5213-8F958B99E7E8}"/>
               </a:ext>
             </a:extLst>
           </p:cNvPr>
@@ -2671,7 +2682,7 @@
           <p:cNvPr id="3" name="Espaço Reservado para Conteúdo 2">
             <a:extLst>
               <a:ext uri="{FF2B5EF4-FFF2-40B4-BE49-F238E27FC236}">
-                <a16:creationId xmlns:a16="http://schemas.microsoft.com/office/drawing/2014/main" xmlns="" id="{184D3C3C-BFA2-273A-F13C-FA36E25528FE}"/>
+                <a16:creationId xmlns:a16="http://schemas.microsoft.com/office/drawing/2014/main" id="{184D3C3C-BFA2-273A-F13C-FA36E25528FE}"/>
               </a:ext>
             </a:extLst>
           </p:cNvPr>
@@ -2761,7 +2772,7 @@
           <p:cNvPr id="4" name="Espaço Reservado para Texto 3">
             <a:extLst>
               <a:ext uri="{FF2B5EF4-FFF2-40B4-BE49-F238E27FC236}">
-                <a16:creationId xmlns:a16="http://schemas.microsoft.com/office/drawing/2014/main" xmlns="" id="{56E4EAA5-304C-1E98-B7D5-0A48793C9F5E}"/>
+                <a16:creationId xmlns:a16="http://schemas.microsoft.com/office/drawing/2014/main" id="{56E4EAA5-304C-1E98-B7D5-0A48793C9F5E}"/>
               </a:ext>
             </a:extLst>
           </p:cNvPr>
@@ -2832,7 +2843,7 @@
           <p:cNvPr id="5" name="Espaço Reservado para Data 4">
             <a:extLst>
               <a:ext uri="{FF2B5EF4-FFF2-40B4-BE49-F238E27FC236}">
-                <a16:creationId xmlns:a16="http://schemas.microsoft.com/office/drawing/2014/main" xmlns="" id="{36A81DE2-F187-B55C-1EA8-700746B78101}"/>
+                <a16:creationId xmlns:a16="http://schemas.microsoft.com/office/drawing/2014/main" id="{36A81DE2-F187-B55C-1EA8-700746B78101}"/>
               </a:ext>
             </a:extLst>
           </p:cNvPr>
@@ -2851,7 +2862,7 @@
             <a:fld id="{0A1764AE-7598-4101-9D63-6EC8D69CE664}" type="datetimeFigureOut">
               <a:rPr lang="pt-BR" smtClean="0"/>
               <a:pPr/>
-              <a:t>28/01/2024</a:t>
+              <a:t>29/01/2024</a:t>
             </a:fld>
             <a:endParaRPr lang="pt-BR"/>
           </a:p>
@@ -2862,7 +2873,7 @@
           <p:cNvPr id="6" name="Espaço Reservado para Rodapé 5">
             <a:extLst>
               <a:ext uri="{FF2B5EF4-FFF2-40B4-BE49-F238E27FC236}">
-                <a16:creationId xmlns:a16="http://schemas.microsoft.com/office/drawing/2014/main" xmlns="" id="{C1AFA529-AA65-1A52-6F57-A825A250FDA5}"/>
+                <a16:creationId xmlns:a16="http://schemas.microsoft.com/office/drawing/2014/main" id="{C1AFA529-AA65-1A52-6F57-A825A250FDA5}"/>
               </a:ext>
             </a:extLst>
           </p:cNvPr>
@@ -2887,7 +2898,7 @@
           <p:cNvPr id="7" name="Espaço Reservado para Número de Slide 6">
             <a:extLst>
               <a:ext uri="{FF2B5EF4-FFF2-40B4-BE49-F238E27FC236}">
-                <a16:creationId xmlns:a16="http://schemas.microsoft.com/office/drawing/2014/main" xmlns="" id="{2E0B6899-7466-12B8-15ED-F74997CFA538}"/>
+                <a16:creationId xmlns:a16="http://schemas.microsoft.com/office/drawing/2014/main" id="{2E0B6899-7466-12B8-15ED-F74997CFA538}"/>
               </a:ext>
             </a:extLst>
           </p:cNvPr>
@@ -2915,7 +2926,7 @@
     </p:spTree>
     <p:extLst>
       <p:ext uri="{BB962C8B-B14F-4D97-AF65-F5344CB8AC3E}">
-        <p14:creationId xmlns:p14="http://schemas.microsoft.com/office/powerpoint/2010/main" xmlns="" val="2877735598"/>
+        <p14:creationId xmlns:p14="http://schemas.microsoft.com/office/powerpoint/2010/main" val="2877735598"/>
       </p:ext>
     </p:extLst>
   </p:cSld>
@@ -2947,7 +2958,7 @@
           <p:cNvPr id="2" name="Título 1">
             <a:extLst>
               <a:ext uri="{FF2B5EF4-FFF2-40B4-BE49-F238E27FC236}">
-                <a16:creationId xmlns:a16="http://schemas.microsoft.com/office/drawing/2014/main" xmlns="" id="{51888E68-36BD-37A5-BBD3-BDD2149CB8A7}"/>
+                <a16:creationId xmlns:a16="http://schemas.microsoft.com/office/drawing/2014/main" id="{51888E68-36BD-37A5-BBD3-BDD2149CB8A7}"/>
               </a:ext>
             </a:extLst>
           </p:cNvPr>
@@ -2984,7 +2995,7 @@
           <p:cNvPr id="3" name="Espaço Reservado para Imagem 2">
             <a:extLst>
               <a:ext uri="{FF2B5EF4-FFF2-40B4-BE49-F238E27FC236}">
-                <a16:creationId xmlns:a16="http://schemas.microsoft.com/office/drawing/2014/main" xmlns="" id="{73D2E735-6695-28BF-3668-9AC94C5A5692}"/>
+                <a16:creationId xmlns:a16="http://schemas.microsoft.com/office/drawing/2014/main" id="{73D2E735-6695-28BF-3668-9AC94C5A5692}"/>
               </a:ext>
             </a:extLst>
           </p:cNvPr>
@@ -3051,7 +3062,7 @@
           <p:cNvPr id="4" name="Espaço Reservado para Texto 3">
             <a:extLst>
               <a:ext uri="{FF2B5EF4-FFF2-40B4-BE49-F238E27FC236}">
-                <a16:creationId xmlns:a16="http://schemas.microsoft.com/office/drawing/2014/main" xmlns="" id="{66AF9BE7-4E81-C55B-D975-70AD46F475F9}"/>
+                <a16:creationId xmlns:a16="http://schemas.microsoft.com/office/drawing/2014/main" id="{66AF9BE7-4E81-C55B-D975-70AD46F475F9}"/>
               </a:ext>
             </a:extLst>
           </p:cNvPr>
@@ -3122,7 +3133,7 @@
           <p:cNvPr id="5" name="Espaço Reservado para Data 4">
             <a:extLst>
               <a:ext uri="{FF2B5EF4-FFF2-40B4-BE49-F238E27FC236}">
-                <a16:creationId xmlns:a16="http://schemas.microsoft.com/office/drawing/2014/main" xmlns="" id="{CCB61098-2E02-A6FB-B524-6D33B4C216BC}"/>
+                <a16:creationId xmlns:a16="http://schemas.microsoft.com/office/drawing/2014/main" id="{CCB61098-2E02-A6FB-B524-6D33B4C216BC}"/>
               </a:ext>
             </a:extLst>
           </p:cNvPr>
@@ -3141,7 +3152,7 @@
             <a:fld id="{0A1764AE-7598-4101-9D63-6EC8D69CE664}" type="datetimeFigureOut">
               <a:rPr lang="pt-BR" smtClean="0"/>
               <a:pPr/>
-              <a:t>28/01/2024</a:t>
+              <a:t>29/01/2024</a:t>
             </a:fld>
             <a:endParaRPr lang="pt-BR"/>
           </a:p>
@@ -3152,7 +3163,7 @@
           <p:cNvPr id="6" name="Espaço Reservado para Rodapé 5">
             <a:extLst>
               <a:ext uri="{FF2B5EF4-FFF2-40B4-BE49-F238E27FC236}">
-                <a16:creationId xmlns:a16="http://schemas.microsoft.com/office/drawing/2014/main" xmlns="" id="{3F8F8A4E-DE4D-371B-CADE-3038BCD6A33D}"/>
+                <a16:creationId xmlns:a16="http://schemas.microsoft.com/office/drawing/2014/main" id="{3F8F8A4E-DE4D-371B-CADE-3038BCD6A33D}"/>
               </a:ext>
             </a:extLst>
           </p:cNvPr>
@@ -3177,7 +3188,7 @@
           <p:cNvPr id="7" name="Espaço Reservado para Número de Slide 6">
             <a:extLst>
               <a:ext uri="{FF2B5EF4-FFF2-40B4-BE49-F238E27FC236}">
-                <a16:creationId xmlns:a16="http://schemas.microsoft.com/office/drawing/2014/main" xmlns="" id="{750B15D7-FEAC-0CD3-E7AB-A0BFACC8693C}"/>
+                <a16:creationId xmlns:a16="http://schemas.microsoft.com/office/drawing/2014/main" id="{750B15D7-FEAC-0CD3-E7AB-A0BFACC8693C}"/>
               </a:ext>
             </a:extLst>
           </p:cNvPr>
@@ -3205,7 +3216,7 @@
     </p:spTree>
     <p:extLst>
       <p:ext uri="{BB962C8B-B14F-4D97-AF65-F5344CB8AC3E}">
-        <p14:creationId xmlns:p14="http://schemas.microsoft.com/office/powerpoint/2010/main" xmlns="" val="2623101394"/>
+        <p14:creationId xmlns:p14="http://schemas.microsoft.com/office/powerpoint/2010/main" val="2623101394"/>
       </p:ext>
     </p:extLst>
   </p:cSld>
@@ -3242,7 +3253,7 @@
           <p:cNvPr id="2" name="Espaço Reservado para Título 1">
             <a:extLst>
               <a:ext uri="{FF2B5EF4-FFF2-40B4-BE49-F238E27FC236}">
-                <a16:creationId xmlns:a16="http://schemas.microsoft.com/office/drawing/2014/main" xmlns="" id="{1F826B7B-E30E-597C-AB50-D23724B6E99B}"/>
+                <a16:creationId xmlns:a16="http://schemas.microsoft.com/office/drawing/2014/main" id="{1F826B7B-E30E-597C-AB50-D23724B6E99B}"/>
               </a:ext>
             </a:extLst>
           </p:cNvPr>
@@ -3280,7 +3291,7 @@
           <p:cNvPr id="3" name="Espaço Reservado para Texto 2">
             <a:extLst>
               <a:ext uri="{FF2B5EF4-FFF2-40B4-BE49-F238E27FC236}">
-                <a16:creationId xmlns:a16="http://schemas.microsoft.com/office/drawing/2014/main" xmlns="" id="{802C3EBF-8F01-F029-0870-E1685535A47C}"/>
+                <a16:creationId xmlns:a16="http://schemas.microsoft.com/office/drawing/2014/main" id="{802C3EBF-8F01-F029-0870-E1685535A47C}"/>
               </a:ext>
             </a:extLst>
           </p:cNvPr>
@@ -3347,7 +3358,7 @@
           <p:cNvPr id="4" name="Espaço Reservado para Data 3">
             <a:extLst>
               <a:ext uri="{FF2B5EF4-FFF2-40B4-BE49-F238E27FC236}">
-                <a16:creationId xmlns:a16="http://schemas.microsoft.com/office/drawing/2014/main" xmlns="" id="{75AF944E-22A7-7B26-D84B-C76859E3ECBB}"/>
+                <a16:creationId xmlns:a16="http://schemas.microsoft.com/office/drawing/2014/main" id="{75AF944E-22A7-7B26-D84B-C76859E3ECBB}"/>
               </a:ext>
             </a:extLst>
           </p:cNvPr>
@@ -3384,7 +3395,7 @@
             <a:fld id="{0A1764AE-7598-4101-9D63-6EC8D69CE664}" type="datetimeFigureOut">
               <a:rPr lang="pt-BR" smtClean="0"/>
               <a:pPr/>
-              <a:t>28/01/2024</a:t>
+              <a:t>29/01/2024</a:t>
             </a:fld>
             <a:endParaRPr lang="pt-BR"/>
           </a:p>
@@ -3395,7 +3406,7 @@
           <p:cNvPr id="5" name="Espaço Reservado para Rodapé 4">
             <a:extLst>
               <a:ext uri="{FF2B5EF4-FFF2-40B4-BE49-F238E27FC236}">
-                <a16:creationId xmlns:a16="http://schemas.microsoft.com/office/drawing/2014/main" xmlns="" id="{086796B1-43E4-0AAC-7BD2-6A8DB509B4E7}"/>
+                <a16:creationId xmlns:a16="http://schemas.microsoft.com/office/drawing/2014/main" id="{086796B1-43E4-0AAC-7BD2-6A8DB509B4E7}"/>
               </a:ext>
             </a:extLst>
           </p:cNvPr>
@@ -3438,7 +3449,7 @@
           <p:cNvPr id="6" name="Espaço Reservado para Número de Slide 5">
             <a:extLst>
               <a:ext uri="{FF2B5EF4-FFF2-40B4-BE49-F238E27FC236}">
-                <a16:creationId xmlns:a16="http://schemas.microsoft.com/office/drawing/2014/main" xmlns="" id="{A5D514A5-1270-FA9A-B8F8-1AA12AD506E6}"/>
+                <a16:creationId xmlns:a16="http://schemas.microsoft.com/office/drawing/2014/main" id="{A5D514A5-1270-FA9A-B8F8-1AA12AD506E6}"/>
               </a:ext>
             </a:extLst>
           </p:cNvPr>
@@ -3484,7 +3495,7 @@
     </p:spTree>
     <p:extLst>
       <p:ext uri="{BB962C8B-B14F-4D97-AF65-F5344CB8AC3E}">
-        <p14:creationId xmlns:p14="http://schemas.microsoft.com/office/powerpoint/2010/main" xmlns="" val="3548735611"/>
+        <p14:creationId xmlns:p14="http://schemas.microsoft.com/office/powerpoint/2010/main" val="3548735611"/>
       </p:ext>
     </p:extLst>
   </p:cSld>
@@ -3807,7 +3818,7 @@
           <p:cNvPr id="2" name="Título 1">
             <a:extLst>
               <a:ext uri="{FF2B5EF4-FFF2-40B4-BE49-F238E27FC236}">
-                <a16:creationId xmlns:a16="http://schemas.microsoft.com/office/drawing/2014/main" xmlns="" id="{6EDD1BBC-D3E3-76D6-1A97-E4693D9F58BF}"/>
+                <a16:creationId xmlns:a16="http://schemas.microsoft.com/office/drawing/2014/main" id="{6EDD1BBC-D3E3-76D6-1A97-E4693D9F58BF}"/>
               </a:ext>
             </a:extLst>
           </p:cNvPr>
@@ -3835,7 +3846,7 @@
           <p:cNvPr id="3" name="Subtítulo 2">
             <a:extLst>
               <a:ext uri="{FF2B5EF4-FFF2-40B4-BE49-F238E27FC236}">
-                <a16:creationId xmlns:a16="http://schemas.microsoft.com/office/drawing/2014/main" xmlns="" id="{656E3EDA-BF19-A418-9EED-5F2B789117C2}"/>
+                <a16:creationId xmlns:a16="http://schemas.microsoft.com/office/drawing/2014/main" id="{656E3EDA-BF19-A418-9EED-5F2B789117C2}"/>
               </a:ext>
             </a:extLst>
           </p:cNvPr>
@@ -3858,7 +3869,7 @@
     </p:spTree>
     <p:extLst>
       <p:ext uri="{BB962C8B-B14F-4D97-AF65-F5344CB8AC3E}">
-        <p14:creationId xmlns:p14="http://schemas.microsoft.com/office/powerpoint/2010/main" xmlns="" val="1359056639"/>
+        <p14:creationId xmlns:p14="http://schemas.microsoft.com/office/powerpoint/2010/main" val="1359056639"/>
       </p:ext>
     </p:extLst>
   </p:cSld>
@@ -4061,13 +4072,8 @@
           <a:p>
             <a:r>
               <a:rPr lang="pt-BR" dirty="0" smtClean="0"/>
-              <a:t>Pré-condição: </a:t>
-            </a:r>
-            <a:r>
-              <a:rPr lang="pt-BR" dirty="0" smtClean="0"/>
-              <a:t>Tela almoxarifado estar aberta</a:t>
-            </a:r>
-            <a:endParaRPr lang="pt-BR" dirty="0" smtClean="0"/>
+              <a:t>Pré-condição: Tela almoxarifado estar aberta</a:t>
+            </a:r>
           </a:p>
           <a:p>
             <a:endParaRPr lang="pt-BR" dirty="0" smtClean="0"/>
@@ -4081,42 +4087,22 @@
           <a:p>
             <a:r>
               <a:rPr lang="pt-BR" dirty="0" smtClean="0"/>
-              <a:t>1- </a:t>
-            </a:r>
+              <a:t>1- Acessar o sistema.</a:t>
+            </a:r>
+          </a:p>
+          <a:p>
             <a:r>
               <a:rPr lang="pt-BR" dirty="0" smtClean="0"/>
-              <a:t>Acessar o sistema.</a:t>
-            </a:r>
+              <a:t>2-  Entrar em um campo.</a:t>
+            </a:r>
+          </a:p>
+          <a:p>
+            <a:endParaRPr lang="pt-BR" dirty="0"/>
           </a:p>
           <a:p>
             <a:r>
               <a:rPr lang="pt-BR" dirty="0" smtClean="0"/>
-              <a:t>2-  </a:t>
-            </a:r>
-            <a:r>
-              <a:rPr lang="pt-BR" dirty="0" smtClean="0"/>
-              <a:t>En</a:t>
-            </a:r>
-            <a:r>
-              <a:rPr lang="pt-BR" dirty="0" smtClean="0"/>
-              <a:t>trar </a:t>
-            </a:r>
-            <a:r>
-              <a:rPr lang="pt-BR" dirty="0" smtClean="0"/>
-              <a:t>em um campo.</a:t>
-            </a:r>
-          </a:p>
-          <a:p>
-            <a:endParaRPr lang="pt-BR" dirty="0"/>
-          </a:p>
-          <a:p>
-            <a:r>
-              <a:rPr lang="pt-BR" dirty="0" smtClean="0"/>
-              <a:t>Resultado esperado: Mudança da cor do fundo do </a:t>
-            </a:r>
-            <a:r>
-              <a:rPr lang="pt-BR" dirty="0" smtClean="0"/>
-              <a:t>campo para  “verde”.</a:t>
+              <a:t>Resultado esperado: Mudança da cor do fundo do campo para  “verde”.</a:t>
             </a:r>
             <a:endParaRPr lang="pt-BR" dirty="0"/>
           </a:p>
@@ -4149,15 +4135,7 @@
                   <a:schemeClr val="bg1"/>
                 </a:solidFill>
               </a:rPr>
-              <a:t>CT 02 - RN 02 : </a:t>
-            </a:r>
-            <a:r>
-              <a:rPr lang="pt-BR" sz="2800" dirty="0" smtClean="0">
-                <a:solidFill>
-                  <a:schemeClr val="bg1"/>
-                </a:solidFill>
-              </a:rPr>
-              <a:t>Tela Requisição &gt; Campos</a:t>
+              <a:t>CT 02 - RN 02 : Tela Requisição &gt; Campos</a:t>
             </a:r>
           </a:p>
           <a:p>
@@ -4172,7 +4150,7 @@
     </p:spTree>
     <p:extLst>
       <p:ext uri="{BB962C8B-B14F-4D97-AF65-F5344CB8AC3E}">
-        <p14:creationId xmlns:p14="http://schemas.microsoft.com/office/powerpoint/2010/main" xmlns="" val="49205778"/>
+        <p14:creationId xmlns:p14="http://schemas.microsoft.com/office/powerpoint/2010/main" val="49205778"/>
       </p:ext>
     </p:extLst>
   </p:cSld>
@@ -4375,13 +4353,8 @@
           <a:p>
             <a:r>
               <a:rPr lang="pt-BR" dirty="0" smtClean="0"/>
-              <a:t>Pré-condição: </a:t>
-            </a:r>
-            <a:r>
-              <a:rPr lang="pt-BR" dirty="0" smtClean="0"/>
-              <a:t>Tela almoxarifado estar aberta</a:t>
-            </a:r>
-            <a:endParaRPr lang="pt-BR" dirty="0" smtClean="0"/>
+              <a:t>Pré-condição: Tela almoxarifado estar aberta</a:t>
+            </a:r>
           </a:p>
           <a:p>
             <a:endParaRPr lang="pt-BR" dirty="0" smtClean="0"/>
@@ -4395,44 +4368,23 @@
           <a:p>
             <a:r>
               <a:rPr lang="pt-BR" dirty="0" smtClean="0"/>
-              <a:t>1- </a:t>
-            </a:r>
+              <a:t>1- Acessar o sistema.</a:t>
+            </a:r>
+          </a:p>
+          <a:p>
             <a:r>
               <a:rPr lang="pt-BR" dirty="0" smtClean="0"/>
-              <a:t>Acessar o sistema.</a:t>
-            </a:r>
+              <a:t>2- Preencher todos os campos ID por números inteiros.</a:t>
+            </a:r>
+          </a:p>
+          <a:p>
+            <a:endParaRPr lang="pt-BR" dirty="0"/>
           </a:p>
           <a:p>
             <a:r>
               <a:rPr lang="pt-BR" dirty="0" smtClean="0"/>
-              <a:t>2- </a:t>
-            </a:r>
-            <a:r>
-              <a:rPr lang="pt-BR" dirty="0" smtClean="0"/>
-              <a:t>Preencher todos os campos ID </a:t>
-            </a:r>
-            <a:r>
-              <a:rPr lang="pt-BR" dirty="0" smtClean="0"/>
-              <a:t>por </a:t>
-            </a:r>
-            <a:r>
-              <a:rPr lang="pt-BR" dirty="0" smtClean="0"/>
-              <a:t>números inteiros.</a:t>
-            </a:r>
-          </a:p>
-          <a:p>
-            <a:endParaRPr lang="pt-BR" dirty="0"/>
-          </a:p>
-          <a:p>
-            <a:r>
-              <a:rPr lang="pt-BR" dirty="0" smtClean="0"/>
-              <a:t>Resultado esperado: Campos ID preenchidos </a:t>
-            </a:r>
-            <a:r>
-              <a:rPr lang="pt-BR" dirty="0" smtClean="0"/>
-              <a:t>corretamente por números inteiros.</a:t>
-            </a:r>
-            <a:endParaRPr lang="pt-BR" dirty="0" smtClean="0"/>
+              <a:t>Resultado esperado: Campos ID preenchidos corretamente por números inteiros.</a:t>
+            </a:r>
           </a:p>
         </p:txBody>
       </p:sp>
@@ -4464,15 +4416,7 @@
                   <a:schemeClr val="bg1"/>
                 </a:solidFill>
               </a:rPr>
-              <a:t>CT 03 - RN 03: </a:t>
-            </a:r>
-            <a:r>
-              <a:rPr lang="pt-BR" sz="2800" dirty="0" smtClean="0">
-                <a:solidFill>
-                  <a:schemeClr val="bg1"/>
-                </a:solidFill>
-              </a:rPr>
-              <a:t>Tela Requisição &gt; Campos</a:t>
+              <a:t>CT 03 - RN 03: Tela Requisição &gt; Campos</a:t>
             </a:r>
           </a:p>
           <a:p>
@@ -4495,7 +4439,7 @@
     </p:spTree>
     <p:extLst>
       <p:ext uri="{BB962C8B-B14F-4D97-AF65-F5344CB8AC3E}">
-        <p14:creationId xmlns:p14="http://schemas.microsoft.com/office/powerpoint/2010/main" xmlns="" val="3861675197"/>
+        <p14:creationId xmlns:p14="http://schemas.microsoft.com/office/powerpoint/2010/main" val="3861675197"/>
       </p:ext>
     </p:extLst>
   </p:cSld>
@@ -4698,13 +4642,8 @@
           <a:p>
             <a:r>
               <a:rPr lang="pt-BR" dirty="0" smtClean="0"/>
-              <a:t>Pré-condição: </a:t>
-            </a:r>
-            <a:r>
-              <a:rPr lang="pt-BR" dirty="0" smtClean="0"/>
-              <a:t>Tela almoxarifado estar aberta</a:t>
-            </a:r>
-            <a:endParaRPr lang="pt-BR" dirty="0" smtClean="0"/>
+              <a:t>Pré-condição: Tela almoxarifado estar aberta</a:t>
+            </a:r>
           </a:p>
           <a:p>
             <a:endParaRPr lang="pt-BR" dirty="0" smtClean="0"/>
@@ -4718,11 +4657,7 @@
           <a:p>
             <a:r>
               <a:rPr lang="pt-BR" dirty="0" smtClean="0"/>
-              <a:t>1- </a:t>
-            </a:r>
-            <a:r>
-              <a:rPr lang="pt-BR" dirty="0" smtClean="0"/>
-              <a:t>Acessar o sistema.</a:t>
+              <a:t>1- Acessar o sistema.</a:t>
             </a:r>
           </a:p>
           <a:p>
@@ -4737,15 +4672,7 @@
           <a:p>
             <a:r>
               <a:rPr lang="pt-BR" dirty="0" smtClean="0"/>
-              <a:t>Resultado esperado: Dados na </a:t>
-            </a:r>
-            <a:r>
-              <a:rPr lang="pt-BR" dirty="0" smtClean="0"/>
-              <a:t> categoria </a:t>
-            </a:r>
-            <a:r>
-              <a:rPr lang="pt-BR" dirty="0" smtClean="0"/>
-              <a:t>“motivo”.</a:t>
+              <a:t>Resultado esperado: Dados na  categoria “motivo”.</a:t>
             </a:r>
           </a:p>
         </p:txBody>
@@ -4778,15 +4705,7 @@
                   <a:schemeClr val="bg1"/>
                 </a:solidFill>
               </a:rPr>
-              <a:t>CT 04 - RN 04: </a:t>
-            </a:r>
-            <a:r>
-              <a:rPr lang="pt-BR" sz="2800" dirty="0" smtClean="0">
-                <a:solidFill>
-                  <a:schemeClr val="bg1"/>
-                </a:solidFill>
-              </a:rPr>
-              <a:t>Tela Requisição &gt; Categoria Motivo</a:t>
+              <a:t>CT 04 - RN 04: Tela Requisição &gt; Categoria Motivo</a:t>
             </a:r>
           </a:p>
           <a:p>
@@ -4809,7 +4728,7 @@
     </p:spTree>
     <p:extLst>
       <p:ext uri="{BB962C8B-B14F-4D97-AF65-F5344CB8AC3E}">
-        <p14:creationId xmlns:p14="http://schemas.microsoft.com/office/powerpoint/2010/main" xmlns="" val="3581062066"/>
+        <p14:creationId xmlns:p14="http://schemas.microsoft.com/office/powerpoint/2010/main" val="3581062066"/>
       </p:ext>
     </p:extLst>
   </p:cSld>
@@ -5027,37 +4946,13 @@
           <a:p>
             <a:r>
               <a:rPr lang="pt-BR" dirty="0" smtClean="0"/>
-              <a:t>1- </a:t>
-            </a:r>
+              <a:t>1- Acessar o sistema.</a:t>
+            </a:r>
+          </a:p>
+          <a:p>
             <a:r>
               <a:rPr lang="pt-BR" dirty="0" smtClean="0"/>
-              <a:t>Acessar o sistema.</a:t>
-            </a:r>
-          </a:p>
-          <a:p>
-            <a:r>
-              <a:rPr lang="pt-BR" dirty="0" smtClean="0"/>
-              <a:t>2- </a:t>
-            </a:r>
-            <a:r>
-              <a:rPr lang="pt-BR" dirty="0" smtClean="0"/>
-              <a:t>Preencher ca</a:t>
-            </a:r>
-            <a:r>
-              <a:rPr lang="pt-BR" dirty="0" smtClean="0"/>
-              <a:t>mpo </a:t>
-            </a:r>
-            <a:r>
-              <a:rPr lang="pt-BR" dirty="0" smtClean="0"/>
-              <a:t>“motivo” </a:t>
-            </a:r>
-            <a:r>
-              <a:rPr lang="pt-BR" dirty="0" smtClean="0"/>
-              <a:t>somente </a:t>
-            </a:r>
-            <a:r>
-              <a:rPr lang="pt-BR" dirty="0" smtClean="0"/>
-              <a:t>depois da seleção  da “categoria motivo”.</a:t>
+              <a:t>2- Preencher campo “motivo” somente depois da seleção  da “categoria motivo”.</a:t>
             </a:r>
           </a:p>
           <a:p>
@@ -5078,29 +4973,8 @@
           <a:p>
             <a:r>
               <a:rPr lang="pt-BR" dirty="0" smtClean="0"/>
-              <a:t>Resultado esperado: </a:t>
-            </a:r>
-            <a:r>
-              <a:rPr lang="pt-BR" dirty="0" smtClean="0"/>
-              <a:t>Ca</a:t>
-            </a:r>
-            <a:r>
-              <a:rPr lang="pt-BR" dirty="0" smtClean="0"/>
-              <a:t>mpo </a:t>
-            </a:r>
-            <a:r>
-              <a:rPr lang="pt-BR" dirty="0" smtClean="0"/>
-              <a:t>“motivo</a:t>
-            </a:r>
-            <a:r>
-              <a:rPr lang="pt-BR" dirty="0" smtClean="0"/>
-              <a:t>” com opç</a:t>
-            </a:r>
-            <a:r>
-              <a:rPr lang="pt-BR" dirty="0" smtClean="0"/>
-              <a:t>ões somente da categoria selecionada.</a:t>
-            </a:r>
-            <a:endParaRPr lang="pt-BR" dirty="0" smtClean="0"/>
+              <a:t>Resultado esperado: Campo “motivo” com opções somente da categoria selecionada.</a:t>
+            </a:r>
           </a:p>
         </p:txBody>
       </p:sp>
@@ -5132,15 +5006,7 @@
                   <a:schemeClr val="bg1"/>
                 </a:solidFill>
               </a:rPr>
-              <a:t>CT05 - RN 05: </a:t>
-            </a:r>
-            <a:r>
-              <a:rPr lang="pt-BR" sz="2800" dirty="0" smtClean="0">
-                <a:solidFill>
-                  <a:schemeClr val="bg1"/>
-                </a:solidFill>
-              </a:rPr>
-              <a:t>Tela Requisição &gt; Motivo</a:t>
+              <a:t>CT05 - RN 05: Tela Requisição &gt; Motivo</a:t>
             </a:r>
           </a:p>
           <a:p>
@@ -5163,7 +5029,7 @@
     </p:spTree>
     <p:extLst>
       <p:ext uri="{BB962C8B-B14F-4D97-AF65-F5344CB8AC3E}">
-        <p14:creationId xmlns:p14="http://schemas.microsoft.com/office/powerpoint/2010/main" xmlns="" val="1915288003"/>
+        <p14:creationId xmlns:p14="http://schemas.microsoft.com/office/powerpoint/2010/main" val="1915288003"/>
       </p:ext>
     </p:extLst>
   </p:cSld>
@@ -5366,13 +5232,8 @@
           <a:p>
             <a:r>
               <a:rPr lang="pt-BR" dirty="0" smtClean="0"/>
-              <a:t>Pré-condição: </a:t>
-            </a:r>
-            <a:r>
-              <a:rPr lang="pt-BR" dirty="0" smtClean="0"/>
-              <a:t>Tela almoxarifado estar aberta</a:t>
-            </a:r>
-            <a:endParaRPr lang="pt-BR" dirty="0" smtClean="0"/>
+              <a:t>Pré-condição: Tela almoxarifado estar aberta</a:t>
+            </a:r>
           </a:p>
           <a:p>
             <a:r>
@@ -5383,49 +5244,13 @@
           <a:p>
             <a:r>
               <a:rPr lang="pt-BR" dirty="0" smtClean="0"/>
-              <a:t>1- </a:t>
-            </a:r>
+              <a:t>1- Acessar o sistema.</a:t>
+            </a:r>
+          </a:p>
+          <a:p>
             <a:r>
               <a:rPr lang="pt-BR" dirty="0" smtClean="0"/>
-              <a:t>Acessar o sistema.</a:t>
-            </a:r>
-          </a:p>
-          <a:p>
-            <a:r>
-              <a:rPr lang="pt-BR" dirty="0" smtClean="0"/>
-              <a:t>2- </a:t>
-            </a:r>
-            <a:r>
-              <a:rPr lang="pt-BR" dirty="0" smtClean="0"/>
-              <a:t> </a:t>
-            </a:r>
-            <a:r>
-              <a:rPr lang="pt-BR" dirty="0" smtClean="0"/>
-              <a:t>D</a:t>
-            </a:r>
-            <a:r>
-              <a:rPr lang="pt-BR" dirty="0" smtClean="0"/>
-              <a:t>igitar </a:t>
-            </a:r>
-            <a:r>
-              <a:rPr lang="pt-BR" dirty="0" smtClean="0"/>
-              <a:t>um código no campo “ID</a:t>
-            </a:r>
-            <a:r>
-              <a:rPr lang="pt-BR" dirty="0" smtClean="0"/>
-              <a:t>” e </a:t>
-            </a:r>
-            <a:r>
-              <a:rPr lang="pt-BR" dirty="0" smtClean="0"/>
-              <a:t>o campo “departamento” </a:t>
-            </a:r>
-            <a:r>
-              <a:rPr lang="pt-BR" dirty="0" smtClean="0"/>
-              <a:t>ser preenchido </a:t>
-            </a:r>
-            <a:r>
-              <a:rPr lang="pt-BR" dirty="0" smtClean="0"/>
-              <a:t>caso exista no banco de dados/ API.</a:t>
+              <a:t>2-  Digitar um código no campo “ID” e o campo “departamento” ser preenchido caso exista no banco de dados/ API.</a:t>
             </a:r>
           </a:p>
           <a:p>
@@ -5473,15 +5298,7 @@
                   <a:schemeClr val="bg1"/>
                 </a:solidFill>
               </a:rPr>
-              <a:t>CT06 - RN 06: </a:t>
-            </a:r>
-            <a:r>
-              <a:rPr lang="pt-BR" sz="2800" dirty="0" smtClean="0">
-                <a:solidFill>
-                  <a:schemeClr val="bg1"/>
-                </a:solidFill>
-              </a:rPr>
-              <a:t>Tela Requisição &gt; [ ID] [Departamento]</a:t>
+              <a:t>CT06 - RN 06: Tela Requisição &gt; [ ID] [Departamento]</a:t>
             </a:r>
           </a:p>
           <a:p>
@@ -5504,7 +5321,7 @@
     </p:spTree>
     <p:extLst>
       <p:ext uri="{BB962C8B-B14F-4D97-AF65-F5344CB8AC3E}">
-        <p14:creationId xmlns:p14="http://schemas.microsoft.com/office/powerpoint/2010/main" xmlns="" val="3262542223"/>
+        <p14:creationId xmlns:p14="http://schemas.microsoft.com/office/powerpoint/2010/main" val="3262542223"/>
       </p:ext>
     </p:extLst>
   </p:cSld>
@@ -5707,13 +5524,8 @@
           <a:p>
             <a:r>
               <a:rPr lang="pt-BR" dirty="0" smtClean="0"/>
-              <a:t>Pré-condição: </a:t>
-            </a:r>
-            <a:r>
-              <a:rPr lang="pt-BR" dirty="0" smtClean="0"/>
-              <a:t>Tela almoxarifado estar aberta</a:t>
-            </a:r>
-            <a:endParaRPr lang="pt-BR" dirty="0" smtClean="0"/>
+              <a:t>Pré-condição: Tela almoxarifado estar aberta</a:t>
+            </a:r>
           </a:p>
           <a:p>
             <a:endParaRPr lang="pt-BR" dirty="0" smtClean="0"/>
@@ -5727,11 +5539,7 @@
           <a:p>
             <a:r>
               <a:rPr lang="pt-BR" dirty="0" smtClean="0"/>
-              <a:t>1- </a:t>
-            </a:r>
-            <a:r>
-              <a:rPr lang="pt-BR" dirty="0" smtClean="0"/>
-              <a:t>Acessar o sistema.</a:t>
+              <a:t>1- Acessar o sistema.</a:t>
             </a:r>
           </a:p>
           <a:p>
@@ -5794,15 +5602,7 @@
                   <a:schemeClr val="bg1"/>
                 </a:solidFill>
               </a:rPr>
-              <a:t>CT 07 - RN 07: </a:t>
-            </a:r>
-            <a:r>
-              <a:rPr lang="pt-BR" sz="2800" dirty="0" smtClean="0">
-                <a:solidFill>
-                  <a:schemeClr val="bg1"/>
-                </a:solidFill>
-              </a:rPr>
-              <a:t>Tela Requisição &gt; [ ID </a:t>
+              <a:t>CT 07 - RN 07: Tela Requisição &gt; [ ID </a:t>
             </a:r>
             <a:r>
               <a:rPr lang="pt-BR" sz="2800" dirty="0" err="1" smtClean="0">
@@ -5857,7 +5657,7 @@
     </p:spTree>
     <p:extLst>
       <p:ext uri="{BB962C8B-B14F-4D97-AF65-F5344CB8AC3E}">
-        <p14:creationId xmlns:p14="http://schemas.microsoft.com/office/powerpoint/2010/main" xmlns="" val="4043932150"/>
+        <p14:creationId xmlns:p14="http://schemas.microsoft.com/office/powerpoint/2010/main" val="4043932150"/>
       </p:ext>
     </p:extLst>
   </p:cSld>
@@ -6060,13 +5860,8 @@
           <a:p>
             <a:r>
               <a:rPr lang="pt-BR" dirty="0" smtClean="0"/>
-              <a:t>Pré-condição: </a:t>
-            </a:r>
-            <a:r>
-              <a:rPr lang="pt-BR" dirty="0" smtClean="0"/>
-              <a:t>Tela almoxarifado estar aberta</a:t>
-            </a:r>
-            <a:endParaRPr lang="pt-BR" dirty="0" smtClean="0"/>
+              <a:t>Pré-condição: Tela almoxarifado estar aberta</a:t>
+            </a:r>
           </a:p>
           <a:p>
             <a:endParaRPr lang="pt-BR" dirty="0" smtClean="0"/>
@@ -6080,37 +5875,13 @@
           <a:p>
             <a:r>
               <a:rPr lang="pt-BR" dirty="0" smtClean="0"/>
-              <a:t>1- </a:t>
-            </a:r>
+              <a:t>1- Acessar o sistema.</a:t>
+            </a:r>
+          </a:p>
+          <a:p>
             <a:r>
               <a:rPr lang="pt-BR" dirty="0" smtClean="0"/>
-              <a:t>Acessar o sistema.</a:t>
-            </a:r>
-          </a:p>
-          <a:p>
-            <a:r>
-              <a:rPr lang="pt-BR" dirty="0" smtClean="0"/>
-              <a:t>2- </a:t>
-            </a:r>
-            <a:r>
-              <a:rPr lang="pt-BR" dirty="0" smtClean="0"/>
-              <a:t> </a:t>
-            </a:r>
-            <a:r>
-              <a:rPr lang="pt-BR" dirty="0" smtClean="0"/>
-              <a:t>Digitar </a:t>
-            </a:r>
-            <a:r>
-              <a:rPr lang="pt-BR" dirty="0" smtClean="0"/>
-              <a:t>um </a:t>
-            </a:r>
-            <a:r>
-              <a:rPr lang="pt-BR" dirty="0" smtClean="0"/>
-              <a:t>código no campo </a:t>
-            </a:r>
-            <a:r>
-              <a:rPr lang="pt-BR" dirty="0" smtClean="0"/>
-              <a:t>“</a:t>
+              <a:t>2-  Digitar um código no campo “</a:t>
             </a:r>
             <a:r>
               <a:rPr lang="pt-BR" dirty="0" err="1" smtClean="0"/>
@@ -6118,29 +5889,16 @@
             </a:r>
             <a:r>
               <a:rPr lang="pt-BR" dirty="0" smtClean="0"/>
-              <a:t>.Produto</a:t>
-            </a:r>
+              <a:t>.Produto”</a:t>
+            </a:r>
+          </a:p>
+          <a:p>
+            <a:endParaRPr lang="pt-BR" dirty="0"/>
+          </a:p>
+          <a:p>
             <a:r>
               <a:rPr lang="pt-BR" dirty="0" smtClean="0"/>
-              <a:t>”</a:t>
-            </a:r>
-            <a:endParaRPr lang="pt-BR" dirty="0" smtClean="0"/>
-          </a:p>
-          <a:p>
-            <a:endParaRPr lang="pt-BR" dirty="0"/>
-          </a:p>
-          <a:p>
-            <a:r>
-              <a:rPr lang="pt-BR" dirty="0" smtClean="0"/>
-              <a:t>Resultado esperado: </a:t>
-            </a:r>
-            <a:r>
-              <a:rPr lang="pt-BR" dirty="0" smtClean="0"/>
-              <a:t>Exibição </a:t>
-            </a:r>
-            <a:r>
-              <a:rPr lang="pt-BR" dirty="0" smtClean="0"/>
-              <a:t>do  nome do produto e a quantidade de itens no campo “estoque” caso houver o código no banco de dados/API.</a:t>
+              <a:t>Resultado esperado: Exibição do  nome do produto e a quantidade de itens no campo “estoque” caso houver o código no banco de dados/API.</a:t>
             </a:r>
           </a:p>
         </p:txBody>
@@ -6174,15 +5932,7 @@
                   <a:schemeClr val="bg1"/>
                 </a:solidFill>
               </a:rPr>
-              <a:t>CT 08 - RN 08: </a:t>
-            </a:r>
-            <a:r>
-              <a:rPr lang="pt-BR" sz="2800" dirty="0" smtClean="0">
-                <a:solidFill>
-                  <a:schemeClr val="bg1"/>
-                </a:solidFill>
-              </a:rPr>
-              <a:t>Tela Requisição &gt; [ ID] [</a:t>
+              <a:t>CT 08 - RN 08: Tela Requisição &gt; [ ID] [</a:t>
             </a:r>
             <a:r>
               <a:rPr lang="pt-BR" sz="2800" dirty="0" err="1" smtClean="0">
@@ -6221,7 +5971,7 @@
     </p:spTree>
     <p:extLst>
       <p:ext uri="{BB962C8B-B14F-4D97-AF65-F5344CB8AC3E}">
-        <p14:creationId xmlns:p14="http://schemas.microsoft.com/office/powerpoint/2010/main" xmlns="" val="4043932150"/>
+        <p14:creationId xmlns:p14="http://schemas.microsoft.com/office/powerpoint/2010/main" val="4043932150"/>
       </p:ext>
     </p:extLst>
   </p:cSld>
@@ -6409,7 +6159,7 @@
         <p:spPr>
           <a:xfrm>
             <a:off x="993421" y="2691809"/>
-            <a:ext cx="9668662" cy="2031325"/>
+            <a:ext cx="9668662" cy="2308324"/>
           </a:xfrm>
           <a:prstGeom prst="rect">
             <a:avLst/>
@@ -6424,15 +6174,7 @@
           <a:p>
             <a:r>
               <a:rPr lang="pt-BR" dirty="0" smtClean="0"/>
-              <a:t>Pré-condição: </a:t>
-            </a:r>
-            <a:r>
-              <a:rPr lang="pt-BR" dirty="0" smtClean="0"/>
-              <a:t>Tela almoxarifado estar </a:t>
-            </a:r>
-            <a:r>
-              <a:rPr lang="pt-BR" dirty="0" smtClean="0"/>
-              <a:t>aberta</a:t>
+              <a:t>Pré-condição: Tela almoxarifado estar aberta</a:t>
             </a:r>
           </a:p>
           <a:p>
@@ -6447,27 +6189,26 @@
           <a:p>
             <a:r>
               <a:rPr lang="pt-BR" dirty="0" smtClean="0"/>
-              <a:t>1- </a:t>
-            </a:r>
+              <a:t>1- Acessar o sistema.</a:t>
+            </a:r>
+          </a:p>
+          <a:p>
             <a:r>
               <a:rPr lang="pt-BR" dirty="0" smtClean="0"/>
-              <a:t>Acessar o sistema.</a:t>
-            </a:r>
-          </a:p>
-          <a:p>
+              <a:t>2- Localizar o produto com </a:t>
+            </a:r>
             <a:r>
               <a:rPr lang="pt-BR" dirty="0" smtClean="0"/>
-              <a:t>2- Localizar o produto com a quantidade maior qu</a:t>
+              <a:t>o estoque</a:t>
             </a:r>
             <a:r>
               <a:rPr lang="pt-BR" dirty="0" smtClean="0"/>
-              <a:t>e zero </a:t>
+              <a:t> </a:t>
             </a:r>
             <a:r>
               <a:rPr lang="pt-BR" dirty="0" smtClean="0"/>
-              <a:t>para habilitar o campo “quantidade”.</a:t>
-            </a:r>
-            <a:endParaRPr lang="pt-BR" dirty="0" smtClean="0"/>
+              <a:t>maior que zero para habilitar o campo “quantidade”.</a:t>
+            </a:r>
           </a:p>
           <a:p>
             <a:endParaRPr lang="pt-BR" dirty="0"/>
@@ -6475,11 +6216,19 @@
           <a:p>
             <a:r>
               <a:rPr lang="pt-BR" dirty="0" smtClean="0"/>
-              <a:t>Resultado esperado: </a:t>
+              <a:t>Resultado esperado: Exibição da quantidade de cada produto </a:t>
             </a:r>
             <a:r>
               <a:rPr lang="pt-BR" dirty="0" smtClean="0"/>
-              <a:t>Exibição da quantidade de cada produto específico.</a:t>
+              <a:t>específico ap</a:t>
+            </a:r>
+            <a:r>
+              <a:rPr lang="pt-BR" dirty="0" smtClean="0"/>
+              <a:t>ós a localização do produto com estoque maior que zero</a:t>
+            </a:r>
+            <a:r>
+              <a:rPr lang="pt-BR" dirty="0" smtClean="0"/>
+              <a:t>.</a:t>
             </a:r>
             <a:endParaRPr lang="pt-BR" dirty="0" smtClean="0"/>
           </a:p>
@@ -6514,15 +6263,7 @@
                   <a:schemeClr val="bg1"/>
                 </a:solidFill>
               </a:rPr>
-              <a:t>CT 09 - RN 09: </a:t>
-            </a:r>
-            <a:r>
-              <a:rPr lang="pt-BR" sz="2800" dirty="0" smtClean="0">
-                <a:solidFill>
-                  <a:schemeClr val="bg1"/>
-                </a:solidFill>
-              </a:rPr>
-              <a:t>Tela Requisição &gt; Campo [Quantidade]</a:t>
+              <a:t>CT 09 - RN 09: Tela Requisição &gt; Campo [Quantidade]</a:t>
             </a:r>
           </a:p>
           <a:p>
@@ -6545,7 +6286,7 @@
     </p:spTree>
     <p:extLst>
       <p:ext uri="{BB962C8B-B14F-4D97-AF65-F5344CB8AC3E}">
-        <p14:creationId xmlns:p14="http://schemas.microsoft.com/office/powerpoint/2010/main" xmlns="" val="4043932150"/>
+        <p14:creationId xmlns:p14="http://schemas.microsoft.com/office/powerpoint/2010/main" val="4043932150"/>
       </p:ext>
     </p:extLst>
   </p:cSld>
@@ -6748,13 +6489,8 @@
           <a:p>
             <a:r>
               <a:rPr lang="pt-BR" dirty="0" smtClean="0"/>
-              <a:t>Pré-condição: </a:t>
-            </a:r>
-            <a:r>
-              <a:rPr lang="pt-BR" dirty="0" smtClean="0"/>
-              <a:t>Tela almoxarifado estar aberta</a:t>
-            </a:r>
-            <a:endParaRPr lang="pt-BR" dirty="0" smtClean="0"/>
+              <a:t>Pré-condição: Tela almoxarifado estar aberta</a:t>
+            </a:r>
           </a:p>
           <a:p>
             <a:endParaRPr lang="pt-BR" dirty="0" smtClean="0"/>
@@ -6768,11 +6504,7 @@
           <a:p>
             <a:r>
               <a:rPr lang="pt-BR" dirty="0" smtClean="0"/>
-              <a:t>1- </a:t>
-            </a:r>
-            <a:r>
-              <a:rPr lang="pt-BR" dirty="0" smtClean="0"/>
-              <a:t>Acessar o sistema.</a:t>
+              <a:t>1- Acessar o sistema.</a:t>
             </a:r>
           </a:p>
           <a:p>
@@ -6780,7 +6512,6 @@
               <a:rPr lang="pt-BR" dirty="0" smtClean="0"/>
               <a:t>2- Inserir o valor no campo “quantidade”.</a:t>
             </a:r>
-            <a:endParaRPr lang="pt-BR" dirty="0" smtClean="0"/>
           </a:p>
           <a:p>
             <a:endParaRPr lang="pt-BR" dirty="0"/>
@@ -6788,11 +6519,11 @@
           <a:p>
             <a:r>
               <a:rPr lang="pt-BR" dirty="0" smtClean="0"/>
-              <a:t>Resultado esperado</a:t>
+              <a:t>Resultado esperado: Aceitação de valores inteiros e maiores que zero no </a:t>
             </a:r>
             <a:r>
               <a:rPr lang="pt-BR" dirty="0" smtClean="0"/>
-              <a:t>: Aceitação de valores inteiros e maiores que zero no campo.</a:t>
+              <a:t>campo quantidade.</a:t>
             </a:r>
             <a:endParaRPr lang="pt-BR" dirty="0" smtClean="0"/>
           </a:p>
@@ -6826,23 +6557,7 @@
                   <a:schemeClr val="bg1"/>
                 </a:solidFill>
               </a:rPr>
-              <a:t>CT 10 - RN </a:t>
-            </a:r>
-            <a:r>
-              <a:rPr lang="pt-BR" sz="2800" dirty="0" smtClean="0">
-                <a:solidFill>
-                  <a:schemeClr val="bg1"/>
-                </a:solidFill>
-              </a:rPr>
-              <a:t>10: </a:t>
-            </a:r>
-            <a:r>
-              <a:rPr lang="pt-BR" sz="2800" dirty="0" smtClean="0">
-                <a:solidFill>
-                  <a:schemeClr val="bg1"/>
-                </a:solidFill>
-              </a:rPr>
-              <a:t>Tela Requisição &gt; Campo [Quantidade]</a:t>
+              <a:t>CT 10 - RN 10: Tela Requisição &gt; Campo [Quantidade]</a:t>
             </a:r>
           </a:p>
           <a:p>
@@ -6865,7 +6580,7 @@
     </p:spTree>
     <p:extLst>
       <p:ext uri="{BB962C8B-B14F-4D97-AF65-F5344CB8AC3E}">
-        <p14:creationId xmlns:p14="http://schemas.microsoft.com/office/powerpoint/2010/main" xmlns="" val="4043932150"/>
+        <p14:creationId xmlns:p14="http://schemas.microsoft.com/office/powerpoint/2010/main" val="4043932150"/>
       </p:ext>
     </p:extLst>
   </p:cSld>
@@ -7068,13 +6783,8 @@
           <a:p>
             <a:r>
               <a:rPr lang="pt-BR" dirty="0" smtClean="0"/>
-              <a:t>Pré-condição: </a:t>
-            </a:r>
-            <a:r>
-              <a:rPr lang="pt-BR" dirty="0" smtClean="0"/>
-              <a:t>Tela almoxarifado estar aberta</a:t>
-            </a:r>
-            <a:endParaRPr lang="pt-BR" dirty="0" smtClean="0"/>
+              <a:t>Pré-condição: Tela almoxarifado estar aberta</a:t>
+            </a:r>
           </a:p>
           <a:p>
             <a:endParaRPr lang="pt-BR" dirty="0" smtClean="0"/>
@@ -7088,11 +6798,7 @@
           <a:p>
             <a:r>
               <a:rPr lang="pt-BR" dirty="0" smtClean="0"/>
-              <a:t>1- </a:t>
-            </a:r>
-            <a:r>
-              <a:rPr lang="pt-BR" dirty="0" smtClean="0"/>
-              <a:t>Acessar o sistema.</a:t>
+              <a:t>1- Acessar o sistema.</a:t>
             </a:r>
           </a:p>
           <a:p>
@@ -7100,31 +6806,21 @@
               <a:rPr lang="pt-BR" dirty="0" smtClean="0"/>
               <a:t>2- Exibir estoque.</a:t>
             </a:r>
-            <a:endParaRPr lang="pt-BR" dirty="0" smtClean="0"/>
           </a:p>
           <a:p>
             <a:r>
               <a:rPr lang="pt-BR" dirty="0" smtClean="0"/>
-              <a:t>3- Inserir quantidade</a:t>
-            </a:r>
+              <a:t>3- Inserir quantidade.</a:t>
+            </a:r>
+          </a:p>
+          <a:p>
+            <a:endParaRPr lang="pt-BR" dirty="0"/>
+          </a:p>
+          <a:p>
             <a:r>
               <a:rPr lang="pt-BR" dirty="0" smtClean="0"/>
-              <a:t>.</a:t>
-            </a:r>
-          </a:p>
-          <a:p>
-            <a:endParaRPr lang="pt-BR" dirty="0"/>
-          </a:p>
-          <a:p>
-            <a:r>
-              <a:rPr lang="pt-BR" dirty="0" smtClean="0"/>
-              <a:t>Resultado esperado</a:t>
-            </a:r>
-            <a:r>
-              <a:rPr lang="pt-BR" dirty="0" smtClean="0"/>
-              <a:t>: Botão “gravar” estar disponível  somente se a quantidade for maior que zero e se a quantidade informada for maior ou igual ao estoque disponível. </a:t>
-            </a:r>
-            <a:endParaRPr lang="pt-BR" dirty="0" smtClean="0"/>
+              <a:t>Resultado esperado: Botão “gravar” estar disponível  somente se a quantidade for maior que zero e se a quantidade informada for maior ou igual ao estoque disponível. </a:t>
+            </a:r>
           </a:p>
         </p:txBody>
       </p:sp>
@@ -7156,23 +6852,7 @@
                   <a:schemeClr val="bg1"/>
                 </a:solidFill>
               </a:rPr>
-              <a:t>CT 11 - RN </a:t>
-            </a:r>
-            <a:r>
-              <a:rPr lang="pt-BR" sz="2800" dirty="0" smtClean="0">
-                <a:solidFill>
-                  <a:schemeClr val="bg1"/>
-                </a:solidFill>
-              </a:rPr>
-              <a:t>11: </a:t>
-            </a:r>
-            <a:r>
-              <a:rPr lang="pt-BR" sz="2800" dirty="0" smtClean="0">
-                <a:solidFill>
-                  <a:schemeClr val="bg1"/>
-                </a:solidFill>
-              </a:rPr>
-              <a:t>Tela Requisição &gt; Botão Gravar</a:t>
+              <a:t>CT 11 - RN 11: Tela Requisição &gt; Botão Gravar</a:t>
             </a:r>
           </a:p>
           <a:p>
@@ -7195,7 +6875,7 @@
     </p:spTree>
     <p:extLst>
       <p:ext uri="{BB962C8B-B14F-4D97-AF65-F5344CB8AC3E}">
-        <p14:creationId xmlns:p14="http://schemas.microsoft.com/office/powerpoint/2010/main" xmlns="" val="4043932150"/>
+        <p14:creationId xmlns:p14="http://schemas.microsoft.com/office/powerpoint/2010/main" val="4043932150"/>
       </p:ext>
     </p:extLst>
   </p:cSld>
@@ -7227,7 +6907,7 @@
           <p:cNvPr id="2" name="Título 1">
             <a:extLst>
               <a:ext uri="{FF2B5EF4-FFF2-40B4-BE49-F238E27FC236}">
-                <a16:creationId xmlns:a16="http://schemas.microsoft.com/office/drawing/2014/main" xmlns="" id="{64900655-8A5A-26AD-DB1A-7875212CDD7B}"/>
+                <a16:creationId xmlns:a16="http://schemas.microsoft.com/office/drawing/2014/main" id="{64900655-8A5A-26AD-DB1A-7875212CDD7B}"/>
               </a:ext>
             </a:extLst>
           </p:cNvPr>
@@ -7255,7 +6935,7 @@
           <p:cNvPr id="3" name="Espaço Reservado para Texto 2">
             <a:extLst>
               <a:ext uri="{FF2B5EF4-FFF2-40B4-BE49-F238E27FC236}">
-                <a16:creationId xmlns:a16="http://schemas.microsoft.com/office/drawing/2014/main" xmlns="" id="{308EA377-7DDE-636E-679A-6B9F4C2A5CAD}"/>
+                <a16:creationId xmlns:a16="http://schemas.microsoft.com/office/drawing/2014/main" id="{308EA377-7DDE-636E-679A-6B9F4C2A5CAD}"/>
               </a:ext>
             </a:extLst>
           </p:cNvPr>
@@ -7278,7 +6958,7 @@
     </p:spTree>
     <p:extLst>
       <p:ext uri="{BB962C8B-B14F-4D97-AF65-F5344CB8AC3E}">
-        <p14:creationId xmlns:p14="http://schemas.microsoft.com/office/powerpoint/2010/main" xmlns="" val="1222528831"/>
+        <p14:creationId xmlns:p14="http://schemas.microsoft.com/office/powerpoint/2010/main" val="1222528831"/>
       </p:ext>
     </p:extLst>
   </p:cSld>
@@ -7481,13 +7161,8 @@
           <a:p>
             <a:r>
               <a:rPr lang="pt-BR" dirty="0" smtClean="0"/>
-              <a:t>Pré-condição: </a:t>
-            </a:r>
-            <a:r>
-              <a:rPr lang="pt-BR" dirty="0" smtClean="0"/>
-              <a:t>Tela almoxarifado estar aberta</a:t>
-            </a:r>
-            <a:endParaRPr lang="pt-BR" dirty="0" smtClean="0"/>
+              <a:t>Pré-condição: Tela almoxarifado estar aberta</a:t>
+            </a:r>
           </a:p>
           <a:p>
             <a:endParaRPr lang="pt-BR" dirty="0" smtClean="0"/>
@@ -7501,11 +7176,7 @@
           <a:p>
             <a:r>
               <a:rPr lang="pt-BR" dirty="0" smtClean="0"/>
-              <a:t>1- </a:t>
-            </a:r>
-            <a:r>
-              <a:rPr lang="pt-BR" dirty="0" smtClean="0"/>
-              <a:t>Acessar o sistema.</a:t>
+              <a:t>1- Acessar o sistema.</a:t>
             </a:r>
           </a:p>
           <a:p>
@@ -7513,7 +7184,6 @@
               <a:rPr lang="pt-BR" dirty="0" smtClean="0"/>
               <a:t>2- Marcar nível de prioridade.</a:t>
             </a:r>
-            <a:endParaRPr lang="pt-BR" dirty="0" smtClean="0"/>
           </a:p>
           <a:p>
             <a:endParaRPr lang="pt-BR" dirty="0"/>
@@ -7521,13 +7191,8 @@
           <a:p>
             <a:r>
               <a:rPr lang="pt-BR" dirty="0" smtClean="0"/>
-              <a:t>Resultado esperado</a:t>
-            </a:r>
-            <a:r>
-              <a:rPr lang="pt-BR" dirty="0" smtClean="0"/>
-              <a:t>: Mudança de cor do círculo de acordo com o nível de prioridade marcado. Vermelho para urgente, amarelo para médio, verde para baixo.</a:t>
-            </a:r>
-            <a:endParaRPr lang="pt-BR" dirty="0" smtClean="0"/>
+              <a:t>Resultado esperado: Mudança de cor do círculo de acordo com o nível de prioridade marcado. Vermelho para urgente, amarelo para médio, verde para baixo.</a:t>
+            </a:r>
           </a:p>
         </p:txBody>
       </p:sp>
@@ -7559,23 +7224,7 @@
                   <a:schemeClr val="bg1"/>
                 </a:solidFill>
               </a:rPr>
-              <a:t>CT 12 - RN </a:t>
-            </a:r>
-            <a:r>
-              <a:rPr lang="pt-BR" sz="2800" dirty="0" smtClean="0">
-                <a:solidFill>
-                  <a:schemeClr val="bg1"/>
-                </a:solidFill>
-              </a:rPr>
-              <a:t>12: </a:t>
-            </a:r>
-            <a:r>
-              <a:rPr lang="pt-BR" sz="2800" dirty="0" smtClean="0">
-                <a:solidFill>
-                  <a:schemeClr val="bg1"/>
-                </a:solidFill>
-              </a:rPr>
-              <a:t>Tela Requisição &gt; </a:t>
+              <a:t>CT 12 - RN 12: Tela Requisição &gt; </a:t>
             </a:r>
             <a:r>
               <a:rPr lang="pt-BR" sz="2800" dirty="0" err="1" smtClean="0">
@@ -7614,7 +7263,7 @@
     </p:spTree>
     <p:extLst>
       <p:ext uri="{BB962C8B-B14F-4D97-AF65-F5344CB8AC3E}">
-        <p14:creationId xmlns:p14="http://schemas.microsoft.com/office/powerpoint/2010/main" xmlns="" val="4043932150"/>
+        <p14:creationId xmlns:p14="http://schemas.microsoft.com/office/powerpoint/2010/main" val="4043932150"/>
       </p:ext>
     </p:extLst>
   </p:cSld>
@@ -7817,13 +7466,8 @@
           <a:p>
             <a:r>
               <a:rPr lang="pt-BR" dirty="0" smtClean="0"/>
-              <a:t>Pré-condição: </a:t>
-            </a:r>
-            <a:r>
-              <a:rPr lang="pt-BR" dirty="0" smtClean="0"/>
-              <a:t>Tela almoxarifado estar aberta</a:t>
-            </a:r>
-            <a:endParaRPr lang="pt-BR" dirty="0" smtClean="0"/>
+              <a:t>Pré-condição: Tela almoxarifado estar aberta</a:t>
+            </a:r>
           </a:p>
           <a:p>
             <a:endParaRPr lang="pt-BR" dirty="0" smtClean="0"/>
@@ -7837,11 +7481,7 @@
           <a:p>
             <a:r>
               <a:rPr lang="pt-BR" dirty="0" smtClean="0"/>
-              <a:t>1- </a:t>
-            </a:r>
-            <a:r>
-              <a:rPr lang="pt-BR" dirty="0" smtClean="0"/>
-              <a:t>Acessar o sistema.</a:t>
+              <a:t>1- Acessar o sistema.</a:t>
             </a:r>
           </a:p>
           <a:p>
@@ -7849,7 +7489,6 @@
               <a:rPr lang="pt-BR" dirty="0" smtClean="0"/>
               <a:t>2-  Exibir a cor do retângulo ao lado do campo “quantidade” de acordo com o estoque.</a:t>
             </a:r>
-            <a:endParaRPr lang="pt-BR" dirty="0" smtClean="0"/>
           </a:p>
           <a:p>
             <a:endParaRPr lang="pt-BR" dirty="0"/>
@@ -7857,39 +7496,15 @@
           <a:p>
             <a:r>
               <a:rPr lang="pt-BR" dirty="0" smtClean="0"/>
-              <a:t>Resultado esperado</a:t>
+              <a:t>Resultado esperado: Mudança de </a:t>
             </a:r>
             <a:r>
               <a:rPr lang="pt-BR" dirty="0" smtClean="0"/>
-              <a:t>: Mudança de cor baseado no estoque do produto. </a:t>
+              <a:t>cor do retângulo </a:t>
             </a:r>
             <a:r>
               <a:rPr lang="pt-BR" dirty="0" smtClean="0"/>
-              <a:t>Verde para “estoque </a:t>
-            </a:r>
-            <a:r>
-              <a:rPr lang="pt-BR" dirty="0" smtClean="0"/>
-              <a:t>acima de 10% do estoque mínimo </a:t>
-            </a:r>
-            <a:r>
-              <a:rPr lang="pt-BR" dirty="0" smtClean="0"/>
-              <a:t>“, amarelo para “estoque </a:t>
-            </a:r>
-            <a:r>
-              <a:rPr lang="pt-BR" dirty="0" smtClean="0"/>
-              <a:t>abaixo de 10% do estoque mínimo </a:t>
-            </a:r>
-            <a:r>
-              <a:rPr lang="pt-BR" dirty="0" smtClean="0"/>
-              <a:t>“, e vermelho para “</a:t>
-            </a:r>
-            <a:r>
-              <a:rPr lang="pt-BR" dirty="0" smtClean="0"/>
-              <a:t>estoque abaixo de 10% do estoque </a:t>
-            </a:r>
-            <a:r>
-              <a:rPr lang="pt-BR" dirty="0" smtClean="0"/>
-              <a:t>mínimo“.</a:t>
+              <a:t>baseado no estoque do produto. Verde para “estoque acima de 10% do estoque mínimo “, amarelo para “estoque abaixo de 10% do estoque mínimo “, e vermelho para “estoque abaixo de 10% do estoque mínimo“.</a:t>
             </a:r>
           </a:p>
         </p:txBody>
@@ -7923,23 +7538,7 @@
                   <a:schemeClr val="bg1"/>
                 </a:solidFill>
               </a:rPr>
-              <a:t>CT 13 - RN </a:t>
-            </a:r>
-            <a:r>
-              <a:rPr lang="pt-BR" sz="2800" dirty="0" smtClean="0">
-                <a:solidFill>
-                  <a:schemeClr val="bg1"/>
-                </a:solidFill>
-              </a:rPr>
-              <a:t>13: </a:t>
-            </a:r>
-            <a:r>
-              <a:rPr lang="pt-BR" sz="2800" dirty="0" smtClean="0">
-                <a:solidFill>
-                  <a:schemeClr val="bg1"/>
-                </a:solidFill>
-              </a:rPr>
-              <a:t>Tela Requisição &gt; Elemento Status Estoque</a:t>
+              <a:t>CT 13 - RN 13: Tela Requisição &gt; Elemento Status Estoque</a:t>
             </a:r>
           </a:p>
           <a:p>
@@ -7962,7 +7561,7 @@
     </p:spTree>
     <p:extLst>
       <p:ext uri="{BB962C8B-B14F-4D97-AF65-F5344CB8AC3E}">
-        <p14:creationId xmlns:p14="http://schemas.microsoft.com/office/powerpoint/2010/main" xmlns="" val="4043932150"/>
+        <p14:creationId xmlns:p14="http://schemas.microsoft.com/office/powerpoint/2010/main" val="4043932150"/>
       </p:ext>
     </p:extLst>
   </p:cSld>
@@ -8165,13 +7764,8 @@
           <a:p>
             <a:r>
               <a:rPr lang="pt-BR" dirty="0" smtClean="0"/>
-              <a:t>Pré-condição: </a:t>
-            </a:r>
-            <a:r>
-              <a:rPr lang="pt-BR" dirty="0" smtClean="0"/>
-              <a:t>Tela almoxarifado estar aberta</a:t>
-            </a:r>
-            <a:endParaRPr lang="pt-BR" dirty="0" smtClean="0"/>
+              <a:t>Pré-condição: Tela almoxarifado estar aberta</a:t>
+            </a:r>
           </a:p>
           <a:p>
             <a:endParaRPr lang="pt-BR" dirty="0" smtClean="0"/>
@@ -8185,49 +7779,23 @@
           <a:p>
             <a:r>
               <a:rPr lang="pt-BR" dirty="0" smtClean="0"/>
-              <a:t>1- </a:t>
-            </a:r>
+              <a:t>1- Acessar o sistema.</a:t>
+            </a:r>
+          </a:p>
+          <a:p>
             <a:r>
               <a:rPr lang="pt-BR" dirty="0" smtClean="0"/>
-              <a:t>Acessar o sistema.</a:t>
-            </a:r>
+              <a:t>2- Colocar o mouse sobre o elemento Status Estoque (retângulo) </a:t>
+            </a:r>
+          </a:p>
+          <a:p>
+            <a:endParaRPr lang="pt-BR" dirty="0"/>
           </a:p>
           <a:p>
             <a:r>
               <a:rPr lang="pt-BR" dirty="0" smtClean="0"/>
-              <a:t>2- </a:t>
-            </a:r>
-            <a:r>
-              <a:rPr lang="pt-BR" dirty="0" smtClean="0"/>
-              <a:t>Colocar </a:t>
-            </a:r>
-            <a:r>
-              <a:rPr lang="pt-BR" dirty="0" smtClean="0"/>
-              <a:t>o mouse sobre o elemento Status Estoque (retângulo) </a:t>
-            </a:r>
-            <a:endParaRPr lang="pt-BR" dirty="0" smtClean="0"/>
-          </a:p>
-          <a:p>
-            <a:endParaRPr lang="pt-BR" dirty="0"/>
-          </a:p>
-          <a:p>
-            <a:r>
-              <a:rPr lang="pt-BR" dirty="0" smtClean="0"/>
-              <a:t>Resultado esperado</a:t>
-            </a:r>
-            <a:r>
-              <a:rPr lang="pt-BR" dirty="0" smtClean="0"/>
-              <a:t>: Exibiç</a:t>
-            </a:r>
-            <a:r>
-              <a:rPr lang="pt-BR" dirty="0" smtClean="0"/>
-              <a:t>ão da legenda com as informações do estoque</a:t>
-            </a:r>
-            <a:r>
-              <a:rPr lang="pt-BR" dirty="0" smtClean="0"/>
-              <a:t>.</a:t>
-            </a:r>
-            <a:endParaRPr lang="pt-BR" dirty="0" smtClean="0"/>
+              <a:t>Resultado esperado: Exibição da legenda com as informações do estoque.</a:t>
+            </a:r>
           </a:p>
         </p:txBody>
       </p:sp>
@@ -8259,23 +7827,7 @@
                   <a:schemeClr val="bg1"/>
                 </a:solidFill>
               </a:rPr>
-              <a:t>CT 14 - RN </a:t>
-            </a:r>
-            <a:r>
-              <a:rPr lang="pt-BR" sz="2800" dirty="0" smtClean="0">
-                <a:solidFill>
-                  <a:schemeClr val="bg1"/>
-                </a:solidFill>
-              </a:rPr>
-              <a:t>14: </a:t>
-            </a:r>
-            <a:r>
-              <a:rPr lang="pt-BR" sz="2800" dirty="0" smtClean="0">
-                <a:solidFill>
-                  <a:schemeClr val="bg1"/>
-                </a:solidFill>
-              </a:rPr>
-              <a:t>Tela Requisição &gt; Status Estoque &gt; </a:t>
+              <a:t>CT 14 - RN 14: Tela Requisição &gt; Status Estoque &gt; </a:t>
             </a:r>
             <a:r>
               <a:rPr lang="pt-BR" sz="2800" dirty="0" err="1" smtClean="0">
@@ -8298,15 +7850,7 @@
                   <a:schemeClr val="bg1"/>
                 </a:solidFill>
               </a:rPr>
-              <a:t> </a:t>
-            </a:r>
-            <a:r>
-              <a:rPr lang="pt-BR" sz="2800" dirty="0" smtClean="0">
-                <a:solidFill>
-                  <a:schemeClr val="bg1"/>
-                </a:solidFill>
-              </a:rPr>
-              <a:t> </a:t>
+              <a:t>  </a:t>
             </a:r>
             <a:endParaRPr lang="pt-BR" sz="2800" dirty="0">
               <a:solidFill>
@@ -8319,7 +7863,7 @@
     </p:spTree>
     <p:extLst>
       <p:ext uri="{BB962C8B-B14F-4D97-AF65-F5344CB8AC3E}">
-        <p14:creationId xmlns:p14="http://schemas.microsoft.com/office/powerpoint/2010/main" xmlns="" val="4043932150"/>
+        <p14:creationId xmlns:p14="http://schemas.microsoft.com/office/powerpoint/2010/main" val="4043932150"/>
       </p:ext>
     </p:extLst>
   </p:cSld>
@@ -8351,7 +7895,7 @@
           <p:cNvPr id="12" name="Imagem 11">
             <a:extLst>
               <a:ext uri="{FF2B5EF4-FFF2-40B4-BE49-F238E27FC236}">
-                <a16:creationId xmlns:a16="http://schemas.microsoft.com/office/drawing/2014/main" xmlns="" id="{B1387010-3D59-D652-A29C-C353113D94D7}"/>
+                <a16:creationId xmlns:a16="http://schemas.microsoft.com/office/drawing/2014/main" id="{B1387010-3D59-D652-A29C-C353113D94D7}"/>
               </a:ext>
             </a:extLst>
           </p:cNvPr>
@@ -8381,7 +7925,7 @@
           <p:cNvPr id="4" name="Título 3">
             <a:extLst>
               <a:ext uri="{FF2B5EF4-FFF2-40B4-BE49-F238E27FC236}">
-                <a16:creationId xmlns:a16="http://schemas.microsoft.com/office/drawing/2014/main" xmlns="" id="{D9304602-DA18-FF79-71A4-C5F27D2DC39F}"/>
+                <a16:creationId xmlns:a16="http://schemas.microsoft.com/office/drawing/2014/main" id="{D9304602-DA18-FF79-71A4-C5F27D2DC39F}"/>
               </a:ext>
             </a:extLst>
           </p:cNvPr>
@@ -8417,7 +7961,7 @@
           <p:cNvPr id="8" name="Espaço Reservado para Conteúdo 6">
             <a:extLst>
               <a:ext uri="{FF2B5EF4-FFF2-40B4-BE49-F238E27FC236}">
-                <a16:creationId xmlns:a16="http://schemas.microsoft.com/office/drawing/2014/main" xmlns="" id="{A31EC4B7-2FFB-80BA-6050-9957256F5EF7}"/>
+                <a16:creationId xmlns:a16="http://schemas.microsoft.com/office/drawing/2014/main" id="{A31EC4B7-2FFB-80BA-6050-9957256F5EF7}"/>
               </a:ext>
             </a:extLst>
           </p:cNvPr>
@@ -8430,7 +7974,7 @@
           <a:blip r:embed="rId3" cstate="print">
             <a:extLst>
               <a:ext uri="{28A0092B-C50C-407E-A947-70E740481C1C}">
-                <a14:useLocalDpi xmlns:a14="http://schemas.microsoft.com/office/drawing/2010/main" xmlns="" val="0"/>
+                <a14:useLocalDpi xmlns:a14="http://schemas.microsoft.com/office/drawing/2010/main" val="0"/>
               </a:ext>
             </a:extLst>
           </a:blip>
@@ -8452,7 +7996,7 @@
           <p:cNvPr id="10" name="Conector de Seta Reta 9">
             <a:extLst>
               <a:ext uri="{FF2B5EF4-FFF2-40B4-BE49-F238E27FC236}">
-                <a16:creationId xmlns:a16="http://schemas.microsoft.com/office/drawing/2014/main" xmlns="" id="{E8289D1B-4F39-A8D7-FA12-A95431B6D264}"/>
+                <a16:creationId xmlns:a16="http://schemas.microsoft.com/office/drawing/2014/main" id="{E8289D1B-4F39-A8D7-FA12-A95431B6D264}"/>
               </a:ext>
             </a:extLst>
           </p:cNvPr>
@@ -8497,7 +8041,7 @@
           <p:cNvPr id="11" name="CaixaDeTexto 10">
             <a:extLst>
               <a:ext uri="{FF2B5EF4-FFF2-40B4-BE49-F238E27FC236}">
-                <a16:creationId xmlns:a16="http://schemas.microsoft.com/office/drawing/2014/main" xmlns="" id="{56D0B30D-F598-F0E5-E20E-DF70EEDBD72E}"/>
+                <a16:creationId xmlns:a16="http://schemas.microsoft.com/office/drawing/2014/main" id="{56D0B30D-F598-F0E5-E20E-DF70EEDBD72E}"/>
               </a:ext>
             </a:extLst>
           </p:cNvPr>
@@ -8535,7 +8079,7 @@
     </p:spTree>
     <p:extLst>
       <p:ext uri="{BB962C8B-B14F-4D97-AF65-F5344CB8AC3E}">
-        <p14:creationId xmlns:p14="http://schemas.microsoft.com/office/powerpoint/2010/main" xmlns="" val="1700289012"/>
+        <p14:creationId xmlns:p14="http://schemas.microsoft.com/office/powerpoint/2010/main" val="1700289012"/>
       </p:ext>
     </p:extLst>
   </p:cSld>
@@ -8567,7 +8111,7 @@
           <p:cNvPr id="4" name="Título 3">
             <a:extLst>
               <a:ext uri="{FF2B5EF4-FFF2-40B4-BE49-F238E27FC236}">
-                <a16:creationId xmlns:a16="http://schemas.microsoft.com/office/drawing/2014/main" xmlns="" id="{D9304602-DA18-FF79-71A4-C5F27D2DC39F}"/>
+                <a16:creationId xmlns:a16="http://schemas.microsoft.com/office/drawing/2014/main" id="{D9304602-DA18-FF79-71A4-C5F27D2DC39F}"/>
               </a:ext>
             </a:extLst>
           </p:cNvPr>
@@ -8602,7 +8146,7 @@
           <p:cNvPr id="5" name="Espaço Reservado para Conteúdo 4">
             <a:extLst>
               <a:ext uri="{FF2B5EF4-FFF2-40B4-BE49-F238E27FC236}">
-                <a16:creationId xmlns:a16="http://schemas.microsoft.com/office/drawing/2014/main" xmlns="" id="{C9B707B6-AC27-6EC3-C992-67D9615B6401}"/>
+                <a16:creationId xmlns:a16="http://schemas.microsoft.com/office/drawing/2014/main" id="{C9B707B6-AC27-6EC3-C992-67D9615B6401}"/>
               </a:ext>
             </a:extLst>
           </p:cNvPr>
@@ -8613,7 +8157,7 @@
             <p:ph idx="1"/>
             <p:extLst>
               <p:ext uri="{D42A27DB-BD31-4B8C-83A1-F6EECF244321}">
-                <p14:modId xmlns:p14="http://schemas.microsoft.com/office/powerpoint/2010/main" xmlns="" val="863283126"/>
+                <p14:modId xmlns:p14="http://schemas.microsoft.com/office/powerpoint/2010/main" val="863283126"/>
               </p:ext>
             </p:extLst>
           </p:nvPr>
@@ -8632,21 +8176,21 @@
                 <a:gridCol w="1100281">
                   <a:extLst>
                     <a:ext uri="{9D8B030D-6E8A-4147-A177-3AD203B41FA5}">
-                      <a16:colId xmlns:a16="http://schemas.microsoft.com/office/drawing/2014/main" xmlns="" val="1575778594"/>
+                      <a16:colId xmlns:a16="http://schemas.microsoft.com/office/drawing/2014/main" val="1575778594"/>
                     </a:ext>
                   </a:extLst>
                 </a:gridCol>
                 <a:gridCol w="2379189">
                   <a:extLst>
                     <a:ext uri="{9D8B030D-6E8A-4147-A177-3AD203B41FA5}">
-                      <a16:colId xmlns:a16="http://schemas.microsoft.com/office/drawing/2014/main" xmlns="" val="3092702117"/>
+                      <a16:colId xmlns:a16="http://schemas.microsoft.com/office/drawing/2014/main" val="3092702117"/>
                     </a:ext>
                   </a:extLst>
                 </a:gridCol>
                 <a:gridCol w="7849590">
                   <a:extLst>
                     <a:ext uri="{9D8B030D-6E8A-4147-A177-3AD203B41FA5}">
-                      <a16:colId xmlns:a16="http://schemas.microsoft.com/office/drawing/2014/main" xmlns="" val="1994429329"/>
+                      <a16:colId xmlns:a16="http://schemas.microsoft.com/office/drawing/2014/main" val="1994429329"/>
                     </a:ext>
                   </a:extLst>
                 </a:gridCol>
@@ -8693,7 +8237,7 @@
                 </a:tc>
                 <a:extLst>
                   <a:ext uri="{0D108BD9-81ED-4DB2-BD59-A6C34878D82A}">
-                    <a16:rowId xmlns:a16="http://schemas.microsoft.com/office/drawing/2014/main" xmlns="" val="3451926938"/>
+                    <a16:rowId xmlns:a16="http://schemas.microsoft.com/office/drawing/2014/main" val="3451926938"/>
                   </a:ext>
                 </a:extLst>
               </a:tr>
@@ -8893,7 +8437,7 @@
                 </a:tc>
                 <a:extLst>
                   <a:ext uri="{0D108BD9-81ED-4DB2-BD59-A6C34878D82A}">
-                    <a16:rowId xmlns:a16="http://schemas.microsoft.com/office/drawing/2014/main" xmlns="" val="3319175315"/>
+                    <a16:rowId xmlns:a16="http://schemas.microsoft.com/office/drawing/2014/main" val="3319175315"/>
                   </a:ext>
                 </a:extLst>
               </a:tr>
@@ -8956,7 +8500,7 @@
                 </a:tc>
                 <a:extLst>
                   <a:ext uri="{0D108BD9-81ED-4DB2-BD59-A6C34878D82A}">
-                    <a16:rowId xmlns:a16="http://schemas.microsoft.com/office/drawing/2014/main" xmlns="" val="2944139621"/>
+                    <a16:rowId xmlns:a16="http://schemas.microsoft.com/office/drawing/2014/main" val="2944139621"/>
                   </a:ext>
                 </a:extLst>
               </a:tr>
@@ -9019,7 +8563,7 @@
                 </a:tc>
                 <a:extLst>
                   <a:ext uri="{0D108BD9-81ED-4DB2-BD59-A6C34878D82A}">
-                    <a16:rowId xmlns:a16="http://schemas.microsoft.com/office/drawing/2014/main" xmlns="" val="2842031093"/>
+                    <a16:rowId xmlns:a16="http://schemas.microsoft.com/office/drawing/2014/main" val="2842031093"/>
                   </a:ext>
                 </a:extLst>
               </a:tr>
@@ -9148,7 +8692,7 @@
                 </a:tc>
                 <a:extLst>
                   <a:ext uri="{0D108BD9-81ED-4DB2-BD59-A6C34878D82A}">
-                    <a16:rowId xmlns:a16="http://schemas.microsoft.com/office/drawing/2014/main" xmlns="" val="1830120596"/>
+                    <a16:rowId xmlns:a16="http://schemas.microsoft.com/office/drawing/2014/main" val="1830120596"/>
                   </a:ext>
                 </a:extLst>
               </a:tr>
@@ -9159,7 +8703,7 @@
     </p:spTree>
     <p:extLst>
       <p:ext uri="{BB962C8B-B14F-4D97-AF65-F5344CB8AC3E}">
-        <p14:creationId xmlns:p14="http://schemas.microsoft.com/office/powerpoint/2010/main" xmlns="" val="1886775491"/>
+        <p14:creationId xmlns:p14="http://schemas.microsoft.com/office/powerpoint/2010/main" val="1886775491"/>
       </p:ext>
     </p:extLst>
   </p:cSld>
@@ -9191,7 +8735,7 @@
           <p:cNvPr id="4" name="Título 3">
             <a:extLst>
               <a:ext uri="{FF2B5EF4-FFF2-40B4-BE49-F238E27FC236}">
-                <a16:creationId xmlns:a16="http://schemas.microsoft.com/office/drawing/2014/main" xmlns="" id="{D9304602-DA18-FF79-71A4-C5F27D2DC39F}"/>
+                <a16:creationId xmlns:a16="http://schemas.microsoft.com/office/drawing/2014/main" id="{D9304602-DA18-FF79-71A4-C5F27D2DC39F}"/>
               </a:ext>
             </a:extLst>
           </p:cNvPr>
@@ -9226,7 +8770,7 @@
           <p:cNvPr id="5" name="Espaço Reservado para Conteúdo 4">
             <a:extLst>
               <a:ext uri="{FF2B5EF4-FFF2-40B4-BE49-F238E27FC236}">
-                <a16:creationId xmlns:a16="http://schemas.microsoft.com/office/drawing/2014/main" xmlns="" id="{C9B707B6-AC27-6EC3-C992-67D9615B6401}"/>
+                <a16:creationId xmlns:a16="http://schemas.microsoft.com/office/drawing/2014/main" id="{C9B707B6-AC27-6EC3-C992-67D9615B6401}"/>
               </a:ext>
             </a:extLst>
           </p:cNvPr>
@@ -9237,7 +8781,7 @@
             <p:ph idx="1"/>
             <p:extLst>
               <p:ext uri="{D42A27DB-BD31-4B8C-83A1-F6EECF244321}">
-                <p14:modId xmlns:p14="http://schemas.microsoft.com/office/powerpoint/2010/main" xmlns="" val="2601638033"/>
+                <p14:modId xmlns:p14="http://schemas.microsoft.com/office/powerpoint/2010/main" val="2601638033"/>
               </p:ext>
             </p:extLst>
           </p:nvPr>
@@ -9256,21 +8800,21 @@
                 <a:gridCol w="1100281">
                   <a:extLst>
                     <a:ext uri="{9D8B030D-6E8A-4147-A177-3AD203B41FA5}">
-                      <a16:colId xmlns:a16="http://schemas.microsoft.com/office/drawing/2014/main" xmlns="" val="1575778594"/>
+                      <a16:colId xmlns:a16="http://schemas.microsoft.com/office/drawing/2014/main" val="1575778594"/>
                     </a:ext>
                   </a:extLst>
                 </a:gridCol>
                 <a:gridCol w="2379189">
                   <a:extLst>
                     <a:ext uri="{9D8B030D-6E8A-4147-A177-3AD203B41FA5}">
-                      <a16:colId xmlns:a16="http://schemas.microsoft.com/office/drawing/2014/main" xmlns="" val="3092702117"/>
+                      <a16:colId xmlns:a16="http://schemas.microsoft.com/office/drawing/2014/main" val="3092702117"/>
                     </a:ext>
                   </a:extLst>
                 </a:gridCol>
                 <a:gridCol w="7849590">
                   <a:extLst>
                     <a:ext uri="{9D8B030D-6E8A-4147-A177-3AD203B41FA5}">
-                      <a16:colId xmlns:a16="http://schemas.microsoft.com/office/drawing/2014/main" xmlns="" val="1994429329"/>
+                      <a16:colId xmlns:a16="http://schemas.microsoft.com/office/drawing/2014/main" val="1994429329"/>
                     </a:ext>
                   </a:extLst>
                 </a:gridCol>
@@ -9317,7 +8861,7 @@
                 </a:tc>
                 <a:extLst>
                   <a:ext uri="{0D108BD9-81ED-4DB2-BD59-A6C34878D82A}">
-                    <a16:rowId xmlns:a16="http://schemas.microsoft.com/office/drawing/2014/main" xmlns="" val="3451926938"/>
+                    <a16:rowId xmlns:a16="http://schemas.microsoft.com/office/drawing/2014/main" val="3451926938"/>
                   </a:ext>
                 </a:extLst>
               </a:tr>
@@ -9423,7 +8967,7 @@
                 </a:tc>
                 <a:extLst>
                   <a:ext uri="{0D108BD9-81ED-4DB2-BD59-A6C34878D82A}">
-                    <a16:rowId xmlns:a16="http://schemas.microsoft.com/office/drawing/2014/main" xmlns="" val="2944139621"/>
+                    <a16:rowId xmlns:a16="http://schemas.microsoft.com/office/drawing/2014/main" val="2944139621"/>
                   </a:ext>
                 </a:extLst>
               </a:tr>
@@ -9486,7 +9030,7 @@
                 </a:tc>
                 <a:extLst>
                   <a:ext uri="{0D108BD9-81ED-4DB2-BD59-A6C34878D82A}">
-                    <a16:rowId xmlns:a16="http://schemas.microsoft.com/office/drawing/2014/main" xmlns="" val="2842031093"/>
+                    <a16:rowId xmlns:a16="http://schemas.microsoft.com/office/drawing/2014/main" val="2842031093"/>
                   </a:ext>
                 </a:extLst>
               </a:tr>
@@ -9606,7 +9150,7 @@
                 </a:tc>
                 <a:extLst>
                   <a:ext uri="{0D108BD9-81ED-4DB2-BD59-A6C34878D82A}">
-                    <a16:rowId xmlns:a16="http://schemas.microsoft.com/office/drawing/2014/main" xmlns="" val="1386237375"/>
+                    <a16:rowId xmlns:a16="http://schemas.microsoft.com/office/drawing/2014/main" val="1386237375"/>
                   </a:ext>
                 </a:extLst>
               </a:tr>
@@ -9617,7 +9161,7 @@
     </p:spTree>
     <p:extLst>
       <p:ext uri="{BB962C8B-B14F-4D97-AF65-F5344CB8AC3E}">
-        <p14:creationId xmlns:p14="http://schemas.microsoft.com/office/powerpoint/2010/main" xmlns="" val="1008835257"/>
+        <p14:creationId xmlns:p14="http://schemas.microsoft.com/office/powerpoint/2010/main" val="1008835257"/>
       </p:ext>
     </p:extLst>
   </p:cSld>
@@ -9649,7 +9193,7 @@
           <p:cNvPr id="4" name="Título 3">
             <a:extLst>
               <a:ext uri="{FF2B5EF4-FFF2-40B4-BE49-F238E27FC236}">
-                <a16:creationId xmlns:a16="http://schemas.microsoft.com/office/drawing/2014/main" xmlns="" id="{D9304602-DA18-FF79-71A4-C5F27D2DC39F}"/>
+                <a16:creationId xmlns:a16="http://schemas.microsoft.com/office/drawing/2014/main" id="{D9304602-DA18-FF79-71A4-C5F27D2DC39F}"/>
               </a:ext>
             </a:extLst>
           </p:cNvPr>
@@ -9684,7 +9228,7 @@
           <p:cNvPr id="5" name="Espaço Reservado para Conteúdo 4">
             <a:extLst>
               <a:ext uri="{FF2B5EF4-FFF2-40B4-BE49-F238E27FC236}">
-                <a16:creationId xmlns:a16="http://schemas.microsoft.com/office/drawing/2014/main" xmlns="" id="{C9B707B6-AC27-6EC3-C992-67D9615B6401}"/>
+                <a16:creationId xmlns:a16="http://schemas.microsoft.com/office/drawing/2014/main" id="{C9B707B6-AC27-6EC3-C992-67D9615B6401}"/>
               </a:ext>
             </a:extLst>
           </p:cNvPr>
@@ -9695,7 +9239,7 @@
             <p:ph idx="1"/>
             <p:extLst>
               <p:ext uri="{D42A27DB-BD31-4B8C-83A1-F6EECF244321}">
-                <p14:modId xmlns:p14="http://schemas.microsoft.com/office/powerpoint/2010/main" xmlns="" val="946322543"/>
+                <p14:modId xmlns:p14="http://schemas.microsoft.com/office/powerpoint/2010/main" val="946322543"/>
               </p:ext>
             </p:extLst>
           </p:nvPr>
@@ -9714,21 +9258,21 @@
                 <a:gridCol w="1100281">
                   <a:extLst>
                     <a:ext uri="{9D8B030D-6E8A-4147-A177-3AD203B41FA5}">
-                      <a16:colId xmlns:a16="http://schemas.microsoft.com/office/drawing/2014/main" xmlns="" val="1575778594"/>
+                      <a16:colId xmlns:a16="http://schemas.microsoft.com/office/drawing/2014/main" val="1575778594"/>
                     </a:ext>
                   </a:extLst>
                 </a:gridCol>
                 <a:gridCol w="2379189">
                   <a:extLst>
                     <a:ext uri="{9D8B030D-6E8A-4147-A177-3AD203B41FA5}">
-                      <a16:colId xmlns:a16="http://schemas.microsoft.com/office/drawing/2014/main" xmlns="" val="3092702117"/>
+                      <a16:colId xmlns:a16="http://schemas.microsoft.com/office/drawing/2014/main" val="3092702117"/>
                     </a:ext>
                   </a:extLst>
                 </a:gridCol>
                 <a:gridCol w="7849590">
                   <a:extLst>
                     <a:ext uri="{9D8B030D-6E8A-4147-A177-3AD203B41FA5}">
-                      <a16:colId xmlns:a16="http://schemas.microsoft.com/office/drawing/2014/main" xmlns="" val="1994429329"/>
+                      <a16:colId xmlns:a16="http://schemas.microsoft.com/office/drawing/2014/main" val="1994429329"/>
                     </a:ext>
                   </a:extLst>
                 </a:gridCol>
@@ -9775,7 +9319,7 @@
                 </a:tc>
                 <a:extLst>
                   <a:ext uri="{0D108BD9-81ED-4DB2-BD59-A6C34878D82A}">
-                    <a16:rowId xmlns:a16="http://schemas.microsoft.com/office/drawing/2014/main" xmlns="" val="3451926938"/>
+                    <a16:rowId xmlns:a16="http://schemas.microsoft.com/office/drawing/2014/main" val="3451926938"/>
                   </a:ext>
                 </a:extLst>
               </a:tr>
@@ -9871,7 +9415,7 @@
                 </a:tc>
                 <a:extLst>
                   <a:ext uri="{0D108BD9-81ED-4DB2-BD59-A6C34878D82A}">
-                    <a16:rowId xmlns:a16="http://schemas.microsoft.com/office/drawing/2014/main" xmlns="" val="3319175315"/>
+                    <a16:rowId xmlns:a16="http://schemas.microsoft.com/office/drawing/2014/main" val="3319175315"/>
                   </a:ext>
                 </a:extLst>
               </a:tr>
@@ -9954,7 +9498,7 @@
                 </a:tc>
                 <a:extLst>
                   <a:ext uri="{0D108BD9-81ED-4DB2-BD59-A6C34878D82A}">
-                    <a16:rowId xmlns:a16="http://schemas.microsoft.com/office/drawing/2014/main" xmlns="" val="2842031093"/>
+                    <a16:rowId xmlns:a16="http://schemas.microsoft.com/office/drawing/2014/main" val="2842031093"/>
                   </a:ext>
                 </a:extLst>
               </a:tr>
@@ -10017,7 +9561,7 @@
                 </a:tc>
                 <a:extLst>
                   <a:ext uri="{0D108BD9-81ED-4DB2-BD59-A6C34878D82A}">
-                    <a16:rowId xmlns:a16="http://schemas.microsoft.com/office/drawing/2014/main" xmlns="" val="4144478064"/>
+                    <a16:rowId xmlns:a16="http://schemas.microsoft.com/office/drawing/2014/main" val="4144478064"/>
                   </a:ext>
                 </a:extLst>
               </a:tr>
@@ -10080,7 +9624,7 @@
                 </a:tc>
                 <a:extLst>
                   <a:ext uri="{0D108BD9-81ED-4DB2-BD59-A6C34878D82A}">
-                    <a16:rowId xmlns:a16="http://schemas.microsoft.com/office/drawing/2014/main" xmlns="" val="2539329988"/>
+                    <a16:rowId xmlns:a16="http://schemas.microsoft.com/office/drawing/2014/main" val="2539329988"/>
                   </a:ext>
                 </a:extLst>
               </a:tr>
@@ -10091,7 +9635,7 @@
     </p:spTree>
     <p:extLst>
       <p:ext uri="{BB962C8B-B14F-4D97-AF65-F5344CB8AC3E}">
-        <p14:creationId xmlns:p14="http://schemas.microsoft.com/office/powerpoint/2010/main" xmlns="" val="3550946030"/>
+        <p14:creationId xmlns:p14="http://schemas.microsoft.com/office/powerpoint/2010/main" val="3550946030"/>
       </p:ext>
     </p:extLst>
   </p:cSld>
@@ -10123,7 +9667,7 @@
           <p:cNvPr id="4" name="Título 3">
             <a:extLst>
               <a:ext uri="{FF2B5EF4-FFF2-40B4-BE49-F238E27FC236}">
-                <a16:creationId xmlns:a16="http://schemas.microsoft.com/office/drawing/2014/main" xmlns="" id="{D9304602-DA18-FF79-71A4-C5F27D2DC39F}"/>
+                <a16:creationId xmlns:a16="http://schemas.microsoft.com/office/drawing/2014/main" id="{D9304602-DA18-FF79-71A4-C5F27D2DC39F}"/>
               </a:ext>
             </a:extLst>
           </p:cNvPr>
@@ -10158,7 +9702,7 @@
           <p:cNvPr id="5" name="Espaço Reservado para Conteúdo 4">
             <a:extLst>
               <a:ext uri="{FF2B5EF4-FFF2-40B4-BE49-F238E27FC236}">
-                <a16:creationId xmlns:a16="http://schemas.microsoft.com/office/drawing/2014/main" xmlns="" id="{C9B707B6-AC27-6EC3-C992-67D9615B6401}"/>
+                <a16:creationId xmlns:a16="http://schemas.microsoft.com/office/drawing/2014/main" id="{C9B707B6-AC27-6EC3-C992-67D9615B6401}"/>
               </a:ext>
             </a:extLst>
           </p:cNvPr>
@@ -10169,7 +9713,7 @@
             <p:ph idx="1"/>
             <p:extLst>
               <p:ext uri="{D42A27DB-BD31-4B8C-83A1-F6EECF244321}">
-                <p14:modId xmlns:p14="http://schemas.microsoft.com/office/powerpoint/2010/main" xmlns="" val="1569274692"/>
+                <p14:modId xmlns:p14="http://schemas.microsoft.com/office/powerpoint/2010/main" val="1569274692"/>
               </p:ext>
             </p:extLst>
           </p:nvPr>
@@ -10188,21 +9732,21 @@
                 <a:gridCol w="1100281">
                   <a:extLst>
                     <a:ext uri="{9D8B030D-6E8A-4147-A177-3AD203B41FA5}">
-                      <a16:colId xmlns:a16="http://schemas.microsoft.com/office/drawing/2014/main" xmlns="" val="1575778594"/>
+                      <a16:colId xmlns:a16="http://schemas.microsoft.com/office/drawing/2014/main" val="1575778594"/>
                     </a:ext>
                   </a:extLst>
                 </a:gridCol>
                 <a:gridCol w="2379189">
                   <a:extLst>
                     <a:ext uri="{9D8B030D-6E8A-4147-A177-3AD203B41FA5}">
-                      <a16:colId xmlns:a16="http://schemas.microsoft.com/office/drawing/2014/main" xmlns="" val="3092702117"/>
+                      <a16:colId xmlns:a16="http://schemas.microsoft.com/office/drawing/2014/main" val="3092702117"/>
                     </a:ext>
                   </a:extLst>
                 </a:gridCol>
                 <a:gridCol w="7849590">
                   <a:extLst>
                     <a:ext uri="{9D8B030D-6E8A-4147-A177-3AD203B41FA5}">
-                      <a16:colId xmlns:a16="http://schemas.microsoft.com/office/drawing/2014/main" xmlns="" val="1994429329"/>
+                      <a16:colId xmlns:a16="http://schemas.microsoft.com/office/drawing/2014/main" val="1994429329"/>
                     </a:ext>
                   </a:extLst>
                 </a:gridCol>
@@ -10249,7 +9793,7 @@
                 </a:tc>
                 <a:extLst>
                   <a:ext uri="{0D108BD9-81ED-4DB2-BD59-A6C34878D82A}">
-                    <a16:rowId xmlns:a16="http://schemas.microsoft.com/office/drawing/2014/main" xmlns="" val="3451926938"/>
+                    <a16:rowId xmlns:a16="http://schemas.microsoft.com/office/drawing/2014/main" val="3451926938"/>
                   </a:ext>
                 </a:extLst>
               </a:tr>
@@ -10340,7 +9884,7 @@
                 </a:tc>
                 <a:extLst>
                   <a:ext uri="{0D108BD9-81ED-4DB2-BD59-A6C34878D82A}">
-                    <a16:rowId xmlns:a16="http://schemas.microsoft.com/office/drawing/2014/main" xmlns="" val="3319175315"/>
+                    <a16:rowId xmlns:a16="http://schemas.microsoft.com/office/drawing/2014/main" val="3319175315"/>
                   </a:ext>
                 </a:extLst>
               </a:tr>
@@ -10443,7 +9987,7 @@
                 </a:tc>
                 <a:extLst>
                   <a:ext uri="{0D108BD9-81ED-4DB2-BD59-A6C34878D82A}">
-                    <a16:rowId xmlns:a16="http://schemas.microsoft.com/office/drawing/2014/main" xmlns="" val="2944139621"/>
+                    <a16:rowId xmlns:a16="http://schemas.microsoft.com/office/drawing/2014/main" val="2944139621"/>
                   </a:ext>
                 </a:extLst>
               </a:tr>
@@ -10456,7 +10000,7 @@
           <p:cNvPr id="2" name="Imagem 1">
             <a:extLst>
               <a:ext uri="{FF2B5EF4-FFF2-40B4-BE49-F238E27FC236}">
-                <a16:creationId xmlns:a16="http://schemas.microsoft.com/office/drawing/2014/main" xmlns="" id="{2AD4EBDE-583B-B559-5C11-31B8D41CE245}"/>
+                <a16:creationId xmlns:a16="http://schemas.microsoft.com/office/drawing/2014/main" id="{2AD4EBDE-583B-B559-5C11-31B8D41CE245}"/>
               </a:ext>
             </a:extLst>
           </p:cNvPr>
@@ -10486,7 +10030,7 @@
           <p:cNvPr id="3" name="Imagem 2">
             <a:extLst>
               <a:ext uri="{FF2B5EF4-FFF2-40B4-BE49-F238E27FC236}">
-                <a16:creationId xmlns:a16="http://schemas.microsoft.com/office/drawing/2014/main" xmlns="" id="{4D864E99-8FFE-3197-2C17-8954048B7DE8}"/>
+                <a16:creationId xmlns:a16="http://schemas.microsoft.com/office/drawing/2014/main" id="{4D864E99-8FFE-3197-2C17-8954048B7DE8}"/>
               </a:ext>
             </a:extLst>
           </p:cNvPr>
@@ -10516,7 +10060,7 @@
           <p:cNvPr id="6" name="Imagem 5">
             <a:extLst>
               <a:ext uri="{FF2B5EF4-FFF2-40B4-BE49-F238E27FC236}">
-                <a16:creationId xmlns:a16="http://schemas.microsoft.com/office/drawing/2014/main" xmlns="" id="{14CC290B-128E-E93B-055B-5B4178B43E95}"/>
+                <a16:creationId xmlns:a16="http://schemas.microsoft.com/office/drawing/2014/main" id="{14CC290B-128E-E93B-055B-5B4178B43E95}"/>
               </a:ext>
             </a:extLst>
           </p:cNvPr>
@@ -10546,7 +10090,7 @@
           <p:cNvPr id="10" name="Imagem 9">
             <a:extLst>
               <a:ext uri="{FF2B5EF4-FFF2-40B4-BE49-F238E27FC236}">
-                <a16:creationId xmlns:a16="http://schemas.microsoft.com/office/drawing/2014/main" xmlns="" id="{7FB24CB0-D72A-3F5A-1F1D-7E04FA297C82}"/>
+                <a16:creationId xmlns:a16="http://schemas.microsoft.com/office/drawing/2014/main" id="{7FB24CB0-D72A-3F5A-1F1D-7E04FA297C82}"/>
               </a:ext>
             </a:extLst>
           </p:cNvPr>
@@ -10573,7 +10117,7 @@
     </p:spTree>
     <p:extLst>
       <p:ext uri="{BB962C8B-B14F-4D97-AF65-F5344CB8AC3E}">
-        <p14:creationId xmlns:p14="http://schemas.microsoft.com/office/powerpoint/2010/main" xmlns="" val="3914244365"/>
+        <p14:creationId xmlns:p14="http://schemas.microsoft.com/office/powerpoint/2010/main" val="3914244365"/>
       </p:ext>
     </p:extLst>
   </p:cSld>
@@ -10605,7 +10149,7 @@
           <p:cNvPr id="4" name="Título 3">
             <a:extLst>
               <a:ext uri="{FF2B5EF4-FFF2-40B4-BE49-F238E27FC236}">
-                <a16:creationId xmlns:a16="http://schemas.microsoft.com/office/drawing/2014/main" xmlns="" id="{D9304602-DA18-FF79-71A4-C5F27D2DC39F}"/>
+                <a16:creationId xmlns:a16="http://schemas.microsoft.com/office/drawing/2014/main" id="{D9304602-DA18-FF79-71A4-C5F27D2DC39F}"/>
               </a:ext>
             </a:extLst>
           </p:cNvPr>
@@ -10640,7 +10184,7 @@
           <p:cNvPr id="5" name="Espaço Reservado para Conteúdo 4">
             <a:extLst>
               <a:ext uri="{FF2B5EF4-FFF2-40B4-BE49-F238E27FC236}">
-                <a16:creationId xmlns:a16="http://schemas.microsoft.com/office/drawing/2014/main" xmlns="" id="{C9B707B6-AC27-6EC3-C992-67D9615B6401}"/>
+                <a16:creationId xmlns:a16="http://schemas.microsoft.com/office/drawing/2014/main" id="{C9B707B6-AC27-6EC3-C992-67D9615B6401}"/>
               </a:ext>
             </a:extLst>
           </p:cNvPr>
@@ -10651,7 +10195,7 @@
             <p:ph idx="1"/>
             <p:extLst>
               <p:ext uri="{D42A27DB-BD31-4B8C-83A1-F6EECF244321}">
-                <p14:modId xmlns:p14="http://schemas.microsoft.com/office/powerpoint/2010/main" xmlns="" val="3318696576"/>
+                <p14:modId xmlns:p14="http://schemas.microsoft.com/office/powerpoint/2010/main" val="3318696576"/>
               </p:ext>
             </p:extLst>
           </p:nvPr>
@@ -10670,21 +10214,21 @@
                 <a:gridCol w="1100281">
                   <a:extLst>
                     <a:ext uri="{9D8B030D-6E8A-4147-A177-3AD203B41FA5}">
-                      <a16:colId xmlns:a16="http://schemas.microsoft.com/office/drawing/2014/main" xmlns="" val="1575778594"/>
+                      <a16:colId xmlns:a16="http://schemas.microsoft.com/office/drawing/2014/main" val="1575778594"/>
                     </a:ext>
                   </a:extLst>
                 </a:gridCol>
                 <a:gridCol w="2379189">
                   <a:extLst>
                     <a:ext uri="{9D8B030D-6E8A-4147-A177-3AD203B41FA5}">
-                      <a16:colId xmlns:a16="http://schemas.microsoft.com/office/drawing/2014/main" xmlns="" val="3092702117"/>
+                      <a16:colId xmlns:a16="http://schemas.microsoft.com/office/drawing/2014/main" val="3092702117"/>
                     </a:ext>
                   </a:extLst>
                 </a:gridCol>
                 <a:gridCol w="7849590">
                   <a:extLst>
                     <a:ext uri="{9D8B030D-6E8A-4147-A177-3AD203B41FA5}">
-                      <a16:colId xmlns:a16="http://schemas.microsoft.com/office/drawing/2014/main" xmlns="" val="1994429329"/>
+                      <a16:colId xmlns:a16="http://schemas.microsoft.com/office/drawing/2014/main" val="1994429329"/>
                     </a:ext>
                   </a:extLst>
                 </a:gridCol>
@@ -10731,7 +10275,7 @@
                 </a:tc>
                 <a:extLst>
                   <a:ext uri="{0D108BD9-81ED-4DB2-BD59-A6C34878D82A}">
-                    <a16:rowId xmlns:a16="http://schemas.microsoft.com/office/drawing/2014/main" xmlns="" val="3451926938"/>
+                    <a16:rowId xmlns:a16="http://schemas.microsoft.com/office/drawing/2014/main" val="3451926938"/>
                   </a:ext>
                 </a:extLst>
               </a:tr>
@@ -10819,7 +10363,7 @@
                 </a:tc>
                 <a:extLst>
                   <a:ext uri="{0D108BD9-81ED-4DB2-BD59-A6C34878D82A}">
-                    <a16:rowId xmlns:a16="http://schemas.microsoft.com/office/drawing/2014/main" xmlns="" val="3319175315"/>
+                    <a16:rowId xmlns:a16="http://schemas.microsoft.com/office/drawing/2014/main" val="3319175315"/>
                   </a:ext>
                 </a:extLst>
               </a:tr>
@@ -10832,7 +10376,7 @@
           <p:cNvPr id="8" name="Imagem 7">
             <a:extLst>
               <a:ext uri="{FF2B5EF4-FFF2-40B4-BE49-F238E27FC236}">
-                <a16:creationId xmlns:a16="http://schemas.microsoft.com/office/drawing/2014/main" xmlns="" id="{FC5439BC-59D0-5F6D-BE51-A82DE0AC90B5}"/>
+                <a16:creationId xmlns:a16="http://schemas.microsoft.com/office/drawing/2014/main" id="{FC5439BC-59D0-5F6D-BE51-A82DE0AC90B5}"/>
               </a:ext>
             </a:extLst>
           </p:cNvPr>
@@ -10859,7 +10403,7 @@
     </p:spTree>
     <p:extLst>
       <p:ext uri="{BB962C8B-B14F-4D97-AF65-F5344CB8AC3E}">
-        <p14:creationId xmlns:p14="http://schemas.microsoft.com/office/powerpoint/2010/main" xmlns="" val="1904971298"/>
+        <p14:creationId xmlns:p14="http://schemas.microsoft.com/office/powerpoint/2010/main" val="1904971298"/>
       </p:ext>
     </p:extLst>
   </p:cSld>
@@ -10944,13 +10488,8 @@
           <a:p>
             <a:r>
               <a:rPr lang="pt-BR" dirty="0" smtClean="0"/>
-              <a:t>Projeto: </a:t>
-            </a:r>
-            <a:r>
-              <a:rPr lang="pt-BR" dirty="0" smtClean="0"/>
-              <a:t>Almoxarifado</a:t>
-            </a:r>
-            <a:endParaRPr lang="pt-BR" dirty="0" smtClean="0"/>
+              <a:t>Projeto: Almoxarifado</a:t>
+            </a:r>
           </a:p>
           <a:p>
             <a:endParaRPr lang="pt-BR" dirty="0"/>
@@ -11067,35 +10606,17 @@
           <a:p>
             <a:r>
               <a:rPr lang="pt-BR" dirty="0" smtClean="0"/>
-              <a:t>Pré-condição: </a:t>
-            </a:r>
+              <a:t>Pré-condição:  Tela almoxarifado estar aberta</a:t>
+            </a:r>
+          </a:p>
+          <a:p>
+            <a:endParaRPr lang="pt-BR" dirty="0" smtClean="0"/>
+          </a:p>
+          <a:p>
             <a:r>
               <a:rPr lang="pt-BR" dirty="0" smtClean="0"/>
-              <a:t> </a:t>
-            </a:r>
-            <a:r>
-              <a:rPr lang="pt-BR" dirty="0" smtClean="0"/>
-              <a:t>Tela almoxarifado </a:t>
-            </a:r>
-            <a:r>
-              <a:rPr lang="pt-BR" dirty="0" smtClean="0"/>
-              <a:t>estar aberta</a:t>
-            </a:r>
-            <a:endParaRPr lang="pt-BR" dirty="0" smtClean="0"/>
-          </a:p>
-          <a:p>
-            <a:endParaRPr lang="pt-BR" dirty="0" smtClean="0"/>
-          </a:p>
-          <a:p>
-            <a:r>
-              <a:rPr lang="pt-BR" dirty="0" smtClean="0"/>
-              <a:t>Ações</a:t>
-            </a:r>
-            <a:r>
-              <a:rPr lang="pt-BR" dirty="0" smtClean="0"/>
-              <a:t>: </a:t>
-            </a:r>
-            <a:endParaRPr lang="pt-BR" dirty="0" smtClean="0"/>
+              <a:t>Ações: </a:t>
+            </a:r>
           </a:p>
           <a:p>
             <a:r>
@@ -11106,19 +10627,7 @@
           <a:p>
             <a:r>
               <a:rPr lang="pt-BR" dirty="0" smtClean="0"/>
-              <a:t>2- </a:t>
-            </a:r>
-            <a:r>
-              <a:rPr lang="pt-BR" dirty="0" smtClean="0"/>
-              <a:t>Preencher todos os campos obrigatoriamente, </a:t>
-            </a:r>
-            <a:r>
-              <a:rPr lang="pt-BR" dirty="0" smtClean="0"/>
-              <a:t>com </a:t>
-            </a:r>
-            <a:r>
-              <a:rPr lang="pt-BR" dirty="0" smtClean="0"/>
-              <a:t>exceção do campo “Nome Funcionário”.</a:t>
+              <a:t>2- Preencher todos os campos obrigatoriamente, com exceção do campo “Nome Funcionário”.</a:t>
             </a:r>
           </a:p>
           <a:p>
@@ -11126,7 +10635,6 @@
               <a:rPr lang="pt-BR" dirty="0" smtClean="0"/>
               <a:t>3- Clicar no botão gravar  para verificar.</a:t>
             </a:r>
-            <a:endParaRPr lang="pt-BR" dirty="0" smtClean="0"/>
           </a:p>
           <a:p>
             <a:endParaRPr lang="pt-BR" dirty="0"/>
@@ -11134,15 +10642,7 @@
           <a:p>
             <a:r>
               <a:rPr lang="pt-BR" dirty="0" smtClean="0"/>
-              <a:t>Resultado esperado: </a:t>
-            </a:r>
-            <a:r>
-              <a:rPr lang="pt-BR" dirty="0" smtClean="0"/>
-              <a:t> </a:t>
-            </a:r>
-            <a:r>
-              <a:rPr lang="pt-BR" dirty="0" smtClean="0"/>
-              <a:t>Site verifica se os campos obrigatórios estão preenchidos.</a:t>
+              <a:t>Resultado esperado:  Site verifica se os campos obrigatórios estão preenchidos.</a:t>
             </a:r>
             <a:endParaRPr lang="pt-BR" dirty="0"/>
           </a:p>
@@ -11176,15 +10676,7 @@
                   <a:schemeClr val="bg1"/>
                 </a:solidFill>
               </a:rPr>
-              <a:t>CT 01- RN 01: </a:t>
-            </a:r>
-            <a:r>
-              <a:rPr lang="pt-BR" sz="2800" dirty="0" smtClean="0">
-                <a:solidFill>
-                  <a:schemeClr val="bg1"/>
-                </a:solidFill>
-              </a:rPr>
-              <a:t>Tela Requisição &gt; Campos</a:t>
+              <a:t>CT 01- RN 01: Tela Requisição &gt; Campos</a:t>
             </a:r>
           </a:p>
           <a:p>
@@ -11207,7 +10699,7 @@
     </p:spTree>
     <p:extLst>
       <p:ext uri="{BB962C8B-B14F-4D97-AF65-F5344CB8AC3E}">
-        <p14:creationId xmlns:p14="http://schemas.microsoft.com/office/powerpoint/2010/main" xmlns="" val="2280469650"/>
+        <p14:creationId xmlns:p14="http://schemas.microsoft.com/office/powerpoint/2010/main" val="2280469650"/>
       </p:ext>
     </p:extLst>
   </p:cSld>
@@ -11506,7 +10998,7 @@
   <a:extraClrSchemeLst/>
   <a:extLst>
     <a:ext uri="{05A4C25C-085E-4340-85A3-A5531E510DB2}">
-      <thm15:themeFamily xmlns:thm15="http://schemas.microsoft.com/office/thememl/2012/main" xmlns="" name="Office Theme" id="{62F939B6-93AF-4DB8-9C6B-D6C7DFDC589F}" vid="{4A3C46E8-61CC-4603-A589-7422A47A8E4A}"/>
+      <thm15:themeFamily xmlns:thm15="http://schemas.microsoft.com/office/thememl/2012/main" name="Office Theme" id="{62F939B6-93AF-4DB8-9C6B-D6C7DFDC589F}" vid="{4A3C46E8-61CC-4603-A589-7422A47A8E4A}"/>
     </a:ext>
   </a:extLst>
 </a:theme>
